--- a/gfx/gfx.pptx
+++ b/gfx/gfx.pptx
@@ -7,7 +7,13 @@
   <p:sldIdLst>
     <p:sldId id="256" r:id="rId2"/>
     <p:sldId id="257" r:id="rId3"/>
-    <p:sldId id="258" r:id="rId4"/>
+    <p:sldId id="262" r:id="rId4"/>
+    <p:sldId id="259" r:id="rId5"/>
+    <p:sldId id="263" r:id="rId6"/>
+    <p:sldId id="264" r:id="rId7"/>
+    <p:sldId id="258" r:id="rId8"/>
+    <p:sldId id="260" r:id="rId9"/>
+    <p:sldId id="261" r:id="rId10"/>
   </p:sldIdLst>
   <p:sldSz cx="12192000" cy="6858000"/>
   <p:notesSz cx="6858000" cy="9144000"/>
@@ -117,7 +123,7 @@
 <file path=ppt/revisionInfo.xml><?xml version="1.0" encoding="utf-8"?>
 <p1510:revInfo xmlns:a="http://schemas.openxmlformats.org/drawingml/2006/main" xmlns:r="http://schemas.openxmlformats.org/officeDocument/2006/relationships" xmlns:p1510="http://schemas.microsoft.com/office/powerpoint/2015/10/main">
   <p1510:revLst>
-    <p1510:client id="{0DB656C6-C85F-405E-BC0E-3A1F708CE029}" v="71" dt="2025-02-09T19:01:46.175"/>
+    <p1510:client id="{0DB656C6-C85F-405E-BC0E-3A1F708CE029}" v="215" dt="2025-02-21T10:37:11.010"/>
   </p1510:revLst>
 </p1510:revInfo>
 </file>
@@ -126,25 +132,17 @@
 <pc:chgInfo xmlns:a="http://schemas.openxmlformats.org/drawingml/2006/main" xmlns:r="http://schemas.openxmlformats.org/officeDocument/2006/relationships" xmlns:ac="http://schemas.microsoft.com/office/drawing/2013/main/command" xmlns:pc="http://schemas.microsoft.com/office/powerpoint/2013/main/command">
   <pc:docChgLst>
     <pc:chgData name="Möhrlein, Felix" userId="71e068fd-768c-4507-8d40-f56a9d245ead" providerId="ADAL" clId="{0DB656C6-C85F-405E-BC0E-3A1F708CE029}"/>
-    <pc:docChg chg="undo custSel addSld delSld modSld">
-      <pc:chgData name="Möhrlein, Felix" userId="71e068fd-768c-4507-8d40-f56a9d245ead" providerId="ADAL" clId="{0DB656C6-C85F-405E-BC0E-3A1F708CE029}" dt="2025-02-09T19:11:50.096" v="564" actId="1076"/>
+    <pc:docChg chg="undo redo custSel addSld delSld modSld">
+      <pc:chgData name="Möhrlein, Felix" userId="71e068fd-768c-4507-8d40-f56a9d245ead" providerId="ADAL" clId="{0DB656C6-C85F-405E-BC0E-3A1F708CE029}" dt="2025-02-21T10:40:17.510" v="1118" actId="478"/>
       <pc:docMkLst>
         <pc:docMk/>
       </pc:docMkLst>
       <pc:sldChg chg="addSp delSp modSp new add del mod">
-        <pc:chgData name="Möhrlein, Felix" userId="71e068fd-768c-4507-8d40-f56a9d245ead" providerId="ADAL" clId="{0DB656C6-C85F-405E-BC0E-3A1F708CE029}" dt="2025-02-09T18:49:43.688" v="351" actId="1076"/>
+        <pc:chgData name="Möhrlein, Felix" userId="71e068fd-768c-4507-8d40-f56a9d245ead" providerId="ADAL" clId="{0DB656C6-C85F-405E-BC0E-3A1F708CE029}" dt="2025-02-21T09:25:14.266" v="570" actId="20577"/>
         <pc:sldMkLst>
           <pc:docMk/>
           <pc:sldMk cId="3935491745" sldId="256"/>
         </pc:sldMkLst>
-        <pc:spChg chg="del">
-          <ac:chgData name="Möhrlein, Felix" userId="71e068fd-768c-4507-8d40-f56a9d245ead" providerId="ADAL" clId="{0DB656C6-C85F-405E-BC0E-3A1F708CE029}" dt="2025-02-09T13:30:42.018" v="1" actId="478"/>
-          <ac:spMkLst>
-            <pc:docMk/>
-            <pc:sldMk cId="3935491745" sldId="256"/>
-            <ac:spMk id="2" creationId="{4CEF99F0-FA03-3A78-69DF-85FC929E6E70}"/>
-          </ac:spMkLst>
-        </pc:spChg>
         <pc:spChg chg="add mod">
           <ac:chgData name="Möhrlein, Felix" userId="71e068fd-768c-4507-8d40-f56a9d245ead" providerId="ADAL" clId="{0DB656C6-C85F-405E-BC0E-3A1F708CE029}" dt="2025-02-09T18:48:38.311" v="344" actId="1076"/>
           <ac:spMkLst>
@@ -153,14 +151,6 @@
             <ac:spMk id="2" creationId="{A3312244-67C5-811F-8D5B-C5C5181AAC4E}"/>
           </ac:spMkLst>
         </pc:spChg>
-        <pc:spChg chg="del">
-          <ac:chgData name="Möhrlein, Felix" userId="71e068fd-768c-4507-8d40-f56a9d245ead" providerId="ADAL" clId="{0DB656C6-C85F-405E-BC0E-3A1F708CE029}" dt="2025-02-09T13:30:43.310" v="2" actId="478"/>
-          <ac:spMkLst>
-            <pc:docMk/>
-            <pc:sldMk cId="3935491745" sldId="256"/>
-            <ac:spMk id="3" creationId="{2DA8F6AF-A737-3F3B-C4D7-4A801392F7F2}"/>
-          </ac:spMkLst>
-        </pc:spChg>
         <pc:spChg chg="add mod">
           <ac:chgData name="Möhrlein, Felix" userId="71e068fd-768c-4507-8d40-f56a9d245ead" providerId="ADAL" clId="{0DB656C6-C85F-405E-BC0E-3A1F708CE029}" dt="2025-02-09T18:48:48.835" v="345" actId="1076"/>
           <ac:spMkLst>
@@ -170,7 +160,7 @@
           </ac:spMkLst>
         </pc:spChg>
         <pc:spChg chg="add mod">
-          <ac:chgData name="Möhrlein, Felix" userId="71e068fd-768c-4507-8d40-f56a9d245ead" providerId="ADAL" clId="{0DB656C6-C85F-405E-BC0E-3A1F708CE029}" dt="2025-02-09T14:12:37.166" v="220" actId="1076"/>
+          <ac:chgData name="Möhrlein, Felix" userId="71e068fd-768c-4507-8d40-f56a9d245ead" providerId="ADAL" clId="{0DB656C6-C85F-405E-BC0E-3A1F708CE029}" dt="2025-02-21T09:25:14.266" v="570" actId="20577"/>
           <ac:spMkLst>
             <pc:docMk/>
             <pc:sldMk cId="3935491745" sldId="256"/>
@@ -185,22 +175,6 @@
             <ac:spMk id="5" creationId="{A266BA0C-925E-6E6C-F233-6E303AEA2E1D}"/>
           </ac:spMkLst>
         </pc:spChg>
-        <pc:spChg chg="add del mod">
-          <ac:chgData name="Möhrlein, Felix" userId="71e068fd-768c-4507-8d40-f56a9d245ead" providerId="ADAL" clId="{0DB656C6-C85F-405E-BC0E-3A1F708CE029}" dt="2025-02-09T18:48:59.838" v="346" actId="478"/>
-          <ac:spMkLst>
-            <pc:docMk/>
-            <pc:sldMk cId="3935491745" sldId="256"/>
-            <ac:spMk id="6" creationId="{1B929AC0-52B2-9C89-47D5-B4E6A99EFCE0}"/>
-          </ac:spMkLst>
-        </pc:spChg>
-        <pc:spChg chg="add del mod">
-          <ac:chgData name="Möhrlein, Felix" userId="71e068fd-768c-4507-8d40-f56a9d245ead" providerId="ADAL" clId="{0DB656C6-C85F-405E-BC0E-3A1F708CE029}" dt="2025-02-09T13:36:55.471" v="97"/>
-          <ac:spMkLst>
-            <pc:docMk/>
-            <pc:sldMk cId="3935491745" sldId="256"/>
-            <ac:spMk id="6" creationId="{90631F8A-5AF4-A481-8955-461B226E553B}"/>
-          </ac:spMkLst>
-        </pc:spChg>
         <pc:spChg chg="add mod">
           <ac:chgData name="Möhrlein, Felix" userId="71e068fd-768c-4507-8d40-f56a9d245ead" providerId="ADAL" clId="{0DB656C6-C85F-405E-BC0E-3A1F708CE029}" dt="2025-02-09T13:46:14.926" v="213" actId="14100"/>
           <ac:spMkLst>
@@ -209,22 +183,6 @@
             <ac:spMk id="7" creationId="{533FC63E-D2B6-5F2F-C917-95BE49C15049}"/>
           </ac:spMkLst>
         </pc:spChg>
-        <pc:spChg chg="add del mod">
-          <ac:chgData name="Möhrlein, Felix" userId="71e068fd-768c-4507-8d40-f56a9d245ead" providerId="ADAL" clId="{0DB656C6-C85F-405E-BC0E-3A1F708CE029}" dt="2025-02-09T18:49:00.901" v="347" actId="478"/>
-          <ac:spMkLst>
-            <pc:docMk/>
-            <pc:sldMk cId="3935491745" sldId="256"/>
-            <ac:spMk id="8" creationId="{23EE642A-8994-A125-6040-9CABF5BA192C}"/>
-          </ac:spMkLst>
-        </pc:spChg>
-        <pc:spChg chg="add del mod">
-          <ac:chgData name="Möhrlein, Felix" userId="71e068fd-768c-4507-8d40-f56a9d245ead" providerId="ADAL" clId="{0DB656C6-C85F-405E-BC0E-3A1F708CE029}" dt="2025-02-09T13:39:46.617" v="130" actId="478"/>
-          <ac:spMkLst>
-            <pc:docMk/>
-            <pc:sldMk cId="3935491745" sldId="256"/>
-            <ac:spMk id="8" creationId="{B640CA38-856A-85ED-A965-2D950E2B2381}"/>
-          </ac:spMkLst>
-        </pc:spChg>
         <pc:spChg chg="add mod">
           <ac:chgData name="Möhrlein, Felix" userId="71e068fd-768c-4507-8d40-f56a9d245ead" providerId="ADAL" clId="{0DB656C6-C85F-405E-BC0E-3A1F708CE029}" dt="2025-02-09T14:52:12.225" v="236" actId="1076"/>
           <ac:spMkLst>
@@ -289,166 +247,6 @@
             <ac:spMk id="16" creationId="{C527C1F7-875E-B511-5C95-92BFDCE2E70F}"/>
           </ac:spMkLst>
         </pc:spChg>
-        <pc:spChg chg="add mod">
-          <ac:chgData name="Möhrlein, Felix" userId="71e068fd-768c-4507-8d40-f56a9d245ead" providerId="ADAL" clId="{0DB656C6-C85F-405E-BC0E-3A1F708CE029}" dt="2025-02-09T15:03:11.334" v="297"/>
-          <ac:spMkLst>
-            <pc:docMk/>
-            <pc:sldMk cId="3935491745" sldId="256"/>
-            <ac:spMk id="40" creationId="{EDDFB3A6-B320-3D25-7B4B-2B7299A57606}"/>
-          </ac:spMkLst>
-        </pc:spChg>
-        <pc:spChg chg="add mod">
-          <ac:chgData name="Möhrlein, Felix" userId="71e068fd-768c-4507-8d40-f56a9d245ead" providerId="ADAL" clId="{0DB656C6-C85F-405E-BC0E-3A1F708CE029}" dt="2025-02-09T15:03:11.334" v="297"/>
-          <ac:spMkLst>
-            <pc:docMk/>
-            <pc:sldMk cId="3935491745" sldId="256"/>
-            <ac:spMk id="41" creationId="{04D5543B-7676-E0CC-B422-36925CD9FDF7}"/>
-          </ac:spMkLst>
-        </pc:spChg>
-        <pc:spChg chg="add mod">
-          <ac:chgData name="Möhrlein, Felix" userId="71e068fd-768c-4507-8d40-f56a9d245ead" providerId="ADAL" clId="{0DB656C6-C85F-405E-BC0E-3A1F708CE029}" dt="2025-02-09T15:03:11.334" v="297"/>
-          <ac:spMkLst>
-            <pc:docMk/>
-            <pc:sldMk cId="3935491745" sldId="256"/>
-            <ac:spMk id="42" creationId="{CAFE292E-D3BA-6FD9-B3B2-84ADB732B664}"/>
-          </ac:spMkLst>
-        </pc:spChg>
-        <pc:spChg chg="add mod">
-          <ac:chgData name="Möhrlein, Felix" userId="71e068fd-768c-4507-8d40-f56a9d245ead" providerId="ADAL" clId="{0DB656C6-C85F-405E-BC0E-3A1F708CE029}" dt="2025-02-09T15:03:11.334" v="297"/>
-          <ac:spMkLst>
-            <pc:docMk/>
-            <pc:sldMk cId="3935491745" sldId="256"/>
-            <ac:spMk id="43" creationId="{D33118CB-0151-25CB-D9E6-44F9D1DA11B5}"/>
-          </ac:spMkLst>
-        </pc:spChg>
-        <pc:spChg chg="add mod">
-          <ac:chgData name="Möhrlein, Felix" userId="71e068fd-768c-4507-8d40-f56a9d245ead" providerId="ADAL" clId="{0DB656C6-C85F-405E-BC0E-3A1F708CE029}" dt="2025-02-09T15:03:11.334" v="297"/>
-          <ac:spMkLst>
-            <pc:docMk/>
-            <pc:sldMk cId="3935491745" sldId="256"/>
-            <ac:spMk id="44" creationId="{C9A9842B-CE10-F02D-2068-8F0FA23FEDE1}"/>
-          </ac:spMkLst>
-        </pc:spChg>
-        <pc:spChg chg="add mod">
-          <ac:chgData name="Möhrlein, Felix" userId="71e068fd-768c-4507-8d40-f56a9d245ead" providerId="ADAL" clId="{0DB656C6-C85F-405E-BC0E-3A1F708CE029}" dt="2025-02-09T15:03:11.334" v="297"/>
-          <ac:spMkLst>
-            <pc:docMk/>
-            <pc:sldMk cId="3935491745" sldId="256"/>
-            <ac:spMk id="45" creationId="{CF747889-88BB-7446-9962-33F22E8A3CE9}"/>
-          </ac:spMkLst>
-        </pc:spChg>
-        <pc:spChg chg="add mod">
-          <ac:chgData name="Möhrlein, Felix" userId="71e068fd-768c-4507-8d40-f56a9d245ead" providerId="ADAL" clId="{0DB656C6-C85F-405E-BC0E-3A1F708CE029}" dt="2025-02-09T15:03:11.334" v="297"/>
-          <ac:spMkLst>
-            <pc:docMk/>
-            <pc:sldMk cId="3935491745" sldId="256"/>
-            <ac:spMk id="46" creationId="{627F1191-E92D-ADF4-F6DE-0A94E9E5D547}"/>
-          </ac:spMkLst>
-        </pc:spChg>
-        <pc:spChg chg="add del mod">
-          <ac:chgData name="Möhrlein, Felix" userId="71e068fd-768c-4507-8d40-f56a9d245ead" providerId="ADAL" clId="{0DB656C6-C85F-405E-BC0E-3A1F708CE029}" dt="2025-02-09T18:26:02.213" v="310" actId="478"/>
-          <ac:spMkLst>
-            <pc:docMk/>
-            <pc:sldMk cId="3935491745" sldId="256"/>
-            <ac:spMk id="53" creationId="{4298DAD6-B33C-27AE-CB8C-2A14A1058555}"/>
-          </ac:spMkLst>
-        </pc:spChg>
-        <pc:spChg chg="add del mod">
-          <ac:chgData name="Möhrlein, Felix" userId="71e068fd-768c-4507-8d40-f56a9d245ead" providerId="ADAL" clId="{0DB656C6-C85F-405E-BC0E-3A1F708CE029}" dt="2025-02-09T18:26:02.213" v="310" actId="478"/>
-          <ac:spMkLst>
-            <pc:docMk/>
-            <pc:sldMk cId="3935491745" sldId="256"/>
-            <ac:spMk id="54" creationId="{A93E40AF-8CEC-1E90-E634-7D832CC928B0}"/>
-          </ac:spMkLst>
-        </pc:spChg>
-        <pc:spChg chg="add del mod">
-          <ac:chgData name="Möhrlein, Felix" userId="71e068fd-768c-4507-8d40-f56a9d245ead" providerId="ADAL" clId="{0DB656C6-C85F-405E-BC0E-3A1F708CE029}" dt="2025-02-09T15:13:18.035" v="301" actId="478"/>
-          <ac:spMkLst>
-            <pc:docMk/>
-            <pc:sldMk cId="3935491745" sldId="256"/>
-            <ac:spMk id="55" creationId="{8D41979F-8F6B-C4AF-0404-CC820A15D426}"/>
-          </ac:spMkLst>
-        </pc:spChg>
-        <pc:spChg chg="add del mod">
-          <ac:chgData name="Möhrlein, Felix" userId="71e068fd-768c-4507-8d40-f56a9d245ead" providerId="ADAL" clId="{0DB656C6-C85F-405E-BC0E-3A1F708CE029}" dt="2025-02-09T18:26:02.213" v="310" actId="478"/>
-          <ac:spMkLst>
-            <pc:docMk/>
-            <pc:sldMk cId="3935491745" sldId="256"/>
-            <ac:spMk id="56" creationId="{DFE19808-BE9C-FE88-E0CE-46C1E240A997}"/>
-          </ac:spMkLst>
-        </pc:spChg>
-        <pc:spChg chg="add del mod">
-          <ac:chgData name="Möhrlein, Felix" userId="71e068fd-768c-4507-8d40-f56a9d245ead" providerId="ADAL" clId="{0DB656C6-C85F-405E-BC0E-3A1F708CE029}" dt="2025-02-09T15:13:19.748" v="303" actId="478"/>
-          <ac:spMkLst>
-            <pc:docMk/>
-            <pc:sldMk cId="3935491745" sldId="256"/>
-            <ac:spMk id="57" creationId="{E3DA8107-BEAE-9D3A-1833-641D18308639}"/>
-          </ac:spMkLst>
-        </pc:spChg>
-        <pc:spChg chg="add del mod">
-          <ac:chgData name="Möhrlein, Felix" userId="71e068fd-768c-4507-8d40-f56a9d245ead" providerId="ADAL" clId="{0DB656C6-C85F-405E-BC0E-3A1F708CE029}" dt="2025-02-09T18:26:02.213" v="310" actId="478"/>
-          <ac:spMkLst>
-            <pc:docMk/>
-            <pc:sldMk cId="3935491745" sldId="256"/>
-            <ac:spMk id="58" creationId="{2ACA4F8D-2C38-20DA-1D74-C4EBEAB17BA3}"/>
-          </ac:spMkLst>
-        </pc:spChg>
-        <pc:spChg chg="add del mod">
-          <ac:chgData name="Möhrlein, Felix" userId="71e068fd-768c-4507-8d40-f56a9d245ead" providerId="ADAL" clId="{0DB656C6-C85F-405E-BC0E-3A1F708CE029}" dt="2025-02-09T18:26:02.213" v="310" actId="478"/>
-          <ac:spMkLst>
-            <pc:docMk/>
-            <pc:sldMk cId="3935491745" sldId="256"/>
-            <ac:spMk id="59" creationId="{ABC2B4CA-E27F-1F25-8D60-ED7073214965}"/>
-          </ac:spMkLst>
-        </pc:spChg>
-        <pc:graphicFrameChg chg="add del mod modGraphic">
-          <ac:chgData name="Möhrlein, Felix" userId="71e068fd-768c-4507-8d40-f56a9d245ead" providerId="ADAL" clId="{0DB656C6-C85F-405E-BC0E-3A1F708CE029}" dt="2025-02-09T15:00:22.958" v="284" actId="478"/>
-          <ac:graphicFrameMkLst>
-            <pc:docMk/>
-            <pc:sldMk cId="3935491745" sldId="256"/>
-            <ac:graphicFrameMk id="34" creationId="{E41BBF2B-02C6-5829-E63F-CAF5026FBFA6}"/>
-          </ac:graphicFrameMkLst>
-        </pc:graphicFrameChg>
-        <pc:cxnChg chg="add del mod">
-          <ac:chgData name="Möhrlein, Felix" userId="71e068fd-768c-4507-8d40-f56a9d245ead" providerId="ADAL" clId="{0DB656C6-C85F-405E-BC0E-3A1F708CE029}" dt="2025-02-09T15:01:20.924" v="289" actId="478"/>
-          <ac:cxnSpMkLst>
-            <pc:docMk/>
-            <pc:sldMk cId="3935491745" sldId="256"/>
-            <ac:cxnSpMk id="14" creationId="{C969BD1F-5608-B556-8590-F6D167CBACC2}"/>
-          </ac:cxnSpMkLst>
-        </pc:cxnChg>
-        <pc:cxnChg chg="add del mod">
-          <ac:chgData name="Möhrlein, Felix" userId="71e068fd-768c-4507-8d40-f56a9d245ead" providerId="ADAL" clId="{0DB656C6-C85F-405E-BC0E-3A1F708CE029}" dt="2025-02-09T15:01:21.825" v="290" actId="478"/>
-          <ac:cxnSpMkLst>
-            <pc:docMk/>
-            <pc:sldMk cId="3935491745" sldId="256"/>
-            <ac:cxnSpMk id="16" creationId="{0920B144-3593-4A2B-F4CA-CAB9235F3F4A}"/>
-          </ac:cxnSpMkLst>
-        </pc:cxnChg>
-        <pc:cxnChg chg="add del mod">
-          <ac:chgData name="Möhrlein, Felix" userId="71e068fd-768c-4507-8d40-f56a9d245ead" providerId="ADAL" clId="{0DB656C6-C85F-405E-BC0E-3A1F708CE029}" dt="2025-02-09T15:02:15.983" v="293" actId="478"/>
-          <ac:cxnSpMkLst>
-            <pc:docMk/>
-            <pc:sldMk cId="3935491745" sldId="256"/>
-            <ac:cxnSpMk id="21" creationId="{268C7A78-DA1A-E3F4-E003-5B72BCBA4C3F}"/>
-          </ac:cxnSpMkLst>
-        </pc:cxnChg>
-        <pc:cxnChg chg="add del mod">
-          <ac:chgData name="Möhrlein, Felix" userId="71e068fd-768c-4507-8d40-f56a9d245ead" providerId="ADAL" clId="{0DB656C6-C85F-405E-BC0E-3A1F708CE029}" dt="2025-02-09T15:02:15.983" v="293" actId="478"/>
-          <ac:cxnSpMkLst>
-            <pc:docMk/>
-            <pc:sldMk cId="3935491745" sldId="256"/>
-            <ac:cxnSpMk id="23" creationId="{1B0A6C4D-06AC-1CC6-E6FF-10ABEFD7DE38}"/>
-          </ac:cxnSpMkLst>
-        </pc:cxnChg>
-        <pc:cxnChg chg="add del">
-          <ac:chgData name="Möhrlein, Felix" userId="71e068fd-768c-4507-8d40-f56a9d245ead" providerId="ADAL" clId="{0DB656C6-C85F-405E-BC0E-3A1F708CE029}" dt="2025-02-09T14:52:37.417" v="239" actId="478"/>
-          <ac:cxnSpMkLst>
-            <pc:docMk/>
-            <pc:sldMk cId="3935491745" sldId="256"/>
-            <ac:cxnSpMk id="27" creationId="{39C6CCF8-0C81-6234-44BF-650CD8071CEB}"/>
-          </ac:cxnSpMkLst>
-        </pc:cxnChg>
         <pc:cxnChg chg="add mod">
           <ac:chgData name="Möhrlein, Felix" userId="71e068fd-768c-4507-8d40-f56a9d245ead" providerId="ADAL" clId="{0DB656C6-C85F-405E-BC0E-3A1F708CE029}" dt="2025-02-09T14:52:51.321" v="243" actId="14100"/>
           <ac:cxnSpMkLst>
@@ -497,87 +295,15 @@
             <ac:cxnSpMk id="39" creationId="{D89D7876-655C-1F14-9159-50D465F1DE1F}"/>
           </ac:cxnSpMkLst>
         </pc:cxnChg>
-        <pc:cxnChg chg="add mod">
-          <ac:chgData name="Möhrlein, Felix" userId="71e068fd-768c-4507-8d40-f56a9d245ead" providerId="ADAL" clId="{0DB656C6-C85F-405E-BC0E-3A1F708CE029}" dt="2025-02-09T15:03:11.334" v="297"/>
-          <ac:cxnSpMkLst>
-            <pc:docMk/>
-            <pc:sldMk cId="3935491745" sldId="256"/>
-            <ac:cxnSpMk id="47" creationId="{536F1BED-86F6-7989-0F40-F0D18B510DF5}"/>
-          </ac:cxnSpMkLst>
-        </pc:cxnChg>
-        <pc:cxnChg chg="add mod">
-          <ac:chgData name="Möhrlein, Felix" userId="71e068fd-768c-4507-8d40-f56a9d245ead" providerId="ADAL" clId="{0DB656C6-C85F-405E-BC0E-3A1F708CE029}" dt="2025-02-09T15:03:11.334" v="297"/>
-          <ac:cxnSpMkLst>
-            <pc:docMk/>
-            <pc:sldMk cId="3935491745" sldId="256"/>
-            <ac:cxnSpMk id="49" creationId="{9EA615E6-6C74-8980-FE3B-4498B0CE4EF9}"/>
-          </ac:cxnSpMkLst>
-        </pc:cxnChg>
-        <pc:cxnChg chg="add mod">
-          <ac:chgData name="Möhrlein, Felix" userId="71e068fd-768c-4507-8d40-f56a9d245ead" providerId="ADAL" clId="{0DB656C6-C85F-405E-BC0E-3A1F708CE029}" dt="2025-02-09T15:03:11.334" v="297"/>
-          <ac:cxnSpMkLst>
-            <pc:docMk/>
-            <pc:sldMk cId="3935491745" sldId="256"/>
-            <ac:cxnSpMk id="52" creationId="{7BFD60B0-F4B0-5F6A-07B1-E86C7AD027CC}"/>
-          </ac:cxnSpMkLst>
-        </pc:cxnChg>
-        <pc:cxnChg chg="add del mod">
-          <ac:chgData name="Möhrlein, Felix" userId="71e068fd-768c-4507-8d40-f56a9d245ead" providerId="ADAL" clId="{0DB656C6-C85F-405E-BC0E-3A1F708CE029}" dt="2025-02-09T15:13:20.286" v="304" actId="478"/>
-          <ac:cxnSpMkLst>
-            <pc:docMk/>
-            <pc:sldMk cId="3935491745" sldId="256"/>
-            <ac:cxnSpMk id="60" creationId="{14F3239F-573F-278B-2112-D0391316F347}"/>
-          </ac:cxnSpMkLst>
-        </pc:cxnChg>
-        <pc:cxnChg chg="del mod">
-          <ac:chgData name="Möhrlein, Felix" userId="71e068fd-768c-4507-8d40-f56a9d245ead" providerId="ADAL" clId="{0DB656C6-C85F-405E-BC0E-3A1F708CE029}" dt="2025-02-09T15:13:21.307" v="305" actId="478"/>
-          <ac:cxnSpMkLst>
-            <pc:docMk/>
-            <pc:sldMk cId="3935491745" sldId="256"/>
-            <ac:cxnSpMk id="61" creationId="{0DE82E0A-9D25-9C82-E1FC-34E6D5A39C21}"/>
-          </ac:cxnSpMkLst>
-        </pc:cxnChg>
-        <pc:cxnChg chg="add del mod">
-          <ac:chgData name="Möhrlein, Felix" userId="71e068fd-768c-4507-8d40-f56a9d245ead" providerId="ADAL" clId="{0DB656C6-C85F-405E-BC0E-3A1F708CE029}" dt="2025-02-09T18:26:02.213" v="310" actId="478"/>
-          <ac:cxnSpMkLst>
-            <pc:docMk/>
-            <pc:sldMk cId="3935491745" sldId="256"/>
-            <ac:cxnSpMk id="62" creationId="{E4AE8FFC-A293-9DAC-C84E-80F5E69FB2C8}"/>
-          </ac:cxnSpMkLst>
-        </pc:cxnChg>
-        <pc:cxnChg chg="add del mod">
-          <ac:chgData name="Möhrlein, Felix" userId="71e068fd-768c-4507-8d40-f56a9d245ead" providerId="ADAL" clId="{0DB656C6-C85F-405E-BC0E-3A1F708CE029}" dt="2025-02-09T18:26:02.213" v="310" actId="478"/>
-          <ac:cxnSpMkLst>
-            <pc:docMk/>
-            <pc:sldMk cId="3935491745" sldId="256"/>
-            <ac:cxnSpMk id="63" creationId="{6615F45C-DE7C-CA34-E3D1-298DA6CC54DB}"/>
-          </ac:cxnSpMkLst>
-        </pc:cxnChg>
-        <pc:cxnChg chg="del">
-          <ac:chgData name="Möhrlein, Felix" userId="71e068fd-768c-4507-8d40-f56a9d245ead" providerId="ADAL" clId="{0DB656C6-C85F-405E-BC0E-3A1F708CE029}" dt="2025-02-09T18:26:02.213" v="310" actId="478"/>
-          <ac:cxnSpMkLst>
-            <pc:docMk/>
-            <pc:sldMk cId="3935491745" sldId="256"/>
-            <ac:cxnSpMk id="64" creationId="{CE9AAD7A-FEB3-693E-610F-CC6473D1E3E7}"/>
-          </ac:cxnSpMkLst>
-        </pc:cxnChg>
-        <pc:cxnChg chg="del">
-          <ac:chgData name="Möhrlein, Felix" userId="71e068fd-768c-4507-8d40-f56a9d245ead" providerId="ADAL" clId="{0DB656C6-C85F-405E-BC0E-3A1F708CE029}" dt="2025-02-09T18:26:02.213" v="310" actId="478"/>
-          <ac:cxnSpMkLst>
-            <pc:docMk/>
-            <pc:sldMk cId="3935491745" sldId="256"/>
-            <ac:cxnSpMk id="65" creationId="{E3D14C50-33C0-6A60-8773-09A422DB8EB4}"/>
-          </ac:cxnSpMkLst>
-        </pc:cxnChg>
       </pc:sldChg>
       <pc:sldChg chg="addSp modSp add mod">
-        <pc:chgData name="Möhrlein, Felix" userId="71e068fd-768c-4507-8d40-f56a9d245ead" providerId="ADAL" clId="{0DB656C6-C85F-405E-BC0E-3A1F708CE029}" dt="2025-02-09T18:50:52.656" v="355" actId="1076"/>
+        <pc:chgData name="Möhrlein, Felix" userId="71e068fd-768c-4507-8d40-f56a9d245ead" providerId="ADAL" clId="{0DB656C6-C85F-405E-BC0E-3A1F708CE029}" dt="2025-02-21T10:23:13.242" v="944" actId="1076"/>
         <pc:sldMkLst>
           <pc:docMk/>
           <pc:sldMk cId="2204316420" sldId="257"/>
         </pc:sldMkLst>
         <pc:spChg chg="add mod">
-          <ac:chgData name="Möhrlein, Felix" userId="71e068fd-768c-4507-8d40-f56a9d245ead" providerId="ADAL" clId="{0DB656C6-C85F-405E-BC0E-3A1F708CE029}" dt="2025-02-09T18:50:52.656" v="355" actId="1076"/>
+          <ac:chgData name="Möhrlein, Felix" userId="71e068fd-768c-4507-8d40-f56a9d245ead" providerId="ADAL" clId="{0DB656C6-C85F-405E-BC0E-3A1F708CE029}" dt="2025-02-21T10:22:47.929" v="942" actId="208"/>
           <ac:spMkLst>
             <pc:docMk/>
             <pc:sldMk cId="2204316420" sldId="257"/>
@@ -592,6 +318,14 @@
             <ac:spMk id="3" creationId="{9FE4598E-FF54-95EE-D9F7-D7C30B923B9A}"/>
           </ac:spMkLst>
         </pc:spChg>
+        <pc:spChg chg="mod">
+          <ac:chgData name="Möhrlein, Felix" userId="71e068fd-768c-4507-8d40-f56a9d245ead" providerId="ADAL" clId="{0DB656C6-C85F-405E-BC0E-3A1F708CE029}" dt="2025-02-21T09:25:38.175" v="571"/>
+          <ac:spMkLst>
+            <pc:docMk/>
+            <pc:sldMk cId="2204316420" sldId="257"/>
+            <ac:spMk id="4" creationId="{493511EC-E8D0-656F-E944-F4D7FC931704}"/>
+          </ac:spMkLst>
+        </pc:spChg>
         <pc:spChg chg="add mod">
           <ac:chgData name="Möhrlein, Felix" userId="71e068fd-768c-4507-8d40-f56a9d245ead" providerId="ADAL" clId="{0DB656C6-C85F-405E-BC0E-3A1F708CE029}" dt="2025-02-09T18:49:54.763" v="352"/>
           <ac:spMkLst>
@@ -657,7 +391,7 @@
           </ac:spMkLst>
         </pc:spChg>
         <pc:spChg chg="add mod">
-          <ac:chgData name="Möhrlein, Felix" userId="71e068fd-768c-4507-8d40-f56a9d245ead" providerId="ADAL" clId="{0DB656C6-C85F-405E-BC0E-3A1F708CE029}" dt="2025-02-09T18:50:23.553" v="354" actId="1076"/>
+          <ac:chgData name="Möhrlein, Felix" userId="71e068fd-768c-4507-8d40-f56a9d245ead" providerId="ADAL" clId="{0DB656C6-C85F-405E-BC0E-3A1F708CE029}" dt="2025-02-21T10:23:13.242" v="944" actId="1076"/>
           <ac:spMkLst>
             <pc:docMk/>
             <pc:sldMk cId="2204316420" sldId="257"/>
@@ -665,7 +399,7 @@
           </ac:spMkLst>
         </pc:spChg>
         <pc:spChg chg="add mod">
-          <ac:chgData name="Möhrlein, Felix" userId="71e068fd-768c-4507-8d40-f56a9d245ead" providerId="ADAL" clId="{0DB656C6-C85F-405E-BC0E-3A1F708CE029}" dt="2025-02-09T18:50:23.553" v="354" actId="1076"/>
+          <ac:chgData name="Möhrlein, Felix" userId="71e068fd-768c-4507-8d40-f56a9d245ead" providerId="ADAL" clId="{0DB656C6-C85F-405E-BC0E-3A1F708CE029}" dt="2025-02-21T10:23:13.242" v="944" actId="1076"/>
           <ac:spMkLst>
             <pc:docMk/>
             <pc:sldMk cId="2204316420" sldId="257"/>
@@ -673,7 +407,7 @@
           </ac:spMkLst>
         </pc:spChg>
         <pc:spChg chg="add mod">
-          <ac:chgData name="Möhrlein, Felix" userId="71e068fd-768c-4507-8d40-f56a9d245ead" providerId="ADAL" clId="{0DB656C6-C85F-405E-BC0E-3A1F708CE029}" dt="2025-02-09T18:50:23.553" v="354" actId="1076"/>
+          <ac:chgData name="Möhrlein, Felix" userId="71e068fd-768c-4507-8d40-f56a9d245ead" providerId="ADAL" clId="{0DB656C6-C85F-405E-BC0E-3A1F708CE029}" dt="2025-02-21T10:23:13.242" v="944" actId="1076"/>
           <ac:spMkLst>
             <pc:docMk/>
             <pc:sldMk cId="2204316420" sldId="257"/>
@@ -689,7 +423,7 @@
           </ac:spMkLst>
         </pc:spChg>
         <pc:spChg chg="mod">
-          <ac:chgData name="Möhrlein, Felix" userId="71e068fd-768c-4507-8d40-f56a9d245ead" providerId="ADAL" clId="{0DB656C6-C85F-405E-BC0E-3A1F708CE029}" dt="2025-02-09T18:27:56.190" v="324" actId="1076"/>
+          <ac:chgData name="Möhrlein, Felix" userId="71e068fd-768c-4507-8d40-f56a9d245ead" providerId="ADAL" clId="{0DB656C6-C85F-405E-BC0E-3A1F708CE029}" dt="2025-02-21T10:23:13.242" v="944" actId="1076"/>
           <ac:spMkLst>
             <pc:docMk/>
             <pc:sldMk cId="2204316420" sldId="257"/>
@@ -697,7 +431,7 @@
           </ac:spMkLst>
         </pc:spChg>
         <pc:spChg chg="mod">
-          <ac:chgData name="Möhrlein, Felix" userId="71e068fd-768c-4507-8d40-f56a9d245ead" providerId="ADAL" clId="{0DB656C6-C85F-405E-BC0E-3A1F708CE029}" dt="2025-02-09T18:27:56.190" v="324" actId="1076"/>
+          <ac:chgData name="Möhrlein, Felix" userId="71e068fd-768c-4507-8d40-f56a9d245ead" providerId="ADAL" clId="{0DB656C6-C85F-405E-BC0E-3A1F708CE029}" dt="2025-02-21T10:23:13.242" v="944" actId="1076"/>
           <ac:spMkLst>
             <pc:docMk/>
             <pc:sldMk cId="2204316420" sldId="257"/>
@@ -705,7 +439,7 @@
           </ac:spMkLst>
         </pc:spChg>
         <pc:spChg chg="mod">
-          <ac:chgData name="Möhrlein, Felix" userId="71e068fd-768c-4507-8d40-f56a9d245ead" providerId="ADAL" clId="{0DB656C6-C85F-405E-BC0E-3A1F708CE029}" dt="2025-02-09T18:27:56.190" v="324" actId="1076"/>
+          <ac:chgData name="Möhrlein, Felix" userId="71e068fd-768c-4507-8d40-f56a9d245ead" providerId="ADAL" clId="{0DB656C6-C85F-405E-BC0E-3A1F708CE029}" dt="2025-02-21T10:23:13.242" v="944" actId="1076"/>
           <ac:spMkLst>
             <pc:docMk/>
             <pc:sldMk cId="2204316420" sldId="257"/>
@@ -713,7 +447,7 @@
           </ac:spMkLst>
         </pc:spChg>
         <pc:spChg chg="mod">
-          <ac:chgData name="Möhrlein, Felix" userId="71e068fd-768c-4507-8d40-f56a9d245ead" providerId="ADAL" clId="{0DB656C6-C85F-405E-BC0E-3A1F708CE029}" dt="2025-02-09T18:27:56.190" v="324" actId="1076"/>
+          <ac:chgData name="Möhrlein, Felix" userId="71e068fd-768c-4507-8d40-f56a9d245ead" providerId="ADAL" clId="{0DB656C6-C85F-405E-BC0E-3A1F708CE029}" dt="2025-02-21T10:23:13.242" v="944" actId="1076"/>
           <ac:spMkLst>
             <pc:docMk/>
             <pc:sldMk cId="2204316420" sldId="257"/>
@@ -721,7 +455,7 @@
           </ac:spMkLst>
         </pc:spChg>
         <pc:spChg chg="mod">
-          <ac:chgData name="Möhrlein, Felix" userId="71e068fd-768c-4507-8d40-f56a9d245ead" providerId="ADAL" clId="{0DB656C6-C85F-405E-BC0E-3A1F708CE029}" dt="2025-02-09T18:27:56.190" v="324" actId="1076"/>
+          <ac:chgData name="Möhrlein, Felix" userId="71e068fd-768c-4507-8d40-f56a9d245ead" providerId="ADAL" clId="{0DB656C6-C85F-405E-BC0E-3A1F708CE029}" dt="2025-02-21T10:23:13.242" v="944" actId="1076"/>
           <ac:spMkLst>
             <pc:docMk/>
             <pc:sldMk cId="2204316420" sldId="257"/>
@@ -753,7 +487,7 @@
           </ac:cxnSpMkLst>
         </pc:cxnChg>
         <pc:cxnChg chg="mod">
-          <ac:chgData name="Möhrlein, Felix" userId="71e068fd-768c-4507-8d40-f56a9d245ead" providerId="ADAL" clId="{0DB656C6-C85F-405E-BC0E-3A1F708CE029}" dt="2025-02-09T18:27:56.190" v="324" actId="1076"/>
+          <ac:chgData name="Möhrlein, Felix" userId="71e068fd-768c-4507-8d40-f56a9d245ead" providerId="ADAL" clId="{0DB656C6-C85F-405E-BC0E-3A1F708CE029}" dt="2025-02-21T10:23:13.242" v="944" actId="1076"/>
           <ac:cxnSpMkLst>
             <pc:docMk/>
             <pc:sldMk cId="2204316420" sldId="257"/>
@@ -769,7 +503,7 @@
           </ac:cxnSpMkLst>
         </pc:cxnChg>
         <pc:cxnChg chg="mod">
-          <ac:chgData name="Möhrlein, Felix" userId="71e068fd-768c-4507-8d40-f56a9d245ead" providerId="ADAL" clId="{0DB656C6-C85F-405E-BC0E-3A1F708CE029}" dt="2025-02-09T18:27:56.190" v="324" actId="1076"/>
+          <ac:chgData name="Möhrlein, Felix" userId="71e068fd-768c-4507-8d40-f56a9d245ead" providerId="ADAL" clId="{0DB656C6-C85F-405E-BC0E-3A1F708CE029}" dt="2025-02-21T10:23:13.242" v="944" actId="1076"/>
           <ac:cxnSpMkLst>
             <pc:docMk/>
             <pc:sldMk cId="2204316420" sldId="257"/>
@@ -783,22 +517,6 @@
           <pc:docMk/>
           <pc:sldMk cId="1020500277" sldId="258"/>
         </pc:sldMkLst>
-        <pc:spChg chg="del">
-          <ac:chgData name="Möhrlein, Felix" userId="71e068fd-768c-4507-8d40-f56a9d245ead" providerId="ADAL" clId="{0DB656C6-C85F-405E-BC0E-3A1F708CE029}" dt="2025-02-09T18:55:24.681" v="358" actId="478"/>
-          <ac:spMkLst>
-            <pc:docMk/>
-            <pc:sldMk cId="1020500277" sldId="258"/>
-            <ac:spMk id="2" creationId="{C9CCFC66-91C7-4A07-D6CE-427DA668B710}"/>
-          </ac:spMkLst>
-        </pc:spChg>
-        <pc:spChg chg="del">
-          <ac:chgData name="Möhrlein, Felix" userId="71e068fd-768c-4507-8d40-f56a9d245ead" providerId="ADAL" clId="{0DB656C6-C85F-405E-BC0E-3A1F708CE029}" dt="2025-02-09T18:55:21.658" v="357" actId="478"/>
-          <ac:spMkLst>
-            <pc:docMk/>
-            <pc:sldMk cId="1020500277" sldId="258"/>
-            <ac:spMk id="3" creationId="{CE28B407-E9AF-EBBB-CFF8-6DA7B0AD1FB0}"/>
-          </ac:spMkLst>
-        </pc:spChg>
         <pc:spChg chg="add mod">
           <ac:chgData name="Möhrlein, Felix" userId="71e068fd-768c-4507-8d40-f56a9d245ead" providerId="ADAL" clId="{0DB656C6-C85F-405E-BC0E-3A1F708CE029}" dt="2025-02-09T19:10:33.504" v="563" actId="1076"/>
           <ac:spMkLst>
@@ -821,6 +539,1543 @@
             <pc:docMk/>
             <pc:sldMk cId="1020500277" sldId="258"/>
             <ac:spMk id="6" creationId="{515BEA36-970B-6132-70B3-2CF5C09AA0A0}"/>
+          </ac:spMkLst>
+        </pc:spChg>
+      </pc:sldChg>
+      <pc:sldChg chg="addSp delSp modSp new mod">
+        <pc:chgData name="Möhrlein, Felix" userId="71e068fd-768c-4507-8d40-f56a9d245ead" providerId="ADAL" clId="{0DB656C6-C85F-405E-BC0E-3A1F708CE029}" dt="2025-02-21T10:08:06.115" v="940" actId="1076"/>
+        <pc:sldMkLst>
+          <pc:docMk/>
+          <pc:sldMk cId="5907701" sldId="259"/>
+        </pc:sldMkLst>
+        <pc:spChg chg="del">
+          <ac:chgData name="Möhrlein, Felix" userId="71e068fd-768c-4507-8d40-f56a9d245ead" providerId="ADAL" clId="{0DB656C6-C85F-405E-BC0E-3A1F708CE029}" dt="2025-02-21T09:29:56.714" v="574" actId="478"/>
+          <ac:spMkLst>
+            <pc:docMk/>
+            <pc:sldMk cId="5907701" sldId="259"/>
+            <ac:spMk id="2" creationId="{294F8A25-6956-124D-E7C2-EB98D55ABD3E}"/>
+          </ac:spMkLst>
+        </pc:spChg>
+        <pc:spChg chg="del">
+          <ac:chgData name="Möhrlein, Felix" userId="71e068fd-768c-4507-8d40-f56a9d245ead" providerId="ADAL" clId="{0DB656C6-C85F-405E-BC0E-3A1F708CE029}" dt="2025-02-21T09:29:57.817" v="575" actId="478"/>
+          <ac:spMkLst>
+            <pc:docMk/>
+            <pc:sldMk cId="5907701" sldId="259"/>
+            <ac:spMk id="3" creationId="{8362D2E5-E2B3-DF18-5587-59A10442BBAD}"/>
+          </ac:spMkLst>
+        </pc:spChg>
+        <pc:spChg chg="add del">
+          <ac:chgData name="Möhrlein, Felix" userId="71e068fd-768c-4507-8d40-f56a9d245ead" providerId="ADAL" clId="{0DB656C6-C85F-405E-BC0E-3A1F708CE029}" dt="2025-02-21T09:30:21.181" v="577" actId="11529"/>
+          <ac:spMkLst>
+            <pc:docMk/>
+            <pc:sldMk cId="5907701" sldId="259"/>
+            <ac:spMk id="4" creationId="{241E602A-E0D9-E0E1-3C44-157AB47F913B}"/>
+          </ac:spMkLst>
+        </pc:spChg>
+        <pc:spChg chg="add mod">
+          <ac:chgData name="Möhrlein, Felix" userId="71e068fd-768c-4507-8d40-f56a9d245ead" providerId="ADAL" clId="{0DB656C6-C85F-405E-BC0E-3A1F708CE029}" dt="2025-02-21T09:47:21.470" v="711" actId="14100"/>
+          <ac:spMkLst>
+            <pc:docMk/>
+            <pc:sldMk cId="5907701" sldId="259"/>
+            <ac:spMk id="9" creationId="{B2DACA48-89E7-B225-FD9E-FB991BF8E4C2}"/>
+          </ac:spMkLst>
+        </pc:spChg>
+        <pc:spChg chg="add mod">
+          <ac:chgData name="Möhrlein, Felix" userId="71e068fd-768c-4507-8d40-f56a9d245ead" providerId="ADAL" clId="{0DB656C6-C85F-405E-BC0E-3A1F708CE029}" dt="2025-02-21T09:47:21.470" v="711" actId="14100"/>
+          <ac:spMkLst>
+            <pc:docMk/>
+            <pc:sldMk cId="5907701" sldId="259"/>
+            <ac:spMk id="10" creationId="{6096592B-2C4C-A1B9-9123-D3F29AFD124B}"/>
+          </ac:spMkLst>
+        </pc:spChg>
+        <pc:spChg chg="add mod">
+          <ac:chgData name="Möhrlein, Felix" userId="71e068fd-768c-4507-8d40-f56a9d245ead" providerId="ADAL" clId="{0DB656C6-C85F-405E-BC0E-3A1F708CE029}" dt="2025-02-21T09:47:21.470" v="711" actId="14100"/>
+          <ac:spMkLst>
+            <pc:docMk/>
+            <pc:sldMk cId="5907701" sldId="259"/>
+            <ac:spMk id="11" creationId="{1585D82F-8A49-2081-FECF-126DC8DE8FF8}"/>
+          </ac:spMkLst>
+        </pc:spChg>
+        <pc:spChg chg="add mod">
+          <ac:chgData name="Möhrlein, Felix" userId="71e068fd-768c-4507-8d40-f56a9d245ead" providerId="ADAL" clId="{0DB656C6-C85F-405E-BC0E-3A1F708CE029}" dt="2025-02-21T09:47:21.470" v="711" actId="14100"/>
+          <ac:spMkLst>
+            <pc:docMk/>
+            <pc:sldMk cId="5907701" sldId="259"/>
+            <ac:spMk id="12" creationId="{30A08564-3856-09BA-79A5-0F7DBADA8C75}"/>
+          </ac:spMkLst>
+        </pc:spChg>
+        <pc:spChg chg="add mod">
+          <ac:chgData name="Möhrlein, Felix" userId="71e068fd-768c-4507-8d40-f56a9d245ead" providerId="ADAL" clId="{0DB656C6-C85F-405E-BC0E-3A1F708CE029}" dt="2025-02-21T09:47:21.470" v="711" actId="14100"/>
+          <ac:spMkLst>
+            <pc:docMk/>
+            <pc:sldMk cId="5907701" sldId="259"/>
+            <ac:spMk id="13" creationId="{C9A3EE36-7A09-AC0B-CA1E-3FF245D113A6}"/>
+          </ac:spMkLst>
+        </pc:spChg>
+        <pc:spChg chg="add mod">
+          <ac:chgData name="Möhrlein, Felix" userId="71e068fd-768c-4507-8d40-f56a9d245ead" providerId="ADAL" clId="{0DB656C6-C85F-405E-BC0E-3A1F708CE029}" dt="2025-02-21T09:47:21.470" v="711" actId="14100"/>
+          <ac:spMkLst>
+            <pc:docMk/>
+            <pc:sldMk cId="5907701" sldId="259"/>
+            <ac:spMk id="14" creationId="{AD1425AB-D3D2-5C12-CA7E-4D6F66CB50D7}"/>
+          </ac:spMkLst>
+        </pc:spChg>
+        <pc:spChg chg="add mod">
+          <ac:chgData name="Möhrlein, Felix" userId="71e068fd-768c-4507-8d40-f56a9d245ead" providerId="ADAL" clId="{0DB656C6-C85F-405E-BC0E-3A1F708CE029}" dt="2025-02-21T09:47:21.470" v="711" actId="14100"/>
+          <ac:spMkLst>
+            <pc:docMk/>
+            <pc:sldMk cId="5907701" sldId="259"/>
+            <ac:spMk id="15" creationId="{1FEB314C-ECB2-96E8-E7A1-11396E281732}"/>
+          </ac:spMkLst>
+        </pc:spChg>
+        <pc:spChg chg="add mod">
+          <ac:chgData name="Möhrlein, Felix" userId="71e068fd-768c-4507-8d40-f56a9d245ead" providerId="ADAL" clId="{0DB656C6-C85F-405E-BC0E-3A1F708CE029}" dt="2025-02-21T09:47:21.470" v="711" actId="14100"/>
+          <ac:spMkLst>
+            <pc:docMk/>
+            <pc:sldMk cId="5907701" sldId="259"/>
+            <ac:spMk id="28" creationId="{96DC76D7-3791-260B-132D-63A4077FECBF}"/>
+          </ac:spMkLst>
+        </pc:spChg>
+        <pc:spChg chg="add mod">
+          <ac:chgData name="Möhrlein, Felix" userId="71e068fd-768c-4507-8d40-f56a9d245ead" providerId="ADAL" clId="{0DB656C6-C85F-405E-BC0E-3A1F708CE029}" dt="2025-02-21T09:47:21.470" v="711" actId="14100"/>
+          <ac:spMkLst>
+            <pc:docMk/>
+            <pc:sldMk cId="5907701" sldId="259"/>
+            <ac:spMk id="31" creationId="{BEDF95D8-DB89-DCE4-617F-7CB2A2BB079F}"/>
+          </ac:spMkLst>
+        </pc:spChg>
+        <pc:spChg chg="add mod">
+          <ac:chgData name="Möhrlein, Felix" userId="71e068fd-768c-4507-8d40-f56a9d245ead" providerId="ADAL" clId="{0DB656C6-C85F-405E-BC0E-3A1F708CE029}" dt="2025-02-21T09:47:21.470" v="711" actId="14100"/>
+          <ac:spMkLst>
+            <pc:docMk/>
+            <pc:sldMk cId="5907701" sldId="259"/>
+            <ac:spMk id="38" creationId="{BBFB45D9-549D-F715-9504-6066891B53A8}"/>
+          </ac:spMkLst>
+        </pc:spChg>
+        <pc:spChg chg="add mod">
+          <ac:chgData name="Möhrlein, Felix" userId="71e068fd-768c-4507-8d40-f56a9d245ead" providerId="ADAL" clId="{0DB656C6-C85F-405E-BC0E-3A1F708CE029}" dt="2025-02-21T09:56:24.777" v="766" actId="207"/>
+          <ac:spMkLst>
+            <pc:docMk/>
+            <pc:sldMk cId="5907701" sldId="259"/>
+            <ac:spMk id="49" creationId="{9C259667-701F-A647-5264-660102F4F744}"/>
+          </ac:spMkLst>
+        </pc:spChg>
+        <pc:spChg chg="add mod">
+          <ac:chgData name="Möhrlein, Felix" userId="71e068fd-768c-4507-8d40-f56a9d245ead" providerId="ADAL" clId="{0DB656C6-C85F-405E-BC0E-3A1F708CE029}" dt="2025-02-21T09:56:24.777" v="766" actId="207"/>
+          <ac:spMkLst>
+            <pc:docMk/>
+            <pc:sldMk cId="5907701" sldId="259"/>
+            <ac:spMk id="50" creationId="{0D745469-ADF4-93A8-502C-5EC9E2A5710B}"/>
+          </ac:spMkLst>
+        </pc:spChg>
+        <pc:spChg chg="add mod">
+          <ac:chgData name="Möhrlein, Felix" userId="71e068fd-768c-4507-8d40-f56a9d245ead" providerId="ADAL" clId="{0DB656C6-C85F-405E-BC0E-3A1F708CE029}" dt="2025-02-21T09:56:13.229" v="764" actId="207"/>
+          <ac:spMkLst>
+            <pc:docMk/>
+            <pc:sldMk cId="5907701" sldId="259"/>
+            <ac:spMk id="51" creationId="{5BCA6728-CF51-78DF-7B5C-E4D99F637436}"/>
+          </ac:spMkLst>
+        </pc:spChg>
+        <pc:spChg chg="add del mod">
+          <ac:chgData name="Möhrlein, Felix" userId="71e068fd-768c-4507-8d40-f56a9d245ead" providerId="ADAL" clId="{0DB656C6-C85F-405E-BC0E-3A1F708CE029}" dt="2025-02-21T09:57:34.201" v="772" actId="478"/>
+          <ac:spMkLst>
+            <pc:docMk/>
+            <pc:sldMk cId="5907701" sldId="259"/>
+            <ac:spMk id="52" creationId="{95C35008-3D9E-7D4C-A0CC-08600EE25867}"/>
+          </ac:spMkLst>
+        </pc:spChg>
+        <pc:spChg chg="add mod">
+          <ac:chgData name="Möhrlein, Felix" userId="71e068fd-768c-4507-8d40-f56a9d245ead" providerId="ADAL" clId="{0DB656C6-C85F-405E-BC0E-3A1F708CE029}" dt="2025-02-21T09:58:27.499" v="778" actId="207"/>
+          <ac:spMkLst>
+            <pc:docMk/>
+            <pc:sldMk cId="5907701" sldId="259"/>
+            <ac:spMk id="53" creationId="{7C8159C3-8927-147D-64E1-2A5C0F00CE3F}"/>
+          </ac:spMkLst>
+        </pc:spChg>
+        <pc:spChg chg="add mod">
+          <ac:chgData name="Möhrlein, Felix" userId="71e068fd-768c-4507-8d40-f56a9d245ead" providerId="ADAL" clId="{0DB656C6-C85F-405E-BC0E-3A1F708CE029}" dt="2025-02-21T10:01:04.815" v="816" actId="1076"/>
+          <ac:spMkLst>
+            <pc:docMk/>
+            <pc:sldMk cId="5907701" sldId="259"/>
+            <ac:spMk id="54" creationId="{84515C48-EAFB-F096-94B7-2D543ADFAD0D}"/>
+          </ac:spMkLst>
+        </pc:spChg>
+        <pc:spChg chg="add mod">
+          <ac:chgData name="Möhrlein, Felix" userId="71e068fd-768c-4507-8d40-f56a9d245ead" providerId="ADAL" clId="{0DB656C6-C85F-405E-BC0E-3A1F708CE029}" dt="2025-02-21T10:00:59.401" v="815" actId="1076"/>
+          <ac:spMkLst>
+            <pc:docMk/>
+            <pc:sldMk cId="5907701" sldId="259"/>
+            <ac:spMk id="55" creationId="{C8A091AB-4C65-2C64-0BCE-8B49E491BD10}"/>
+          </ac:spMkLst>
+        </pc:spChg>
+        <pc:spChg chg="add mod">
+          <ac:chgData name="Möhrlein, Felix" userId="71e068fd-768c-4507-8d40-f56a9d245ead" providerId="ADAL" clId="{0DB656C6-C85F-405E-BC0E-3A1F708CE029}" dt="2025-02-21T10:01:27.833" v="840" actId="1076"/>
+          <ac:spMkLst>
+            <pc:docMk/>
+            <pc:sldMk cId="5907701" sldId="259"/>
+            <ac:spMk id="56" creationId="{01E5C285-1D88-ABB4-4714-D73CAC3DDC1C}"/>
+          </ac:spMkLst>
+        </pc:spChg>
+        <pc:spChg chg="add mod">
+          <ac:chgData name="Möhrlein, Felix" userId="71e068fd-768c-4507-8d40-f56a9d245ead" providerId="ADAL" clId="{0DB656C6-C85F-405E-BC0E-3A1F708CE029}" dt="2025-02-21T10:01:37.901" v="850" actId="20577"/>
+          <ac:spMkLst>
+            <pc:docMk/>
+            <pc:sldMk cId="5907701" sldId="259"/>
+            <ac:spMk id="57" creationId="{D35CDC6A-E212-046B-B876-C84F25577479}"/>
+          </ac:spMkLst>
+        </pc:spChg>
+        <pc:spChg chg="add mod">
+          <ac:chgData name="Möhrlein, Felix" userId="71e068fd-768c-4507-8d40-f56a9d245ead" providerId="ADAL" clId="{0DB656C6-C85F-405E-BC0E-3A1F708CE029}" dt="2025-02-21T10:02:12.540" v="868" actId="207"/>
+          <ac:spMkLst>
+            <pc:docMk/>
+            <pc:sldMk cId="5907701" sldId="259"/>
+            <ac:spMk id="58" creationId="{C2E51FE9-9766-7CAE-8989-8A13C05101B8}"/>
+          </ac:spMkLst>
+        </pc:spChg>
+        <pc:spChg chg="add mod">
+          <ac:chgData name="Möhrlein, Felix" userId="71e068fd-768c-4507-8d40-f56a9d245ead" providerId="ADAL" clId="{0DB656C6-C85F-405E-BC0E-3A1F708CE029}" dt="2025-02-21T10:02:47.804" v="894" actId="1076"/>
+          <ac:spMkLst>
+            <pc:docMk/>
+            <pc:sldMk cId="5907701" sldId="259"/>
+            <ac:spMk id="59" creationId="{5E79985D-0053-57D3-9376-0A61D7F04808}"/>
+          </ac:spMkLst>
+        </pc:spChg>
+        <pc:spChg chg="add del mod">
+          <ac:chgData name="Möhrlein, Felix" userId="71e068fd-768c-4507-8d40-f56a9d245ead" providerId="ADAL" clId="{0DB656C6-C85F-405E-BC0E-3A1F708CE029}" dt="2025-02-21T10:06:06.182" v="897" actId="478"/>
+          <ac:spMkLst>
+            <pc:docMk/>
+            <pc:sldMk cId="5907701" sldId="259"/>
+            <ac:spMk id="61" creationId="{2DA21C9C-4D6A-3C11-608A-DABC9CAE624C}"/>
+          </ac:spMkLst>
+        </pc:spChg>
+        <pc:spChg chg="add mod">
+          <ac:chgData name="Möhrlein, Felix" userId="71e068fd-768c-4507-8d40-f56a9d245ead" providerId="ADAL" clId="{0DB656C6-C85F-405E-BC0E-3A1F708CE029}" dt="2025-02-21T10:06:53.021" v="918" actId="20577"/>
+          <ac:spMkLst>
+            <pc:docMk/>
+            <pc:sldMk cId="5907701" sldId="259"/>
+            <ac:spMk id="62" creationId="{D0FCD57A-FA80-4884-A0C8-DAE71EFC8114}"/>
+          </ac:spMkLst>
+        </pc:spChg>
+        <pc:spChg chg="add mod">
+          <ac:chgData name="Möhrlein, Felix" userId="71e068fd-768c-4507-8d40-f56a9d245ead" providerId="ADAL" clId="{0DB656C6-C85F-405E-BC0E-3A1F708CE029}" dt="2025-02-21T10:08:06.115" v="940" actId="1076"/>
+          <ac:spMkLst>
+            <pc:docMk/>
+            <pc:sldMk cId="5907701" sldId="259"/>
+            <ac:spMk id="63" creationId="{1C131DBF-E41A-D4A8-BF22-9E3ADC820F4F}"/>
+          </ac:spMkLst>
+        </pc:spChg>
+        <pc:picChg chg="add mod">
+          <ac:chgData name="Möhrlein, Felix" userId="71e068fd-768c-4507-8d40-f56a9d245ead" providerId="ADAL" clId="{0DB656C6-C85F-405E-BC0E-3A1F708CE029}" dt="2025-02-21T09:32:58.871" v="587" actId="14100"/>
+          <ac:picMkLst>
+            <pc:docMk/>
+            <pc:sldMk cId="5907701" sldId="259"/>
+            <ac:picMk id="6" creationId="{308BDD25-8B49-E60A-666A-C075F105C686}"/>
+          </ac:picMkLst>
+        </pc:picChg>
+        <pc:picChg chg="add del mod">
+          <ac:chgData name="Möhrlein, Felix" userId="71e068fd-768c-4507-8d40-f56a9d245ead" providerId="ADAL" clId="{0DB656C6-C85F-405E-BC0E-3A1F708CE029}" dt="2025-02-21T09:32:40.499" v="581" actId="478"/>
+          <ac:picMkLst>
+            <pc:docMk/>
+            <pc:sldMk cId="5907701" sldId="259"/>
+            <ac:picMk id="8" creationId="{3C8A7516-EA39-8087-2EF8-262B3FB930B7}"/>
+          </ac:picMkLst>
+        </pc:picChg>
+        <pc:picChg chg="add mod">
+          <ac:chgData name="Möhrlein, Felix" userId="71e068fd-768c-4507-8d40-f56a9d245ead" providerId="ADAL" clId="{0DB656C6-C85F-405E-BC0E-3A1F708CE029}" dt="2025-02-21T09:50:44.854" v="752" actId="1076"/>
+          <ac:picMkLst>
+            <pc:docMk/>
+            <pc:sldMk cId="5907701" sldId="259"/>
+            <ac:picMk id="44" creationId="{04B78BB6-0D6C-1F89-07B5-B0823365CE75}"/>
+          </ac:picMkLst>
+        </pc:picChg>
+        <pc:picChg chg="add mod">
+          <ac:chgData name="Möhrlein, Felix" userId="71e068fd-768c-4507-8d40-f56a9d245ead" providerId="ADAL" clId="{0DB656C6-C85F-405E-BC0E-3A1F708CE029}" dt="2025-02-21T09:50:48.791" v="753" actId="1076"/>
+          <ac:picMkLst>
+            <pc:docMk/>
+            <pc:sldMk cId="5907701" sldId="259"/>
+            <ac:picMk id="46" creationId="{697320EB-3037-B9D3-8A1A-C0E2E4C2B516}"/>
+          </ac:picMkLst>
+        </pc:picChg>
+        <pc:picChg chg="add mod">
+          <ac:chgData name="Möhrlein, Felix" userId="71e068fd-768c-4507-8d40-f56a9d245ead" providerId="ADAL" clId="{0DB656C6-C85F-405E-BC0E-3A1F708CE029}" dt="2025-02-21T09:50:51.356" v="754" actId="1076"/>
+          <ac:picMkLst>
+            <pc:docMk/>
+            <pc:sldMk cId="5907701" sldId="259"/>
+            <ac:picMk id="48" creationId="{0BFBCBAD-71DC-3D00-25E1-BD4D151518B9}"/>
+          </ac:picMkLst>
+        </pc:picChg>
+      </pc:sldChg>
+      <pc:sldChg chg="addSp delSp modSp new mod">
+        <pc:chgData name="Möhrlein, Felix" userId="71e068fd-768c-4507-8d40-f56a9d245ead" providerId="ADAL" clId="{0DB656C6-C85F-405E-BC0E-3A1F708CE029}" dt="2025-02-21T09:43:14.578" v="667" actId="13822"/>
+        <pc:sldMkLst>
+          <pc:docMk/>
+          <pc:sldMk cId="698652424" sldId="260"/>
+        </pc:sldMkLst>
+        <pc:spChg chg="del">
+          <ac:chgData name="Möhrlein, Felix" userId="71e068fd-768c-4507-8d40-f56a9d245ead" providerId="ADAL" clId="{0DB656C6-C85F-405E-BC0E-3A1F708CE029}" dt="2025-02-21T09:33:49.665" v="592" actId="478"/>
+          <ac:spMkLst>
+            <pc:docMk/>
+            <pc:sldMk cId="698652424" sldId="260"/>
+            <ac:spMk id="2" creationId="{BBFADD32-B671-26A8-F5C0-782F7BCB6BEF}"/>
+          </ac:spMkLst>
+        </pc:spChg>
+        <pc:spChg chg="del">
+          <ac:chgData name="Möhrlein, Felix" userId="71e068fd-768c-4507-8d40-f56a9d245ead" providerId="ADAL" clId="{0DB656C6-C85F-405E-BC0E-3A1F708CE029}" dt="2025-02-21T09:33:49" v="591" actId="478"/>
+          <ac:spMkLst>
+            <pc:docMk/>
+            <pc:sldMk cId="698652424" sldId="260"/>
+            <ac:spMk id="3" creationId="{9764B9A7-03DC-FB65-DFFA-C9324ACFF832}"/>
+          </ac:spMkLst>
+        </pc:spChg>
+        <pc:spChg chg="add mod">
+          <ac:chgData name="Möhrlein, Felix" userId="71e068fd-768c-4507-8d40-f56a9d245ead" providerId="ADAL" clId="{0DB656C6-C85F-405E-BC0E-3A1F708CE029}" dt="2025-02-21T09:33:54.750" v="593" actId="1076"/>
+          <ac:spMkLst>
+            <pc:docMk/>
+            <pc:sldMk cId="698652424" sldId="260"/>
+            <ac:spMk id="4" creationId="{72479C9A-5C79-76EC-19F0-DDB64DCF6EC0}"/>
+          </ac:spMkLst>
+        </pc:spChg>
+        <pc:spChg chg="add mod">
+          <ac:chgData name="Möhrlein, Felix" userId="71e068fd-768c-4507-8d40-f56a9d245ead" providerId="ADAL" clId="{0DB656C6-C85F-405E-BC0E-3A1F708CE029}" dt="2025-02-21T09:34:19.243" v="596" actId="1076"/>
+          <ac:spMkLst>
+            <pc:docMk/>
+            <pc:sldMk cId="698652424" sldId="260"/>
+            <ac:spMk id="5" creationId="{2B9FF4D3-0255-F2A2-E7CC-8F0592B641A3}"/>
+          </ac:spMkLst>
+        </pc:spChg>
+        <pc:spChg chg="add mod">
+          <ac:chgData name="Möhrlein, Felix" userId="71e068fd-768c-4507-8d40-f56a9d245ead" providerId="ADAL" clId="{0DB656C6-C85F-405E-BC0E-3A1F708CE029}" dt="2025-02-21T09:38:49.762" v="647" actId="1076"/>
+          <ac:spMkLst>
+            <pc:docMk/>
+            <pc:sldMk cId="698652424" sldId="260"/>
+            <ac:spMk id="6" creationId="{85F957F7-9BAD-A3B7-911C-09F5B18B730B}"/>
+          </ac:spMkLst>
+        </pc:spChg>
+        <pc:spChg chg="add mod">
+          <ac:chgData name="Möhrlein, Felix" userId="71e068fd-768c-4507-8d40-f56a9d245ead" providerId="ADAL" clId="{0DB656C6-C85F-405E-BC0E-3A1F708CE029}" dt="2025-02-21T09:38:27.066" v="645" actId="1076"/>
+          <ac:spMkLst>
+            <pc:docMk/>
+            <pc:sldMk cId="698652424" sldId="260"/>
+            <ac:spMk id="7" creationId="{4BF4307A-8371-0511-3538-455E0247E898}"/>
+          </ac:spMkLst>
+        </pc:spChg>
+        <pc:spChg chg="add mod">
+          <ac:chgData name="Möhrlein, Felix" userId="71e068fd-768c-4507-8d40-f56a9d245ead" providerId="ADAL" clId="{0DB656C6-C85F-405E-BC0E-3A1F708CE029}" dt="2025-02-21T09:35:07.939" v="604" actId="1076"/>
+          <ac:spMkLst>
+            <pc:docMk/>
+            <pc:sldMk cId="698652424" sldId="260"/>
+            <ac:spMk id="8" creationId="{FF1C3ADA-FA4D-50A3-8280-AC101C95F318}"/>
+          </ac:spMkLst>
+        </pc:spChg>
+        <pc:spChg chg="add mod">
+          <ac:chgData name="Möhrlein, Felix" userId="71e068fd-768c-4507-8d40-f56a9d245ead" providerId="ADAL" clId="{0DB656C6-C85F-405E-BC0E-3A1F708CE029}" dt="2025-02-21T09:37:30.983" v="637" actId="1076"/>
+          <ac:spMkLst>
+            <pc:docMk/>
+            <pc:sldMk cId="698652424" sldId="260"/>
+            <ac:spMk id="9" creationId="{1B8FFFD4-1D2F-E1CD-0828-3A0A75A3BA92}"/>
+          </ac:spMkLst>
+        </pc:spChg>
+        <pc:spChg chg="add mod">
+          <ac:chgData name="Möhrlein, Felix" userId="71e068fd-768c-4507-8d40-f56a9d245ead" providerId="ADAL" clId="{0DB656C6-C85F-405E-BC0E-3A1F708CE029}" dt="2025-02-21T09:38:59.533" v="648" actId="1076"/>
+          <ac:spMkLst>
+            <pc:docMk/>
+            <pc:sldMk cId="698652424" sldId="260"/>
+            <ac:spMk id="10" creationId="{4BF9C326-DC96-6395-3017-812B932E6521}"/>
+          </ac:spMkLst>
+        </pc:spChg>
+        <pc:spChg chg="add mod">
+          <ac:chgData name="Möhrlein, Felix" userId="71e068fd-768c-4507-8d40-f56a9d245ead" providerId="ADAL" clId="{0DB656C6-C85F-405E-BC0E-3A1F708CE029}" dt="2025-02-21T09:33:54.750" v="593" actId="1076"/>
+          <ac:spMkLst>
+            <pc:docMk/>
+            <pc:sldMk cId="698652424" sldId="260"/>
+            <ac:spMk id="23" creationId="{2BA7E819-6B2D-4744-FDAB-1D40F7F221DF}"/>
+          </ac:spMkLst>
+        </pc:spChg>
+        <pc:spChg chg="add mod">
+          <ac:chgData name="Möhrlein, Felix" userId="71e068fd-768c-4507-8d40-f56a9d245ead" providerId="ADAL" clId="{0DB656C6-C85F-405E-BC0E-3A1F708CE029}" dt="2025-02-21T09:33:54.750" v="593" actId="1076"/>
+          <ac:spMkLst>
+            <pc:docMk/>
+            <pc:sldMk cId="698652424" sldId="260"/>
+            <ac:spMk id="24" creationId="{758DF282-F0AA-6168-91F8-DAE787F6BAAD}"/>
+          </ac:spMkLst>
+        </pc:spChg>
+        <pc:spChg chg="add mod">
+          <ac:chgData name="Möhrlein, Felix" userId="71e068fd-768c-4507-8d40-f56a9d245ead" providerId="ADAL" clId="{0DB656C6-C85F-405E-BC0E-3A1F708CE029}" dt="2025-02-21T09:33:54.750" v="593" actId="1076"/>
+          <ac:spMkLst>
+            <pc:docMk/>
+            <pc:sldMk cId="698652424" sldId="260"/>
+            <ac:spMk id="25" creationId="{A4C27EA7-CCE7-EEB0-65A4-BDD843E9E5DD}"/>
+          </ac:spMkLst>
+        </pc:spChg>
+        <pc:spChg chg="add mod">
+          <ac:chgData name="Möhrlein, Felix" userId="71e068fd-768c-4507-8d40-f56a9d245ead" providerId="ADAL" clId="{0DB656C6-C85F-405E-BC0E-3A1F708CE029}" dt="2025-02-21T09:34:26.983" v="597" actId="1076"/>
+          <ac:spMkLst>
+            <pc:docMk/>
+            <pc:sldMk cId="698652424" sldId="260"/>
+            <ac:spMk id="26" creationId="{691CDB5A-81C0-762E-F552-079E964690A1}"/>
+          </ac:spMkLst>
+        </pc:spChg>
+        <pc:spChg chg="add mod">
+          <ac:chgData name="Möhrlein, Felix" userId="71e068fd-768c-4507-8d40-f56a9d245ead" providerId="ADAL" clId="{0DB656C6-C85F-405E-BC0E-3A1F708CE029}" dt="2025-02-21T09:38:32.578" v="646" actId="1076"/>
+          <ac:spMkLst>
+            <pc:docMk/>
+            <pc:sldMk cId="698652424" sldId="260"/>
+            <ac:spMk id="60" creationId="{40EE0C68-2154-91BB-599D-6003B5958C12}"/>
+          </ac:spMkLst>
+        </pc:spChg>
+        <pc:spChg chg="add mod">
+          <ac:chgData name="Möhrlein, Felix" userId="71e068fd-768c-4507-8d40-f56a9d245ead" providerId="ADAL" clId="{0DB656C6-C85F-405E-BC0E-3A1F708CE029}" dt="2025-02-21T09:39:26.194" v="654" actId="14100"/>
+          <ac:spMkLst>
+            <pc:docMk/>
+            <pc:sldMk cId="698652424" sldId="260"/>
+            <ac:spMk id="125" creationId="{376D16DD-4E63-6C39-27E3-FEFE3A2E1BC2}"/>
+          </ac:spMkLst>
+        </pc:spChg>
+        <pc:cxnChg chg="mod">
+          <ac:chgData name="Möhrlein, Felix" userId="71e068fd-768c-4507-8d40-f56a9d245ead" providerId="ADAL" clId="{0DB656C6-C85F-405E-BC0E-3A1F708CE029}" dt="2025-02-21T09:43:02.088" v="665" actId="13822"/>
+          <ac:cxnSpMkLst>
+            <pc:docMk/>
+            <pc:sldMk cId="698652424" sldId="260"/>
+            <ac:cxnSpMk id="11" creationId="{27C33748-A027-DEDE-7C6B-47CD0181B2F0}"/>
+          </ac:cxnSpMkLst>
+        </pc:cxnChg>
+        <pc:cxnChg chg="mod">
+          <ac:chgData name="Möhrlein, Felix" userId="71e068fd-768c-4507-8d40-f56a9d245ead" providerId="ADAL" clId="{0DB656C6-C85F-405E-BC0E-3A1F708CE029}" dt="2025-02-21T09:43:02.088" v="665" actId="13822"/>
+          <ac:cxnSpMkLst>
+            <pc:docMk/>
+            <pc:sldMk cId="698652424" sldId="260"/>
+            <ac:cxnSpMk id="12" creationId="{CB466966-166F-6F6A-4C82-CFEAC15F1CF5}"/>
+          </ac:cxnSpMkLst>
+        </pc:cxnChg>
+        <pc:cxnChg chg="mod">
+          <ac:chgData name="Möhrlein, Felix" userId="71e068fd-768c-4507-8d40-f56a9d245ead" providerId="ADAL" clId="{0DB656C6-C85F-405E-BC0E-3A1F708CE029}" dt="2025-02-21T09:43:02.088" v="665" actId="13822"/>
+          <ac:cxnSpMkLst>
+            <pc:docMk/>
+            <pc:sldMk cId="698652424" sldId="260"/>
+            <ac:cxnSpMk id="13" creationId="{0B7294B5-80F9-A6E5-272A-F4B9509BE62F}"/>
+          </ac:cxnSpMkLst>
+        </pc:cxnChg>
+        <pc:cxnChg chg="mod">
+          <ac:chgData name="Möhrlein, Felix" userId="71e068fd-768c-4507-8d40-f56a9d245ead" providerId="ADAL" clId="{0DB656C6-C85F-405E-BC0E-3A1F708CE029}" dt="2025-02-21T09:43:02.088" v="665" actId="13822"/>
+          <ac:cxnSpMkLst>
+            <pc:docMk/>
+            <pc:sldMk cId="698652424" sldId="260"/>
+            <ac:cxnSpMk id="14" creationId="{AC946016-249A-2262-F794-D44D75740BB5}"/>
+          </ac:cxnSpMkLst>
+        </pc:cxnChg>
+        <pc:cxnChg chg="mod">
+          <ac:chgData name="Möhrlein, Felix" userId="71e068fd-768c-4507-8d40-f56a9d245ead" providerId="ADAL" clId="{0DB656C6-C85F-405E-BC0E-3A1F708CE029}" dt="2025-02-21T09:38:27.066" v="645" actId="1076"/>
+          <ac:cxnSpMkLst>
+            <pc:docMk/>
+            <pc:sldMk cId="698652424" sldId="260"/>
+            <ac:cxnSpMk id="15" creationId="{946155A4-CCAC-20C2-6097-7885477C6112}"/>
+          </ac:cxnSpMkLst>
+        </pc:cxnChg>
+        <pc:cxnChg chg="mod">
+          <ac:chgData name="Möhrlein, Felix" userId="71e068fd-768c-4507-8d40-f56a9d245ead" providerId="ADAL" clId="{0DB656C6-C85F-405E-BC0E-3A1F708CE029}" dt="2025-02-21T09:43:02.088" v="665" actId="13822"/>
+          <ac:cxnSpMkLst>
+            <pc:docMk/>
+            <pc:sldMk cId="698652424" sldId="260"/>
+            <ac:cxnSpMk id="16" creationId="{D63032AF-9EF8-54CB-CBDD-C327F3BCA915}"/>
+          </ac:cxnSpMkLst>
+        </pc:cxnChg>
+        <pc:cxnChg chg="mod">
+          <ac:chgData name="Möhrlein, Felix" userId="71e068fd-768c-4507-8d40-f56a9d245ead" providerId="ADAL" clId="{0DB656C6-C85F-405E-BC0E-3A1F708CE029}" dt="2025-02-21T09:42:29.662" v="663" actId="13822"/>
+          <ac:cxnSpMkLst>
+            <pc:docMk/>
+            <pc:sldMk cId="698652424" sldId="260"/>
+            <ac:cxnSpMk id="17" creationId="{1D146C56-DCC6-1C45-C26A-03ADBBCC3B53}"/>
+          </ac:cxnSpMkLst>
+        </pc:cxnChg>
+        <pc:cxnChg chg="mod">
+          <ac:chgData name="Möhrlein, Felix" userId="71e068fd-768c-4507-8d40-f56a9d245ead" providerId="ADAL" clId="{0DB656C6-C85F-405E-BC0E-3A1F708CE029}" dt="2025-02-21T09:43:14.578" v="667" actId="13822"/>
+          <ac:cxnSpMkLst>
+            <pc:docMk/>
+            <pc:sldMk cId="698652424" sldId="260"/>
+            <ac:cxnSpMk id="18" creationId="{CFDA6236-A9AC-B509-845D-F7C2B9409B6F}"/>
+          </ac:cxnSpMkLst>
+        </pc:cxnChg>
+        <pc:cxnChg chg="mod">
+          <ac:chgData name="Möhrlein, Felix" userId="71e068fd-768c-4507-8d40-f56a9d245ead" providerId="ADAL" clId="{0DB656C6-C85F-405E-BC0E-3A1F708CE029}" dt="2025-02-21T09:43:14.578" v="667" actId="13822"/>
+          <ac:cxnSpMkLst>
+            <pc:docMk/>
+            <pc:sldMk cId="698652424" sldId="260"/>
+            <ac:cxnSpMk id="19" creationId="{2E16F21A-D10D-AA11-A4C0-90806FC21D5E}"/>
+          </ac:cxnSpMkLst>
+        </pc:cxnChg>
+        <pc:cxnChg chg="mod">
+          <ac:chgData name="Möhrlein, Felix" userId="71e068fd-768c-4507-8d40-f56a9d245ead" providerId="ADAL" clId="{0DB656C6-C85F-405E-BC0E-3A1F708CE029}" dt="2025-02-21T09:43:14.578" v="667" actId="13822"/>
+          <ac:cxnSpMkLst>
+            <pc:docMk/>
+            <pc:sldMk cId="698652424" sldId="260"/>
+            <ac:cxnSpMk id="20" creationId="{4447CABB-1375-E757-A2B9-1D902FE43220}"/>
+          </ac:cxnSpMkLst>
+        </pc:cxnChg>
+        <pc:cxnChg chg="mod">
+          <ac:chgData name="Möhrlein, Felix" userId="71e068fd-768c-4507-8d40-f56a9d245ead" providerId="ADAL" clId="{0DB656C6-C85F-405E-BC0E-3A1F708CE029}" dt="2025-02-21T09:43:14.578" v="667" actId="13822"/>
+          <ac:cxnSpMkLst>
+            <pc:docMk/>
+            <pc:sldMk cId="698652424" sldId="260"/>
+            <ac:cxnSpMk id="21" creationId="{F2785A10-D5A4-F549-DAD2-9BEA4B2D6CA4}"/>
+          </ac:cxnSpMkLst>
+        </pc:cxnChg>
+        <pc:cxnChg chg="mod">
+          <ac:chgData name="Möhrlein, Felix" userId="71e068fd-768c-4507-8d40-f56a9d245ead" providerId="ADAL" clId="{0DB656C6-C85F-405E-BC0E-3A1F708CE029}" dt="2025-02-21T09:38:59.533" v="648" actId="1076"/>
+          <ac:cxnSpMkLst>
+            <pc:docMk/>
+            <pc:sldMk cId="698652424" sldId="260"/>
+            <ac:cxnSpMk id="22" creationId="{29C92846-A2A6-755D-8679-78ABA6437049}"/>
+          </ac:cxnSpMkLst>
+        </pc:cxnChg>
+        <pc:cxnChg chg="add mod">
+          <ac:chgData name="Möhrlein, Felix" userId="71e068fd-768c-4507-8d40-f56a9d245ead" providerId="ADAL" clId="{0DB656C6-C85F-405E-BC0E-3A1F708CE029}" dt="2025-02-21T09:43:02.088" v="665" actId="13822"/>
+          <ac:cxnSpMkLst>
+            <pc:docMk/>
+            <pc:sldMk cId="698652424" sldId="260"/>
+            <ac:cxnSpMk id="27" creationId="{DD649EF7-57F2-27F1-DD5A-3F55753A3414}"/>
+          </ac:cxnSpMkLst>
+        </pc:cxnChg>
+        <pc:cxnChg chg="add mod">
+          <ac:chgData name="Möhrlein, Felix" userId="71e068fd-768c-4507-8d40-f56a9d245ead" providerId="ADAL" clId="{0DB656C6-C85F-405E-BC0E-3A1F708CE029}" dt="2025-02-21T09:43:02.088" v="665" actId="13822"/>
+          <ac:cxnSpMkLst>
+            <pc:docMk/>
+            <pc:sldMk cId="698652424" sldId="260"/>
+            <ac:cxnSpMk id="28" creationId="{13250420-CD36-C3AC-4BF2-BF53F82D15B5}"/>
+          </ac:cxnSpMkLst>
+        </pc:cxnChg>
+        <pc:cxnChg chg="add mod">
+          <ac:chgData name="Möhrlein, Felix" userId="71e068fd-768c-4507-8d40-f56a9d245ead" providerId="ADAL" clId="{0DB656C6-C85F-405E-BC0E-3A1F708CE029}" dt="2025-02-21T09:43:02.088" v="665" actId="13822"/>
+          <ac:cxnSpMkLst>
+            <pc:docMk/>
+            <pc:sldMk cId="698652424" sldId="260"/>
+            <ac:cxnSpMk id="63" creationId="{A51B9411-36F0-04A2-535A-5290D27A6A21}"/>
+          </ac:cxnSpMkLst>
+        </pc:cxnChg>
+        <pc:cxnChg chg="add mod">
+          <ac:chgData name="Möhrlein, Felix" userId="71e068fd-768c-4507-8d40-f56a9d245ead" providerId="ADAL" clId="{0DB656C6-C85F-405E-BC0E-3A1F708CE029}" dt="2025-02-21T09:43:02.088" v="665" actId="13822"/>
+          <ac:cxnSpMkLst>
+            <pc:docMk/>
+            <pc:sldMk cId="698652424" sldId="260"/>
+            <ac:cxnSpMk id="66" creationId="{CA925BDD-5D0D-D95C-8E36-2E5C70FB7187}"/>
+          </ac:cxnSpMkLst>
+        </pc:cxnChg>
+        <pc:cxnChg chg="add mod">
+          <ac:chgData name="Möhrlein, Felix" userId="71e068fd-768c-4507-8d40-f56a9d245ead" providerId="ADAL" clId="{0DB656C6-C85F-405E-BC0E-3A1F708CE029}" dt="2025-02-21T09:43:02.088" v="665" actId="13822"/>
+          <ac:cxnSpMkLst>
+            <pc:docMk/>
+            <pc:sldMk cId="698652424" sldId="260"/>
+            <ac:cxnSpMk id="69" creationId="{B716EB7C-23F1-32E9-6185-55154C37070F}"/>
+          </ac:cxnSpMkLst>
+        </pc:cxnChg>
+        <pc:cxnChg chg="add mod">
+          <ac:chgData name="Möhrlein, Felix" userId="71e068fd-768c-4507-8d40-f56a9d245ead" providerId="ADAL" clId="{0DB656C6-C85F-405E-BC0E-3A1F708CE029}" dt="2025-02-21T09:38:49.762" v="647" actId="1076"/>
+          <ac:cxnSpMkLst>
+            <pc:docMk/>
+            <pc:sldMk cId="698652424" sldId="260"/>
+            <ac:cxnSpMk id="72" creationId="{79C89593-F802-39F7-8A30-4D063AFEC5C4}"/>
+          </ac:cxnSpMkLst>
+        </pc:cxnChg>
+        <pc:cxnChg chg="add mod">
+          <ac:chgData name="Möhrlein, Felix" userId="71e068fd-768c-4507-8d40-f56a9d245ead" providerId="ADAL" clId="{0DB656C6-C85F-405E-BC0E-3A1F708CE029}" dt="2025-02-21T09:43:14.578" v="667" actId="13822"/>
+          <ac:cxnSpMkLst>
+            <pc:docMk/>
+            <pc:sldMk cId="698652424" sldId="260"/>
+            <ac:cxnSpMk id="77" creationId="{34483950-B97E-C475-EAE1-E04E9D2C7701}"/>
+          </ac:cxnSpMkLst>
+        </pc:cxnChg>
+        <pc:cxnChg chg="add mod">
+          <ac:chgData name="Möhrlein, Felix" userId="71e068fd-768c-4507-8d40-f56a9d245ead" providerId="ADAL" clId="{0DB656C6-C85F-405E-BC0E-3A1F708CE029}" dt="2025-02-21T09:43:14.578" v="667" actId="13822"/>
+          <ac:cxnSpMkLst>
+            <pc:docMk/>
+            <pc:sldMk cId="698652424" sldId="260"/>
+            <ac:cxnSpMk id="80" creationId="{4D25E87D-88A3-BDC7-53E8-C02A6B587A18}"/>
+          </ac:cxnSpMkLst>
+        </pc:cxnChg>
+        <pc:cxnChg chg="add mod">
+          <ac:chgData name="Möhrlein, Felix" userId="71e068fd-768c-4507-8d40-f56a9d245ead" providerId="ADAL" clId="{0DB656C6-C85F-405E-BC0E-3A1F708CE029}" dt="2025-02-21T09:43:14.578" v="667" actId="13822"/>
+          <ac:cxnSpMkLst>
+            <pc:docMk/>
+            <pc:sldMk cId="698652424" sldId="260"/>
+            <ac:cxnSpMk id="126" creationId="{61B8621E-0013-C707-375E-2C98B2A53A86}"/>
+          </ac:cxnSpMkLst>
+        </pc:cxnChg>
+        <pc:cxnChg chg="add mod">
+          <ac:chgData name="Möhrlein, Felix" userId="71e068fd-768c-4507-8d40-f56a9d245ead" providerId="ADAL" clId="{0DB656C6-C85F-405E-BC0E-3A1F708CE029}" dt="2025-02-21T09:43:14.578" v="667" actId="13822"/>
+          <ac:cxnSpMkLst>
+            <pc:docMk/>
+            <pc:sldMk cId="698652424" sldId="260"/>
+            <ac:cxnSpMk id="127" creationId="{4C5F9595-255D-0BD6-B6EA-B16F457A2A3F}"/>
+          </ac:cxnSpMkLst>
+        </pc:cxnChg>
+        <pc:cxnChg chg="add mod">
+          <ac:chgData name="Möhrlein, Felix" userId="71e068fd-768c-4507-8d40-f56a9d245ead" providerId="ADAL" clId="{0DB656C6-C85F-405E-BC0E-3A1F708CE029}" dt="2025-02-21T09:43:14.578" v="667" actId="13822"/>
+          <ac:cxnSpMkLst>
+            <pc:docMk/>
+            <pc:sldMk cId="698652424" sldId="260"/>
+            <ac:cxnSpMk id="128" creationId="{2228C1B7-5371-73C3-82BD-BEE63C9B183A}"/>
+          </ac:cxnSpMkLst>
+        </pc:cxnChg>
+        <pc:cxnChg chg="add mod">
+          <ac:chgData name="Möhrlein, Felix" userId="71e068fd-768c-4507-8d40-f56a9d245ead" providerId="ADAL" clId="{0DB656C6-C85F-405E-BC0E-3A1F708CE029}" dt="2025-02-21T09:43:14.578" v="667" actId="13822"/>
+          <ac:cxnSpMkLst>
+            <pc:docMk/>
+            <pc:sldMk cId="698652424" sldId="260"/>
+            <ac:cxnSpMk id="129" creationId="{D7CC8E24-74AB-B604-78BA-EF154E7D4602}"/>
+          </ac:cxnSpMkLst>
+        </pc:cxnChg>
+        <pc:cxnChg chg="add del">
+          <ac:chgData name="Möhrlein, Felix" userId="71e068fd-768c-4507-8d40-f56a9d245ead" providerId="ADAL" clId="{0DB656C6-C85F-405E-BC0E-3A1F708CE029}" dt="2025-02-21T09:41:19.269" v="659" actId="478"/>
+          <ac:cxnSpMkLst>
+            <pc:docMk/>
+            <pc:sldMk cId="698652424" sldId="260"/>
+            <ac:cxnSpMk id="135" creationId="{12546547-0E48-1520-CEFA-CC8B3751ADC1}"/>
+          </ac:cxnSpMkLst>
+        </pc:cxnChg>
+      </pc:sldChg>
+      <pc:sldChg chg="addSp delSp modSp add mod">
+        <pc:chgData name="Möhrlein, Felix" userId="71e068fd-768c-4507-8d40-f56a9d245ead" providerId="ADAL" clId="{0DB656C6-C85F-405E-BC0E-3A1F708CE029}" dt="2025-02-21T09:46:34.317" v="706" actId="1076"/>
+        <pc:sldMkLst>
+          <pc:docMk/>
+          <pc:sldMk cId="3659868760" sldId="261"/>
+        </pc:sldMkLst>
+        <pc:spChg chg="add del mod">
+          <ac:chgData name="Möhrlein, Felix" userId="71e068fd-768c-4507-8d40-f56a9d245ead" providerId="ADAL" clId="{0DB656C6-C85F-405E-BC0E-3A1F708CE029}" dt="2025-02-21T09:44:04.531" v="668" actId="478"/>
+          <ac:spMkLst>
+            <pc:docMk/>
+            <pc:sldMk cId="3659868760" sldId="261"/>
+            <ac:spMk id="2" creationId="{42281D61-B789-B1C3-51E5-5351137E173F}"/>
+          </ac:spMkLst>
+        </pc:spChg>
+        <pc:spChg chg="add del mod">
+          <ac:chgData name="Möhrlein, Felix" userId="71e068fd-768c-4507-8d40-f56a9d245ead" providerId="ADAL" clId="{0DB656C6-C85F-405E-BC0E-3A1F708CE029}" dt="2025-02-21T09:44:04.531" v="668" actId="478"/>
+          <ac:spMkLst>
+            <pc:docMk/>
+            <pc:sldMk cId="3659868760" sldId="261"/>
+            <ac:spMk id="3" creationId="{16081C48-9450-F3CC-B053-F72DA20ADD51}"/>
+          </ac:spMkLst>
+        </pc:spChg>
+        <pc:spChg chg="del">
+          <ac:chgData name="Möhrlein, Felix" userId="71e068fd-768c-4507-8d40-f56a9d245ead" providerId="ADAL" clId="{0DB656C6-C85F-405E-BC0E-3A1F708CE029}" dt="2025-02-21T09:37:55.091" v="639" actId="478"/>
+          <ac:spMkLst>
+            <pc:docMk/>
+            <pc:sldMk cId="3659868760" sldId="261"/>
+            <ac:spMk id="4" creationId="{362BAF66-1B1D-7B3A-DE52-2CA5734CC4D1}"/>
+          </ac:spMkLst>
+        </pc:spChg>
+        <pc:spChg chg="del">
+          <ac:chgData name="Möhrlein, Felix" userId="71e068fd-768c-4507-8d40-f56a9d245ead" providerId="ADAL" clId="{0DB656C6-C85F-405E-BC0E-3A1F708CE029}" dt="2025-02-21T09:37:55.091" v="639" actId="478"/>
+          <ac:spMkLst>
+            <pc:docMk/>
+            <pc:sldMk cId="3659868760" sldId="261"/>
+            <ac:spMk id="5" creationId="{AAF630BB-28DC-C37C-475D-53916CAB8E13}"/>
+          </ac:spMkLst>
+        </pc:spChg>
+        <pc:spChg chg="del">
+          <ac:chgData name="Möhrlein, Felix" userId="71e068fd-768c-4507-8d40-f56a9d245ead" providerId="ADAL" clId="{0DB656C6-C85F-405E-BC0E-3A1F708CE029}" dt="2025-02-21T09:37:55.091" v="639" actId="478"/>
+          <ac:spMkLst>
+            <pc:docMk/>
+            <pc:sldMk cId="3659868760" sldId="261"/>
+            <ac:spMk id="6" creationId="{71C29815-2CE9-6E33-68C8-B49C868A5150}"/>
+          </ac:spMkLst>
+        </pc:spChg>
+        <pc:spChg chg="del">
+          <ac:chgData name="Möhrlein, Felix" userId="71e068fd-768c-4507-8d40-f56a9d245ead" providerId="ADAL" clId="{0DB656C6-C85F-405E-BC0E-3A1F708CE029}" dt="2025-02-21T09:37:55.091" v="639" actId="478"/>
+          <ac:spMkLst>
+            <pc:docMk/>
+            <pc:sldMk cId="3659868760" sldId="261"/>
+            <ac:spMk id="7" creationId="{DBA1407A-0728-436F-D380-1B4CE6C5DC73}"/>
+          </ac:spMkLst>
+        </pc:spChg>
+        <pc:spChg chg="del">
+          <ac:chgData name="Möhrlein, Felix" userId="71e068fd-768c-4507-8d40-f56a9d245ead" providerId="ADAL" clId="{0DB656C6-C85F-405E-BC0E-3A1F708CE029}" dt="2025-02-21T09:37:55.091" v="639" actId="478"/>
+          <ac:spMkLst>
+            <pc:docMk/>
+            <pc:sldMk cId="3659868760" sldId="261"/>
+            <ac:spMk id="8" creationId="{41ADC915-69FD-56FA-3599-4E86CB87FADE}"/>
+          </ac:spMkLst>
+        </pc:spChg>
+        <pc:spChg chg="del">
+          <ac:chgData name="Möhrlein, Felix" userId="71e068fd-768c-4507-8d40-f56a9d245ead" providerId="ADAL" clId="{0DB656C6-C85F-405E-BC0E-3A1F708CE029}" dt="2025-02-21T09:37:55.091" v="639" actId="478"/>
+          <ac:spMkLst>
+            <pc:docMk/>
+            <pc:sldMk cId="3659868760" sldId="261"/>
+            <ac:spMk id="9" creationId="{59F020A2-CD47-8790-5F4B-58737D2CBE34}"/>
+          </ac:spMkLst>
+        </pc:spChg>
+        <pc:spChg chg="del">
+          <ac:chgData name="Möhrlein, Felix" userId="71e068fd-768c-4507-8d40-f56a9d245ead" providerId="ADAL" clId="{0DB656C6-C85F-405E-BC0E-3A1F708CE029}" dt="2025-02-21T09:37:55.091" v="639" actId="478"/>
+          <ac:spMkLst>
+            <pc:docMk/>
+            <pc:sldMk cId="3659868760" sldId="261"/>
+            <ac:spMk id="10" creationId="{C3BBD114-0C64-EBA4-6A1E-0ABAAF252BFF}"/>
+          </ac:spMkLst>
+        </pc:spChg>
+        <pc:spChg chg="del">
+          <ac:chgData name="Möhrlein, Felix" userId="71e068fd-768c-4507-8d40-f56a9d245ead" providerId="ADAL" clId="{0DB656C6-C85F-405E-BC0E-3A1F708CE029}" dt="2025-02-21T09:37:55.091" v="639" actId="478"/>
+          <ac:spMkLst>
+            <pc:docMk/>
+            <pc:sldMk cId="3659868760" sldId="261"/>
+            <ac:spMk id="23" creationId="{24FA34DF-4D06-84C4-17F5-C3DAF8D487BE}"/>
+          </ac:spMkLst>
+        </pc:spChg>
+        <pc:spChg chg="del">
+          <ac:chgData name="Möhrlein, Felix" userId="71e068fd-768c-4507-8d40-f56a9d245ead" providerId="ADAL" clId="{0DB656C6-C85F-405E-BC0E-3A1F708CE029}" dt="2025-02-21T09:37:55.091" v="639" actId="478"/>
+          <ac:spMkLst>
+            <pc:docMk/>
+            <pc:sldMk cId="3659868760" sldId="261"/>
+            <ac:spMk id="24" creationId="{1649AD89-6558-8C22-237C-E410AF0FF81F}"/>
+          </ac:spMkLst>
+        </pc:spChg>
+        <pc:spChg chg="del">
+          <ac:chgData name="Möhrlein, Felix" userId="71e068fd-768c-4507-8d40-f56a9d245ead" providerId="ADAL" clId="{0DB656C6-C85F-405E-BC0E-3A1F708CE029}" dt="2025-02-21T09:37:55.091" v="639" actId="478"/>
+          <ac:spMkLst>
+            <pc:docMk/>
+            <pc:sldMk cId="3659868760" sldId="261"/>
+            <ac:spMk id="25" creationId="{014E674F-58A2-081E-685B-7B975951F2EE}"/>
+          </ac:spMkLst>
+        </pc:spChg>
+        <pc:spChg chg="add del mod">
+          <ac:chgData name="Möhrlein, Felix" userId="71e068fd-768c-4507-8d40-f56a9d245ead" providerId="ADAL" clId="{0DB656C6-C85F-405E-BC0E-3A1F708CE029}" dt="2025-02-21T09:44:04.531" v="668" actId="478"/>
+          <ac:spMkLst>
+            <pc:docMk/>
+            <pc:sldMk cId="3659868760" sldId="261"/>
+            <ac:spMk id="29" creationId="{2DC70605-11F7-A8E1-EC1E-19242F1678AA}"/>
+          </ac:spMkLst>
+        </pc:spChg>
+        <pc:spChg chg="add del mod">
+          <ac:chgData name="Möhrlein, Felix" userId="71e068fd-768c-4507-8d40-f56a9d245ead" providerId="ADAL" clId="{0DB656C6-C85F-405E-BC0E-3A1F708CE029}" dt="2025-02-21T09:44:04.531" v="668" actId="478"/>
+          <ac:spMkLst>
+            <pc:docMk/>
+            <pc:sldMk cId="3659868760" sldId="261"/>
+            <ac:spMk id="30" creationId="{A5C1BB52-7659-AF89-B911-67E72646D5AC}"/>
+          </ac:spMkLst>
+        </pc:spChg>
+        <pc:spChg chg="add del mod">
+          <ac:chgData name="Möhrlein, Felix" userId="71e068fd-768c-4507-8d40-f56a9d245ead" providerId="ADAL" clId="{0DB656C6-C85F-405E-BC0E-3A1F708CE029}" dt="2025-02-21T09:44:04.531" v="668" actId="478"/>
+          <ac:spMkLst>
+            <pc:docMk/>
+            <pc:sldMk cId="3659868760" sldId="261"/>
+            <ac:spMk id="31" creationId="{5061CE3A-2241-F3CA-0BEE-1BA78766E5E5}"/>
+          </ac:spMkLst>
+        </pc:spChg>
+        <pc:spChg chg="add del mod">
+          <ac:chgData name="Möhrlein, Felix" userId="71e068fd-768c-4507-8d40-f56a9d245ead" providerId="ADAL" clId="{0DB656C6-C85F-405E-BC0E-3A1F708CE029}" dt="2025-02-21T09:44:04.531" v="668" actId="478"/>
+          <ac:spMkLst>
+            <pc:docMk/>
+            <pc:sldMk cId="3659868760" sldId="261"/>
+            <ac:spMk id="32" creationId="{6CD903C1-2CCC-7760-55FA-4F2CC7CDB738}"/>
+          </ac:spMkLst>
+        </pc:spChg>
+        <pc:spChg chg="add del mod">
+          <ac:chgData name="Möhrlein, Felix" userId="71e068fd-768c-4507-8d40-f56a9d245ead" providerId="ADAL" clId="{0DB656C6-C85F-405E-BC0E-3A1F708CE029}" dt="2025-02-21T09:44:04.531" v="668" actId="478"/>
+          <ac:spMkLst>
+            <pc:docMk/>
+            <pc:sldMk cId="3659868760" sldId="261"/>
+            <ac:spMk id="33" creationId="{43A4509B-007A-AFE3-3DB0-4DEFA96106B3}"/>
+          </ac:spMkLst>
+        </pc:spChg>
+        <pc:spChg chg="add del mod">
+          <ac:chgData name="Möhrlein, Felix" userId="71e068fd-768c-4507-8d40-f56a9d245ead" providerId="ADAL" clId="{0DB656C6-C85F-405E-BC0E-3A1F708CE029}" dt="2025-02-21T09:44:04.531" v="668" actId="478"/>
+          <ac:spMkLst>
+            <pc:docMk/>
+            <pc:sldMk cId="3659868760" sldId="261"/>
+            <ac:spMk id="46" creationId="{25E36906-E877-4A93-EC76-32D782422AF4}"/>
+          </ac:spMkLst>
+        </pc:spChg>
+        <pc:spChg chg="add del mod">
+          <ac:chgData name="Möhrlein, Felix" userId="71e068fd-768c-4507-8d40-f56a9d245ead" providerId="ADAL" clId="{0DB656C6-C85F-405E-BC0E-3A1F708CE029}" dt="2025-02-21T09:44:04.531" v="668" actId="478"/>
+          <ac:spMkLst>
+            <pc:docMk/>
+            <pc:sldMk cId="3659868760" sldId="261"/>
+            <ac:spMk id="47" creationId="{3F735F6C-2A9A-C5A5-20E1-B52F3017EBC6}"/>
+          </ac:spMkLst>
+        </pc:spChg>
+        <pc:spChg chg="add del mod">
+          <ac:chgData name="Möhrlein, Felix" userId="71e068fd-768c-4507-8d40-f56a9d245ead" providerId="ADAL" clId="{0DB656C6-C85F-405E-BC0E-3A1F708CE029}" dt="2025-02-21T09:44:04.531" v="668" actId="478"/>
+          <ac:spMkLst>
+            <pc:docMk/>
+            <pc:sldMk cId="3659868760" sldId="261"/>
+            <ac:spMk id="48" creationId="{7A7F95D3-45B3-3D32-A203-DCE223CEE86D}"/>
+          </ac:spMkLst>
+        </pc:spChg>
+        <pc:spChg chg="add mod">
+          <ac:chgData name="Möhrlein, Felix" userId="71e068fd-768c-4507-8d40-f56a9d245ead" providerId="ADAL" clId="{0DB656C6-C85F-405E-BC0E-3A1F708CE029}" dt="2025-02-21T09:44:04.792" v="669"/>
+          <ac:spMkLst>
+            <pc:docMk/>
+            <pc:sldMk cId="3659868760" sldId="261"/>
+            <ac:spMk id="70" creationId="{CB6B09D1-2143-7203-80CB-4A7AB173DF6D}"/>
+          </ac:spMkLst>
+        </pc:spChg>
+        <pc:spChg chg="add mod">
+          <ac:chgData name="Möhrlein, Felix" userId="71e068fd-768c-4507-8d40-f56a9d245ead" providerId="ADAL" clId="{0DB656C6-C85F-405E-BC0E-3A1F708CE029}" dt="2025-02-21T09:44:04.792" v="669"/>
+          <ac:spMkLst>
+            <pc:docMk/>
+            <pc:sldMk cId="3659868760" sldId="261"/>
+            <ac:spMk id="74" creationId="{9E759D1E-8B1E-129F-5E7A-E24AE0BD547F}"/>
+          </ac:spMkLst>
+        </pc:spChg>
+        <pc:spChg chg="add mod">
+          <ac:chgData name="Möhrlein, Felix" userId="71e068fd-768c-4507-8d40-f56a9d245ead" providerId="ADAL" clId="{0DB656C6-C85F-405E-BC0E-3A1F708CE029}" dt="2025-02-21T09:44:04.792" v="669"/>
+          <ac:spMkLst>
+            <pc:docMk/>
+            <pc:sldMk cId="3659868760" sldId="261"/>
+            <ac:spMk id="78" creationId="{71F34E18-1FCE-10CA-9B2E-322A5446E3C4}"/>
+          </ac:spMkLst>
+        </pc:spChg>
+        <pc:spChg chg="add mod">
+          <ac:chgData name="Möhrlein, Felix" userId="71e068fd-768c-4507-8d40-f56a9d245ead" providerId="ADAL" clId="{0DB656C6-C85F-405E-BC0E-3A1F708CE029}" dt="2025-02-21T09:44:04.792" v="669"/>
+          <ac:spMkLst>
+            <pc:docMk/>
+            <pc:sldMk cId="3659868760" sldId="261"/>
+            <ac:spMk id="79" creationId="{F61A0183-50A2-E81F-3492-9EC3156FB2B9}"/>
+          </ac:spMkLst>
+        </pc:spChg>
+        <pc:spChg chg="add mod">
+          <ac:chgData name="Möhrlein, Felix" userId="71e068fd-768c-4507-8d40-f56a9d245ead" providerId="ADAL" clId="{0DB656C6-C85F-405E-BC0E-3A1F708CE029}" dt="2025-02-21T09:44:04.792" v="669"/>
+          <ac:spMkLst>
+            <pc:docMk/>
+            <pc:sldMk cId="3659868760" sldId="261"/>
+            <ac:spMk id="82" creationId="{7FFFC26C-07F4-6F2F-554D-4DF357EE308A}"/>
+          </ac:spMkLst>
+        </pc:spChg>
+        <pc:spChg chg="mod">
+          <ac:chgData name="Möhrlein, Felix" userId="71e068fd-768c-4507-8d40-f56a9d245ead" providerId="ADAL" clId="{0DB656C6-C85F-405E-BC0E-3A1F708CE029}" dt="2025-02-21T09:46:34.317" v="706" actId="1076"/>
+          <ac:spMkLst>
+            <pc:docMk/>
+            <pc:sldMk cId="3659868760" sldId="261"/>
+            <ac:spMk id="83" creationId="{B687136B-02D6-0043-7FF6-89CD495A94AB}"/>
+          </ac:spMkLst>
+        </pc:spChg>
+        <pc:spChg chg="add mod">
+          <ac:chgData name="Möhrlein, Felix" userId="71e068fd-768c-4507-8d40-f56a9d245ead" providerId="ADAL" clId="{0DB656C6-C85F-405E-BC0E-3A1F708CE029}" dt="2025-02-21T09:46:28.154" v="705" actId="1076"/>
+          <ac:spMkLst>
+            <pc:docMk/>
+            <pc:sldMk cId="3659868760" sldId="261"/>
+            <ac:spMk id="84" creationId="{051C57AF-BD7D-C39A-453E-2DF72A4C12BD}"/>
+          </ac:spMkLst>
+        </pc:spChg>
+        <pc:spChg chg="add mod">
+          <ac:chgData name="Möhrlein, Felix" userId="71e068fd-768c-4507-8d40-f56a9d245ead" providerId="ADAL" clId="{0DB656C6-C85F-405E-BC0E-3A1F708CE029}" dt="2025-02-21T09:44:04.792" v="669"/>
+          <ac:spMkLst>
+            <pc:docMk/>
+            <pc:sldMk cId="3659868760" sldId="261"/>
+            <ac:spMk id="85" creationId="{7A6A1507-7F72-E9E5-B73A-88CC65F65447}"/>
+          </ac:spMkLst>
+        </pc:spChg>
+        <pc:spChg chg="add mod">
+          <ac:chgData name="Möhrlein, Felix" userId="71e068fd-768c-4507-8d40-f56a9d245ead" providerId="ADAL" clId="{0DB656C6-C85F-405E-BC0E-3A1F708CE029}" dt="2025-02-21T09:44:04.792" v="669"/>
+          <ac:spMkLst>
+            <pc:docMk/>
+            <pc:sldMk cId="3659868760" sldId="261"/>
+            <ac:spMk id="86" creationId="{22A989B6-FB9C-39DC-E033-89B9F90F85CD}"/>
+          </ac:spMkLst>
+        </pc:spChg>
+        <pc:spChg chg="add mod">
+          <ac:chgData name="Möhrlein, Felix" userId="71e068fd-768c-4507-8d40-f56a9d245ead" providerId="ADAL" clId="{0DB656C6-C85F-405E-BC0E-3A1F708CE029}" dt="2025-02-21T09:44:04.792" v="669"/>
+          <ac:spMkLst>
+            <pc:docMk/>
+            <pc:sldMk cId="3659868760" sldId="261"/>
+            <ac:spMk id="87" creationId="{111AF807-3335-3EA1-A29B-0FF82057727F}"/>
+          </ac:spMkLst>
+        </pc:spChg>
+        <pc:spChg chg="add mod">
+          <ac:chgData name="Möhrlein, Felix" userId="71e068fd-768c-4507-8d40-f56a9d245ead" providerId="ADAL" clId="{0DB656C6-C85F-405E-BC0E-3A1F708CE029}" dt="2025-02-21T09:44:04.792" v="669"/>
+          <ac:spMkLst>
+            <pc:docMk/>
+            <pc:sldMk cId="3659868760" sldId="261"/>
+            <ac:spMk id="88" creationId="{8ED14EC4-C05F-E874-F2C4-0FEDBBDAA0FE}"/>
+          </ac:spMkLst>
+        </pc:spChg>
+        <pc:cxnChg chg="mod">
+          <ac:chgData name="Möhrlein, Felix" userId="71e068fd-768c-4507-8d40-f56a9d245ead" providerId="ADAL" clId="{0DB656C6-C85F-405E-BC0E-3A1F708CE029}" dt="2025-02-21T09:41:49.579" v="661" actId="17032"/>
+          <ac:cxnSpMkLst>
+            <pc:docMk/>
+            <pc:sldMk cId="3659868760" sldId="261"/>
+            <ac:cxnSpMk id="34" creationId="{7B67D9DF-AAF4-ACAE-7E01-7B08C6DBC58C}"/>
+          </ac:cxnSpMkLst>
+        </pc:cxnChg>
+        <pc:cxnChg chg="mod">
+          <ac:chgData name="Möhrlein, Felix" userId="71e068fd-768c-4507-8d40-f56a9d245ead" providerId="ADAL" clId="{0DB656C6-C85F-405E-BC0E-3A1F708CE029}" dt="2025-02-21T09:41:49.579" v="661" actId="17032"/>
+          <ac:cxnSpMkLst>
+            <pc:docMk/>
+            <pc:sldMk cId="3659868760" sldId="261"/>
+            <ac:cxnSpMk id="35" creationId="{66F59C3A-5882-ADF0-FC0E-1AEEB6515785}"/>
+          </ac:cxnSpMkLst>
+        </pc:cxnChg>
+        <pc:cxnChg chg="mod">
+          <ac:chgData name="Möhrlein, Felix" userId="71e068fd-768c-4507-8d40-f56a9d245ead" providerId="ADAL" clId="{0DB656C6-C85F-405E-BC0E-3A1F708CE029}" dt="2025-02-21T09:41:49.579" v="661" actId="17032"/>
+          <ac:cxnSpMkLst>
+            <pc:docMk/>
+            <pc:sldMk cId="3659868760" sldId="261"/>
+            <ac:cxnSpMk id="36" creationId="{2B63EA97-1DD0-C9AC-E900-813B928FF70E}"/>
+          </ac:cxnSpMkLst>
+        </pc:cxnChg>
+        <pc:cxnChg chg="mod">
+          <ac:chgData name="Möhrlein, Felix" userId="71e068fd-768c-4507-8d40-f56a9d245ead" providerId="ADAL" clId="{0DB656C6-C85F-405E-BC0E-3A1F708CE029}" dt="2025-02-21T09:41:49.579" v="661" actId="17032"/>
+          <ac:cxnSpMkLst>
+            <pc:docMk/>
+            <pc:sldMk cId="3659868760" sldId="261"/>
+            <ac:cxnSpMk id="37" creationId="{0940521A-8D2C-A706-CC6A-BFB6455E6025}"/>
+          </ac:cxnSpMkLst>
+        </pc:cxnChg>
+        <pc:cxnChg chg="mod">
+          <ac:chgData name="Möhrlein, Felix" userId="71e068fd-768c-4507-8d40-f56a9d245ead" providerId="ADAL" clId="{0DB656C6-C85F-405E-BC0E-3A1F708CE029}" dt="2025-02-21T09:41:49.579" v="661" actId="17032"/>
+          <ac:cxnSpMkLst>
+            <pc:docMk/>
+            <pc:sldMk cId="3659868760" sldId="261"/>
+            <ac:cxnSpMk id="38" creationId="{92EC9007-5F9F-0913-8494-563D09E691BA}"/>
+          </ac:cxnSpMkLst>
+        </pc:cxnChg>
+        <pc:cxnChg chg="mod">
+          <ac:chgData name="Möhrlein, Felix" userId="71e068fd-768c-4507-8d40-f56a9d245ead" providerId="ADAL" clId="{0DB656C6-C85F-405E-BC0E-3A1F708CE029}" dt="2025-02-21T09:41:49.579" v="661" actId="17032"/>
+          <ac:cxnSpMkLst>
+            <pc:docMk/>
+            <pc:sldMk cId="3659868760" sldId="261"/>
+            <ac:cxnSpMk id="39" creationId="{157EBDC3-26F9-226D-979C-2EB78B8073D9}"/>
+          </ac:cxnSpMkLst>
+        </pc:cxnChg>
+        <pc:cxnChg chg="mod">
+          <ac:chgData name="Möhrlein, Felix" userId="71e068fd-768c-4507-8d40-f56a9d245ead" providerId="ADAL" clId="{0DB656C6-C85F-405E-BC0E-3A1F708CE029}" dt="2025-02-21T09:42:01.628" v="662" actId="17032"/>
+          <ac:cxnSpMkLst>
+            <pc:docMk/>
+            <pc:sldMk cId="3659868760" sldId="261"/>
+            <ac:cxnSpMk id="40" creationId="{D894A8DF-A5F2-A664-D0D0-841C9E371FBE}"/>
+          </ac:cxnSpMkLst>
+        </pc:cxnChg>
+        <pc:cxnChg chg="mod">
+          <ac:chgData name="Möhrlein, Felix" userId="71e068fd-768c-4507-8d40-f56a9d245ead" providerId="ADAL" clId="{0DB656C6-C85F-405E-BC0E-3A1F708CE029}" dt="2025-02-21T09:42:01.628" v="662" actId="17032"/>
+          <ac:cxnSpMkLst>
+            <pc:docMk/>
+            <pc:sldMk cId="3659868760" sldId="261"/>
+            <ac:cxnSpMk id="41" creationId="{61D5E648-F2C3-C479-531C-D562C89C4A65}"/>
+          </ac:cxnSpMkLst>
+        </pc:cxnChg>
+        <pc:cxnChg chg="mod">
+          <ac:chgData name="Möhrlein, Felix" userId="71e068fd-768c-4507-8d40-f56a9d245ead" providerId="ADAL" clId="{0DB656C6-C85F-405E-BC0E-3A1F708CE029}" dt="2025-02-21T09:42:01.628" v="662" actId="17032"/>
+          <ac:cxnSpMkLst>
+            <pc:docMk/>
+            <pc:sldMk cId="3659868760" sldId="261"/>
+            <ac:cxnSpMk id="42" creationId="{4FDA7A23-22BE-674B-0321-E45AD66923D2}"/>
+          </ac:cxnSpMkLst>
+        </pc:cxnChg>
+        <pc:cxnChg chg="mod">
+          <ac:chgData name="Möhrlein, Felix" userId="71e068fd-768c-4507-8d40-f56a9d245ead" providerId="ADAL" clId="{0DB656C6-C85F-405E-BC0E-3A1F708CE029}" dt="2025-02-21T09:42:01.628" v="662" actId="17032"/>
+          <ac:cxnSpMkLst>
+            <pc:docMk/>
+            <pc:sldMk cId="3659868760" sldId="261"/>
+            <ac:cxnSpMk id="43" creationId="{59EDFBC3-4A0F-10E1-F08D-4AF5F524F5C4}"/>
+          </ac:cxnSpMkLst>
+        </pc:cxnChg>
+        <pc:cxnChg chg="mod">
+          <ac:chgData name="Möhrlein, Felix" userId="71e068fd-768c-4507-8d40-f56a9d245ead" providerId="ADAL" clId="{0DB656C6-C85F-405E-BC0E-3A1F708CE029}" dt="2025-02-21T09:42:01.628" v="662" actId="17032"/>
+          <ac:cxnSpMkLst>
+            <pc:docMk/>
+            <pc:sldMk cId="3659868760" sldId="261"/>
+            <ac:cxnSpMk id="44" creationId="{7D513979-0515-3D34-6CD8-E5779E3F2BA6}"/>
+          </ac:cxnSpMkLst>
+        </pc:cxnChg>
+        <pc:cxnChg chg="mod">
+          <ac:chgData name="Möhrlein, Felix" userId="71e068fd-768c-4507-8d40-f56a9d245ead" providerId="ADAL" clId="{0DB656C6-C85F-405E-BC0E-3A1F708CE029}" dt="2025-02-21T09:42:01.628" v="662" actId="17032"/>
+          <ac:cxnSpMkLst>
+            <pc:docMk/>
+            <pc:sldMk cId="3659868760" sldId="261"/>
+            <ac:cxnSpMk id="45" creationId="{001C4C97-1373-3606-91A4-C05DC34E07FB}"/>
+          </ac:cxnSpMkLst>
+        </pc:cxnChg>
+      </pc:sldChg>
+      <pc:sldChg chg="addSp delSp modSp add mod">
+        <pc:chgData name="Möhrlein, Felix" userId="71e068fd-768c-4507-8d40-f56a9d245ead" providerId="ADAL" clId="{0DB656C6-C85F-405E-BC0E-3A1F708CE029}" dt="2025-02-21T09:49:16.234" v="742" actId="6549"/>
+        <pc:sldMkLst>
+          <pc:docMk/>
+          <pc:sldMk cId="2035955800" sldId="262"/>
+        </pc:sldMkLst>
+        <pc:spChg chg="del">
+          <ac:chgData name="Möhrlein, Felix" userId="71e068fd-768c-4507-8d40-f56a9d245ead" providerId="ADAL" clId="{0DB656C6-C85F-405E-BC0E-3A1F708CE029}" dt="2025-02-21T09:48:33.991" v="732" actId="478"/>
+          <ac:spMkLst>
+            <pc:docMk/>
+            <pc:sldMk cId="2035955800" sldId="262"/>
+            <ac:spMk id="2" creationId="{26853F19-FF7C-199B-D04F-19CD6BA0A9E3}"/>
+          </ac:spMkLst>
+        </pc:spChg>
+        <pc:spChg chg="del">
+          <ac:chgData name="Möhrlein, Felix" userId="71e068fd-768c-4507-8d40-f56a9d245ead" providerId="ADAL" clId="{0DB656C6-C85F-405E-BC0E-3A1F708CE029}" dt="2025-02-21T09:48:28.377" v="728" actId="478"/>
+          <ac:spMkLst>
+            <pc:docMk/>
+            <pc:sldMk cId="2035955800" sldId="262"/>
+            <ac:spMk id="3" creationId="{9CD977EC-2237-2820-8634-142F79BC2678}"/>
+          </ac:spMkLst>
+        </pc:spChg>
+        <pc:spChg chg="mod">
+          <ac:chgData name="Möhrlein, Felix" userId="71e068fd-768c-4507-8d40-f56a9d245ead" providerId="ADAL" clId="{0DB656C6-C85F-405E-BC0E-3A1F708CE029}" dt="2025-02-21T09:48:11.852" v="719" actId="20577"/>
+          <ac:spMkLst>
+            <pc:docMk/>
+            <pc:sldMk cId="2035955800" sldId="262"/>
+            <ac:spMk id="4" creationId="{A1DABD25-1306-F660-450C-F066501BBB9E}"/>
+          </ac:spMkLst>
+        </pc:spChg>
+        <pc:spChg chg="mod">
+          <ac:chgData name="Möhrlein, Felix" userId="71e068fd-768c-4507-8d40-f56a9d245ead" providerId="ADAL" clId="{0DB656C6-C85F-405E-BC0E-3A1F708CE029}" dt="2025-02-21T09:48:14.816" v="721" actId="20577"/>
+          <ac:spMkLst>
+            <pc:docMk/>
+            <pc:sldMk cId="2035955800" sldId="262"/>
+            <ac:spMk id="5" creationId="{396CC167-5116-2AC5-EA3A-7C1D6FFD6EB0}"/>
+          </ac:spMkLst>
+        </pc:spChg>
+        <pc:spChg chg="del">
+          <ac:chgData name="Möhrlein, Felix" userId="71e068fd-768c-4507-8d40-f56a9d245ead" providerId="ADAL" clId="{0DB656C6-C85F-405E-BC0E-3A1F708CE029}" dt="2025-02-21T09:48:29.204" v="729" actId="478"/>
+          <ac:spMkLst>
+            <pc:docMk/>
+            <pc:sldMk cId="2035955800" sldId="262"/>
+            <ac:spMk id="6" creationId="{BFAE0BDD-70BF-3C2F-00B9-97B0C67EA17A}"/>
+          </ac:spMkLst>
+        </pc:spChg>
+        <pc:spChg chg="mod">
+          <ac:chgData name="Möhrlein, Felix" userId="71e068fd-768c-4507-8d40-f56a9d245ead" providerId="ADAL" clId="{0DB656C6-C85F-405E-BC0E-3A1F708CE029}" dt="2025-02-21T09:48:19.124" v="723" actId="20577"/>
+          <ac:spMkLst>
+            <pc:docMk/>
+            <pc:sldMk cId="2035955800" sldId="262"/>
+            <ac:spMk id="7" creationId="{023819A7-CAA4-D335-78A2-DDECC1B30AC9}"/>
+          </ac:spMkLst>
+        </pc:spChg>
+        <pc:spChg chg="del">
+          <ac:chgData name="Möhrlein, Felix" userId="71e068fd-768c-4507-8d40-f56a9d245ead" providerId="ADAL" clId="{0DB656C6-C85F-405E-BC0E-3A1F708CE029}" dt="2025-02-21T09:48:27.459" v="727" actId="478"/>
+          <ac:spMkLst>
+            <pc:docMk/>
+            <pc:sldMk cId="2035955800" sldId="262"/>
+            <ac:spMk id="8" creationId="{22E0F4DF-9818-EA13-EE65-8FADC3DBE048}"/>
+          </ac:spMkLst>
+        </pc:spChg>
+        <pc:spChg chg="mod">
+          <ac:chgData name="Möhrlein, Felix" userId="71e068fd-768c-4507-8d40-f56a9d245ead" providerId="ADAL" clId="{0DB656C6-C85F-405E-BC0E-3A1F708CE029}" dt="2025-02-21T09:48:13.507" v="720" actId="20577"/>
+          <ac:spMkLst>
+            <pc:docMk/>
+            <pc:sldMk cId="2035955800" sldId="262"/>
+            <ac:spMk id="9" creationId="{B890A885-AE3C-93C8-9004-156D0EF3763C}"/>
+          </ac:spMkLst>
+        </pc:spChg>
+        <pc:spChg chg="mod">
+          <ac:chgData name="Möhrlein, Felix" userId="71e068fd-768c-4507-8d40-f56a9d245ead" providerId="ADAL" clId="{0DB656C6-C85F-405E-BC0E-3A1F708CE029}" dt="2025-02-21T09:48:24.015" v="725" actId="20577"/>
+          <ac:spMkLst>
+            <pc:docMk/>
+            <pc:sldMk cId="2035955800" sldId="262"/>
+            <ac:spMk id="10" creationId="{39797C97-5B22-0F8C-46D3-A2C9BD50FEA3}"/>
+          </ac:spMkLst>
+        </pc:spChg>
+        <pc:spChg chg="mod">
+          <ac:chgData name="Möhrlein, Felix" userId="71e068fd-768c-4507-8d40-f56a9d245ead" providerId="ADAL" clId="{0DB656C6-C85F-405E-BC0E-3A1F708CE029}" dt="2025-02-21T09:48:21.249" v="724" actId="20577"/>
+          <ac:spMkLst>
+            <pc:docMk/>
+            <pc:sldMk cId="2035955800" sldId="262"/>
+            <ac:spMk id="11" creationId="{0DA7B80A-20DF-CD8E-5CF3-26CD150469BD}"/>
+          </ac:spMkLst>
+        </pc:spChg>
+        <pc:spChg chg="mod">
+          <ac:chgData name="Möhrlein, Felix" userId="71e068fd-768c-4507-8d40-f56a9d245ead" providerId="ADAL" clId="{0DB656C6-C85F-405E-BC0E-3A1F708CE029}" dt="2025-02-21T09:48:17.854" v="722" actId="20577"/>
+          <ac:spMkLst>
+            <pc:docMk/>
+            <pc:sldMk cId="2035955800" sldId="262"/>
+            <ac:spMk id="12" creationId="{D89D1D93-2DDD-CCA3-38EC-0DCAC39A0264}"/>
+          </ac:spMkLst>
+        </pc:spChg>
+        <pc:spChg chg="del">
+          <ac:chgData name="Möhrlein, Felix" userId="71e068fd-768c-4507-8d40-f56a9d245ead" providerId="ADAL" clId="{0DB656C6-C85F-405E-BC0E-3A1F708CE029}" dt="2025-02-21T09:48:30.381" v="730" actId="478"/>
+          <ac:spMkLst>
+            <pc:docMk/>
+            <pc:sldMk cId="2035955800" sldId="262"/>
+            <ac:spMk id="13" creationId="{A1FC6A5A-7B7D-E809-FFB8-E20282A73159}"/>
+          </ac:spMkLst>
+        </pc:spChg>
+        <pc:spChg chg="del">
+          <ac:chgData name="Möhrlein, Felix" userId="71e068fd-768c-4507-8d40-f56a9d245ead" providerId="ADAL" clId="{0DB656C6-C85F-405E-BC0E-3A1F708CE029}" dt="2025-02-21T09:48:26.590" v="726" actId="478"/>
+          <ac:spMkLst>
+            <pc:docMk/>
+            <pc:sldMk cId="2035955800" sldId="262"/>
+            <ac:spMk id="14" creationId="{6B3BDED2-68D2-A354-A037-CCAB76DE1E67}"/>
+          </ac:spMkLst>
+        </pc:spChg>
+        <pc:spChg chg="del">
+          <ac:chgData name="Möhrlein, Felix" userId="71e068fd-768c-4507-8d40-f56a9d245ead" providerId="ADAL" clId="{0DB656C6-C85F-405E-BC0E-3A1F708CE029}" dt="2025-02-21T09:48:31.531" v="731" actId="478"/>
+          <ac:spMkLst>
+            <pc:docMk/>
+            <pc:sldMk cId="2035955800" sldId="262"/>
+            <ac:spMk id="15" creationId="{63ACBEC1-929D-24E9-B0C0-F95F09F4E990}"/>
+          </ac:spMkLst>
+        </pc:spChg>
+        <pc:spChg chg="del">
+          <ac:chgData name="Möhrlein, Felix" userId="71e068fd-768c-4507-8d40-f56a9d245ead" providerId="ADAL" clId="{0DB656C6-C85F-405E-BC0E-3A1F708CE029}" dt="2025-02-21T09:48:35.446" v="733" actId="478"/>
+          <ac:spMkLst>
+            <pc:docMk/>
+            <pc:sldMk cId="2035955800" sldId="262"/>
+            <ac:spMk id="16" creationId="{4A6DE8D0-0B02-E146-D5A7-9E572FDF9C7A}"/>
+          </ac:spMkLst>
+        </pc:spChg>
+        <pc:spChg chg="del">
+          <ac:chgData name="Möhrlein, Felix" userId="71e068fd-768c-4507-8d40-f56a9d245ead" providerId="ADAL" clId="{0DB656C6-C85F-405E-BC0E-3A1F708CE029}" dt="2025-02-21T09:48:35.446" v="733" actId="478"/>
+          <ac:spMkLst>
+            <pc:docMk/>
+            <pc:sldMk cId="2035955800" sldId="262"/>
+            <ac:spMk id="17" creationId="{1A2C232F-5025-E0D3-0EAD-70972E2DFAC5}"/>
+          </ac:spMkLst>
+        </pc:spChg>
+        <pc:spChg chg="del">
+          <ac:chgData name="Möhrlein, Felix" userId="71e068fd-768c-4507-8d40-f56a9d245ead" providerId="ADAL" clId="{0DB656C6-C85F-405E-BC0E-3A1F708CE029}" dt="2025-02-21T09:48:35.446" v="733" actId="478"/>
+          <ac:spMkLst>
+            <pc:docMk/>
+            <pc:sldMk cId="2035955800" sldId="262"/>
+            <ac:spMk id="18" creationId="{5A37FB50-BBE7-2AD9-ACCD-4F2C457752A9}"/>
+          </ac:spMkLst>
+        </pc:spChg>
+        <pc:spChg chg="del">
+          <ac:chgData name="Möhrlein, Felix" userId="71e068fd-768c-4507-8d40-f56a9d245ead" providerId="ADAL" clId="{0DB656C6-C85F-405E-BC0E-3A1F708CE029}" dt="2025-02-21T09:48:35.446" v="733" actId="478"/>
+          <ac:spMkLst>
+            <pc:docMk/>
+            <pc:sldMk cId="2035955800" sldId="262"/>
+            <ac:spMk id="19" creationId="{01DD4DAC-31CC-68E8-7F91-AB8926915DEE}"/>
+          </ac:spMkLst>
+        </pc:spChg>
+        <pc:spChg chg="add mod">
+          <ac:chgData name="Möhrlein, Felix" userId="71e068fd-768c-4507-8d40-f56a9d245ead" providerId="ADAL" clId="{0DB656C6-C85F-405E-BC0E-3A1F708CE029}" dt="2025-02-21T09:48:40.860" v="735" actId="1076"/>
+          <ac:spMkLst>
+            <pc:docMk/>
+            <pc:sldMk cId="2035955800" sldId="262"/>
+            <ac:spMk id="20" creationId="{D13128FD-A02C-34CD-3F13-6DD4DC254D7A}"/>
+          </ac:spMkLst>
+        </pc:spChg>
+        <pc:spChg chg="add mod">
+          <ac:chgData name="Möhrlein, Felix" userId="71e068fd-768c-4507-8d40-f56a9d245ead" providerId="ADAL" clId="{0DB656C6-C85F-405E-BC0E-3A1F708CE029}" dt="2025-02-21T09:48:40.860" v="735" actId="1076"/>
+          <ac:spMkLst>
+            <pc:docMk/>
+            <pc:sldMk cId="2035955800" sldId="262"/>
+            <ac:spMk id="21" creationId="{BF57D8F3-C07A-89BD-7172-BA993053156B}"/>
+          </ac:spMkLst>
+        </pc:spChg>
+        <pc:spChg chg="add del mod">
+          <ac:chgData name="Möhrlein, Felix" userId="71e068fd-768c-4507-8d40-f56a9d245ead" providerId="ADAL" clId="{0DB656C6-C85F-405E-BC0E-3A1F708CE029}" dt="2025-02-21T09:49:03.840" v="740" actId="478"/>
+          <ac:spMkLst>
+            <pc:docMk/>
+            <pc:sldMk cId="2035955800" sldId="262"/>
+            <ac:spMk id="22" creationId="{EA35D6B7-BCE2-4940-7CF6-3FE6F78F40E9}"/>
+          </ac:spMkLst>
+        </pc:spChg>
+        <pc:spChg chg="add mod">
+          <ac:chgData name="Möhrlein, Felix" userId="71e068fd-768c-4507-8d40-f56a9d245ead" providerId="ADAL" clId="{0DB656C6-C85F-405E-BC0E-3A1F708CE029}" dt="2025-02-21T09:48:40.860" v="735" actId="1076"/>
+          <ac:spMkLst>
+            <pc:docMk/>
+            <pc:sldMk cId="2035955800" sldId="262"/>
+            <ac:spMk id="23" creationId="{C7ABC1F1-CB11-5427-183F-C16B97B6453A}"/>
+          </ac:spMkLst>
+        </pc:spChg>
+        <pc:spChg chg="add del mod">
+          <ac:chgData name="Möhrlein, Felix" userId="71e068fd-768c-4507-8d40-f56a9d245ead" providerId="ADAL" clId="{0DB656C6-C85F-405E-BC0E-3A1F708CE029}" dt="2025-02-21T09:48:44.313" v="736" actId="478"/>
+          <ac:spMkLst>
+            <pc:docMk/>
+            <pc:sldMk cId="2035955800" sldId="262"/>
+            <ac:spMk id="24" creationId="{6ED5BD72-78D6-9CBB-C90F-83E7B289DA5E}"/>
+          </ac:spMkLst>
+        </pc:spChg>
+        <pc:spChg chg="add del mod">
+          <ac:chgData name="Möhrlein, Felix" userId="71e068fd-768c-4507-8d40-f56a9d245ead" providerId="ADAL" clId="{0DB656C6-C85F-405E-BC0E-3A1F708CE029}" dt="2025-02-21T09:48:44.313" v="736" actId="478"/>
+          <ac:spMkLst>
+            <pc:docMk/>
+            <pc:sldMk cId="2035955800" sldId="262"/>
+            <ac:spMk id="25" creationId="{B9BBA585-49D6-84E5-30CA-46D87D8B4DF1}"/>
+          </ac:spMkLst>
+        </pc:spChg>
+        <pc:spChg chg="add mod">
+          <ac:chgData name="Möhrlein, Felix" userId="71e068fd-768c-4507-8d40-f56a9d245ead" providerId="ADAL" clId="{0DB656C6-C85F-405E-BC0E-3A1F708CE029}" dt="2025-02-21T09:48:40.860" v="735" actId="1076"/>
+          <ac:spMkLst>
+            <pc:docMk/>
+            <pc:sldMk cId="2035955800" sldId="262"/>
+            <ac:spMk id="26" creationId="{6959A925-3240-F569-0FA9-088E42D4A1C7}"/>
+          </ac:spMkLst>
+        </pc:spChg>
+        <pc:spChg chg="add mod">
+          <ac:chgData name="Möhrlein, Felix" userId="71e068fd-768c-4507-8d40-f56a9d245ead" providerId="ADAL" clId="{0DB656C6-C85F-405E-BC0E-3A1F708CE029}" dt="2025-02-21T09:49:16.234" v="742" actId="6549"/>
+          <ac:spMkLst>
+            <pc:docMk/>
+            <pc:sldMk cId="2035955800" sldId="262"/>
+            <ac:spMk id="35" creationId="{239BD68E-C69F-B699-A46C-C25CBBF371B5}"/>
+          </ac:spMkLst>
+        </pc:spChg>
+        <pc:spChg chg="del">
+          <ac:chgData name="Möhrlein, Felix" userId="71e068fd-768c-4507-8d40-f56a9d245ead" providerId="ADAL" clId="{0DB656C6-C85F-405E-BC0E-3A1F708CE029}" dt="2025-02-21T09:48:35.446" v="733" actId="478"/>
+          <ac:spMkLst>
+            <pc:docMk/>
+            <pc:sldMk cId="2035955800" sldId="262"/>
+            <ac:spMk id="53" creationId="{3479D896-3724-1491-FC17-640951BD9F09}"/>
+          </ac:spMkLst>
+        </pc:spChg>
+        <pc:spChg chg="del">
+          <ac:chgData name="Möhrlein, Felix" userId="71e068fd-768c-4507-8d40-f56a9d245ead" providerId="ADAL" clId="{0DB656C6-C85F-405E-BC0E-3A1F708CE029}" dt="2025-02-21T09:48:35.446" v="733" actId="478"/>
+          <ac:spMkLst>
+            <pc:docMk/>
+            <pc:sldMk cId="2035955800" sldId="262"/>
+            <ac:spMk id="54" creationId="{609A7464-3790-459E-C841-77D1EEFD30FD}"/>
+          </ac:spMkLst>
+        </pc:spChg>
+        <pc:spChg chg="del">
+          <ac:chgData name="Möhrlein, Felix" userId="71e068fd-768c-4507-8d40-f56a9d245ead" providerId="ADAL" clId="{0DB656C6-C85F-405E-BC0E-3A1F708CE029}" dt="2025-02-21T09:48:35.446" v="733" actId="478"/>
+          <ac:spMkLst>
+            <pc:docMk/>
+            <pc:sldMk cId="2035955800" sldId="262"/>
+            <ac:spMk id="56" creationId="{0A650857-0A28-73E5-A4C6-028966F92AC5}"/>
+          </ac:spMkLst>
+        </pc:spChg>
+        <pc:spChg chg="del">
+          <ac:chgData name="Möhrlein, Felix" userId="71e068fd-768c-4507-8d40-f56a9d245ead" providerId="ADAL" clId="{0DB656C6-C85F-405E-BC0E-3A1F708CE029}" dt="2025-02-21T09:48:35.446" v="733" actId="478"/>
+          <ac:spMkLst>
+            <pc:docMk/>
+            <pc:sldMk cId="2035955800" sldId="262"/>
+            <ac:spMk id="58" creationId="{8ED83163-2931-9C6F-DE19-E2C09693AD27}"/>
+          </ac:spMkLst>
+        </pc:spChg>
+        <pc:spChg chg="del">
+          <ac:chgData name="Möhrlein, Felix" userId="71e068fd-768c-4507-8d40-f56a9d245ead" providerId="ADAL" clId="{0DB656C6-C85F-405E-BC0E-3A1F708CE029}" dt="2025-02-21T09:48:35.446" v="733" actId="478"/>
+          <ac:spMkLst>
+            <pc:docMk/>
+            <pc:sldMk cId="2035955800" sldId="262"/>
+            <ac:spMk id="59" creationId="{7E2E6DE5-CE24-00E6-9EF3-59B49C840448}"/>
+          </ac:spMkLst>
+        </pc:spChg>
+        <pc:cxnChg chg="add del mod">
+          <ac:chgData name="Möhrlein, Felix" userId="71e068fd-768c-4507-8d40-f56a9d245ead" providerId="ADAL" clId="{0DB656C6-C85F-405E-BC0E-3A1F708CE029}" dt="2025-02-21T09:48:45.041" v="737" actId="478"/>
+          <ac:cxnSpMkLst>
+            <pc:docMk/>
+            <pc:sldMk cId="2035955800" sldId="262"/>
+            <ac:cxnSpMk id="27" creationId="{955E055A-7FF8-9322-8C9E-57615030875A}"/>
+          </ac:cxnSpMkLst>
+        </pc:cxnChg>
+        <pc:cxnChg chg="del mod">
+          <ac:chgData name="Möhrlein, Felix" userId="71e068fd-768c-4507-8d40-f56a9d245ead" providerId="ADAL" clId="{0DB656C6-C85F-405E-BC0E-3A1F708CE029}" dt="2025-02-21T09:48:45.431" v="738" actId="478"/>
+          <ac:cxnSpMkLst>
+            <pc:docMk/>
+            <pc:sldMk cId="2035955800" sldId="262"/>
+            <ac:cxnSpMk id="29" creationId="{D5EEEE6F-4D8A-82AF-B294-079EA419AEFE}"/>
+          </ac:cxnSpMkLst>
+        </pc:cxnChg>
+        <pc:cxnChg chg="add mod">
+          <ac:chgData name="Möhrlein, Felix" userId="71e068fd-768c-4507-8d40-f56a9d245ead" providerId="ADAL" clId="{0DB656C6-C85F-405E-BC0E-3A1F708CE029}" dt="2025-02-21T09:48:40.860" v="735" actId="1076"/>
+          <ac:cxnSpMkLst>
+            <pc:docMk/>
+            <pc:sldMk cId="2035955800" sldId="262"/>
+            <ac:cxnSpMk id="32" creationId="{C213D623-2C7C-741A-7AD4-8EECF0C90EDC}"/>
+          </ac:cxnSpMkLst>
+        </pc:cxnChg>
+        <pc:cxnChg chg="add mod">
+          <ac:chgData name="Möhrlein, Felix" userId="71e068fd-768c-4507-8d40-f56a9d245ead" providerId="ADAL" clId="{0DB656C6-C85F-405E-BC0E-3A1F708CE029}" dt="2025-02-21T09:48:40.860" v="735" actId="1076"/>
+          <ac:cxnSpMkLst>
+            <pc:docMk/>
+            <pc:sldMk cId="2035955800" sldId="262"/>
+            <ac:cxnSpMk id="34" creationId="{89968E72-EEAC-2635-CC67-09CA70327A8A}"/>
+          </ac:cxnSpMkLst>
+        </pc:cxnChg>
+        <pc:cxnChg chg="del">
+          <ac:chgData name="Möhrlein, Felix" userId="71e068fd-768c-4507-8d40-f56a9d245ead" providerId="ADAL" clId="{0DB656C6-C85F-405E-BC0E-3A1F708CE029}" dt="2025-02-21T09:48:35.446" v="733" actId="478"/>
+          <ac:cxnSpMkLst>
+            <pc:docMk/>
+            <pc:sldMk cId="2035955800" sldId="262"/>
+            <ac:cxnSpMk id="65" creationId="{D301D48B-7AD0-1B29-4FFA-FED4DB76E3BC}"/>
+          </ac:cxnSpMkLst>
+        </pc:cxnChg>
+      </pc:sldChg>
+      <pc:sldChg chg="addSp delSp modSp new mod">
+        <pc:chgData name="Möhrlein, Felix" userId="71e068fd-768c-4507-8d40-f56a9d245ead" providerId="ADAL" clId="{0DB656C6-C85F-405E-BC0E-3A1F708CE029}" dt="2025-02-21T10:40:17.510" v="1118" actId="478"/>
+        <pc:sldMkLst>
+          <pc:docMk/>
+          <pc:sldMk cId="2523386573" sldId="263"/>
+        </pc:sldMkLst>
+        <pc:spChg chg="del">
+          <ac:chgData name="Möhrlein, Felix" userId="71e068fd-768c-4507-8d40-f56a9d245ead" providerId="ADAL" clId="{0DB656C6-C85F-405E-BC0E-3A1F708CE029}" dt="2025-02-21T10:25:24.936" v="946" actId="478"/>
+          <ac:spMkLst>
+            <pc:docMk/>
+            <pc:sldMk cId="2523386573" sldId="263"/>
+            <ac:spMk id="2" creationId="{7EE77CB7-0A37-6324-9B27-2770170FA901}"/>
+          </ac:spMkLst>
+        </pc:spChg>
+        <pc:spChg chg="del">
+          <ac:chgData name="Möhrlein, Felix" userId="71e068fd-768c-4507-8d40-f56a9d245ead" providerId="ADAL" clId="{0DB656C6-C85F-405E-BC0E-3A1F708CE029}" dt="2025-02-21T10:25:26.539" v="947" actId="478"/>
+          <ac:spMkLst>
+            <pc:docMk/>
+            <pc:sldMk cId="2523386573" sldId="263"/>
+            <ac:spMk id="3" creationId="{2EB24A94-BD7B-BA2A-A43F-1DBBF6266D6D}"/>
+          </ac:spMkLst>
+        </pc:spChg>
+        <pc:spChg chg="add mod">
+          <ac:chgData name="Möhrlein, Felix" userId="71e068fd-768c-4507-8d40-f56a9d245ead" providerId="ADAL" clId="{0DB656C6-C85F-405E-BC0E-3A1F708CE029}" dt="2025-02-21T10:26:43.187" v="957" actId="1076"/>
+          <ac:spMkLst>
+            <pc:docMk/>
+            <pc:sldMk cId="2523386573" sldId="263"/>
+            <ac:spMk id="6" creationId="{0385011A-3541-8645-CA23-56A4E8164B49}"/>
+          </ac:spMkLst>
+        </pc:spChg>
+        <pc:spChg chg="add mod">
+          <ac:chgData name="Möhrlein, Felix" userId="71e068fd-768c-4507-8d40-f56a9d245ead" providerId="ADAL" clId="{0DB656C6-C85F-405E-BC0E-3A1F708CE029}" dt="2025-02-21T10:34:29.235" v="1057" actId="1076"/>
+          <ac:spMkLst>
+            <pc:docMk/>
+            <pc:sldMk cId="2523386573" sldId="263"/>
+            <ac:spMk id="7" creationId="{B9711A89-34F1-D06E-95BC-72157294DEC1}"/>
+          </ac:spMkLst>
+        </pc:spChg>
+        <pc:spChg chg="add mod">
+          <ac:chgData name="Möhrlein, Felix" userId="71e068fd-768c-4507-8d40-f56a9d245ead" providerId="ADAL" clId="{0DB656C6-C85F-405E-BC0E-3A1F708CE029}" dt="2025-02-21T10:27:02.736" v="961" actId="1076"/>
+          <ac:spMkLst>
+            <pc:docMk/>
+            <pc:sldMk cId="2523386573" sldId="263"/>
+            <ac:spMk id="8" creationId="{066F1E1A-22E8-9568-666A-F103C6D284B3}"/>
+          </ac:spMkLst>
+        </pc:spChg>
+        <pc:spChg chg="add mod">
+          <ac:chgData name="Möhrlein, Felix" userId="71e068fd-768c-4507-8d40-f56a9d245ead" providerId="ADAL" clId="{0DB656C6-C85F-405E-BC0E-3A1F708CE029}" dt="2025-02-21T10:27:07.527" v="963" actId="1076"/>
+          <ac:spMkLst>
+            <pc:docMk/>
+            <pc:sldMk cId="2523386573" sldId="263"/>
+            <ac:spMk id="9" creationId="{7858E639-B422-1356-B458-75B85FC0AD0B}"/>
+          </ac:spMkLst>
+        </pc:spChg>
+        <pc:spChg chg="add mod">
+          <ac:chgData name="Möhrlein, Felix" userId="71e068fd-768c-4507-8d40-f56a9d245ead" providerId="ADAL" clId="{0DB656C6-C85F-405E-BC0E-3A1F708CE029}" dt="2025-02-21T10:27:11.180" v="965" actId="1076"/>
+          <ac:spMkLst>
+            <pc:docMk/>
+            <pc:sldMk cId="2523386573" sldId="263"/>
+            <ac:spMk id="10" creationId="{C73ECE45-32F6-F4C1-59E1-920C7CBA9E42}"/>
+          </ac:spMkLst>
+        </pc:spChg>
+        <pc:spChg chg="add mod">
+          <ac:chgData name="Möhrlein, Felix" userId="71e068fd-768c-4507-8d40-f56a9d245ead" providerId="ADAL" clId="{0DB656C6-C85F-405E-BC0E-3A1F708CE029}" dt="2025-02-21T10:27:14.240" v="967" actId="1076"/>
+          <ac:spMkLst>
+            <pc:docMk/>
+            <pc:sldMk cId="2523386573" sldId="263"/>
+            <ac:spMk id="11" creationId="{C55B8BC2-EDB9-AC53-88B3-AF2C2B9EBCD4}"/>
+          </ac:spMkLst>
+        </pc:spChg>
+        <pc:spChg chg="add mod">
+          <ac:chgData name="Möhrlein, Felix" userId="71e068fd-768c-4507-8d40-f56a9d245ead" providerId="ADAL" clId="{0DB656C6-C85F-405E-BC0E-3A1F708CE029}" dt="2025-02-21T10:27:16.700" v="969" actId="1076"/>
+          <ac:spMkLst>
+            <pc:docMk/>
+            <pc:sldMk cId="2523386573" sldId="263"/>
+            <ac:spMk id="12" creationId="{A59BCA32-4B8E-20FF-7F9D-98D3F0E9FD41}"/>
+          </ac:spMkLst>
+        </pc:spChg>
+        <pc:spChg chg="add mod">
+          <ac:chgData name="Möhrlein, Felix" userId="71e068fd-768c-4507-8d40-f56a9d245ead" providerId="ADAL" clId="{0DB656C6-C85F-405E-BC0E-3A1F708CE029}" dt="2025-02-21T10:40:14.385" v="1116" actId="1076"/>
+          <ac:spMkLst>
+            <pc:docMk/>
+            <pc:sldMk cId="2523386573" sldId="263"/>
+            <ac:spMk id="13" creationId="{4202B069-962D-B6A2-CD6D-4E3B1693BDFD}"/>
+          </ac:spMkLst>
+        </pc:spChg>
+        <pc:spChg chg="add del mod">
+          <ac:chgData name="Möhrlein, Felix" userId="71e068fd-768c-4507-8d40-f56a9d245ead" providerId="ADAL" clId="{0DB656C6-C85F-405E-BC0E-3A1F708CE029}" dt="2025-02-21T10:40:17.510" v="1118" actId="478"/>
+          <ac:spMkLst>
+            <pc:docMk/>
+            <pc:sldMk cId="2523386573" sldId="263"/>
+            <ac:spMk id="14" creationId="{D5F1D8CB-0198-F3FF-2CF0-FCACF98FA29F}"/>
+          </ac:spMkLst>
+        </pc:spChg>
+        <pc:spChg chg="add mod">
+          <ac:chgData name="Möhrlein, Felix" userId="71e068fd-768c-4507-8d40-f56a9d245ead" providerId="ADAL" clId="{0DB656C6-C85F-405E-BC0E-3A1F708CE029}" dt="2025-02-21T10:27:27.170" v="975" actId="1076"/>
+          <ac:spMkLst>
+            <pc:docMk/>
+            <pc:sldMk cId="2523386573" sldId="263"/>
+            <ac:spMk id="15" creationId="{50E9C197-8763-C08B-21DD-2F4416B9D31F}"/>
+          </ac:spMkLst>
+        </pc:spChg>
+        <pc:picChg chg="add mod">
+          <ac:chgData name="Möhrlein, Felix" userId="71e068fd-768c-4507-8d40-f56a9d245ead" providerId="ADAL" clId="{0DB656C6-C85F-405E-BC0E-3A1F708CE029}" dt="2025-02-21T10:26:12.052" v="950" actId="962"/>
+          <ac:picMkLst>
+            <pc:docMk/>
+            <pc:sldMk cId="2523386573" sldId="263"/>
+            <ac:picMk id="5" creationId="{BDE239AC-DFF5-271F-7C75-71133283FB0A}"/>
+          </ac:picMkLst>
+        </pc:picChg>
+      </pc:sldChg>
+      <pc:sldChg chg="addSp delSp modSp new mod">
+        <pc:chgData name="Möhrlein, Felix" userId="71e068fd-768c-4507-8d40-f56a9d245ead" providerId="ADAL" clId="{0DB656C6-C85F-405E-BC0E-3A1F708CE029}" dt="2025-02-21T10:37:19.106" v="1104" actId="20577"/>
+        <pc:sldMkLst>
+          <pc:docMk/>
+          <pc:sldMk cId="2357226206" sldId="264"/>
+        </pc:sldMkLst>
+        <pc:spChg chg="del">
+          <ac:chgData name="Möhrlein, Felix" userId="71e068fd-768c-4507-8d40-f56a9d245ead" providerId="ADAL" clId="{0DB656C6-C85F-405E-BC0E-3A1F708CE029}" dt="2025-02-21T10:28:02.962" v="979" actId="478"/>
+          <ac:spMkLst>
+            <pc:docMk/>
+            <pc:sldMk cId="2357226206" sldId="264"/>
+            <ac:spMk id="2" creationId="{1C0C28A0-596C-49AB-05E6-2B021CFE044B}"/>
+          </ac:spMkLst>
+        </pc:spChg>
+        <pc:spChg chg="del">
+          <ac:chgData name="Möhrlein, Felix" userId="71e068fd-768c-4507-8d40-f56a9d245ead" providerId="ADAL" clId="{0DB656C6-C85F-405E-BC0E-3A1F708CE029}" dt="2025-02-21T10:28:06.270" v="980" actId="478"/>
+          <ac:spMkLst>
+            <pc:docMk/>
+            <pc:sldMk cId="2357226206" sldId="264"/>
+            <ac:spMk id="3" creationId="{D8CA02B0-59AC-3A8C-645A-FF8EDFAD7823}"/>
+          </ac:spMkLst>
+        </pc:spChg>
+        <pc:spChg chg="add mod">
+          <ac:chgData name="Möhrlein, Felix" userId="71e068fd-768c-4507-8d40-f56a9d245ead" providerId="ADAL" clId="{0DB656C6-C85F-405E-BC0E-3A1F708CE029}" dt="2025-02-21T10:32:55.236" v="1048" actId="1076"/>
+          <ac:spMkLst>
+            <pc:docMk/>
+            <pc:sldMk cId="2357226206" sldId="264"/>
+            <ac:spMk id="6" creationId="{E3831B98-E437-5992-09B1-AF11FEFA2F83}"/>
+          </ac:spMkLst>
+        </pc:spChg>
+        <pc:spChg chg="add mod">
+          <ac:chgData name="Möhrlein, Felix" userId="71e068fd-768c-4507-8d40-f56a9d245ead" providerId="ADAL" clId="{0DB656C6-C85F-405E-BC0E-3A1F708CE029}" dt="2025-02-21T10:32:55.236" v="1048" actId="1076"/>
+          <ac:spMkLst>
+            <pc:docMk/>
+            <pc:sldMk cId="2357226206" sldId="264"/>
+            <ac:spMk id="7" creationId="{B9FF3A14-B4B7-F23C-5FE3-E32707B971A5}"/>
+          </ac:spMkLst>
+        </pc:spChg>
+        <pc:spChg chg="add mod">
+          <ac:chgData name="Möhrlein, Felix" userId="71e068fd-768c-4507-8d40-f56a9d245ead" providerId="ADAL" clId="{0DB656C6-C85F-405E-BC0E-3A1F708CE029}" dt="2025-02-21T10:33:09.879" v="1054" actId="20577"/>
+          <ac:spMkLst>
+            <pc:docMk/>
+            <pc:sldMk cId="2357226206" sldId="264"/>
+            <ac:spMk id="8" creationId="{6ED81C3D-1D1E-3870-9CBC-8DF023C04CC8}"/>
+          </ac:spMkLst>
+        </pc:spChg>
+        <pc:spChg chg="add mod">
+          <ac:chgData name="Möhrlein, Felix" userId="71e068fd-768c-4507-8d40-f56a9d245ead" providerId="ADAL" clId="{0DB656C6-C85F-405E-BC0E-3A1F708CE029}" dt="2025-02-21T10:33:21.001" v="1056" actId="1076"/>
+          <ac:spMkLst>
+            <pc:docMk/>
+            <pc:sldMk cId="2357226206" sldId="264"/>
+            <ac:spMk id="9" creationId="{EDB78627-66DA-9742-33FE-7781CFDCE1F3}"/>
+          </ac:spMkLst>
+        </pc:spChg>
+        <pc:spChg chg="add mod">
+          <ac:chgData name="Möhrlein, Felix" userId="71e068fd-768c-4507-8d40-f56a9d245ead" providerId="ADAL" clId="{0DB656C6-C85F-405E-BC0E-3A1F708CE029}" dt="2025-02-21T10:35:21.015" v="1078" actId="255"/>
+          <ac:spMkLst>
+            <pc:docMk/>
+            <pc:sldMk cId="2357226206" sldId="264"/>
+            <ac:spMk id="10" creationId="{2D989055-3B96-C24E-9A27-793310395CC1}"/>
+          </ac:spMkLst>
+        </pc:spChg>
+        <pc:spChg chg="add mod">
+          <ac:chgData name="Möhrlein, Felix" userId="71e068fd-768c-4507-8d40-f56a9d245ead" providerId="ADAL" clId="{0DB656C6-C85F-405E-BC0E-3A1F708CE029}" dt="2025-02-21T10:36:13.687" v="1088" actId="1076"/>
+          <ac:spMkLst>
+            <pc:docMk/>
+            <pc:sldMk cId="2357226206" sldId="264"/>
+            <ac:spMk id="11" creationId="{CA36F3FA-524E-F165-B668-07607CD60185}"/>
+          </ac:spMkLst>
+        </pc:spChg>
+        <pc:spChg chg="add mod">
+          <ac:chgData name="Möhrlein, Felix" userId="71e068fd-768c-4507-8d40-f56a9d245ead" providerId="ADAL" clId="{0DB656C6-C85F-405E-BC0E-3A1F708CE029}" dt="2025-02-21T10:36:35.630" v="1093" actId="20577"/>
+          <ac:spMkLst>
+            <pc:docMk/>
+            <pc:sldMk cId="2357226206" sldId="264"/>
+            <ac:spMk id="12" creationId="{E0A4D80C-0CD3-D1A1-888F-FBAD079D89C6}"/>
+          </ac:spMkLst>
+        </pc:spChg>
+        <pc:spChg chg="add mod">
+          <ac:chgData name="Möhrlein, Felix" userId="71e068fd-768c-4507-8d40-f56a9d245ead" providerId="ADAL" clId="{0DB656C6-C85F-405E-BC0E-3A1F708CE029}" dt="2025-02-21T10:37:01.651" v="1097" actId="20577"/>
+          <ac:spMkLst>
+            <pc:docMk/>
+            <pc:sldMk cId="2357226206" sldId="264"/>
+            <ac:spMk id="13" creationId="{7967F876-D1AF-2828-ABF4-B95B625508AD}"/>
+          </ac:spMkLst>
+        </pc:spChg>
+        <pc:spChg chg="add mod">
+          <ac:chgData name="Möhrlein, Felix" userId="71e068fd-768c-4507-8d40-f56a9d245ead" providerId="ADAL" clId="{0DB656C6-C85F-405E-BC0E-3A1F708CE029}" dt="2025-02-21T10:37:04.826" v="1099" actId="20577"/>
+          <ac:spMkLst>
+            <pc:docMk/>
+            <pc:sldMk cId="2357226206" sldId="264"/>
+            <ac:spMk id="14" creationId="{A56C1F53-16DC-1627-2001-0246642BA588}"/>
+          </ac:spMkLst>
+        </pc:spChg>
+        <pc:spChg chg="add mod">
+          <ac:chgData name="Möhrlein, Felix" userId="71e068fd-768c-4507-8d40-f56a9d245ead" providerId="ADAL" clId="{0DB656C6-C85F-405E-BC0E-3A1F708CE029}" dt="2025-02-21T10:37:19.106" v="1104" actId="20577"/>
+          <ac:spMkLst>
+            <pc:docMk/>
+            <pc:sldMk cId="2357226206" sldId="264"/>
+            <ac:spMk id="15" creationId="{E99E6143-2EF6-0938-4E96-C44DA7CA93E8}"/>
+          </ac:spMkLst>
+        </pc:spChg>
+        <pc:picChg chg="add mod">
+          <ac:chgData name="Möhrlein, Felix" userId="71e068fd-768c-4507-8d40-f56a9d245ead" providerId="ADAL" clId="{0DB656C6-C85F-405E-BC0E-3A1F708CE029}" dt="2025-02-21T10:28:10.199" v="981" actId="1076"/>
+          <ac:picMkLst>
+            <pc:docMk/>
+            <pc:sldMk cId="2357226206" sldId="264"/>
+            <ac:picMk id="5" creationId="{9812D349-7C41-E208-F24D-41DAFB7B51BA}"/>
+          </ac:picMkLst>
+        </pc:picChg>
+      </pc:sldChg>
+      <pc:sldChg chg="delSp add del mod">
+        <pc:chgData name="Möhrlein, Felix" userId="71e068fd-768c-4507-8d40-f56a9d245ead" providerId="ADAL" clId="{0DB656C6-C85F-405E-BC0E-3A1F708CE029}" dt="2025-02-21T10:40:10.590" v="1115" actId="47"/>
+        <pc:sldMkLst>
+          <pc:docMk/>
+          <pc:sldMk cId="2123158976" sldId="265"/>
+        </pc:sldMkLst>
+        <pc:spChg chg="del">
+          <ac:chgData name="Möhrlein, Felix" userId="71e068fd-768c-4507-8d40-f56a9d245ead" providerId="ADAL" clId="{0DB656C6-C85F-405E-BC0E-3A1F708CE029}" dt="2025-02-21T10:37:47.136" v="1107" actId="478"/>
+          <ac:spMkLst>
+            <pc:docMk/>
+            <pc:sldMk cId="2123158976" sldId="265"/>
+            <ac:spMk id="6" creationId="{877AEDFE-74B9-583E-BCFD-A38D3F58F4E2}"/>
+          </ac:spMkLst>
+        </pc:spChg>
+        <pc:spChg chg="del">
+          <ac:chgData name="Möhrlein, Felix" userId="71e068fd-768c-4507-8d40-f56a9d245ead" providerId="ADAL" clId="{0DB656C6-C85F-405E-BC0E-3A1F708CE029}" dt="2025-02-21T10:37:46.354" v="1106" actId="478"/>
+          <ac:spMkLst>
+            <pc:docMk/>
+            <pc:sldMk cId="2123158976" sldId="265"/>
+            <ac:spMk id="7" creationId="{00A52782-C03A-B9C8-36BE-3CDB6E7016CB}"/>
+          </ac:spMkLst>
+        </pc:spChg>
+        <pc:spChg chg="del">
+          <ac:chgData name="Möhrlein, Felix" userId="71e068fd-768c-4507-8d40-f56a9d245ead" providerId="ADAL" clId="{0DB656C6-C85F-405E-BC0E-3A1F708CE029}" dt="2025-02-21T10:37:50.702" v="1111" actId="478"/>
+          <ac:spMkLst>
+            <pc:docMk/>
+            <pc:sldMk cId="2123158976" sldId="265"/>
+            <ac:spMk id="8" creationId="{E89E11A1-C765-FC45-99FE-E3A275740FA0}"/>
+          </ac:spMkLst>
+        </pc:spChg>
+        <pc:spChg chg="del">
+          <ac:chgData name="Möhrlein, Felix" userId="71e068fd-768c-4507-8d40-f56a9d245ead" providerId="ADAL" clId="{0DB656C6-C85F-405E-BC0E-3A1F708CE029}" dt="2025-02-21T10:37:51.616" v="1112" actId="478"/>
+          <ac:spMkLst>
+            <pc:docMk/>
+            <pc:sldMk cId="2123158976" sldId="265"/>
+            <ac:spMk id="9" creationId="{F5BBDF1A-7F8A-2377-02D1-0CBA37AB3D6E}"/>
+          </ac:spMkLst>
+        </pc:spChg>
+        <pc:spChg chg="del">
+          <ac:chgData name="Möhrlein, Felix" userId="71e068fd-768c-4507-8d40-f56a9d245ead" providerId="ADAL" clId="{0DB656C6-C85F-405E-BC0E-3A1F708CE029}" dt="2025-02-21T10:37:49.274" v="1109" actId="478"/>
+          <ac:spMkLst>
+            <pc:docMk/>
+            <pc:sldMk cId="2123158976" sldId="265"/>
+            <ac:spMk id="10" creationId="{5061AC7C-4B97-9238-2ACA-3C03BBF4CCFE}"/>
+          </ac:spMkLst>
+        </pc:spChg>
+        <pc:spChg chg="del">
+          <ac:chgData name="Möhrlein, Felix" userId="71e068fd-768c-4507-8d40-f56a9d245ead" providerId="ADAL" clId="{0DB656C6-C85F-405E-BC0E-3A1F708CE029}" dt="2025-02-21T10:37:52.046" v="1113" actId="478"/>
+          <ac:spMkLst>
+            <pc:docMk/>
+            <pc:sldMk cId="2123158976" sldId="265"/>
+            <ac:spMk id="11" creationId="{21B24AD0-2D77-65FE-03E8-E72D78A5BFB0}"/>
+          </ac:spMkLst>
+        </pc:spChg>
+        <pc:spChg chg="del">
+          <ac:chgData name="Möhrlein, Felix" userId="71e068fd-768c-4507-8d40-f56a9d245ead" providerId="ADAL" clId="{0DB656C6-C85F-405E-BC0E-3A1F708CE029}" dt="2025-02-21T10:37:48.223" v="1108" actId="478"/>
+          <ac:spMkLst>
+            <pc:docMk/>
+            <pc:sldMk cId="2123158976" sldId="265"/>
+            <ac:spMk id="12" creationId="{8554E4F8-838B-269C-7CDC-ED6A4DE04FC2}"/>
+          </ac:spMkLst>
+        </pc:spChg>
+        <pc:spChg chg="del">
+          <ac:chgData name="Möhrlein, Felix" userId="71e068fd-768c-4507-8d40-f56a9d245ead" providerId="ADAL" clId="{0DB656C6-C85F-405E-BC0E-3A1F708CE029}" dt="2025-02-21T10:37:50.156" v="1110" actId="478"/>
+          <ac:spMkLst>
+            <pc:docMk/>
+            <pc:sldMk cId="2123158976" sldId="265"/>
+            <ac:spMk id="14" creationId="{0725B12A-86FD-2912-BA6B-4207605B4956}"/>
+          </ac:spMkLst>
+        </pc:spChg>
+        <pc:spChg chg="del">
+          <ac:chgData name="Möhrlein, Felix" userId="71e068fd-768c-4507-8d40-f56a9d245ead" providerId="ADAL" clId="{0DB656C6-C85F-405E-BC0E-3A1F708CE029}" dt="2025-02-21T10:37:52.815" v="1114" actId="478"/>
+          <ac:spMkLst>
+            <pc:docMk/>
+            <pc:sldMk cId="2123158976" sldId="265"/>
+            <ac:spMk id="15" creationId="{60716B02-95E8-1570-D543-54EBBFEB7CE1}"/>
           </ac:spMkLst>
         </pc:spChg>
       </pc:sldChg>
@@ -976,7 +2231,7 @@
           <a:p>
             <a:fld id="{275E4DF3-515F-43C2-A59B-09CDA94467F6}" type="datetimeFigureOut">
               <a:rPr lang="de-DE" smtClean="0"/>
-              <a:t>09.02.2025</a:t>
+              <a:t>21.02.2025</a:t>
             </a:fld>
             <a:endParaRPr lang="de-DE"/>
           </a:p>
@@ -1174,7 +2429,7 @@
           <a:p>
             <a:fld id="{275E4DF3-515F-43C2-A59B-09CDA94467F6}" type="datetimeFigureOut">
               <a:rPr lang="de-DE" smtClean="0"/>
-              <a:t>09.02.2025</a:t>
+              <a:t>21.02.2025</a:t>
             </a:fld>
             <a:endParaRPr lang="de-DE"/>
           </a:p>
@@ -1382,7 +2637,7 @@
           <a:p>
             <a:fld id="{275E4DF3-515F-43C2-A59B-09CDA94467F6}" type="datetimeFigureOut">
               <a:rPr lang="de-DE" smtClean="0"/>
-              <a:t>09.02.2025</a:t>
+              <a:t>21.02.2025</a:t>
             </a:fld>
             <a:endParaRPr lang="de-DE"/>
           </a:p>
@@ -1580,7 +2835,7 @@
           <a:p>
             <a:fld id="{275E4DF3-515F-43C2-A59B-09CDA94467F6}" type="datetimeFigureOut">
               <a:rPr lang="de-DE" smtClean="0"/>
-              <a:t>09.02.2025</a:t>
+              <a:t>21.02.2025</a:t>
             </a:fld>
             <a:endParaRPr lang="de-DE"/>
           </a:p>
@@ -1855,7 +3110,7 @@
           <a:p>
             <a:fld id="{275E4DF3-515F-43C2-A59B-09CDA94467F6}" type="datetimeFigureOut">
               <a:rPr lang="de-DE" smtClean="0"/>
-              <a:t>09.02.2025</a:t>
+              <a:t>21.02.2025</a:t>
             </a:fld>
             <a:endParaRPr lang="de-DE"/>
           </a:p>
@@ -2120,7 +3375,7 @@
           <a:p>
             <a:fld id="{275E4DF3-515F-43C2-A59B-09CDA94467F6}" type="datetimeFigureOut">
               <a:rPr lang="de-DE" smtClean="0"/>
-              <a:t>09.02.2025</a:t>
+              <a:t>21.02.2025</a:t>
             </a:fld>
             <a:endParaRPr lang="de-DE"/>
           </a:p>
@@ -2532,7 +3787,7 @@
           <a:p>
             <a:fld id="{275E4DF3-515F-43C2-A59B-09CDA94467F6}" type="datetimeFigureOut">
               <a:rPr lang="de-DE" smtClean="0"/>
-              <a:t>09.02.2025</a:t>
+              <a:t>21.02.2025</a:t>
             </a:fld>
             <a:endParaRPr lang="de-DE"/>
           </a:p>
@@ -2673,7 +3928,7 @@
           <a:p>
             <a:fld id="{275E4DF3-515F-43C2-A59B-09CDA94467F6}" type="datetimeFigureOut">
               <a:rPr lang="de-DE" smtClean="0"/>
-              <a:t>09.02.2025</a:t>
+              <a:t>21.02.2025</a:t>
             </a:fld>
             <a:endParaRPr lang="de-DE"/>
           </a:p>
@@ -2786,7 +4041,7 @@
           <a:p>
             <a:fld id="{275E4DF3-515F-43C2-A59B-09CDA94467F6}" type="datetimeFigureOut">
               <a:rPr lang="de-DE" smtClean="0"/>
-              <a:t>09.02.2025</a:t>
+              <a:t>21.02.2025</a:t>
             </a:fld>
             <a:endParaRPr lang="de-DE"/>
           </a:p>
@@ -3097,7 +4352,7 @@
           <a:p>
             <a:fld id="{275E4DF3-515F-43C2-A59B-09CDA94467F6}" type="datetimeFigureOut">
               <a:rPr lang="de-DE" smtClean="0"/>
-              <a:t>09.02.2025</a:t>
+              <a:t>21.02.2025</a:t>
             </a:fld>
             <a:endParaRPr lang="de-DE"/>
           </a:p>
@@ -3385,7 +4640,7 @@
           <a:p>
             <a:fld id="{275E4DF3-515F-43C2-A59B-09CDA94467F6}" type="datetimeFigureOut">
               <a:rPr lang="de-DE" smtClean="0"/>
-              <a:t>09.02.2025</a:t>
+              <a:t>21.02.2025</a:t>
             </a:fld>
             <a:endParaRPr lang="de-DE"/>
           </a:p>
@@ -3626,7 +4881,7 @@
           <a:p>
             <a:fld id="{275E4DF3-515F-43C2-A59B-09CDA94467F6}" type="datetimeFigureOut">
               <a:rPr lang="de-DE" smtClean="0"/>
-              <a:t>09.02.2025</a:t>
+              <a:t>21.02.2025</a:t>
             </a:fld>
             <a:endParaRPr lang="de-DE"/>
           </a:p>
@@ -4096,17 +5351,11 @@
                 <a:latin typeface="Arial" panose="020B0604020202020204" pitchFamily="34" charset="0"/>
                 <a:cs typeface="Arial" panose="020B0604020202020204" pitchFamily="34" charset="0"/>
               </a:rPr>
-              <a:t>Previous Activity</a:t>
+              <a:t>No </a:t>
             </a:r>
-            <a:br>
-              <a:rPr lang="de-DE" sz="900" dirty="0">
-                <a:solidFill>
-                  <a:schemeClr val="tx1"/>
-                </a:solidFill>
-                <a:latin typeface="Arial" panose="020B0604020202020204" pitchFamily="34" charset="0"/>
-                <a:cs typeface="Arial" panose="020B0604020202020204" pitchFamily="34" charset="0"/>
-              </a:rPr>
-            </a:br>
+          </a:p>
+          <a:p>
+            <a:pPr algn="ctr"/>
             <a:r>
               <a:rPr lang="de-DE" sz="900" dirty="0">
                 <a:solidFill>
@@ -4115,21 +5364,15 @@
                 <a:latin typeface="Arial" panose="020B0604020202020204" pitchFamily="34" charset="0"/>
                 <a:cs typeface="Arial" panose="020B0604020202020204" pitchFamily="34" charset="0"/>
               </a:rPr>
-              <a:t>==</a:t>
+              <a:t>Previous Activity</a:t>
             </a:r>
-          </a:p>
-          <a:p>
-            <a:pPr algn="ctr"/>
-            <a:r>
-              <a:rPr lang="de-DE" sz="900" i="1" dirty="0">
-                <a:solidFill>
-                  <a:schemeClr val="tx1"/>
-                </a:solidFill>
-                <a:latin typeface="Arial" panose="020B0604020202020204" pitchFamily="34" charset="0"/>
-                <a:cs typeface="Arial" panose="020B0604020202020204" pitchFamily="34" charset="0"/>
-              </a:rPr>
-              <a:t>&lt;PAD&gt;</a:t>
-            </a:r>
+            <a:endParaRPr lang="de-DE" sz="900" i="1" dirty="0">
+              <a:solidFill>
+                <a:schemeClr val="tx1"/>
+              </a:solidFill>
+              <a:latin typeface="Arial" panose="020B0604020202020204" pitchFamily="34" charset="0"/>
+              <a:cs typeface="Arial" panose="020B0604020202020204" pitchFamily="34" charset="0"/>
+            </a:endParaRPr>
           </a:p>
         </p:txBody>
       </p:sp>
@@ -5110,17 +6353,11 @@
                 <a:latin typeface="Arial" panose="020B0604020202020204" pitchFamily="34" charset="0"/>
                 <a:cs typeface="Arial" panose="020B0604020202020204" pitchFamily="34" charset="0"/>
               </a:rPr>
-              <a:t>Previous Activity</a:t>
+              <a:t>No </a:t>
             </a:r>
-            <a:br>
-              <a:rPr lang="de-DE" sz="900" dirty="0">
-                <a:solidFill>
-                  <a:schemeClr val="tx1"/>
-                </a:solidFill>
-                <a:latin typeface="Arial" panose="020B0604020202020204" pitchFamily="34" charset="0"/>
-                <a:cs typeface="Arial" panose="020B0604020202020204" pitchFamily="34" charset="0"/>
-              </a:rPr>
-            </a:br>
+          </a:p>
+          <a:p>
+            <a:pPr algn="ctr"/>
             <a:r>
               <a:rPr lang="de-DE" sz="900" dirty="0">
                 <a:solidFill>
@@ -5129,21 +6366,15 @@
                 <a:latin typeface="Arial" panose="020B0604020202020204" pitchFamily="34" charset="0"/>
                 <a:cs typeface="Arial" panose="020B0604020202020204" pitchFamily="34" charset="0"/>
               </a:rPr>
-              <a:t>==</a:t>
+              <a:t>Previous Activity</a:t>
             </a:r>
-          </a:p>
-          <a:p>
-            <a:pPr algn="ctr"/>
-            <a:r>
-              <a:rPr lang="de-DE" sz="900" i="1" dirty="0">
-                <a:solidFill>
-                  <a:schemeClr val="tx1"/>
-                </a:solidFill>
-                <a:latin typeface="Arial" panose="020B0604020202020204" pitchFamily="34" charset="0"/>
-                <a:cs typeface="Arial" panose="020B0604020202020204" pitchFamily="34" charset="0"/>
-              </a:rPr>
-              <a:t>&lt;PAD&gt;</a:t>
-            </a:r>
+            <a:endParaRPr lang="de-DE" sz="900" i="1" dirty="0">
+              <a:solidFill>
+                <a:schemeClr val="tx1"/>
+              </a:solidFill>
+              <a:latin typeface="Arial" panose="020B0604020202020204" pitchFamily="34" charset="0"/>
+              <a:cs typeface="Arial" panose="020B0604020202020204" pitchFamily="34" charset="0"/>
+            </a:endParaRPr>
           </a:p>
         </p:txBody>
       </p:sp>
@@ -5893,17 +7124,11 @@
                 <a:latin typeface="Arial" panose="020B0604020202020204" pitchFamily="34" charset="0"/>
                 <a:cs typeface="Arial" panose="020B0604020202020204" pitchFamily="34" charset="0"/>
               </a:rPr>
-              <a:t>Previous Activity</a:t>
+              <a:t>No </a:t>
             </a:r>
-            <a:br>
-              <a:rPr lang="de-DE" sz="900" dirty="0">
-                <a:solidFill>
-                  <a:schemeClr val="tx1"/>
-                </a:solidFill>
-                <a:latin typeface="Arial" panose="020B0604020202020204" pitchFamily="34" charset="0"/>
-                <a:cs typeface="Arial" panose="020B0604020202020204" pitchFamily="34" charset="0"/>
-              </a:rPr>
-            </a:br>
+          </a:p>
+          <a:p>
+            <a:pPr algn="ctr"/>
             <a:r>
               <a:rPr lang="de-DE" sz="900" dirty="0">
                 <a:solidFill>
@@ -5912,21 +7137,15 @@
                 <a:latin typeface="Arial" panose="020B0604020202020204" pitchFamily="34" charset="0"/>
                 <a:cs typeface="Arial" panose="020B0604020202020204" pitchFamily="34" charset="0"/>
               </a:rPr>
-              <a:t>==</a:t>
+              <a:t>Previous Activity</a:t>
             </a:r>
-          </a:p>
-          <a:p>
-            <a:pPr algn="ctr"/>
-            <a:r>
-              <a:rPr lang="de-DE" sz="900" i="1" dirty="0">
-                <a:solidFill>
-                  <a:schemeClr val="tx1"/>
-                </a:solidFill>
-                <a:latin typeface="Arial" panose="020B0604020202020204" pitchFamily="34" charset="0"/>
-                <a:cs typeface="Arial" panose="020B0604020202020204" pitchFamily="34" charset="0"/>
-              </a:rPr>
-              <a:t>&lt;PAD&gt;</a:t>
-            </a:r>
+            <a:endParaRPr lang="de-DE" sz="900" i="1" dirty="0">
+              <a:solidFill>
+                <a:schemeClr val="tx1"/>
+              </a:solidFill>
+              <a:latin typeface="Arial" panose="020B0604020202020204" pitchFamily="34" charset="0"/>
+              <a:cs typeface="Arial" panose="020B0604020202020204" pitchFamily="34" charset="0"/>
+            </a:endParaRPr>
           </a:p>
         </p:txBody>
       </p:sp>
@@ -6396,8 +7615,13 @@
             <a:avLst/>
           </a:prstGeom>
           <a:solidFill>
-            <a:schemeClr val="tx1"/>
+            <a:schemeClr val="bg1"/>
           </a:solidFill>
+          <a:ln>
+            <a:solidFill>
+              <a:srgbClr val="0070C0"/>
+            </a:solidFill>
+          </a:ln>
         </p:spPr>
         <p:style>
           <a:lnRef idx="2">
@@ -6792,6 +8016,1164 @@
   <p:cSld>
     <p:spTree>
       <p:nvGrpSpPr>
+        <p:cNvPr id="1" name="">
+          <a:extLst>
+            <a:ext uri="{FF2B5EF4-FFF2-40B4-BE49-F238E27FC236}">
+              <a16:creationId xmlns:a16="http://schemas.microsoft.com/office/drawing/2014/main" id="{9E4B6FFE-8F87-8A8C-7A43-31415F15B07F}"/>
+            </a:ext>
+          </a:extLst>
+        </p:cNvPr>
+        <p:cNvGrpSpPr/>
+        <p:nvPr/>
+      </p:nvGrpSpPr>
+      <p:grpSpPr>
+        <a:xfrm>
+          <a:off x="0" y="0"/>
+          <a:ext cx="0" cy="0"/>
+          <a:chOff x="0" y="0"/>
+          <a:chExt cx="0" cy="0"/>
+        </a:xfrm>
+      </p:grpSpPr>
+      <p:sp>
+        <p:nvSpPr>
+          <p:cNvPr id="4" name="Rechteck: abgerundete Ecken 3">
+            <a:extLst>
+              <a:ext uri="{FF2B5EF4-FFF2-40B4-BE49-F238E27FC236}">
+                <a16:creationId xmlns:a16="http://schemas.microsoft.com/office/drawing/2014/main" id="{A1DABD25-1306-F660-450C-F066501BBB9E}"/>
+              </a:ext>
+            </a:extLst>
+          </p:cNvPr>
+          <p:cNvSpPr/>
+          <p:nvPr/>
+        </p:nvSpPr>
+        <p:spPr>
+          <a:xfrm>
+            <a:off x="2921000" y="273050"/>
+            <a:ext cx="1117600" cy="698500"/>
+          </a:xfrm>
+          <a:prstGeom prst="roundRect">
+            <a:avLst/>
+          </a:prstGeom>
+          <a:solidFill>
+            <a:schemeClr val="bg1"/>
+          </a:solidFill>
+        </p:spPr>
+        <p:style>
+          <a:lnRef idx="2">
+            <a:schemeClr val="accent1">
+              <a:shade val="15000"/>
+            </a:schemeClr>
+          </a:lnRef>
+          <a:fillRef idx="1">
+            <a:schemeClr val="accent1"/>
+          </a:fillRef>
+          <a:effectRef idx="0">
+            <a:schemeClr val="accent1"/>
+          </a:effectRef>
+          <a:fontRef idx="minor">
+            <a:schemeClr val="lt1"/>
+          </a:fontRef>
+        </p:style>
+        <p:txBody>
+          <a:bodyPr rtlCol="0" anchor="ctr"/>
+          <a:lstStyle/>
+          <a:p>
+            <a:pPr algn="ctr"/>
+            <a:endParaRPr lang="de-DE" sz="900" i="1" dirty="0">
+              <a:solidFill>
+                <a:schemeClr val="tx1"/>
+              </a:solidFill>
+              <a:latin typeface="Arial" panose="020B0604020202020204" pitchFamily="34" charset="0"/>
+              <a:cs typeface="Arial" panose="020B0604020202020204" pitchFamily="34" charset="0"/>
+            </a:endParaRPr>
+          </a:p>
+        </p:txBody>
+      </p:sp>
+      <p:sp>
+        <p:nvSpPr>
+          <p:cNvPr id="5" name="Rechteck: abgerundete Ecken 4">
+            <a:extLst>
+              <a:ext uri="{FF2B5EF4-FFF2-40B4-BE49-F238E27FC236}">
+                <a16:creationId xmlns:a16="http://schemas.microsoft.com/office/drawing/2014/main" id="{396CC167-5116-2AC5-EA3A-7C1D6FFD6EB0}"/>
+              </a:ext>
+            </a:extLst>
+          </p:cNvPr>
+          <p:cNvSpPr/>
+          <p:nvPr/>
+        </p:nvSpPr>
+        <p:spPr>
+          <a:xfrm>
+            <a:off x="2362200" y="1365250"/>
+            <a:ext cx="1117600" cy="698500"/>
+          </a:xfrm>
+          <a:prstGeom prst="roundRect">
+            <a:avLst/>
+          </a:prstGeom>
+          <a:solidFill>
+            <a:schemeClr val="bg1"/>
+          </a:solidFill>
+        </p:spPr>
+        <p:style>
+          <a:lnRef idx="2">
+            <a:schemeClr val="accent1">
+              <a:shade val="15000"/>
+            </a:schemeClr>
+          </a:lnRef>
+          <a:fillRef idx="1">
+            <a:schemeClr val="accent1"/>
+          </a:fillRef>
+          <a:effectRef idx="0">
+            <a:schemeClr val="accent1"/>
+          </a:effectRef>
+          <a:fontRef idx="minor">
+            <a:schemeClr val="lt1"/>
+          </a:fontRef>
+        </p:style>
+        <p:txBody>
+          <a:bodyPr rtlCol="0" anchor="ctr"/>
+          <a:lstStyle/>
+          <a:p>
+            <a:pPr algn="ctr"/>
+            <a:endParaRPr lang="de-DE" sz="900" i="1" dirty="0">
+              <a:solidFill>
+                <a:schemeClr val="tx1"/>
+              </a:solidFill>
+              <a:latin typeface="Arial" panose="020B0604020202020204" pitchFamily="34" charset="0"/>
+              <a:cs typeface="Arial" panose="020B0604020202020204" pitchFamily="34" charset="0"/>
+            </a:endParaRPr>
+          </a:p>
+        </p:txBody>
+      </p:sp>
+      <p:sp>
+        <p:nvSpPr>
+          <p:cNvPr id="7" name="Rechteck: abgerundete Ecken 6">
+            <a:extLst>
+              <a:ext uri="{FF2B5EF4-FFF2-40B4-BE49-F238E27FC236}">
+                <a16:creationId xmlns:a16="http://schemas.microsoft.com/office/drawing/2014/main" id="{023819A7-CAA4-D335-78A2-DDECC1B30AC9}"/>
+              </a:ext>
+            </a:extLst>
+          </p:cNvPr>
+          <p:cNvSpPr/>
+          <p:nvPr/>
+        </p:nvSpPr>
+        <p:spPr>
+          <a:xfrm>
+            <a:off x="2921000" y="2457450"/>
+            <a:ext cx="1117600" cy="698500"/>
+          </a:xfrm>
+          <a:prstGeom prst="roundRect">
+            <a:avLst/>
+          </a:prstGeom>
+          <a:solidFill>
+            <a:schemeClr val="bg1"/>
+          </a:solidFill>
+          <a:ln>
+            <a:solidFill>
+              <a:srgbClr val="FF0000"/>
+            </a:solidFill>
+          </a:ln>
+        </p:spPr>
+        <p:style>
+          <a:lnRef idx="2">
+            <a:schemeClr val="accent1">
+              <a:shade val="15000"/>
+            </a:schemeClr>
+          </a:lnRef>
+          <a:fillRef idx="1">
+            <a:schemeClr val="accent1"/>
+          </a:fillRef>
+          <a:effectRef idx="0">
+            <a:schemeClr val="accent1"/>
+          </a:effectRef>
+          <a:fontRef idx="minor">
+            <a:schemeClr val="lt1"/>
+          </a:fontRef>
+        </p:style>
+        <p:txBody>
+          <a:bodyPr rtlCol="0" anchor="ctr"/>
+          <a:lstStyle/>
+          <a:p>
+            <a:pPr algn="ctr"/>
+            <a:endParaRPr lang="de-DE" sz="900" i="1" dirty="0">
+              <a:solidFill>
+                <a:schemeClr val="tx1"/>
+              </a:solidFill>
+              <a:latin typeface="Arial" panose="020B0604020202020204" pitchFamily="34" charset="0"/>
+              <a:cs typeface="Arial" panose="020B0604020202020204" pitchFamily="34" charset="0"/>
+            </a:endParaRPr>
+          </a:p>
+        </p:txBody>
+      </p:sp>
+      <p:sp>
+        <p:nvSpPr>
+          <p:cNvPr id="9" name="Rechteck 8">
+            <a:extLst>
+              <a:ext uri="{FF2B5EF4-FFF2-40B4-BE49-F238E27FC236}">
+                <a16:creationId xmlns:a16="http://schemas.microsoft.com/office/drawing/2014/main" id="{B890A885-AE3C-93C8-9004-156D0EF3763C}"/>
+              </a:ext>
+            </a:extLst>
+          </p:cNvPr>
+          <p:cNvSpPr/>
+          <p:nvPr/>
+        </p:nvSpPr>
+        <p:spPr>
+          <a:xfrm>
+            <a:off x="3689350" y="1365250"/>
+            <a:ext cx="698500" cy="482600"/>
+          </a:xfrm>
+          <a:prstGeom prst="rect">
+            <a:avLst/>
+          </a:prstGeom>
+          <a:solidFill>
+            <a:schemeClr val="bg1"/>
+          </a:solidFill>
+        </p:spPr>
+        <p:style>
+          <a:lnRef idx="2">
+            <a:schemeClr val="accent1">
+              <a:shade val="15000"/>
+            </a:schemeClr>
+          </a:lnRef>
+          <a:fillRef idx="1">
+            <a:schemeClr val="accent1"/>
+          </a:fillRef>
+          <a:effectRef idx="0">
+            <a:schemeClr val="accent1"/>
+          </a:effectRef>
+          <a:fontRef idx="minor">
+            <a:schemeClr val="lt1"/>
+          </a:fontRef>
+        </p:style>
+        <p:txBody>
+          <a:bodyPr rtlCol="0" anchor="ctr"/>
+          <a:lstStyle/>
+          <a:p>
+            <a:pPr algn="ctr"/>
+            <a:endParaRPr lang="de-DE" sz="900" i="1" dirty="0">
+              <a:solidFill>
+                <a:schemeClr val="tx1"/>
+              </a:solidFill>
+              <a:latin typeface="Arial" panose="020B0604020202020204" pitchFamily="34" charset="0"/>
+              <a:cs typeface="Arial" panose="020B0604020202020204" pitchFamily="34" charset="0"/>
+            </a:endParaRPr>
+          </a:p>
+        </p:txBody>
+      </p:sp>
+      <p:sp>
+        <p:nvSpPr>
+          <p:cNvPr id="10" name="Rechteck 9">
+            <a:extLst>
+              <a:ext uri="{FF2B5EF4-FFF2-40B4-BE49-F238E27FC236}">
+                <a16:creationId xmlns:a16="http://schemas.microsoft.com/office/drawing/2014/main" id="{39797C97-5B22-0F8C-46D3-A2C9BD50FEA3}"/>
+              </a:ext>
+            </a:extLst>
+          </p:cNvPr>
+          <p:cNvSpPr/>
+          <p:nvPr/>
+        </p:nvSpPr>
+        <p:spPr>
+          <a:xfrm>
+            <a:off x="3689350" y="3549650"/>
+            <a:ext cx="698500" cy="482600"/>
+          </a:xfrm>
+          <a:prstGeom prst="rect">
+            <a:avLst/>
+          </a:prstGeom>
+          <a:solidFill>
+            <a:schemeClr val="bg1"/>
+          </a:solidFill>
+          <a:ln>
+            <a:solidFill>
+              <a:srgbClr val="FF0000"/>
+            </a:solidFill>
+          </a:ln>
+        </p:spPr>
+        <p:style>
+          <a:lnRef idx="2">
+            <a:schemeClr val="accent1">
+              <a:shade val="15000"/>
+            </a:schemeClr>
+          </a:lnRef>
+          <a:fillRef idx="1">
+            <a:schemeClr val="accent1"/>
+          </a:fillRef>
+          <a:effectRef idx="0">
+            <a:schemeClr val="accent1"/>
+          </a:effectRef>
+          <a:fontRef idx="minor">
+            <a:schemeClr val="lt1"/>
+          </a:fontRef>
+        </p:style>
+        <p:txBody>
+          <a:bodyPr rtlCol="0" anchor="ctr"/>
+          <a:lstStyle/>
+          <a:p>
+            <a:pPr algn="ctr"/>
+            <a:endParaRPr lang="de-DE" sz="900" i="1" dirty="0">
+              <a:solidFill>
+                <a:schemeClr val="tx1"/>
+              </a:solidFill>
+              <a:latin typeface="Arial" panose="020B0604020202020204" pitchFamily="34" charset="0"/>
+              <a:cs typeface="Arial" panose="020B0604020202020204" pitchFamily="34" charset="0"/>
+            </a:endParaRPr>
+          </a:p>
+        </p:txBody>
+      </p:sp>
+      <p:sp>
+        <p:nvSpPr>
+          <p:cNvPr id="11" name="Rechteck 10">
+            <a:extLst>
+              <a:ext uri="{FF2B5EF4-FFF2-40B4-BE49-F238E27FC236}">
+                <a16:creationId xmlns:a16="http://schemas.microsoft.com/office/drawing/2014/main" id="{0DA7B80A-20DF-CD8E-5CF3-26CD150469BD}"/>
+              </a:ext>
+            </a:extLst>
+          </p:cNvPr>
+          <p:cNvSpPr/>
+          <p:nvPr/>
+        </p:nvSpPr>
+        <p:spPr>
+          <a:xfrm>
+            <a:off x="2571750" y="3549650"/>
+            <a:ext cx="698500" cy="482600"/>
+          </a:xfrm>
+          <a:prstGeom prst="rect">
+            <a:avLst/>
+          </a:prstGeom>
+          <a:solidFill>
+            <a:schemeClr val="bg1"/>
+          </a:solidFill>
+          <a:ln>
+            <a:solidFill>
+              <a:srgbClr val="FF0000"/>
+            </a:solidFill>
+          </a:ln>
+        </p:spPr>
+        <p:style>
+          <a:lnRef idx="2">
+            <a:schemeClr val="accent1">
+              <a:shade val="15000"/>
+            </a:schemeClr>
+          </a:lnRef>
+          <a:fillRef idx="1">
+            <a:schemeClr val="accent1"/>
+          </a:fillRef>
+          <a:effectRef idx="0">
+            <a:schemeClr val="accent1"/>
+          </a:effectRef>
+          <a:fontRef idx="minor">
+            <a:schemeClr val="lt1"/>
+          </a:fontRef>
+        </p:style>
+        <p:txBody>
+          <a:bodyPr rtlCol="0" anchor="ctr"/>
+          <a:lstStyle/>
+          <a:p>
+            <a:pPr algn="ctr"/>
+            <a:endParaRPr lang="de-DE" sz="900" i="1" dirty="0">
+              <a:solidFill>
+                <a:schemeClr val="tx1"/>
+              </a:solidFill>
+              <a:latin typeface="Arial" panose="020B0604020202020204" pitchFamily="34" charset="0"/>
+              <a:cs typeface="Arial" panose="020B0604020202020204" pitchFamily="34" charset="0"/>
+            </a:endParaRPr>
+          </a:p>
+        </p:txBody>
+      </p:sp>
+      <p:sp>
+        <p:nvSpPr>
+          <p:cNvPr id="12" name="Rechteck 11">
+            <a:extLst>
+              <a:ext uri="{FF2B5EF4-FFF2-40B4-BE49-F238E27FC236}">
+                <a16:creationId xmlns:a16="http://schemas.microsoft.com/office/drawing/2014/main" id="{D89D1D93-2DDD-CCA3-38EC-0DCAC39A0264}"/>
+              </a:ext>
+            </a:extLst>
+          </p:cNvPr>
+          <p:cNvSpPr/>
+          <p:nvPr/>
+        </p:nvSpPr>
+        <p:spPr>
+          <a:xfrm>
+            <a:off x="2012950" y="2457450"/>
+            <a:ext cx="698500" cy="482600"/>
+          </a:xfrm>
+          <a:prstGeom prst="rect">
+            <a:avLst/>
+          </a:prstGeom>
+          <a:solidFill>
+            <a:schemeClr val="bg1"/>
+          </a:solidFill>
+        </p:spPr>
+        <p:style>
+          <a:lnRef idx="2">
+            <a:schemeClr val="accent1">
+              <a:shade val="15000"/>
+            </a:schemeClr>
+          </a:lnRef>
+          <a:fillRef idx="1">
+            <a:schemeClr val="accent1"/>
+          </a:fillRef>
+          <a:effectRef idx="0">
+            <a:schemeClr val="accent1"/>
+          </a:effectRef>
+          <a:fontRef idx="minor">
+            <a:schemeClr val="lt1"/>
+          </a:fontRef>
+        </p:style>
+        <p:txBody>
+          <a:bodyPr rtlCol="0" anchor="ctr"/>
+          <a:lstStyle/>
+          <a:p>
+            <a:pPr algn="ctr"/>
+            <a:endParaRPr lang="de-DE" sz="900" i="1" dirty="0">
+              <a:solidFill>
+                <a:schemeClr val="tx1"/>
+              </a:solidFill>
+              <a:latin typeface="Arial" panose="020B0604020202020204" pitchFamily="34" charset="0"/>
+              <a:cs typeface="Arial" panose="020B0604020202020204" pitchFamily="34" charset="0"/>
+            </a:endParaRPr>
+          </a:p>
+        </p:txBody>
+      </p:sp>
+      <p:cxnSp>
+        <p:nvCxnSpPr>
+          <p:cNvPr id="28" name="Gerade Verbindung mit Pfeil 27">
+            <a:extLst>
+              <a:ext uri="{FF2B5EF4-FFF2-40B4-BE49-F238E27FC236}">
+                <a16:creationId xmlns:a16="http://schemas.microsoft.com/office/drawing/2014/main" id="{62722604-C40D-19E4-4B2C-D860E8301FC6}"/>
+              </a:ext>
+            </a:extLst>
+          </p:cNvPr>
+          <p:cNvCxnSpPr>
+            <a:cxnSpLocks/>
+            <a:endCxn id="10" idx="0"/>
+          </p:cNvCxnSpPr>
+          <p:nvPr/>
+        </p:nvCxnSpPr>
+        <p:spPr>
+          <a:xfrm>
+            <a:off x="3689350" y="3155950"/>
+            <a:ext cx="349250" cy="393700"/>
+          </a:xfrm>
+          <a:prstGeom prst="straightConnector1">
+            <a:avLst/>
+          </a:prstGeom>
+          <a:ln>
+            <a:solidFill>
+              <a:srgbClr val="FF0000"/>
+            </a:solidFill>
+            <a:tailEnd type="triangle"/>
+          </a:ln>
+        </p:spPr>
+        <p:style>
+          <a:lnRef idx="2">
+            <a:schemeClr val="accent1"/>
+          </a:lnRef>
+          <a:fillRef idx="0">
+            <a:schemeClr val="accent1"/>
+          </a:fillRef>
+          <a:effectRef idx="1">
+            <a:schemeClr val="accent1"/>
+          </a:effectRef>
+          <a:fontRef idx="minor">
+            <a:schemeClr val="tx1"/>
+          </a:fontRef>
+        </p:style>
+      </p:cxnSp>
+      <p:cxnSp>
+        <p:nvCxnSpPr>
+          <p:cNvPr id="31" name="Gerade Verbindung mit Pfeil 30">
+            <a:extLst>
+              <a:ext uri="{FF2B5EF4-FFF2-40B4-BE49-F238E27FC236}">
+                <a16:creationId xmlns:a16="http://schemas.microsoft.com/office/drawing/2014/main" id="{AA87D5B2-FBDD-80BD-6108-A45CCB1308E8}"/>
+              </a:ext>
+            </a:extLst>
+          </p:cNvPr>
+          <p:cNvCxnSpPr>
+            <a:cxnSpLocks/>
+            <a:endCxn id="11" idx="0"/>
+          </p:cNvCxnSpPr>
+          <p:nvPr/>
+        </p:nvCxnSpPr>
+        <p:spPr>
+          <a:xfrm flipH="1">
+            <a:off x="2921000" y="3155950"/>
+            <a:ext cx="331788" cy="393700"/>
+          </a:xfrm>
+          <a:prstGeom prst="straightConnector1">
+            <a:avLst/>
+          </a:prstGeom>
+          <a:ln>
+            <a:solidFill>
+              <a:srgbClr val="FF0000"/>
+            </a:solidFill>
+            <a:tailEnd type="triangle"/>
+          </a:ln>
+        </p:spPr>
+        <p:style>
+          <a:lnRef idx="2">
+            <a:schemeClr val="accent1"/>
+          </a:lnRef>
+          <a:fillRef idx="0">
+            <a:schemeClr val="accent1"/>
+          </a:fillRef>
+          <a:effectRef idx="1">
+            <a:schemeClr val="accent1"/>
+          </a:effectRef>
+          <a:fontRef idx="minor">
+            <a:schemeClr val="tx1"/>
+          </a:fontRef>
+        </p:style>
+      </p:cxnSp>
+      <p:cxnSp>
+        <p:nvCxnSpPr>
+          <p:cNvPr id="36" name="Gerade Verbindung mit Pfeil 35">
+            <a:extLst>
+              <a:ext uri="{FF2B5EF4-FFF2-40B4-BE49-F238E27FC236}">
+                <a16:creationId xmlns:a16="http://schemas.microsoft.com/office/drawing/2014/main" id="{DD0C521A-FF1B-E3E5-AD57-03CB6B180286}"/>
+              </a:ext>
+            </a:extLst>
+          </p:cNvPr>
+          <p:cNvCxnSpPr>
+            <a:cxnSpLocks/>
+          </p:cNvCxnSpPr>
+          <p:nvPr/>
+        </p:nvCxnSpPr>
+        <p:spPr>
+          <a:xfrm>
+            <a:off x="3689350" y="971550"/>
+            <a:ext cx="349250" cy="393700"/>
+          </a:xfrm>
+          <a:prstGeom prst="straightConnector1">
+            <a:avLst/>
+          </a:prstGeom>
+          <a:ln>
+            <a:solidFill>
+              <a:schemeClr val="tx1"/>
+            </a:solidFill>
+            <a:tailEnd type="triangle"/>
+          </a:ln>
+        </p:spPr>
+        <p:style>
+          <a:lnRef idx="2">
+            <a:schemeClr val="accent1"/>
+          </a:lnRef>
+          <a:fillRef idx="0">
+            <a:schemeClr val="accent1"/>
+          </a:fillRef>
+          <a:effectRef idx="1">
+            <a:schemeClr val="accent1"/>
+          </a:effectRef>
+          <a:fontRef idx="minor">
+            <a:schemeClr val="tx1"/>
+          </a:fontRef>
+        </p:style>
+      </p:cxnSp>
+      <p:cxnSp>
+        <p:nvCxnSpPr>
+          <p:cNvPr id="37" name="Gerade Verbindung mit Pfeil 36">
+            <a:extLst>
+              <a:ext uri="{FF2B5EF4-FFF2-40B4-BE49-F238E27FC236}">
+                <a16:creationId xmlns:a16="http://schemas.microsoft.com/office/drawing/2014/main" id="{90213AE6-CF68-C6D2-5F26-55DBFB6A9531}"/>
+              </a:ext>
+            </a:extLst>
+          </p:cNvPr>
+          <p:cNvCxnSpPr>
+            <a:cxnSpLocks/>
+          </p:cNvCxnSpPr>
+          <p:nvPr/>
+        </p:nvCxnSpPr>
+        <p:spPr>
+          <a:xfrm flipH="1">
+            <a:off x="2921000" y="971550"/>
+            <a:ext cx="331788" cy="393700"/>
+          </a:xfrm>
+          <a:prstGeom prst="straightConnector1">
+            <a:avLst/>
+          </a:prstGeom>
+          <a:ln>
+            <a:solidFill>
+              <a:schemeClr val="tx1"/>
+            </a:solidFill>
+            <a:tailEnd type="triangle"/>
+          </a:ln>
+        </p:spPr>
+        <p:style>
+          <a:lnRef idx="2">
+            <a:schemeClr val="accent1"/>
+          </a:lnRef>
+          <a:fillRef idx="0">
+            <a:schemeClr val="accent1"/>
+          </a:fillRef>
+          <a:effectRef idx="1">
+            <a:schemeClr val="accent1"/>
+          </a:effectRef>
+          <a:fontRef idx="minor">
+            <a:schemeClr val="tx1"/>
+          </a:fontRef>
+        </p:style>
+      </p:cxnSp>
+      <p:cxnSp>
+        <p:nvCxnSpPr>
+          <p:cNvPr id="38" name="Gerade Verbindung mit Pfeil 37">
+            <a:extLst>
+              <a:ext uri="{FF2B5EF4-FFF2-40B4-BE49-F238E27FC236}">
+                <a16:creationId xmlns:a16="http://schemas.microsoft.com/office/drawing/2014/main" id="{D4CEEEA7-1873-3C3D-5AD9-FDF220E70E10}"/>
+              </a:ext>
+            </a:extLst>
+          </p:cNvPr>
+          <p:cNvCxnSpPr>
+            <a:cxnSpLocks/>
+          </p:cNvCxnSpPr>
+          <p:nvPr/>
+        </p:nvCxnSpPr>
+        <p:spPr>
+          <a:xfrm>
+            <a:off x="3130550" y="2063750"/>
+            <a:ext cx="349250" cy="393700"/>
+          </a:xfrm>
+          <a:prstGeom prst="straightConnector1">
+            <a:avLst/>
+          </a:prstGeom>
+          <a:ln>
+            <a:solidFill>
+              <a:schemeClr val="tx1"/>
+            </a:solidFill>
+            <a:tailEnd type="triangle"/>
+          </a:ln>
+        </p:spPr>
+        <p:style>
+          <a:lnRef idx="2">
+            <a:schemeClr val="accent1"/>
+          </a:lnRef>
+          <a:fillRef idx="0">
+            <a:schemeClr val="accent1"/>
+          </a:fillRef>
+          <a:effectRef idx="1">
+            <a:schemeClr val="accent1"/>
+          </a:effectRef>
+          <a:fontRef idx="minor">
+            <a:schemeClr val="tx1"/>
+          </a:fontRef>
+        </p:style>
+      </p:cxnSp>
+      <p:cxnSp>
+        <p:nvCxnSpPr>
+          <p:cNvPr id="39" name="Gerade Verbindung mit Pfeil 38">
+            <a:extLst>
+              <a:ext uri="{FF2B5EF4-FFF2-40B4-BE49-F238E27FC236}">
+                <a16:creationId xmlns:a16="http://schemas.microsoft.com/office/drawing/2014/main" id="{BA0FA566-5514-6F3C-D03A-366A9EC9A773}"/>
+              </a:ext>
+            </a:extLst>
+          </p:cNvPr>
+          <p:cNvCxnSpPr>
+            <a:cxnSpLocks/>
+          </p:cNvCxnSpPr>
+          <p:nvPr/>
+        </p:nvCxnSpPr>
+        <p:spPr>
+          <a:xfrm flipH="1">
+            <a:off x="2362200" y="2063750"/>
+            <a:ext cx="331788" cy="393700"/>
+          </a:xfrm>
+          <a:prstGeom prst="straightConnector1">
+            <a:avLst/>
+          </a:prstGeom>
+          <a:ln>
+            <a:solidFill>
+              <a:schemeClr val="tx1"/>
+            </a:solidFill>
+            <a:tailEnd type="triangle"/>
+          </a:ln>
+        </p:spPr>
+        <p:style>
+          <a:lnRef idx="2">
+            <a:schemeClr val="accent1"/>
+          </a:lnRef>
+          <a:fillRef idx="0">
+            <a:schemeClr val="accent1"/>
+          </a:fillRef>
+          <a:effectRef idx="1">
+            <a:schemeClr val="accent1"/>
+          </a:effectRef>
+          <a:fontRef idx="minor">
+            <a:schemeClr val="tx1"/>
+          </a:fontRef>
+        </p:style>
+      </p:cxnSp>
+      <p:sp>
+        <p:nvSpPr>
+          <p:cNvPr id="20" name="Rechteck: abgerundete Ecken 19">
+            <a:extLst>
+              <a:ext uri="{FF2B5EF4-FFF2-40B4-BE49-F238E27FC236}">
+                <a16:creationId xmlns:a16="http://schemas.microsoft.com/office/drawing/2014/main" id="{D13128FD-A02C-34CD-3F13-6DD4DC254D7A}"/>
+              </a:ext>
+            </a:extLst>
+          </p:cNvPr>
+          <p:cNvSpPr/>
+          <p:nvPr/>
+        </p:nvSpPr>
+        <p:spPr>
+          <a:xfrm>
+            <a:off x="6686552" y="273050"/>
+            <a:ext cx="1117600" cy="698500"/>
+          </a:xfrm>
+          <a:prstGeom prst="roundRect">
+            <a:avLst/>
+          </a:prstGeom>
+          <a:solidFill>
+            <a:schemeClr val="bg1"/>
+          </a:solidFill>
+        </p:spPr>
+        <p:style>
+          <a:lnRef idx="2">
+            <a:schemeClr val="accent1">
+              <a:shade val="15000"/>
+            </a:schemeClr>
+          </a:lnRef>
+          <a:fillRef idx="1">
+            <a:schemeClr val="accent1"/>
+          </a:fillRef>
+          <a:effectRef idx="0">
+            <a:schemeClr val="accent1"/>
+          </a:effectRef>
+          <a:fontRef idx="minor">
+            <a:schemeClr val="lt1"/>
+          </a:fontRef>
+        </p:style>
+        <p:txBody>
+          <a:bodyPr rtlCol="0" anchor="ctr"/>
+          <a:lstStyle/>
+          <a:p>
+            <a:pPr algn="ctr"/>
+            <a:endParaRPr lang="de-DE" sz="900" i="1" dirty="0">
+              <a:solidFill>
+                <a:schemeClr val="tx1"/>
+              </a:solidFill>
+              <a:latin typeface="Arial" panose="020B0604020202020204" pitchFamily="34" charset="0"/>
+              <a:cs typeface="Arial" panose="020B0604020202020204" pitchFamily="34" charset="0"/>
+            </a:endParaRPr>
+          </a:p>
+        </p:txBody>
+      </p:sp>
+      <p:sp>
+        <p:nvSpPr>
+          <p:cNvPr id="21" name="Rechteck: abgerundete Ecken 20">
+            <a:extLst>
+              <a:ext uri="{FF2B5EF4-FFF2-40B4-BE49-F238E27FC236}">
+                <a16:creationId xmlns:a16="http://schemas.microsoft.com/office/drawing/2014/main" id="{BF57D8F3-C07A-89BD-7172-BA993053156B}"/>
+              </a:ext>
+            </a:extLst>
+          </p:cNvPr>
+          <p:cNvSpPr/>
+          <p:nvPr/>
+        </p:nvSpPr>
+        <p:spPr>
+          <a:xfrm>
+            <a:off x="6127752" y="1365250"/>
+            <a:ext cx="1117600" cy="698500"/>
+          </a:xfrm>
+          <a:prstGeom prst="roundRect">
+            <a:avLst/>
+          </a:prstGeom>
+          <a:solidFill>
+            <a:schemeClr val="bg1"/>
+          </a:solidFill>
+        </p:spPr>
+        <p:style>
+          <a:lnRef idx="2">
+            <a:schemeClr val="accent1">
+              <a:shade val="15000"/>
+            </a:schemeClr>
+          </a:lnRef>
+          <a:fillRef idx="1">
+            <a:schemeClr val="accent1"/>
+          </a:fillRef>
+          <a:effectRef idx="0">
+            <a:schemeClr val="accent1"/>
+          </a:effectRef>
+          <a:fontRef idx="minor">
+            <a:schemeClr val="lt1"/>
+          </a:fontRef>
+        </p:style>
+        <p:txBody>
+          <a:bodyPr rtlCol="0" anchor="ctr"/>
+          <a:lstStyle/>
+          <a:p>
+            <a:pPr algn="ctr"/>
+            <a:endParaRPr lang="de-DE" sz="900" i="1" dirty="0">
+              <a:solidFill>
+                <a:schemeClr val="tx1"/>
+              </a:solidFill>
+              <a:latin typeface="Arial" panose="020B0604020202020204" pitchFamily="34" charset="0"/>
+              <a:cs typeface="Arial" panose="020B0604020202020204" pitchFamily="34" charset="0"/>
+            </a:endParaRPr>
+          </a:p>
+        </p:txBody>
+      </p:sp>
+      <p:sp>
+        <p:nvSpPr>
+          <p:cNvPr id="23" name="Rechteck 22">
+            <a:extLst>
+              <a:ext uri="{FF2B5EF4-FFF2-40B4-BE49-F238E27FC236}">
+                <a16:creationId xmlns:a16="http://schemas.microsoft.com/office/drawing/2014/main" id="{C7ABC1F1-CB11-5427-183F-C16B97B6453A}"/>
+              </a:ext>
+            </a:extLst>
+          </p:cNvPr>
+          <p:cNvSpPr/>
+          <p:nvPr/>
+        </p:nvSpPr>
+        <p:spPr>
+          <a:xfrm>
+            <a:off x="7454902" y="1365250"/>
+            <a:ext cx="698500" cy="482600"/>
+          </a:xfrm>
+          <a:prstGeom prst="rect">
+            <a:avLst/>
+          </a:prstGeom>
+          <a:solidFill>
+            <a:schemeClr val="bg1"/>
+          </a:solidFill>
+        </p:spPr>
+        <p:style>
+          <a:lnRef idx="2">
+            <a:schemeClr val="accent1">
+              <a:shade val="15000"/>
+            </a:schemeClr>
+          </a:lnRef>
+          <a:fillRef idx="1">
+            <a:schemeClr val="accent1"/>
+          </a:fillRef>
+          <a:effectRef idx="0">
+            <a:schemeClr val="accent1"/>
+          </a:effectRef>
+          <a:fontRef idx="minor">
+            <a:schemeClr val="lt1"/>
+          </a:fontRef>
+        </p:style>
+        <p:txBody>
+          <a:bodyPr rtlCol="0" anchor="ctr"/>
+          <a:lstStyle/>
+          <a:p>
+            <a:pPr algn="ctr"/>
+            <a:endParaRPr lang="de-DE" sz="900" i="1" dirty="0">
+              <a:solidFill>
+                <a:schemeClr val="tx1"/>
+              </a:solidFill>
+              <a:latin typeface="Arial" panose="020B0604020202020204" pitchFamily="34" charset="0"/>
+              <a:cs typeface="Arial" panose="020B0604020202020204" pitchFamily="34" charset="0"/>
+            </a:endParaRPr>
+          </a:p>
+        </p:txBody>
+      </p:sp>
+      <p:sp>
+        <p:nvSpPr>
+          <p:cNvPr id="26" name="Rechteck 25">
+            <a:extLst>
+              <a:ext uri="{FF2B5EF4-FFF2-40B4-BE49-F238E27FC236}">
+                <a16:creationId xmlns:a16="http://schemas.microsoft.com/office/drawing/2014/main" id="{6959A925-3240-F569-0FA9-088E42D4A1C7}"/>
+              </a:ext>
+            </a:extLst>
+          </p:cNvPr>
+          <p:cNvSpPr/>
+          <p:nvPr/>
+        </p:nvSpPr>
+        <p:spPr>
+          <a:xfrm>
+            <a:off x="5778502" y="2457450"/>
+            <a:ext cx="698500" cy="482600"/>
+          </a:xfrm>
+          <a:prstGeom prst="rect">
+            <a:avLst/>
+          </a:prstGeom>
+          <a:solidFill>
+            <a:schemeClr val="bg1"/>
+          </a:solidFill>
+        </p:spPr>
+        <p:style>
+          <a:lnRef idx="2">
+            <a:schemeClr val="accent1">
+              <a:shade val="15000"/>
+            </a:schemeClr>
+          </a:lnRef>
+          <a:fillRef idx="1">
+            <a:schemeClr val="accent1"/>
+          </a:fillRef>
+          <a:effectRef idx="0">
+            <a:schemeClr val="accent1"/>
+          </a:effectRef>
+          <a:fontRef idx="minor">
+            <a:schemeClr val="lt1"/>
+          </a:fontRef>
+        </p:style>
+        <p:txBody>
+          <a:bodyPr rtlCol="0" anchor="ctr"/>
+          <a:lstStyle/>
+          <a:p>
+            <a:pPr algn="ctr"/>
+            <a:endParaRPr lang="de-DE" sz="900" i="1" dirty="0">
+              <a:solidFill>
+                <a:schemeClr val="tx1"/>
+              </a:solidFill>
+              <a:latin typeface="Arial" panose="020B0604020202020204" pitchFamily="34" charset="0"/>
+              <a:cs typeface="Arial" panose="020B0604020202020204" pitchFamily="34" charset="0"/>
+            </a:endParaRPr>
+          </a:p>
+        </p:txBody>
+      </p:sp>
+      <p:cxnSp>
+        <p:nvCxnSpPr>
+          <p:cNvPr id="30" name="Gerade Verbindung mit Pfeil 29">
+            <a:extLst>
+              <a:ext uri="{FF2B5EF4-FFF2-40B4-BE49-F238E27FC236}">
+                <a16:creationId xmlns:a16="http://schemas.microsoft.com/office/drawing/2014/main" id="{4839C872-1164-CBB4-DDBD-D8D65BAD7073}"/>
+              </a:ext>
+            </a:extLst>
+          </p:cNvPr>
+          <p:cNvCxnSpPr>
+            <a:cxnSpLocks/>
+          </p:cNvCxnSpPr>
+          <p:nvPr/>
+        </p:nvCxnSpPr>
+        <p:spPr>
+          <a:xfrm>
+            <a:off x="7454902" y="971550"/>
+            <a:ext cx="349250" cy="393700"/>
+          </a:xfrm>
+          <a:prstGeom prst="straightConnector1">
+            <a:avLst/>
+          </a:prstGeom>
+          <a:ln>
+            <a:solidFill>
+              <a:schemeClr val="tx1"/>
+            </a:solidFill>
+            <a:tailEnd type="triangle"/>
+          </a:ln>
+        </p:spPr>
+        <p:style>
+          <a:lnRef idx="2">
+            <a:schemeClr val="accent1"/>
+          </a:lnRef>
+          <a:fillRef idx="0">
+            <a:schemeClr val="accent1"/>
+          </a:fillRef>
+          <a:effectRef idx="1">
+            <a:schemeClr val="accent1"/>
+          </a:effectRef>
+          <a:fontRef idx="minor">
+            <a:schemeClr val="tx1"/>
+          </a:fontRef>
+        </p:style>
+      </p:cxnSp>
+      <p:cxnSp>
+        <p:nvCxnSpPr>
+          <p:cNvPr id="32" name="Gerade Verbindung mit Pfeil 31">
+            <a:extLst>
+              <a:ext uri="{FF2B5EF4-FFF2-40B4-BE49-F238E27FC236}">
+                <a16:creationId xmlns:a16="http://schemas.microsoft.com/office/drawing/2014/main" id="{C213D623-2C7C-741A-7AD4-8EECF0C90EDC}"/>
+              </a:ext>
+            </a:extLst>
+          </p:cNvPr>
+          <p:cNvCxnSpPr>
+            <a:cxnSpLocks/>
+          </p:cNvCxnSpPr>
+          <p:nvPr/>
+        </p:nvCxnSpPr>
+        <p:spPr>
+          <a:xfrm flipH="1">
+            <a:off x="6686552" y="971550"/>
+            <a:ext cx="331788" cy="393700"/>
+          </a:xfrm>
+          <a:prstGeom prst="straightConnector1">
+            <a:avLst/>
+          </a:prstGeom>
+          <a:ln>
+            <a:solidFill>
+              <a:schemeClr val="tx1"/>
+            </a:solidFill>
+            <a:tailEnd type="triangle"/>
+          </a:ln>
+        </p:spPr>
+        <p:style>
+          <a:lnRef idx="2">
+            <a:schemeClr val="accent1"/>
+          </a:lnRef>
+          <a:fillRef idx="0">
+            <a:schemeClr val="accent1"/>
+          </a:fillRef>
+          <a:effectRef idx="1">
+            <a:schemeClr val="accent1"/>
+          </a:effectRef>
+          <a:fontRef idx="minor">
+            <a:schemeClr val="tx1"/>
+          </a:fontRef>
+        </p:style>
+      </p:cxnSp>
+      <p:cxnSp>
+        <p:nvCxnSpPr>
+          <p:cNvPr id="33" name="Gerade Verbindung mit Pfeil 32">
+            <a:extLst>
+              <a:ext uri="{FF2B5EF4-FFF2-40B4-BE49-F238E27FC236}">
+                <a16:creationId xmlns:a16="http://schemas.microsoft.com/office/drawing/2014/main" id="{C4E1F80C-608A-C0BA-076F-C4E5652F249A}"/>
+              </a:ext>
+            </a:extLst>
+          </p:cNvPr>
+          <p:cNvCxnSpPr>
+            <a:cxnSpLocks/>
+          </p:cNvCxnSpPr>
+          <p:nvPr/>
+        </p:nvCxnSpPr>
+        <p:spPr>
+          <a:xfrm>
+            <a:off x="6896102" y="2063750"/>
+            <a:ext cx="349250" cy="393700"/>
+          </a:xfrm>
+          <a:prstGeom prst="straightConnector1">
+            <a:avLst/>
+          </a:prstGeom>
+          <a:ln>
+            <a:solidFill>
+              <a:schemeClr val="tx1"/>
+            </a:solidFill>
+            <a:tailEnd type="triangle"/>
+          </a:ln>
+        </p:spPr>
+        <p:style>
+          <a:lnRef idx="2">
+            <a:schemeClr val="accent1"/>
+          </a:lnRef>
+          <a:fillRef idx="0">
+            <a:schemeClr val="accent1"/>
+          </a:fillRef>
+          <a:effectRef idx="1">
+            <a:schemeClr val="accent1"/>
+          </a:effectRef>
+          <a:fontRef idx="minor">
+            <a:schemeClr val="tx1"/>
+          </a:fontRef>
+        </p:style>
+      </p:cxnSp>
+      <p:cxnSp>
+        <p:nvCxnSpPr>
+          <p:cNvPr id="34" name="Gerade Verbindung mit Pfeil 33">
+            <a:extLst>
+              <a:ext uri="{FF2B5EF4-FFF2-40B4-BE49-F238E27FC236}">
+                <a16:creationId xmlns:a16="http://schemas.microsoft.com/office/drawing/2014/main" id="{89968E72-EEAC-2635-CC67-09CA70327A8A}"/>
+              </a:ext>
+            </a:extLst>
+          </p:cNvPr>
+          <p:cNvCxnSpPr>
+            <a:cxnSpLocks/>
+          </p:cNvCxnSpPr>
+          <p:nvPr/>
+        </p:nvCxnSpPr>
+        <p:spPr>
+          <a:xfrm flipH="1">
+            <a:off x="6127752" y="2063750"/>
+            <a:ext cx="331788" cy="393700"/>
+          </a:xfrm>
+          <a:prstGeom prst="straightConnector1">
+            <a:avLst/>
+          </a:prstGeom>
+          <a:ln>
+            <a:solidFill>
+              <a:schemeClr val="tx1"/>
+            </a:solidFill>
+            <a:tailEnd type="triangle"/>
+          </a:ln>
+        </p:spPr>
+        <p:style>
+          <a:lnRef idx="2">
+            <a:schemeClr val="accent1"/>
+          </a:lnRef>
+          <a:fillRef idx="0">
+            <a:schemeClr val="accent1"/>
+          </a:fillRef>
+          <a:effectRef idx="1">
+            <a:schemeClr val="accent1"/>
+          </a:effectRef>
+          <a:fontRef idx="minor">
+            <a:schemeClr val="tx1"/>
+          </a:fontRef>
+        </p:style>
+      </p:cxnSp>
+      <p:sp>
+        <p:nvSpPr>
+          <p:cNvPr id="35" name="Rechteck 34">
+            <a:extLst>
+              <a:ext uri="{FF2B5EF4-FFF2-40B4-BE49-F238E27FC236}">
+                <a16:creationId xmlns:a16="http://schemas.microsoft.com/office/drawing/2014/main" id="{239BD68E-C69F-B699-A46C-C25CBBF371B5}"/>
+              </a:ext>
+            </a:extLst>
+          </p:cNvPr>
+          <p:cNvSpPr/>
+          <p:nvPr/>
+        </p:nvSpPr>
+        <p:spPr>
+          <a:xfrm>
+            <a:off x="6896102" y="2457450"/>
+            <a:ext cx="698500" cy="482600"/>
+          </a:xfrm>
+          <a:prstGeom prst="rect">
+            <a:avLst/>
+          </a:prstGeom>
+          <a:solidFill>
+            <a:schemeClr val="bg1"/>
+          </a:solidFill>
+          <a:ln>
+            <a:solidFill>
+              <a:srgbClr val="FF0000"/>
+            </a:solidFill>
+          </a:ln>
+        </p:spPr>
+        <p:style>
+          <a:lnRef idx="2">
+            <a:schemeClr val="accent1">
+              <a:shade val="15000"/>
+            </a:schemeClr>
+          </a:lnRef>
+          <a:fillRef idx="1">
+            <a:schemeClr val="accent1"/>
+          </a:fillRef>
+          <a:effectRef idx="0">
+            <a:schemeClr val="accent1"/>
+          </a:effectRef>
+          <a:fontRef idx="minor">
+            <a:schemeClr val="lt1"/>
+          </a:fontRef>
+        </p:style>
+        <p:txBody>
+          <a:bodyPr rtlCol="0" anchor="ctr"/>
+          <a:lstStyle/>
+          <a:p>
+            <a:pPr algn="ctr"/>
+            <a:endParaRPr lang="de-DE" sz="900" i="1" dirty="0">
+              <a:solidFill>
+                <a:schemeClr val="tx1"/>
+              </a:solidFill>
+              <a:latin typeface="Arial" panose="020B0604020202020204" pitchFamily="34" charset="0"/>
+              <a:cs typeface="Arial" panose="020B0604020202020204" pitchFamily="34" charset="0"/>
+            </a:endParaRPr>
+          </a:p>
+        </p:txBody>
+      </p:sp>
+    </p:spTree>
+    <p:extLst>
+      <p:ext uri="{BB962C8B-B14F-4D97-AF65-F5344CB8AC3E}">
+        <p14:creationId xmlns:p14="http://schemas.microsoft.com/office/powerpoint/2010/main" val="2035955800"/>
+      </p:ext>
+    </p:extLst>
+  </p:cSld>
+  <p:clrMapOvr>
+    <a:masterClrMapping/>
+  </p:clrMapOvr>
+</p:sld>
+</file>
+
+<file path=ppt/slides/slide4.xml><?xml version="1.0" encoding="utf-8"?>
+<p:sld xmlns:a="http://schemas.openxmlformats.org/drawingml/2006/main" xmlns:r="http://schemas.openxmlformats.org/officeDocument/2006/relationships" xmlns:p="http://schemas.openxmlformats.org/presentationml/2006/main">
+  <p:cSld>
+    <p:spTree>
+      <p:nvGrpSpPr>
         <p:cNvPr id="1" name=""/>
         <p:cNvGrpSpPr/>
         <p:nvPr/>
@@ -6804,6 +9186,2558 @@
           <a:chExt cx="0" cy="0"/>
         </a:xfrm>
       </p:grpSpPr>
+      <p:pic>
+        <p:nvPicPr>
+          <p:cNvPr id="6" name="Grafik 5" descr="Datenbank mit einfarbiger Füllung">
+            <a:extLst>
+              <a:ext uri="{FF2B5EF4-FFF2-40B4-BE49-F238E27FC236}">
+                <a16:creationId xmlns:a16="http://schemas.microsoft.com/office/drawing/2014/main" id="{308BDD25-8B49-E60A-666A-C075F105C686}"/>
+              </a:ext>
+            </a:extLst>
+          </p:cNvPr>
+          <p:cNvPicPr>
+            <a:picLocks noChangeAspect="1"/>
+          </p:cNvPicPr>
+          <p:nvPr/>
+        </p:nvPicPr>
+        <p:blipFill>
+          <a:blip r:embed="rId2">
+            <a:extLst>
+              <a:ext uri="{96DAC541-7B7A-43D3-8B79-37D633B846F1}">
+                <asvg:svgBlip xmlns:asvg="http://schemas.microsoft.com/office/drawing/2016/SVG/main" r:embed="rId3"/>
+              </a:ext>
+            </a:extLst>
+          </a:blip>
+          <a:stretch>
+            <a:fillRect/>
+          </a:stretch>
+        </p:blipFill>
+        <p:spPr>
+          <a:xfrm>
+            <a:off x="1796875" y="103471"/>
+            <a:ext cx="743552" cy="743552"/>
+          </a:xfrm>
+          <a:prstGeom prst="rect">
+            <a:avLst/>
+          </a:prstGeom>
+        </p:spPr>
+      </p:pic>
+      <p:pic>
+        <p:nvPicPr>
+          <p:cNvPr id="44" name="Grafik 43">
+            <a:extLst>
+              <a:ext uri="{FF2B5EF4-FFF2-40B4-BE49-F238E27FC236}">
+                <a16:creationId xmlns:a16="http://schemas.microsoft.com/office/drawing/2014/main" id="{04B78BB6-0D6C-1F89-07B5-B0823365CE75}"/>
+              </a:ext>
+            </a:extLst>
+          </p:cNvPr>
+          <p:cNvPicPr>
+            <a:picLocks noChangeAspect="1"/>
+          </p:cNvPicPr>
+          <p:nvPr/>
+        </p:nvPicPr>
+        <p:blipFill>
+          <a:blip r:embed="rId4"/>
+          <a:stretch>
+            <a:fillRect/>
+          </a:stretch>
+        </p:blipFill>
+        <p:spPr>
+          <a:xfrm>
+            <a:off x="1577744" y="1641352"/>
+            <a:ext cx="1181814" cy="957677"/>
+          </a:xfrm>
+          <a:prstGeom prst="rect">
+            <a:avLst/>
+          </a:prstGeom>
+        </p:spPr>
+      </p:pic>
+      <p:pic>
+        <p:nvPicPr>
+          <p:cNvPr id="46" name="Grafik 45">
+            <a:extLst>
+              <a:ext uri="{FF2B5EF4-FFF2-40B4-BE49-F238E27FC236}">
+                <a16:creationId xmlns:a16="http://schemas.microsoft.com/office/drawing/2014/main" id="{697320EB-3037-B9D3-8A1A-C0E2E4C2B516}"/>
+              </a:ext>
+            </a:extLst>
+          </p:cNvPr>
+          <p:cNvPicPr>
+            <a:picLocks noChangeAspect="1"/>
+          </p:cNvPicPr>
+          <p:nvPr/>
+        </p:nvPicPr>
+        <p:blipFill>
+          <a:blip r:embed="rId5"/>
+          <a:stretch>
+            <a:fillRect/>
+          </a:stretch>
+        </p:blipFill>
+        <p:spPr>
+          <a:xfrm>
+            <a:off x="1732556" y="3393358"/>
+            <a:ext cx="786379" cy="1185106"/>
+          </a:xfrm>
+          <a:prstGeom prst="rect">
+            <a:avLst/>
+          </a:prstGeom>
+        </p:spPr>
+      </p:pic>
+      <p:pic>
+        <p:nvPicPr>
+          <p:cNvPr id="48" name="Grafik 47">
+            <a:extLst>
+              <a:ext uri="{FF2B5EF4-FFF2-40B4-BE49-F238E27FC236}">
+                <a16:creationId xmlns:a16="http://schemas.microsoft.com/office/drawing/2014/main" id="{0BFBCBAD-71DC-3D00-25E1-BD4D151518B9}"/>
+              </a:ext>
+            </a:extLst>
+          </p:cNvPr>
+          <p:cNvPicPr>
+            <a:picLocks noChangeAspect="1"/>
+          </p:cNvPicPr>
+          <p:nvPr/>
+        </p:nvPicPr>
+        <p:blipFill>
+          <a:blip r:embed="rId6"/>
+          <a:stretch>
+            <a:fillRect/>
+          </a:stretch>
+        </p:blipFill>
+        <p:spPr>
+          <a:xfrm>
+            <a:off x="1711066" y="5372793"/>
+            <a:ext cx="829361" cy="957677"/>
+          </a:xfrm>
+          <a:prstGeom prst="rect">
+            <a:avLst/>
+          </a:prstGeom>
+        </p:spPr>
+      </p:pic>
+      <p:sp>
+        <p:nvSpPr>
+          <p:cNvPr id="49" name="Pfeil: nach rechts 48">
+            <a:extLst>
+              <a:ext uri="{FF2B5EF4-FFF2-40B4-BE49-F238E27FC236}">
+                <a16:creationId xmlns:a16="http://schemas.microsoft.com/office/drawing/2014/main" id="{9C259667-701F-A647-5264-660102F4F744}"/>
+              </a:ext>
+            </a:extLst>
+          </p:cNvPr>
+          <p:cNvSpPr/>
+          <p:nvPr/>
+        </p:nvSpPr>
+        <p:spPr>
+          <a:xfrm rot="5400000">
+            <a:off x="1919551" y="1145783"/>
+            <a:ext cx="498200" cy="196808"/>
+          </a:xfrm>
+          <a:prstGeom prst="rightArrow">
+            <a:avLst/>
+          </a:prstGeom>
+          <a:solidFill>
+            <a:schemeClr val="bg1"/>
+          </a:solidFill>
+          <a:ln>
+            <a:solidFill>
+              <a:srgbClr val="0070C0"/>
+            </a:solidFill>
+          </a:ln>
+        </p:spPr>
+        <p:style>
+          <a:lnRef idx="2">
+            <a:schemeClr val="accent1">
+              <a:shade val="15000"/>
+            </a:schemeClr>
+          </a:lnRef>
+          <a:fillRef idx="1">
+            <a:schemeClr val="accent1"/>
+          </a:fillRef>
+          <a:effectRef idx="0">
+            <a:schemeClr val="accent1"/>
+          </a:effectRef>
+          <a:fontRef idx="minor">
+            <a:schemeClr val="lt1"/>
+          </a:fontRef>
+        </p:style>
+        <p:txBody>
+          <a:bodyPr rtlCol="0" anchor="ctr"/>
+          <a:lstStyle/>
+          <a:p>
+            <a:pPr algn="ctr"/>
+            <a:endParaRPr lang="de-DE" dirty="0"/>
+          </a:p>
+        </p:txBody>
+      </p:sp>
+      <p:sp>
+        <p:nvSpPr>
+          <p:cNvPr id="50" name="Pfeil: nach rechts 49">
+            <a:extLst>
+              <a:ext uri="{FF2B5EF4-FFF2-40B4-BE49-F238E27FC236}">
+                <a16:creationId xmlns:a16="http://schemas.microsoft.com/office/drawing/2014/main" id="{0D745469-ADF4-93A8-502C-5EC9E2A5710B}"/>
+              </a:ext>
+            </a:extLst>
+          </p:cNvPr>
+          <p:cNvSpPr/>
+          <p:nvPr/>
+        </p:nvSpPr>
+        <p:spPr>
+          <a:xfrm rot="5400000">
+            <a:off x="1919551" y="2897789"/>
+            <a:ext cx="498200" cy="196808"/>
+          </a:xfrm>
+          <a:prstGeom prst="rightArrow">
+            <a:avLst/>
+          </a:prstGeom>
+          <a:solidFill>
+            <a:schemeClr val="bg1"/>
+          </a:solidFill>
+          <a:ln>
+            <a:solidFill>
+              <a:srgbClr val="0070C0"/>
+            </a:solidFill>
+          </a:ln>
+        </p:spPr>
+        <p:style>
+          <a:lnRef idx="2">
+            <a:schemeClr val="accent1">
+              <a:shade val="15000"/>
+            </a:schemeClr>
+          </a:lnRef>
+          <a:fillRef idx="1">
+            <a:schemeClr val="accent1"/>
+          </a:fillRef>
+          <a:effectRef idx="0">
+            <a:schemeClr val="accent1"/>
+          </a:effectRef>
+          <a:fontRef idx="minor">
+            <a:schemeClr val="lt1"/>
+          </a:fontRef>
+        </p:style>
+        <p:txBody>
+          <a:bodyPr rtlCol="0" anchor="ctr"/>
+          <a:lstStyle/>
+          <a:p>
+            <a:pPr algn="ctr"/>
+            <a:endParaRPr lang="de-DE" dirty="0"/>
+          </a:p>
+        </p:txBody>
+      </p:sp>
+      <p:sp>
+        <p:nvSpPr>
+          <p:cNvPr id="51" name="Pfeil: nach rechts 50">
+            <a:extLst>
+              <a:ext uri="{FF2B5EF4-FFF2-40B4-BE49-F238E27FC236}">
+                <a16:creationId xmlns:a16="http://schemas.microsoft.com/office/drawing/2014/main" id="{5BCA6728-CF51-78DF-7B5C-E4D99F637436}"/>
+              </a:ext>
+            </a:extLst>
+          </p:cNvPr>
+          <p:cNvSpPr/>
+          <p:nvPr/>
+        </p:nvSpPr>
+        <p:spPr>
+          <a:xfrm rot="5400000">
+            <a:off x="1919551" y="4877224"/>
+            <a:ext cx="498200" cy="196808"/>
+          </a:xfrm>
+          <a:prstGeom prst="rightArrow">
+            <a:avLst/>
+          </a:prstGeom>
+          <a:solidFill>
+            <a:schemeClr val="bg1"/>
+          </a:solidFill>
+          <a:ln>
+            <a:solidFill>
+              <a:srgbClr val="0070C0"/>
+            </a:solidFill>
+          </a:ln>
+        </p:spPr>
+        <p:style>
+          <a:lnRef idx="2">
+            <a:schemeClr val="accent1">
+              <a:shade val="15000"/>
+            </a:schemeClr>
+          </a:lnRef>
+          <a:fillRef idx="1">
+            <a:schemeClr val="accent1"/>
+          </a:fillRef>
+          <a:effectRef idx="0">
+            <a:schemeClr val="accent1"/>
+          </a:effectRef>
+          <a:fontRef idx="minor">
+            <a:schemeClr val="lt1"/>
+          </a:fontRef>
+        </p:style>
+        <p:txBody>
+          <a:bodyPr rtlCol="0" anchor="ctr"/>
+          <a:lstStyle/>
+          <a:p>
+            <a:pPr algn="ctr"/>
+            <a:endParaRPr lang="de-DE" dirty="0"/>
+          </a:p>
+        </p:txBody>
+      </p:sp>
+      <p:sp>
+        <p:nvSpPr>
+          <p:cNvPr id="53" name="Pfeil: nach links gekrümmt 52">
+            <a:extLst>
+              <a:ext uri="{FF2B5EF4-FFF2-40B4-BE49-F238E27FC236}">
+                <a16:creationId xmlns:a16="http://schemas.microsoft.com/office/drawing/2014/main" id="{7C8159C3-8927-147D-64E1-2A5C0F00CE3F}"/>
+              </a:ext>
+            </a:extLst>
+          </p:cNvPr>
+          <p:cNvSpPr/>
+          <p:nvPr/>
+        </p:nvSpPr>
+        <p:spPr>
+          <a:xfrm rot="10800000">
+            <a:off x="935658" y="2011151"/>
+            <a:ext cx="576072" cy="3840480"/>
+          </a:xfrm>
+          <a:prstGeom prst="curvedLeftArrow">
+            <a:avLst/>
+          </a:prstGeom>
+          <a:solidFill>
+            <a:schemeClr val="bg1"/>
+          </a:solidFill>
+          <a:ln>
+            <a:solidFill>
+              <a:srgbClr val="0070C0"/>
+            </a:solidFill>
+          </a:ln>
+        </p:spPr>
+        <p:style>
+          <a:lnRef idx="2">
+            <a:schemeClr val="accent1">
+              <a:shade val="15000"/>
+            </a:schemeClr>
+          </a:lnRef>
+          <a:fillRef idx="1">
+            <a:schemeClr val="accent1"/>
+          </a:fillRef>
+          <a:effectRef idx="0">
+            <a:schemeClr val="accent1"/>
+          </a:effectRef>
+          <a:fontRef idx="minor">
+            <a:schemeClr val="lt1"/>
+          </a:fontRef>
+        </p:style>
+        <p:txBody>
+          <a:bodyPr rtlCol="0" anchor="ctr"/>
+          <a:lstStyle/>
+          <a:p>
+            <a:pPr algn="ctr"/>
+            <a:endParaRPr lang="de-DE">
+              <a:solidFill>
+                <a:schemeClr val="tx1"/>
+              </a:solidFill>
+            </a:endParaRPr>
+          </a:p>
+        </p:txBody>
+      </p:sp>
+      <p:sp>
+        <p:nvSpPr>
+          <p:cNvPr id="54" name="Textfeld 53">
+            <a:extLst>
+              <a:ext uri="{FF2B5EF4-FFF2-40B4-BE49-F238E27FC236}">
+                <a16:creationId xmlns:a16="http://schemas.microsoft.com/office/drawing/2014/main" id="{84515C48-EAFB-F096-94B7-2D543ADFAD0D}"/>
+              </a:ext>
+            </a:extLst>
+          </p:cNvPr>
+          <p:cNvSpPr txBox="1"/>
+          <p:nvPr/>
+        </p:nvSpPr>
+        <p:spPr>
+          <a:xfrm>
+            <a:off x="2950220" y="336747"/>
+            <a:ext cx="1172565" cy="276999"/>
+          </a:xfrm>
+          <a:prstGeom prst="rect">
+            <a:avLst/>
+          </a:prstGeom>
+          <a:noFill/>
+        </p:spPr>
+        <p:txBody>
+          <a:bodyPr wrap="none" rtlCol="0">
+            <a:spAutoFit/>
+          </a:bodyPr>
+          <a:lstStyle/>
+          <a:p>
+            <a:r>
+              <a:rPr lang="de-DE" sz="1200" dirty="0"/>
+              <a:t>Event Log Data</a:t>
+            </a:r>
+          </a:p>
+        </p:txBody>
+      </p:sp>
+      <p:sp>
+        <p:nvSpPr>
+          <p:cNvPr id="55" name="Textfeld 54">
+            <a:extLst>
+              <a:ext uri="{FF2B5EF4-FFF2-40B4-BE49-F238E27FC236}">
+                <a16:creationId xmlns:a16="http://schemas.microsoft.com/office/drawing/2014/main" id="{C8A091AB-4C65-2C64-0BCE-8B49E491BD10}"/>
+              </a:ext>
+            </a:extLst>
+          </p:cNvPr>
+          <p:cNvSpPr txBox="1"/>
+          <p:nvPr/>
+        </p:nvSpPr>
+        <p:spPr>
+          <a:xfrm>
+            <a:off x="2950220" y="1981690"/>
+            <a:ext cx="1223797" cy="276999"/>
+          </a:xfrm>
+          <a:prstGeom prst="rect">
+            <a:avLst/>
+          </a:prstGeom>
+          <a:noFill/>
+        </p:spPr>
+        <p:txBody>
+          <a:bodyPr wrap="none" rtlCol="0">
+            <a:spAutoFit/>
+          </a:bodyPr>
+          <a:lstStyle/>
+          <a:p>
+            <a:r>
+              <a:rPr lang="de-DE" sz="1200" dirty="0"/>
+              <a:t>Neural Network</a:t>
+            </a:r>
+          </a:p>
+        </p:txBody>
+      </p:sp>
+      <p:sp>
+        <p:nvSpPr>
+          <p:cNvPr id="56" name="Textfeld 55">
+            <a:extLst>
+              <a:ext uri="{FF2B5EF4-FFF2-40B4-BE49-F238E27FC236}">
+                <a16:creationId xmlns:a16="http://schemas.microsoft.com/office/drawing/2014/main" id="{01E5C285-1D88-ABB4-4714-D73CAC3DDC1C}"/>
+              </a:ext>
+            </a:extLst>
+          </p:cNvPr>
+          <p:cNvSpPr txBox="1"/>
+          <p:nvPr/>
+        </p:nvSpPr>
+        <p:spPr>
+          <a:xfrm>
+            <a:off x="2950220" y="3755078"/>
+            <a:ext cx="1082925" cy="461665"/>
+          </a:xfrm>
+          <a:prstGeom prst="rect">
+            <a:avLst/>
+          </a:prstGeom>
+          <a:noFill/>
+        </p:spPr>
+        <p:txBody>
+          <a:bodyPr wrap="none" rtlCol="0">
+            <a:spAutoFit/>
+          </a:bodyPr>
+          <a:lstStyle/>
+          <a:p>
+            <a:r>
+              <a:rPr lang="de-DE" sz="1200" dirty="0"/>
+              <a:t>Distilled</a:t>
+            </a:r>
+          </a:p>
+          <a:p>
+            <a:r>
+              <a:rPr lang="de-DE" sz="1200" dirty="0"/>
+              <a:t>Decision Tree</a:t>
+            </a:r>
+          </a:p>
+        </p:txBody>
+      </p:sp>
+      <p:sp>
+        <p:nvSpPr>
+          <p:cNvPr id="57" name="Textfeld 56">
+            <a:extLst>
+              <a:ext uri="{FF2B5EF4-FFF2-40B4-BE49-F238E27FC236}">
+                <a16:creationId xmlns:a16="http://schemas.microsoft.com/office/drawing/2014/main" id="{D35CDC6A-E212-046B-B876-C84F25577479}"/>
+              </a:ext>
+            </a:extLst>
+          </p:cNvPr>
+          <p:cNvSpPr txBox="1"/>
+          <p:nvPr/>
+        </p:nvSpPr>
+        <p:spPr>
+          <a:xfrm>
+            <a:off x="2950219" y="5620798"/>
+            <a:ext cx="1082925" cy="461665"/>
+          </a:xfrm>
+          <a:prstGeom prst="rect">
+            <a:avLst/>
+          </a:prstGeom>
+          <a:noFill/>
+        </p:spPr>
+        <p:txBody>
+          <a:bodyPr wrap="none" rtlCol="0">
+            <a:spAutoFit/>
+          </a:bodyPr>
+          <a:lstStyle/>
+          <a:p>
+            <a:r>
+              <a:rPr lang="de-DE" sz="1200" dirty="0"/>
+              <a:t>Modified</a:t>
+            </a:r>
+          </a:p>
+          <a:p>
+            <a:r>
+              <a:rPr lang="de-DE" sz="1200" dirty="0"/>
+              <a:t>Decision Tree</a:t>
+            </a:r>
+          </a:p>
+        </p:txBody>
+      </p:sp>
+      <p:sp>
+        <p:nvSpPr>
+          <p:cNvPr id="58" name="Textfeld 57">
+            <a:extLst>
+              <a:ext uri="{FF2B5EF4-FFF2-40B4-BE49-F238E27FC236}">
+                <a16:creationId xmlns:a16="http://schemas.microsoft.com/office/drawing/2014/main" id="{C2E51FE9-9766-7CAE-8989-8A13C05101B8}"/>
+              </a:ext>
+            </a:extLst>
+          </p:cNvPr>
+          <p:cNvSpPr txBox="1"/>
+          <p:nvPr/>
+        </p:nvSpPr>
+        <p:spPr>
+          <a:xfrm>
+            <a:off x="2585312" y="4837128"/>
+            <a:ext cx="1014380" cy="276999"/>
+          </a:xfrm>
+          <a:prstGeom prst="rect">
+            <a:avLst/>
+          </a:prstGeom>
+          <a:noFill/>
+        </p:spPr>
+        <p:txBody>
+          <a:bodyPr wrap="none" rtlCol="0">
+            <a:spAutoFit/>
+          </a:bodyPr>
+          <a:lstStyle/>
+          <a:p>
+            <a:r>
+              <a:rPr lang="de-DE" sz="1200" dirty="0">
+                <a:solidFill>
+                  <a:srgbClr val="0070C0"/>
+                </a:solidFill>
+              </a:rPr>
+              <a:t>Modification</a:t>
+            </a:r>
+          </a:p>
+        </p:txBody>
+      </p:sp>
+      <p:sp>
+        <p:nvSpPr>
+          <p:cNvPr id="59" name="Textfeld 58">
+            <a:extLst>
+              <a:ext uri="{FF2B5EF4-FFF2-40B4-BE49-F238E27FC236}">
+                <a16:creationId xmlns:a16="http://schemas.microsoft.com/office/drawing/2014/main" id="{5E79985D-0053-57D3-9376-0A61D7F04808}"/>
+              </a:ext>
+            </a:extLst>
+          </p:cNvPr>
+          <p:cNvSpPr txBox="1"/>
+          <p:nvPr/>
+        </p:nvSpPr>
+        <p:spPr>
+          <a:xfrm>
+            <a:off x="2585312" y="2765360"/>
+            <a:ext cx="915635" cy="461665"/>
+          </a:xfrm>
+          <a:prstGeom prst="rect">
+            <a:avLst/>
+          </a:prstGeom>
+          <a:noFill/>
+        </p:spPr>
+        <p:txBody>
+          <a:bodyPr wrap="none" rtlCol="0">
+            <a:spAutoFit/>
+          </a:bodyPr>
+          <a:lstStyle/>
+          <a:p>
+            <a:r>
+              <a:rPr lang="de-DE" sz="1200" dirty="0">
+                <a:solidFill>
+                  <a:srgbClr val="0070C0"/>
+                </a:solidFill>
+              </a:rPr>
+              <a:t>Knowledge</a:t>
+            </a:r>
+          </a:p>
+          <a:p>
+            <a:r>
+              <a:rPr lang="de-DE" sz="1200" dirty="0">
+                <a:solidFill>
+                  <a:srgbClr val="0070C0"/>
+                </a:solidFill>
+              </a:rPr>
+              <a:t>Distillation</a:t>
+            </a:r>
+          </a:p>
+        </p:txBody>
+      </p:sp>
+      <p:sp>
+        <p:nvSpPr>
+          <p:cNvPr id="62" name="Textfeld 61">
+            <a:extLst>
+              <a:ext uri="{FF2B5EF4-FFF2-40B4-BE49-F238E27FC236}">
+                <a16:creationId xmlns:a16="http://schemas.microsoft.com/office/drawing/2014/main" id="{D0FCD57A-FA80-4884-A0C8-DAE71EFC8114}"/>
+              </a:ext>
+            </a:extLst>
+          </p:cNvPr>
+          <p:cNvSpPr txBox="1"/>
+          <p:nvPr/>
+        </p:nvSpPr>
+        <p:spPr>
+          <a:xfrm rot="16200000">
+            <a:off x="611412" y="3792891"/>
+            <a:ext cx="947567" cy="276999"/>
+          </a:xfrm>
+          <a:prstGeom prst="rect">
+            <a:avLst/>
+          </a:prstGeom>
+          <a:noFill/>
+        </p:spPr>
+        <p:txBody>
+          <a:bodyPr wrap="none" rtlCol="0">
+            <a:spAutoFit/>
+          </a:bodyPr>
+          <a:lstStyle/>
+          <a:p>
+            <a:r>
+              <a:rPr lang="de-DE" sz="1200" dirty="0">
+                <a:solidFill>
+                  <a:srgbClr val="0070C0"/>
+                </a:solidFill>
+              </a:rPr>
+              <a:t>Fine-Tuning</a:t>
+            </a:r>
+          </a:p>
+        </p:txBody>
+      </p:sp>
+      <p:sp>
+        <p:nvSpPr>
+          <p:cNvPr id="63" name="Textfeld 62">
+            <a:extLst>
+              <a:ext uri="{FF2B5EF4-FFF2-40B4-BE49-F238E27FC236}">
+                <a16:creationId xmlns:a16="http://schemas.microsoft.com/office/drawing/2014/main" id="{1C131DBF-E41A-D4A8-BF22-9E3ADC820F4F}"/>
+              </a:ext>
+            </a:extLst>
+          </p:cNvPr>
+          <p:cNvSpPr txBox="1"/>
+          <p:nvPr/>
+        </p:nvSpPr>
+        <p:spPr>
+          <a:xfrm>
+            <a:off x="2585312" y="1091544"/>
+            <a:ext cx="698974" cy="276999"/>
+          </a:xfrm>
+          <a:prstGeom prst="rect">
+            <a:avLst/>
+          </a:prstGeom>
+          <a:noFill/>
+        </p:spPr>
+        <p:txBody>
+          <a:bodyPr wrap="none" rtlCol="0">
+            <a:spAutoFit/>
+          </a:bodyPr>
+          <a:lstStyle/>
+          <a:p>
+            <a:r>
+              <a:rPr lang="de-DE" sz="1200" dirty="0">
+                <a:solidFill>
+                  <a:srgbClr val="0070C0"/>
+                </a:solidFill>
+              </a:rPr>
+              <a:t>Training</a:t>
+            </a:r>
+          </a:p>
+        </p:txBody>
+      </p:sp>
+    </p:spTree>
+    <p:extLst>
+      <p:ext uri="{BB962C8B-B14F-4D97-AF65-F5344CB8AC3E}">
+        <p14:creationId xmlns:p14="http://schemas.microsoft.com/office/powerpoint/2010/main" val="5907701"/>
+      </p:ext>
+    </p:extLst>
+  </p:cSld>
+  <p:clrMapOvr>
+    <a:masterClrMapping/>
+  </p:clrMapOvr>
+</p:sld>
+</file>
+
+<file path=ppt/slides/slide5.xml><?xml version="1.0" encoding="utf-8"?>
+<p:sld xmlns:a="http://schemas.openxmlformats.org/drawingml/2006/main" xmlns:r="http://schemas.openxmlformats.org/officeDocument/2006/relationships" xmlns:p="http://schemas.openxmlformats.org/presentationml/2006/main">
+  <p:cSld>
+    <p:spTree>
+      <p:nvGrpSpPr>
+        <p:cNvPr id="1" name=""/>
+        <p:cNvGrpSpPr/>
+        <p:nvPr/>
+      </p:nvGrpSpPr>
+      <p:grpSpPr>
+        <a:xfrm>
+          <a:off x="0" y="0"/>
+          <a:ext cx="0" cy="0"/>
+          <a:chOff x="0" y="0"/>
+          <a:chExt cx="0" cy="0"/>
+        </a:xfrm>
+      </p:grpSpPr>
+      <p:pic>
+        <p:nvPicPr>
+          <p:cNvPr id="5" name="Grafik 4" descr="Ein Bild, das Diagramm, Entwurf, Plan, Zeichnung enthält.&#10;&#10;KI-generierte Inhalte können fehlerhaft sein.">
+            <a:extLst>
+              <a:ext uri="{FF2B5EF4-FFF2-40B4-BE49-F238E27FC236}">
+                <a16:creationId xmlns:a16="http://schemas.microsoft.com/office/drawing/2014/main" id="{BDE239AC-DFF5-271F-7C75-71133283FB0A}"/>
+              </a:ext>
+            </a:extLst>
+          </p:cNvPr>
+          <p:cNvPicPr>
+            <a:picLocks noChangeAspect="1"/>
+          </p:cNvPicPr>
+          <p:nvPr/>
+        </p:nvPicPr>
+        <p:blipFill>
+          <a:blip r:embed="rId2">
+            <a:extLst>
+              <a:ext uri="{28A0092B-C50C-407E-A947-70E740481C1C}">
+                <a14:useLocalDpi xmlns:a14="http://schemas.microsoft.com/office/drawing/2010/main" val="0"/>
+              </a:ext>
+            </a:extLst>
+          </a:blip>
+          <a:stretch>
+            <a:fillRect/>
+          </a:stretch>
+        </p:blipFill>
+        <p:spPr>
+          <a:xfrm>
+            <a:off x="0" y="894805"/>
+            <a:ext cx="12192000" cy="5068389"/>
+          </a:xfrm>
+          <a:prstGeom prst="rect">
+            <a:avLst/>
+          </a:prstGeom>
+        </p:spPr>
+      </p:pic>
+      <p:sp>
+        <p:nvSpPr>
+          <p:cNvPr id="6" name="Rechteck 5">
+            <a:extLst>
+              <a:ext uri="{FF2B5EF4-FFF2-40B4-BE49-F238E27FC236}">
+                <a16:creationId xmlns:a16="http://schemas.microsoft.com/office/drawing/2014/main" id="{0385011A-3541-8645-CA23-56A4E8164B49}"/>
+              </a:ext>
+            </a:extLst>
+          </p:cNvPr>
+          <p:cNvSpPr/>
+          <p:nvPr/>
+        </p:nvSpPr>
+        <p:spPr>
+          <a:xfrm>
+            <a:off x="1515498" y="1125192"/>
+            <a:ext cx="1227702" cy="511583"/>
+          </a:xfrm>
+          <a:prstGeom prst="rect">
+            <a:avLst/>
+          </a:prstGeom>
+          <a:solidFill>
+            <a:schemeClr val="bg1"/>
+          </a:solidFill>
+          <a:ln>
+            <a:solidFill>
+              <a:schemeClr val="bg1"/>
+            </a:solidFill>
+          </a:ln>
+        </p:spPr>
+        <p:style>
+          <a:lnRef idx="2">
+            <a:schemeClr val="accent1">
+              <a:shade val="15000"/>
+            </a:schemeClr>
+          </a:lnRef>
+          <a:fillRef idx="1">
+            <a:schemeClr val="accent1"/>
+          </a:fillRef>
+          <a:effectRef idx="0">
+            <a:schemeClr val="accent1"/>
+          </a:effectRef>
+          <a:fontRef idx="minor">
+            <a:schemeClr val="lt1"/>
+          </a:fontRef>
+        </p:style>
+        <p:txBody>
+          <a:bodyPr rtlCol="0" anchor="ctr"/>
+          <a:lstStyle/>
+          <a:p>
+            <a:pPr algn="ctr"/>
+            <a:endParaRPr lang="de-DE" dirty="0"/>
+          </a:p>
+        </p:txBody>
+      </p:sp>
+      <p:sp>
+        <p:nvSpPr>
+          <p:cNvPr id="7" name="Rechteck 6">
+            <a:extLst>
+              <a:ext uri="{FF2B5EF4-FFF2-40B4-BE49-F238E27FC236}">
+                <a16:creationId xmlns:a16="http://schemas.microsoft.com/office/drawing/2014/main" id="{B9711A89-34F1-D06E-95BC-72157294DEC1}"/>
+              </a:ext>
+            </a:extLst>
+          </p:cNvPr>
+          <p:cNvSpPr/>
+          <p:nvPr/>
+        </p:nvSpPr>
+        <p:spPr>
+          <a:xfrm>
+            <a:off x="1515498" y="5279616"/>
+            <a:ext cx="1227702" cy="511583"/>
+          </a:xfrm>
+          <a:prstGeom prst="rect">
+            <a:avLst/>
+          </a:prstGeom>
+          <a:solidFill>
+            <a:schemeClr val="bg1"/>
+          </a:solidFill>
+          <a:ln>
+            <a:solidFill>
+              <a:schemeClr val="bg1"/>
+            </a:solidFill>
+          </a:ln>
+        </p:spPr>
+        <p:style>
+          <a:lnRef idx="2">
+            <a:schemeClr val="accent1">
+              <a:shade val="15000"/>
+            </a:schemeClr>
+          </a:lnRef>
+          <a:fillRef idx="1">
+            <a:schemeClr val="accent1"/>
+          </a:fillRef>
+          <a:effectRef idx="0">
+            <a:schemeClr val="accent1"/>
+          </a:effectRef>
+          <a:fontRef idx="minor">
+            <a:schemeClr val="lt1"/>
+          </a:fontRef>
+        </p:style>
+        <p:txBody>
+          <a:bodyPr rtlCol="0" anchor="ctr"/>
+          <a:lstStyle/>
+          <a:p>
+            <a:pPr algn="ctr"/>
+            <a:endParaRPr lang="de-DE" dirty="0"/>
+          </a:p>
+        </p:txBody>
+      </p:sp>
+      <p:sp>
+        <p:nvSpPr>
+          <p:cNvPr id="8" name="Rechteck 7">
+            <a:extLst>
+              <a:ext uri="{FF2B5EF4-FFF2-40B4-BE49-F238E27FC236}">
+                <a16:creationId xmlns:a16="http://schemas.microsoft.com/office/drawing/2014/main" id="{066F1E1A-22E8-9568-666A-F103C6D284B3}"/>
+              </a:ext>
+            </a:extLst>
+          </p:cNvPr>
+          <p:cNvSpPr/>
+          <p:nvPr/>
+        </p:nvSpPr>
+        <p:spPr>
+          <a:xfrm>
+            <a:off x="5880234" y="5279616"/>
+            <a:ext cx="1227702" cy="511583"/>
+          </a:xfrm>
+          <a:prstGeom prst="rect">
+            <a:avLst/>
+          </a:prstGeom>
+          <a:solidFill>
+            <a:schemeClr val="bg1"/>
+          </a:solidFill>
+          <a:ln>
+            <a:solidFill>
+              <a:schemeClr val="bg1"/>
+            </a:solidFill>
+          </a:ln>
+        </p:spPr>
+        <p:style>
+          <a:lnRef idx="2">
+            <a:schemeClr val="accent1">
+              <a:shade val="15000"/>
+            </a:schemeClr>
+          </a:lnRef>
+          <a:fillRef idx="1">
+            <a:schemeClr val="accent1"/>
+          </a:fillRef>
+          <a:effectRef idx="0">
+            <a:schemeClr val="accent1"/>
+          </a:effectRef>
+          <a:fontRef idx="minor">
+            <a:schemeClr val="lt1"/>
+          </a:fontRef>
+        </p:style>
+        <p:txBody>
+          <a:bodyPr rtlCol="0" anchor="ctr"/>
+          <a:lstStyle/>
+          <a:p>
+            <a:pPr algn="ctr"/>
+            <a:endParaRPr lang="de-DE" dirty="0"/>
+          </a:p>
+        </p:txBody>
+      </p:sp>
+      <p:sp>
+        <p:nvSpPr>
+          <p:cNvPr id="9" name="Rechteck 8">
+            <a:extLst>
+              <a:ext uri="{FF2B5EF4-FFF2-40B4-BE49-F238E27FC236}">
+                <a16:creationId xmlns:a16="http://schemas.microsoft.com/office/drawing/2014/main" id="{7858E639-B422-1356-B458-75B85FC0AD0B}"/>
+              </a:ext>
+            </a:extLst>
+          </p:cNvPr>
+          <p:cNvSpPr/>
+          <p:nvPr/>
+        </p:nvSpPr>
+        <p:spPr>
+          <a:xfrm>
+            <a:off x="5959482" y="1125191"/>
+            <a:ext cx="1227702" cy="511583"/>
+          </a:xfrm>
+          <a:prstGeom prst="rect">
+            <a:avLst/>
+          </a:prstGeom>
+          <a:solidFill>
+            <a:schemeClr val="bg1"/>
+          </a:solidFill>
+          <a:ln>
+            <a:solidFill>
+              <a:schemeClr val="bg1"/>
+            </a:solidFill>
+          </a:ln>
+        </p:spPr>
+        <p:style>
+          <a:lnRef idx="2">
+            <a:schemeClr val="accent1">
+              <a:shade val="15000"/>
+            </a:schemeClr>
+          </a:lnRef>
+          <a:fillRef idx="1">
+            <a:schemeClr val="accent1"/>
+          </a:fillRef>
+          <a:effectRef idx="0">
+            <a:schemeClr val="accent1"/>
+          </a:effectRef>
+          <a:fontRef idx="minor">
+            <a:schemeClr val="lt1"/>
+          </a:fontRef>
+        </p:style>
+        <p:txBody>
+          <a:bodyPr rtlCol="0" anchor="ctr"/>
+          <a:lstStyle/>
+          <a:p>
+            <a:pPr algn="ctr"/>
+            <a:endParaRPr lang="de-DE" dirty="0"/>
+          </a:p>
+        </p:txBody>
+      </p:sp>
+      <p:sp>
+        <p:nvSpPr>
+          <p:cNvPr id="10" name="Rechteck 9">
+            <a:extLst>
+              <a:ext uri="{FF2B5EF4-FFF2-40B4-BE49-F238E27FC236}">
+                <a16:creationId xmlns:a16="http://schemas.microsoft.com/office/drawing/2014/main" id="{C73ECE45-32F6-F4C1-59E1-920C7CBA9E42}"/>
+              </a:ext>
+            </a:extLst>
+          </p:cNvPr>
+          <p:cNvSpPr/>
+          <p:nvPr/>
+        </p:nvSpPr>
+        <p:spPr>
+          <a:xfrm>
+            <a:off x="7632834" y="5017728"/>
+            <a:ext cx="1227702" cy="511583"/>
+          </a:xfrm>
+          <a:prstGeom prst="rect">
+            <a:avLst/>
+          </a:prstGeom>
+          <a:solidFill>
+            <a:schemeClr val="bg1"/>
+          </a:solidFill>
+          <a:ln>
+            <a:solidFill>
+              <a:schemeClr val="bg1"/>
+            </a:solidFill>
+          </a:ln>
+        </p:spPr>
+        <p:style>
+          <a:lnRef idx="2">
+            <a:schemeClr val="accent1">
+              <a:shade val="15000"/>
+            </a:schemeClr>
+          </a:lnRef>
+          <a:fillRef idx="1">
+            <a:schemeClr val="accent1"/>
+          </a:fillRef>
+          <a:effectRef idx="0">
+            <a:schemeClr val="accent1"/>
+          </a:effectRef>
+          <a:fontRef idx="minor">
+            <a:schemeClr val="lt1"/>
+          </a:fontRef>
+        </p:style>
+        <p:txBody>
+          <a:bodyPr rtlCol="0" anchor="ctr"/>
+          <a:lstStyle/>
+          <a:p>
+            <a:pPr algn="ctr"/>
+            <a:endParaRPr lang="de-DE" dirty="0"/>
+          </a:p>
+        </p:txBody>
+      </p:sp>
+      <p:sp>
+        <p:nvSpPr>
+          <p:cNvPr id="11" name="Rechteck 10">
+            <a:extLst>
+              <a:ext uri="{FF2B5EF4-FFF2-40B4-BE49-F238E27FC236}">
+                <a16:creationId xmlns:a16="http://schemas.microsoft.com/office/drawing/2014/main" id="{C55B8BC2-EDB9-AC53-88B3-AF2C2B9EBCD4}"/>
+              </a:ext>
+            </a:extLst>
+          </p:cNvPr>
+          <p:cNvSpPr/>
+          <p:nvPr/>
+        </p:nvSpPr>
+        <p:spPr>
+          <a:xfrm>
+            <a:off x="7632834" y="1364786"/>
+            <a:ext cx="1227702" cy="511583"/>
+          </a:xfrm>
+          <a:prstGeom prst="rect">
+            <a:avLst/>
+          </a:prstGeom>
+          <a:solidFill>
+            <a:schemeClr val="bg1"/>
+          </a:solidFill>
+          <a:ln>
+            <a:solidFill>
+              <a:schemeClr val="bg1"/>
+            </a:solidFill>
+          </a:ln>
+        </p:spPr>
+        <p:style>
+          <a:lnRef idx="2">
+            <a:schemeClr val="accent1">
+              <a:shade val="15000"/>
+            </a:schemeClr>
+          </a:lnRef>
+          <a:fillRef idx="1">
+            <a:schemeClr val="accent1"/>
+          </a:fillRef>
+          <a:effectRef idx="0">
+            <a:schemeClr val="accent1"/>
+          </a:effectRef>
+          <a:fontRef idx="minor">
+            <a:schemeClr val="lt1"/>
+          </a:fontRef>
+        </p:style>
+        <p:txBody>
+          <a:bodyPr rtlCol="0" anchor="ctr"/>
+          <a:lstStyle/>
+          <a:p>
+            <a:pPr algn="ctr"/>
+            <a:endParaRPr lang="de-DE" dirty="0"/>
+          </a:p>
+        </p:txBody>
+      </p:sp>
+      <p:sp>
+        <p:nvSpPr>
+          <p:cNvPr id="12" name="Rechteck 11">
+            <a:extLst>
+              <a:ext uri="{FF2B5EF4-FFF2-40B4-BE49-F238E27FC236}">
+                <a16:creationId xmlns:a16="http://schemas.microsoft.com/office/drawing/2014/main" id="{A59BCA32-4B8E-20FF-7F9D-98D3F0E9FD41}"/>
+              </a:ext>
+            </a:extLst>
+          </p:cNvPr>
+          <p:cNvSpPr/>
+          <p:nvPr/>
+        </p:nvSpPr>
+        <p:spPr>
+          <a:xfrm>
+            <a:off x="3275719" y="4892520"/>
+            <a:ext cx="1227702" cy="511583"/>
+          </a:xfrm>
+          <a:prstGeom prst="rect">
+            <a:avLst/>
+          </a:prstGeom>
+          <a:solidFill>
+            <a:schemeClr val="bg1"/>
+          </a:solidFill>
+          <a:ln>
+            <a:solidFill>
+              <a:schemeClr val="bg1"/>
+            </a:solidFill>
+          </a:ln>
+        </p:spPr>
+        <p:style>
+          <a:lnRef idx="2">
+            <a:schemeClr val="accent1">
+              <a:shade val="15000"/>
+            </a:schemeClr>
+          </a:lnRef>
+          <a:fillRef idx="1">
+            <a:schemeClr val="accent1"/>
+          </a:fillRef>
+          <a:effectRef idx="0">
+            <a:schemeClr val="accent1"/>
+          </a:effectRef>
+          <a:fontRef idx="minor">
+            <a:schemeClr val="lt1"/>
+          </a:fontRef>
+        </p:style>
+        <p:txBody>
+          <a:bodyPr rtlCol="0" anchor="ctr"/>
+          <a:lstStyle/>
+          <a:p>
+            <a:pPr algn="ctr"/>
+            <a:endParaRPr lang="de-DE" dirty="0"/>
+          </a:p>
+        </p:txBody>
+      </p:sp>
+      <p:sp>
+        <p:nvSpPr>
+          <p:cNvPr id="13" name="Rechteck 12">
+            <a:extLst>
+              <a:ext uri="{FF2B5EF4-FFF2-40B4-BE49-F238E27FC236}">
+                <a16:creationId xmlns:a16="http://schemas.microsoft.com/office/drawing/2014/main" id="{4202B069-962D-B6A2-CD6D-4E3B1693BDFD}"/>
+              </a:ext>
+            </a:extLst>
+          </p:cNvPr>
+          <p:cNvSpPr/>
+          <p:nvPr/>
+        </p:nvSpPr>
+        <p:spPr>
+          <a:xfrm>
+            <a:off x="3331465" y="1380982"/>
+            <a:ext cx="1227702" cy="511583"/>
+          </a:xfrm>
+          <a:prstGeom prst="rect">
+            <a:avLst/>
+          </a:prstGeom>
+          <a:solidFill>
+            <a:schemeClr val="bg1"/>
+          </a:solidFill>
+          <a:ln>
+            <a:solidFill>
+              <a:schemeClr val="bg1"/>
+            </a:solidFill>
+          </a:ln>
+        </p:spPr>
+        <p:style>
+          <a:lnRef idx="2">
+            <a:schemeClr val="accent1">
+              <a:shade val="15000"/>
+            </a:schemeClr>
+          </a:lnRef>
+          <a:fillRef idx="1">
+            <a:schemeClr val="accent1"/>
+          </a:fillRef>
+          <a:effectRef idx="0">
+            <a:schemeClr val="accent1"/>
+          </a:effectRef>
+          <a:fontRef idx="minor">
+            <a:schemeClr val="lt1"/>
+          </a:fontRef>
+        </p:style>
+        <p:txBody>
+          <a:bodyPr rtlCol="0" anchor="ctr"/>
+          <a:lstStyle/>
+          <a:p>
+            <a:pPr algn="ctr"/>
+            <a:endParaRPr lang="de-DE" dirty="0"/>
+          </a:p>
+        </p:txBody>
+      </p:sp>
+      <p:sp>
+        <p:nvSpPr>
+          <p:cNvPr id="15" name="Rechteck 14">
+            <a:extLst>
+              <a:ext uri="{FF2B5EF4-FFF2-40B4-BE49-F238E27FC236}">
+                <a16:creationId xmlns:a16="http://schemas.microsoft.com/office/drawing/2014/main" id="{50E9C197-8763-C08B-21DD-2F4416B9D31F}"/>
+              </a:ext>
+            </a:extLst>
+          </p:cNvPr>
+          <p:cNvSpPr/>
+          <p:nvPr/>
+        </p:nvSpPr>
+        <p:spPr>
+          <a:xfrm>
+            <a:off x="10750938" y="3077851"/>
+            <a:ext cx="1227702" cy="511583"/>
+          </a:xfrm>
+          <a:prstGeom prst="rect">
+            <a:avLst/>
+          </a:prstGeom>
+          <a:solidFill>
+            <a:schemeClr val="bg1"/>
+          </a:solidFill>
+          <a:ln>
+            <a:solidFill>
+              <a:schemeClr val="bg1"/>
+            </a:solidFill>
+          </a:ln>
+        </p:spPr>
+        <p:style>
+          <a:lnRef idx="2">
+            <a:schemeClr val="accent1">
+              <a:shade val="15000"/>
+            </a:schemeClr>
+          </a:lnRef>
+          <a:fillRef idx="1">
+            <a:schemeClr val="accent1"/>
+          </a:fillRef>
+          <a:effectRef idx="0">
+            <a:schemeClr val="accent1"/>
+          </a:effectRef>
+          <a:fontRef idx="minor">
+            <a:schemeClr val="lt1"/>
+          </a:fontRef>
+        </p:style>
+        <p:txBody>
+          <a:bodyPr rtlCol="0" anchor="ctr"/>
+          <a:lstStyle/>
+          <a:p>
+            <a:pPr algn="ctr"/>
+            <a:endParaRPr lang="de-DE" dirty="0"/>
+          </a:p>
+        </p:txBody>
+      </p:sp>
+    </p:spTree>
+    <p:extLst>
+      <p:ext uri="{BB962C8B-B14F-4D97-AF65-F5344CB8AC3E}">
+        <p14:creationId xmlns:p14="http://schemas.microsoft.com/office/powerpoint/2010/main" val="2523386573"/>
+      </p:ext>
+    </p:extLst>
+  </p:cSld>
+  <p:clrMapOvr>
+    <a:masterClrMapping/>
+  </p:clrMapOvr>
+</p:sld>
+</file>
+
+<file path=ppt/slides/slide6.xml><?xml version="1.0" encoding="utf-8"?>
+<p:sld xmlns:a="http://schemas.openxmlformats.org/drawingml/2006/main" xmlns:r="http://schemas.openxmlformats.org/officeDocument/2006/relationships" xmlns:p="http://schemas.openxmlformats.org/presentationml/2006/main">
+  <p:cSld>
+    <p:spTree>
+      <p:nvGrpSpPr>
+        <p:cNvPr id="1" name=""/>
+        <p:cNvGrpSpPr/>
+        <p:nvPr/>
+      </p:nvGrpSpPr>
+      <p:grpSpPr>
+        <a:xfrm>
+          <a:off x="0" y="0"/>
+          <a:ext cx="0" cy="0"/>
+          <a:chOff x="0" y="0"/>
+          <a:chExt cx="0" cy="0"/>
+        </a:xfrm>
+      </p:grpSpPr>
+      <p:pic>
+        <p:nvPicPr>
+          <p:cNvPr id="5" name="Grafik 4">
+            <a:extLst>
+              <a:ext uri="{FF2B5EF4-FFF2-40B4-BE49-F238E27FC236}">
+                <a16:creationId xmlns:a16="http://schemas.microsoft.com/office/drawing/2014/main" id="{9812D349-7C41-E208-F24D-41DAFB7B51BA}"/>
+              </a:ext>
+            </a:extLst>
+          </p:cNvPr>
+          <p:cNvPicPr>
+            <a:picLocks noChangeAspect="1"/>
+          </p:cNvPicPr>
+          <p:nvPr/>
+        </p:nvPicPr>
+        <p:blipFill>
+          <a:blip r:embed="rId2"/>
+          <a:stretch>
+            <a:fillRect/>
+          </a:stretch>
+        </p:blipFill>
+        <p:spPr>
+          <a:xfrm>
+            <a:off x="0" y="737558"/>
+            <a:ext cx="12192000" cy="5382883"/>
+          </a:xfrm>
+          <a:prstGeom prst="rect">
+            <a:avLst/>
+          </a:prstGeom>
+        </p:spPr>
+      </p:pic>
+      <mc:AlternateContent xmlns:mc="http://schemas.openxmlformats.org/markup-compatibility/2006">
+        <mc:Choice xmlns:a14="http://schemas.microsoft.com/office/drawing/2010/main" Requires="a14">
+          <p:sp>
+            <p:nvSpPr>
+              <p:cNvPr id="6" name="Textfeld 5">
+                <a:extLst>
+                  <a:ext uri="{FF2B5EF4-FFF2-40B4-BE49-F238E27FC236}">
+                    <a16:creationId xmlns:a16="http://schemas.microsoft.com/office/drawing/2014/main" id="{E3831B98-E437-5992-09B1-AF11FEFA2F83}"/>
+                  </a:ext>
+                </a:extLst>
+              </p:cNvPr>
+              <p:cNvSpPr txBox="1"/>
+              <p:nvPr/>
+            </p:nvSpPr>
+            <p:spPr>
+              <a:xfrm>
+                <a:off x="5969588" y="1008246"/>
+                <a:ext cx="1229760" cy="553998"/>
+              </a:xfrm>
+              <a:prstGeom prst="rect">
+                <a:avLst/>
+              </a:prstGeom>
+              <a:noFill/>
+            </p:spPr>
+            <p:txBody>
+              <a:bodyPr wrap="none" lIns="0" tIns="0" rIns="0" bIns="0" rtlCol="0">
+                <a:spAutoFit/>
+              </a:bodyPr>
+              <a:lstStyle/>
+              <a:p>
+                <a14:m>
+                  <m:oMathPara xmlns:m="http://schemas.openxmlformats.org/officeDocument/2006/math">
+                    <m:oMathParaPr>
+                      <m:jc m:val="centerGroup"/>
+                    </m:oMathParaPr>
+                    <m:oMath xmlns:m="http://schemas.openxmlformats.org/officeDocument/2006/math">
+                      <m:sSub>
+                        <m:sSubPr>
+                          <m:ctrlPr>
+                            <a:rPr lang="de-DE" b="0" i="1" smtClean="0">
+                              <a:latin typeface="Cambria Math" panose="02040503050406030204" pitchFamily="18" charset="0"/>
+                            </a:rPr>
+                          </m:ctrlPr>
+                        </m:sSubPr>
+                        <m:e>
+                          <m:r>
+                            <a:rPr lang="de-DE" b="0" i="1" smtClean="0">
+                              <a:latin typeface="Cambria Math" panose="02040503050406030204" pitchFamily="18" charset="0"/>
+                            </a:rPr>
+                            <m:t>𝑎</m:t>
+                          </m:r>
+                        </m:e>
+                        <m:sub>
+                          <m:r>
+                            <a:rPr lang="de-DE" b="0" i="1" smtClean="0">
+                              <a:latin typeface="Cambria Math" panose="02040503050406030204" pitchFamily="18" charset="0"/>
+                            </a:rPr>
+                            <m:t>0</m:t>
+                          </m:r>
+                        </m:sub>
+                      </m:sSub>
+                      <m:r>
+                        <a:rPr lang="de-DE" b="0" i="1" smtClean="0">
+                          <a:latin typeface="Cambria Math" panose="02040503050406030204" pitchFamily="18" charset="0"/>
+                        </a:rPr>
+                        <m:t>=</m:t>
+                      </m:r>
+                      <m:r>
+                        <a:rPr lang="de-DE" b="0" i="1" smtClean="0">
+                          <a:latin typeface="Cambria Math" panose="02040503050406030204" pitchFamily="18" charset="0"/>
+                        </a:rPr>
+                        <m:t>𝐴</m:t>
+                      </m:r>
+                      <m:r>
+                        <a:rPr lang="de-DE" b="0" i="1" smtClean="0">
+                          <a:latin typeface="Cambria Math" panose="02040503050406030204" pitchFamily="18" charset="0"/>
+                        </a:rPr>
+                        <m:t>: 0.7</m:t>
+                      </m:r>
+                    </m:oMath>
+                    <m:oMath xmlns:m="http://schemas.openxmlformats.org/officeDocument/2006/math">
+                      <m:sSub>
+                        <m:sSubPr>
+                          <m:ctrlPr>
+                            <a:rPr lang="de-DE" b="0" i="1" smtClean="0">
+                              <a:latin typeface="Cambria Math" panose="02040503050406030204" pitchFamily="18" charset="0"/>
+                            </a:rPr>
+                          </m:ctrlPr>
+                        </m:sSubPr>
+                        <m:e>
+                          <m:r>
+                            <a:rPr lang="de-DE" b="0" i="1" smtClean="0">
+                              <a:latin typeface="Cambria Math" panose="02040503050406030204" pitchFamily="18" charset="0"/>
+                            </a:rPr>
+                            <m:t>𝑎</m:t>
+                          </m:r>
+                        </m:e>
+                        <m:sub>
+                          <m:r>
+                            <a:rPr lang="de-DE" b="0" i="1" smtClean="0">
+                              <a:latin typeface="Cambria Math" panose="02040503050406030204" pitchFamily="18" charset="0"/>
+                            </a:rPr>
+                            <m:t>0</m:t>
+                          </m:r>
+                        </m:sub>
+                      </m:sSub>
+                      <m:r>
+                        <a:rPr lang="de-DE" b="0" i="0" smtClean="0">
+                          <a:latin typeface="Cambria Math" panose="02040503050406030204" pitchFamily="18" charset="0"/>
+                        </a:rPr>
+                        <m:t>=</m:t>
+                      </m:r>
+                      <m:r>
+                        <m:rPr>
+                          <m:sty m:val="p"/>
+                        </m:rPr>
+                        <a:rPr lang="de-DE" b="0" i="0" smtClean="0">
+                          <a:latin typeface="Cambria Math" panose="02040503050406030204" pitchFamily="18" charset="0"/>
+                        </a:rPr>
+                        <m:t>B</m:t>
+                      </m:r>
+                      <m:r>
+                        <a:rPr lang="de-DE" b="0" i="0" smtClean="0">
+                          <a:latin typeface="Cambria Math" panose="02040503050406030204" pitchFamily="18" charset="0"/>
+                        </a:rPr>
+                        <m:t>: 0.3</m:t>
+                      </m:r>
+                    </m:oMath>
+                  </m:oMathPara>
+                </a14:m>
+                <a:endParaRPr lang="de-DE" b="0" dirty="0"/>
+              </a:p>
+            </p:txBody>
+          </p:sp>
+        </mc:Choice>
+        <mc:Fallback>
+          <p:sp>
+            <p:nvSpPr>
+              <p:cNvPr id="6" name="Textfeld 5">
+                <a:extLst>
+                  <a:ext uri="{FF2B5EF4-FFF2-40B4-BE49-F238E27FC236}">
+                    <a16:creationId xmlns:a16="http://schemas.microsoft.com/office/drawing/2014/main" id="{E3831B98-E437-5992-09B1-AF11FEFA2F83}"/>
+                  </a:ext>
+                </a:extLst>
+              </p:cNvPr>
+              <p:cNvSpPr txBox="1">
+                <a:spLocks noRot="1" noChangeAspect="1" noMove="1" noResize="1" noEditPoints="1" noAdjustHandles="1" noChangeArrowheads="1" noChangeShapeType="1" noTextEdit="1"/>
+              </p:cNvSpPr>
+              <p:nvPr/>
+            </p:nvSpPr>
+            <p:spPr>
+              <a:xfrm>
+                <a:off x="5969588" y="1008246"/>
+                <a:ext cx="1229760" cy="553998"/>
+              </a:xfrm>
+              <a:prstGeom prst="rect">
+                <a:avLst/>
+              </a:prstGeom>
+              <a:blipFill>
+                <a:blip r:embed="rId3"/>
+                <a:stretch>
+                  <a:fillRect l="-990" r="-2970" b="-7692"/>
+                </a:stretch>
+              </a:blipFill>
+            </p:spPr>
+            <p:txBody>
+              <a:bodyPr/>
+              <a:lstStyle/>
+              <a:p>
+                <a:r>
+                  <a:rPr lang="de-DE">
+                    <a:noFill/>
+                  </a:rPr>
+                  <a:t> </a:t>
+                </a:r>
+              </a:p>
+            </p:txBody>
+          </p:sp>
+        </mc:Fallback>
+      </mc:AlternateContent>
+      <mc:AlternateContent xmlns:mc="http://schemas.openxmlformats.org/markup-compatibility/2006">
+        <mc:Choice xmlns:a14="http://schemas.microsoft.com/office/drawing/2010/main" Requires="a14">
+          <p:sp>
+            <p:nvSpPr>
+              <p:cNvPr id="7" name="Textfeld 6">
+                <a:extLst>
+                  <a:ext uri="{FF2B5EF4-FFF2-40B4-BE49-F238E27FC236}">
+                    <a16:creationId xmlns:a16="http://schemas.microsoft.com/office/drawing/2014/main" id="{B9FF3A14-B4B7-F23C-5FE3-E32707B971A5}"/>
+                  </a:ext>
+                </a:extLst>
+              </p:cNvPr>
+              <p:cNvSpPr txBox="1"/>
+              <p:nvPr/>
+            </p:nvSpPr>
+            <p:spPr>
+              <a:xfrm>
+                <a:off x="1577420" y="1008246"/>
+                <a:ext cx="1229760" cy="553998"/>
+              </a:xfrm>
+              <a:prstGeom prst="rect">
+                <a:avLst/>
+              </a:prstGeom>
+              <a:noFill/>
+            </p:spPr>
+            <p:txBody>
+              <a:bodyPr wrap="none" lIns="0" tIns="0" rIns="0" bIns="0" rtlCol="0">
+                <a:spAutoFit/>
+              </a:bodyPr>
+              <a:lstStyle/>
+              <a:p>
+                <a14:m>
+                  <m:oMathPara xmlns:m="http://schemas.openxmlformats.org/officeDocument/2006/math">
+                    <m:oMathParaPr>
+                      <m:jc m:val="centerGroup"/>
+                    </m:oMathParaPr>
+                    <m:oMath xmlns:m="http://schemas.openxmlformats.org/officeDocument/2006/math">
+                      <m:sSub>
+                        <m:sSubPr>
+                          <m:ctrlPr>
+                            <a:rPr lang="de-DE" b="0" i="1" smtClean="0">
+                              <a:latin typeface="Cambria Math" panose="02040503050406030204" pitchFamily="18" charset="0"/>
+                            </a:rPr>
+                          </m:ctrlPr>
+                        </m:sSubPr>
+                        <m:e>
+                          <m:r>
+                            <a:rPr lang="de-DE" b="0" i="1" smtClean="0">
+                              <a:latin typeface="Cambria Math" panose="02040503050406030204" pitchFamily="18" charset="0"/>
+                            </a:rPr>
+                            <m:t>𝑎</m:t>
+                          </m:r>
+                        </m:e>
+                        <m:sub>
+                          <m:r>
+                            <a:rPr lang="de-DE" b="0" i="1" smtClean="0">
+                              <a:latin typeface="Cambria Math" panose="02040503050406030204" pitchFamily="18" charset="0"/>
+                            </a:rPr>
+                            <m:t>0</m:t>
+                          </m:r>
+                        </m:sub>
+                      </m:sSub>
+                      <m:r>
+                        <a:rPr lang="de-DE" b="0" i="1" smtClean="0">
+                          <a:latin typeface="Cambria Math" panose="02040503050406030204" pitchFamily="18" charset="0"/>
+                        </a:rPr>
+                        <m:t>=</m:t>
+                      </m:r>
+                      <m:r>
+                        <a:rPr lang="de-DE" b="0" i="1" smtClean="0">
+                          <a:latin typeface="Cambria Math" panose="02040503050406030204" pitchFamily="18" charset="0"/>
+                        </a:rPr>
+                        <m:t>𝐴</m:t>
+                      </m:r>
+                      <m:r>
+                        <a:rPr lang="de-DE" b="0" i="1" smtClean="0">
+                          <a:latin typeface="Cambria Math" panose="02040503050406030204" pitchFamily="18" charset="0"/>
+                        </a:rPr>
+                        <m:t>: 0.7</m:t>
+                      </m:r>
+                    </m:oMath>
+                    <m:oMath xmlns:m="http://schemas.openxmlformats.org/officeDocument/2006/math">
+                      <m:sSub>
+                        <m:sSubPr>
+                          <m:ctrlPr>
+                            <a:rPr lang="de-DE" b="0" i="1" smtClean="0">
+                              <a:latin typeface="Cambria Math" panose="02040503050406030204" pitchFamily="18" charset="0"/>
+                            </a:rPr>
+                          </m:ctrlPr>
+                        </m:sSubPr>
+                        <m:e>
+                          <m:r>
+                            <a:rPr lang="de-DE" b="0" i="1" smtClean="0">
+                              <a:latin typeface="Cambria Math" panose="02040503050406030204" pitchFamily="18" charset="0"/>
+                            </a:rPr>
+                            <m:t>𝑎</m:t>
+                          </m:r>
+                        </m:e>
+                        <m:sub>
+                          <m:r>
+                            <a:rPr lang="de-DE" b="0" i="1" smtClean="0">
+                              <a:latin typeface="Cambria Math" panose="02040503050406030204" pitchFamily="18" charset="0"/>
+                            </a:rPr>
+                            <m:t>0</m:t>
+                          </m:r>
+                        </m:sub>
+                      </m:sSub>
+                      <m:r>
+                        <a:rPr lang="de-DE" b="0" i="0" smtClean="0">
+                          <a:latin typeface="Cambria Math" panose="02040503050406030204" pitchFamily="18" charset="0"/>
+                        </a:rPr>
+                        <m:t>=</m:t>
+                      </m:r>
+                      <m:r>
+                        <m:rPr>
+                          <m:sty m:val="p"/>
+                        </m:rPr>
+                        <a:rPr lang="de-DE" b="0" i="0" smtClean="0">
+                          <a:latin typeface="Cambria Math" panose="02040503050406030204" pitchFamily="18" charset="0"/>
+                        </a:rPr>
+                        <m:t>B</m:t>
+                      </m:r>
+                      <m:r>
+                        <a:rPr lang="de-DE" b="0" i="0" smtClean="0">
+                          <a:latin typeface="Cambria Math" panose="02040503050406030204" pitchFamily="18" charset="0"/>
+                        </a:rPr>
+                        <m:t>: 0.3</m:t>
+                      </m:r>
+                    </m:oMath>
+                  </m:oMathPara>
+                </a14:m>
+                <a:endParaRPr lang="de-DE" b="0" dirty="0"/>
+              </a:p>
+            </p:txBody>
+          </p:sp>
+        </mc:Choice>
+        <mc:Fallback>
+          <p:sp>
+            <p:nvSpPr>
+              <p:cNvPr id="7" name="Textfeld 6">
+                <a:extLst>
+                  <a:ext uri="{FF2B5EF4-FFF2-40B4-BE49-F238E27FC236}">
+                    <a16:creationId xmlns:a16="http://schemas.microsoft.com/office/drawing/2014/main" id="{B9FF3A14-B4B7-F23C-5FE3-E32707B971A5}"/>
+                  </a:ext>
+                </a:extLst>
+              </p:cNvPr>
+              <p:cNvSpPr txBox="1">
+                <a:spLocks noRot="1" noChangeAspect="1" noMove="1" noResize="1" noEditPoints="1" noAdjustHandles="1" noChangeArrowheads="1" noChangeShapeType="1" noTextEdit="1"/>
+              </p:cNvSpPr>
+              <p:nvPr/>
+            </p:nvSpPr>
+            <p:spPr>
+              <a:xfrm>
+                <a:off x="1577420" y="1008246"/>
+                <a:ext cx="1229760" cy="553998"/>
+              </a:xfrm>
+              <a:prstGeom prst="rect">
+                <a:avLst/>
+              </a:prstGeom>
+              <a:blipFill>
+                <a:blip r:embed="rId4"/>
+                <a:stretch>
+                  <a:fillRect l="-995" r="-2985" b="-7692"/>
+                </a:stretch>
+              </a:blipFill>
+            </p:spPr>
+            <p:txBody>
+              <a:bodyPr/>
+              <a:lstStyle/>
+              <a:p>
+                <a:r>
+                  <a:rPr lang="de-DE">
+                    <a:noFill/>
+                  </a:rPr>
+                  <a:t> </a:t>
+                </a:r>
+              </a:p>
+            </p:txBody>
+          </p:sp>
+        </mc:Fallback>
+      </mc:AlternateContent>
+      <mc:AlternateContent xmlns:mc="http://schemas.openxmlformats.org/markup-compatibility/2006">
+        <mc:Choice xmlns:a14="http://schemas.microsoft.com/office/drawing/2010/main" Requires="a14">
+          <p:sp>
+            <p:nvSpPr>
+              <p:cNvPr id="8" name="Textfeld 7">
+                <a:extLst>
+                  <a:ext uri="{FF2B5EF4-FFF2-40B4-BE49-F238E27FC236}">
+                    <a16:creationId xmlns:a16="http://schemas.microsoft.com/office/drawing/2014/main" id="{6ED81C3D-1D1E-3870-9CBC-8DF023C04CC8}"/>
+                  </a:ext>
+                </a:extLst>
+              </p:cNvPr>
+              <p:cNvSpPr txBox="1"/>
+              <p:nvPr/>
+            </p:nvSpPr>
+            <p:spPr>
+              <a:xfrm>
+                <a:off x="1577420" y="5202294"/>
+                <a:ext cx="1179747" cy="553998"/>
+              </a:xfrm>
+              <a:prstGeom prst="rect">
+                <a:avLst/>
+              </a:prstGeom>
+              <a:noFill/>
+            </p:spPr>
+            <p:txBody>
+              <a:bodyPr wrap="none" lIns="0" tIns="0" rIns="0" bIns="0" rtlCol="0">
+                <a:spAutoFit/>
+              </a:bodyPr>
+              <a:lstStyle/>
+              <a:p>
+                <a14:m>
+                  <m:oMathPara xmlns:m="http://schemas.openxmlformats.org/officeDocument/2006/math">
+                    <m:oMathParaPr>
+                      <m:jc m:val="centerGroup"/>
+                    </m:oMathParaPr>
+                    <m:oMath xmlns:m="http://schemas.openxmlformats.org/officeDocument/2006/math">
+                      <m:sSub>
+                        <m:sSubPr>
+                          <m:ctrlPr>
+                            <a:rPr lang="de-DE" b="0" i="1" smtClean="0">
+                              <a:latin typeface="Cambria Math" panose="02040503050406030204" pitchFamily="18" charset="0"/>
+                            </a:rPr>
+                          </m:ctrlPr>
+                        </m:sSubPr>
+                        <m:e>
+                          <m:r>
+                            <a:rPr lang="de-DE" b="0" i="1" smtClean="0">
+                              <a:latin typeface="Cambria Math" panose="02040503050406030204" pitchFamily="18" charset="0"/>
+                            </a:rPr>
+                            <m:t>𝑎</m:t>
+                          </m:r>
+                        </m:e>
+                        <m:sub>
+                          <m:r>
+                            <a:rPr lang="de-DE" b="0" i="1" smtClean="0">
+                              <a:latin typeface="Cambria Math" panose="02040503050406030204" pitchFamily="18" charset="0"/>
+                            </a:rPr>
+                            <m:t>0</m:t>
+                          </m:r>
+                        </m:sub>
+                      </m:sSub>
+                      <m:r>
+                        <a:rPr lang="de-DE" b="0" i="1" smtClean="0">
+                          <a:latin typeface="Cambria Math" panose="02040503050406030204" pitchFamily="18" charset="0"/>
+                        </a:rPr>
+                        <m:t>=</m:t>
+                      </m:r>
+                      <m:r>
+                        <a:rPr lang="de-DE" b="0" i="1" smtClean="0">
+                          <a:latin typeface="Cambria Math" panose="02040503050406030204" pitchFamily="18" charset="0"/>
+                        </a:rPr>
+                        <m:t>𝐴</m:t>
+                      </m:r>
+                      <m:r>
+                        <a:rPr lang="de-DE" b="0" i="1" smtClean="0">
+                          <a:latin typeface="Cambria Math" panose="02040503050406030204" pitchFamily="18" charset="0"/>
+                        </a:rPr>
+                        <m:t>: 0.3</m:t>
+                      </m:r>
+                    </m:oMath>
+                    <m:oMath xmlns:m="http://schemas.openxmlformats.org/officeDocument/2006/math">
+                      <m:sSub>
+                        <m:sSubPr>
+                          <m:ctrlPr>
+                            <a:rPr lang="de-DE" b="0" i="1" smtClean="0">
+                              <a:latin typeface="Cambria Math" panose="02040503050406030204" pitchFamily="18" charset="0"/>
+                            </a:rPr>
+                          </m:ctrlPr>
+                        </m:sSubPr>
+                        <m:e>
+                          <m:r>
+                            <a:rPr lang="de-DE" b="0" i="1" smtClean="0">
+                              <a:latin typeface="Cambria Math" panose="02040503050406030204" pitchFamily="18" charset="0"/>
+                            </a:rPr>
+                            <m:t>𝑎</m:t>
+                          </m:r>
+                        </m:e>
+                        <m:sub>
+                          <m:r>
+                            <a:rPr lang="de-DE" b="0" i="1" smtClean="0">
+                              <a:latin typeface="Cambria Math" panose="02040503050406030204" pitchFamily="18" charset="0"/>
+                            </a:rPr>
+                            <m:t>0</m:t>
+                          </m:r>
+                        </m:sub>
+                      </m:sSub>
+                      <m:r>
+                        <a:rPr lang="de-DE" b="0" i="0" smtClean="0">
+                          <a:latin typeface="Cambria Math" panose="02040503050406030204" pitchFamily="18" charset="0"/>
+                        </a:rPr>
+                        <m:t>=</m:t>
+                      </m:r>
+                      <m:r>
+                        <m:rPr>
+                          <m:sty m:val="p"/>
+                        </m:rPr>
+                        <a:rPr lang="de-DE" b="0" i="0" smtClean="0">
+                          <a:latin typeface="Cambria Math" panose="02040503050406030204" pitchFamily="18" charset="0"/>
+                        </a:rPr>
+                        <m:t>B</m:t>
+                      </m:r>
+                      <m:r>
+                        <a:rPr lang="de-DE" b="0" i="0" smtClean="0">
+                          <a:latin typeface="Cambria Math" panose="02040503050406030204" pitchFamily="18" charset="0"/>
+                        </a:rPr>
+                        <m:t>: 0.7</m:t>
+                      </m:r>
+                    </m:oMath>
+                  </m:oMathPara>
+                </a14:m>
+                <a:endParaRPr lang="de-DE" b="0" dirty="0"/>
+              </a:p>
+            </p:txBody>
+          </p:sp>
+        </mc:Choice>
+        <mc:Fallback>
+          <p:sp>
+            <p:nvSpPr>
+              <p:cNvPr id="8" name="Textfeld 7">
+                <a:extLst>
+                  <a:ext uri="{FF2B5EF4-FFF2-40B4-BE49-F238E27FC236}">
+                    <a16:creationId xmlns:a16="http://schemas.microsoft.com/office/drawing/2014/main" id="{6ED81C3D-1D1E-3870-9CBC-8DF023C04CC8}"/>
+                  </a:ext>
+                </a:extLst>
+              </p:cNvPr>
+              <p:cNvSpPr txBox="1">
+                <a:spLocks noRot="1" noChangeAspect="1" noMove="1" noResize="1" noEditPoints="1" noAdjustHandles="1" noChangeArrowheads="1" noChangeShapeType="1" noTextEdit="1"/>
+              </p:cNvSpPr>
+              <p:nvPr/>
+            </p:nvSpPr>
+            <p:spPr>
+              <a:xfrm>
+                <a:off x="1577420" y="5202294"/>
+                <a:ext cx="1179747" cy="553998"/>
+              </a:xfrm>
+              <a:prstGeom prst="rect">
+                <a:avLst/>
+              </a:prstGeom>
+              <a:blipFill>
+                <a:blip r:embed="rId5"/>
+                <a:stretch>
+                  <a:fillRect l="-3109" r="-5181" b="-7692"/>
+                </a:stretch>
+              </a:blipFill>
+            </p:spPr>
+            <p:txBody>
+              <a:bodyPr/>
+              <a:lstStyle/>
+              <a:p>
+                <a:r>
+                  <a:rPr lang="de-DE">
+                    <a:noFill/>
+                  </a:rPr>
+                  <a:t> </a:t>
+                </a:r>
+              </a:p>
+            </p:txBody>
+          </p:sp>
+        </mc:Fallback>
+      </mc:AlternateContent>
+      <mc:AlternateContent xmlns:mc="http://schemas.openxmlformats.org/markup-compatibility/2006">
+        <mc:Choice xmlns:a14="http://schemas.microsoft.com/office/drawing/2010/main" Requires="a14">
+          <p:sp>
+            <p:nvSpPr>
+              <p:cNvPr id="9" name="Textfeld 8">
+                <a:extLst>
+                  <a:ext uri="{FF2B5EF4-FFF2-40B4-BE49-F238E27FC236}">
+                    <a16:creationId xmlns:a16="http://schemas.microsoft.com/office/drawing/2014/main" id="{EDB78627-66DA-9742-33FE-7781CFDCE1F3}"/>
+                  </a:ext>
+                </a:extLst>
+              </p:cNvPr>
+              <p:cNvSpPr txBox="1"/>
+              <p:nvPr/>
+            </p:nvSpPr>
+            <p:spPr>
+              <a:xfrm>
+                <a:off x="5969588" y="5202294"/>
+                <a:ext cx="1179747" cy="553998"/>
+              </a:xfrm>
+              <a:prstGeom prst="rect">
+                <a:avLst/>
+              </a:prstGeom>
+              <a:noFill/>
+            </p:spPr>
+            <p:txBody>
+              <a:bodyPr wrap="none" lIns="0" tIns="0" rIns="0" bIns="0" rtlCol="0">
+                <a:spAutoFit/>
+              </a:bodyPr>
+              <a:lstStyle/>
+              <a:p>
+                <a14:m>
+                  <m:oMathPara xmlns:m="http://schemas.openxmlformats.org/officeDocument/2006/math">
+                    <m:oMathParaPr>
+                      <m:jc m:val="centerGroup"/>
+                    </m:oMathParaPr>
+                    <m:oMath xmlns:m="http://schemas.openxmlformats.org/officeDocument/2006/math">
+                      <m:sSub>
+                        <m:sSubPr>
+                          <m:ctrlPr>
+                            <a:rPr lang="de-DE" b="0" i="1" smtClean="0">
+                              <a:latin typeface="Cambria Math" panose="02040503050406030204" pitchFamily="18" charset="0"/>
+                            </a:rPr>
+                          </m:ctrlPr>
+                        </m:sSubPr>
+                        <m:e>
+                          <m:r>
+                            <a:rPr lang="de-DE" b="0" i="1" smtClean="0">
+                              <a:latin typeface="Cambria Math" panose="02040503050406030204" pitchFamily="18" charset="0"/>
+                            </a:rPr>
+                            <m:t>𝑎</m:t>
+                          </m:r>
+                        </m:e>
+                        <m:sub>
+                          <m:r>
+                            <a:rPr lang="de-DE" b="0" i="1" smtClean="0">
+                              <a:latin typeface="Cambria Math" panose="02040503050406030204" pitchFamily="18" charset="0"/>
+                            </a:rPr>
+                            <m:t>0</m:t>
+                          </m:r>
+                        </m:sub>
+                      </m:sSub>
+                      <m:r>
+                        <a:rPr lang="de-DE" b="0" i="1" smtClean="0">
+                          <a:latin typeface="Cambria Math" panose="02040503050406030204" pitchFamily="18" charset="0"/>
+                        </a:rPr>
+                        <m:t>=</m:t>
+                      </m:r>
+                      <m:r>
+                        <a:rPr lang="de-DE" b="0" i="1" smtClean="0">
+                          <a:latin typeface="Cambria Math" panose="02040503050406030204" pitchFamily="18" charset="0"/>
+                        </a:rPr>
+                        <m:t>𝐴</m:t>
+                      </m:r>
+                      <m:r>
+                        <a:rPr lang="de-DE" b="0" i="1" smtClean="0">
+                          <a:latin typeface="Cambria Math" panose="02040503050406030204" pitchFamily="18" charset="0"/>
+                        </a:rPr>
+                        <m:t>: 0.3</m:t>
+                      </m:r>
+                    </m:oMath>
+                    <m:oMath xmlns:m="http://schemas.openxmlformats.org/officeDocument/2006/math">
+                      <m:sSub>
+                        <m:sSubPr>
+                          <m:ctrlPr>
+                            <a:rPr lang="de-DE" b="0" i="1" smtClean="0">
+                              <a:latin typeface="Cambria Math" panose="02040503050406030204" pitchFamily="18" charset="0"/>
+                            </a:rPr>
+                          </m:ctrlPr>
+                        </m:sSubPr>
+                        <m:e>
+                          <m:r>
+                            <a:rPr lang="de-DE" b="0" i="1" smtClean="0">
+                              <a:latin typeface="Cambria Math" panose="02040503050406030204" pitchFamily="18" charset="0"/>
+                            </a:rPr>
+                            <m:t>𝑎</m:t>
+                          </m:r>
+                        </m:e>
+                        <m:sub>
+                          <m:r>
+                            <a:rPr lang="de-DE" b="0" i="1" smtClean="0">
+                              <a:latin typeface="Cambria Math" panose="02040503050406030204" pitchFamily="18" charset="0"/>
+                            </a:rPr>
+                            <m:t>0</m:t>
+                          </m:r>
+                        </m:sub>
+                      </m:sSub>
+                      <m:r>
+                        <a:rPr lang="de-DE" b="0" i="0" smtClean="0">
+                          <a:latin typeface="Cambria Math" panose="02040503050406030204" pitchFamily="18" charset="0"/>
+                        </a:rPr>
+                        <m:t>=</m:t>
+                      </m:r>
+                      <m:r>
+                        <m:rPr>
+                          <m:sty m:val="p"/>
+                        </m:rPr>
+                        <a:rPr lang="de-DE" b="0" i="0" smtClean="0">
+                          <a:latin typeface="Cambria Math" panose="02040503050406030204" pitchFamily="18" charset="0"/>
+                        </a:rPr>
+                        <m:t>B</m:t>
+                      </m:r>
+                      <m:r>
+                        <a:rPr lang="de-DE" b="0" i="0" smtClean="0">
+                          <a:latin typeface="Cambria Math" panose="02040503050406030204" pitchFamily="18" charset="0"/>
+                        </a:rPr>
+                        <m:t>: 0.7</m:t>
+                      </m:r>
+                    </m:oMath>
+                  </m:oMathPara>
+                </a14:m>
+                <a:endParaRPr lang="de-DE" b="0" dirty="0"/>
+              </a:p>
+            </p:txBody>
+          </p:sp>
+        </mc:Choice>
+        <mc:Fallback>
+          <p:sp>
+            <p:nvSpPr>
+              <p:cNvPr id="9" name="Textfeld 8">
+                <a:extLst>
+                  <a:ext uri="{FF2B5EF4-FFF2-40B4-BE49-F238E27FC236}">
+                    <a16:creationId xmlns:a16="http://schemas.microsoft.com/office/drawing/2014/main" id="{EDB78627-66DA-9742-33FE-7781CFDCE1F3}"/>
+                  </a:ext>
+                </a:extLst>
+              </p:cNvPr>
+              <p:cNvSpPr txBox="1">
+                <a:spLocks noRot="1" noChangeAspect="1" noMove="1" noResize="1" noEditPoints="1" noAdjustHandles="1" noChangeArrowheads="1" noChangeShapeType="1" noTextEdit="1"/>
+              </p:cNvSpPr>
+              <p:nvPr/>
+            </p:nvSpPr>
+            <p:spPr>
+              <a:xfrm>
+                <a:off x="5969588" y="5202294"/>
+                <a:ext cx="1179747" cy="553998"/>
+              </a:xfrm>
+              <a:prstGeom prst="rect">
+                <a:avLst/>
+              </a:prstGeom>
+              <a:blipFill>
+                <a:blip r:embed="rId6"/>
+                <a:stretch>
+                  <a:fillRect l="-3093" r="-5155" b="-7692"/>
+                </a:stretch>
+              </a:blipFill>
+            </p:spPr>
+            <p:txBody>
+              <a:bodyPr/>
+              <a:lstStyle/>
+              <a:p>
+                <a:r>
+                  <a:rPr lang="de-DE">
+                    <a:noFill/>
+                  </a:rPr>
+                  <a:t> </a:t>
+                </a:r>
+              </a:p>
+            </p:txBody>
+          </p:sp>
+        </mc:Fallback>
+      </mc:AlternateContent>
+      <p:sp>
+        <p:nvSpPr>
+          <p:cNvPr id="10" name="Textfeld 9">
+            <a:extLst>
+              <a:ext uri="{FF2B5EF4-FFF2-40B4-BE49-F238E27FC236}">
+                <a16:creationId xmlns:a16="http://schemas.microsoft.com/office/drawing/2014/main" id="{2D989055-3B96-C24E-9A27-793310395CC1}"/>
+              </a:ext>
+            </a:extLst>
+          </p:cNvPr>
+          <p:cNvSpPr txBox="1"/>
+          <p:nvPr/>
+        </p:nvSpPr>
+        <p:spPr>
+          <a:xfrm>
+            <a:off x="681137" y="3234296"/>
+            <a:ext cx="512063" cy="307777"/>
+          </a:xfrm>
+          <a:prstGeom prst="rect">
+            <a:avLst/>
+          </a:prstGeom>
+          <a:noFill/>
+        </p:spPr>
+        <p:txBody>
+          <a:bodyPr wrap="none" lIns="0" tIns="0" rIns="0" bIns="0" rtlCol="0">
+            <a:spAutoFit/>
+          </a:bodyPr>
+          <a:lstStyle/>
+          <a:p>
+            <a:r>
+              <a:rPr lang="de-DE" sz="2000" b="0" dirty="0"/>
+              <a:t>start</a:t>
+            </a:r>
+          </a:p>
+        </p:txBody>
+      </p:sp>
+      <mc:AlternateContent xmlns:mc="http://schemas.openxmlformats.org/markup-compatibility/2006">
+        <mc:Choice xmlns:a14="http://schemas.microsoft.com/office/drawing/2010/main" Requires="a14">
+          <p:sp>
+            <p:nvSpPr>
+              <p:cNvPr id="11" name="Textfeld 10">
+                <a:extLst>
+                  <a:ext uri="{FF2B5EF4-FFF2-40B4-BE49-F238E27FC236}">
+                    <a16:creationId xmlns:a16="http://schemas.microsoft.com/office/drawing/2014/main" id="{CA36F3FA-524E-F165-B668-07607CD60185}"/>
+                  </a:ext>
+                </a:extLst>
+              </p:cNvPr>
+              <p:cNvSpPr txBox="1"/>
+              <p:nvPr/>
+            </p:nvSpPr>
+            <p:spPr>
+              <a:xfrm>
+                <a:off x="3759788" y="1441062"/>
+                <a:ext cx="334451" cy="307777"/>
+              </a:xfrm>
+              <a:prstGeom prst="rect">
+                <a:avLst/>
+              </a:prstGeom>
+              <a:noFill/>
+            </p:spPr>
+            <p:txBody>
+              <a:bodyPr wrap="none" lIns="0" tIns="0" rIns="0" bIns="0" rtlCol="0">
+                <a:spAutoFit/>
+              </a:bodyPr>
+              <a:lstStyle/>
+              <a:p>
+                <a14:m>
+                  <m:oMathPara xmlns:m="http://schemas.openxmlformats.org/officeDocument/2006/math">
+                    <m:oMathParaPr>
+                      <m:jc m:val="centerGroup"/>
+                    </m:oMathParaPr>
+                    <m:oMath xmlns:m="http://schemas.openxmlformats.org/officeDocument/2006/math">
+                      <m:sSub>
+                        <m:sSubPr>
+                          <m:ctrlPr>
+                            <a:rPr lang="de-DE" sz="2000" b="0" i="1" smtClean="0">
+                              <a:latin typeface="Cambria Math" panose="02040503050406030204" pitchFamily="18" charset="0"/>
+                            </a:rPr>
+                          </m:ctrlPr>
+                        </m:sSubPr>
+                        <m:e>
+                          <m:r>
+                            <a:rPr lang="de-DE" sz="2000" b="0" i="1" smtClean="0">
+                              <a:latin typeface="Cambria Math" panose="02040503050406030204" pitchFamily="18" charset="0"/>
+                            </a:rPr>
+                            <m:t>𝐴</m:t>
+                          </m:r>
+                        </m:e>
+                        <m:sub>
+                          <m:r>
+                            <a:rPr lang="de-DE" sz="2000" b="0" i="1" smtClean="0">
+                              <a:latin typeface="Cambria Math" panose="02040503050406030204" pitchFamily="18" charset="0"/>
+                            </a:rPr>
+                            <m:t>0</m:t>
+                          </m:r>
+                        </m:sub>
+                      </m:sSub>
+                    </m:oMath>
+                  </m:oMathPara>
+                </a14:m>
+                <a:endParaRPr lang="de-DE" sz="2000" b="0" dirty="0"/>
+              </a:p>
+            </p:txBody>
+          </p:sp>
+        </mc:Choice>
+        <mc:Fallback>
+          <p:sp>
+            <p:nvSpPr>
+              <p:cNvPr id="11" name="Textfeld 10">
+                <a:extLst>
+                  <a:ext uri="{FF2B5EF4-FFF2-40B4-BE49-F238E27FC236}">
+                    <a16:creationId xmlns:a16="http://schemas.microsoft.com/office/drawing/2014/main" id="{CA36F3FA-524E-F165-B668-07607CD60185}"/>
+                  </a:ext>
+                </a:extLst>
+              </p:cNvPr>
+              <p:cNvSpPr txBox="1">
+                <a:spLocks noRot="1" noChangeAspect="1" noMove="1" noResize="1" noEditPoints="1" noAdjustHandles="1" noChangeArrowheads="1" noChangeShapeType="1" noTextEdit="1"/>
+              </p:cNvSpPr>
+              <p:nvPr/>
+            </p:nvSpPr>
+            <p:spPr>
+              <a:xfrm>
+                <a:off x="3759788" y="1441062"/>
+                <a:ext cx="334451" cy="307777"/>
+              </a:xfrm>
+              <a:prstGeom prst="rect">
+                <a:avLst/>
+              </a:prstGeom>
+              <a:blipFill>
+                <a:blip r:embed="rId7"/>
+                <a:stretch>
+                  <a:fillRect l="-20000" r="-7273" b="-15686"/>
+                </a:stretch>
+              </a:blipFill>
+            </p:spPr>
+            <p:txBody>
+              <a:bodyPr/>
+              <a:lstStyle/>
+              <a:p>
+                <a:r>
+                  <a:rPr lang="de-DE">
+                    <a:noFill/>
+                  </a:rPr>
+                  <a:t> </a:t>
+                </a:r>
+              </a:p>
+            </p:txBody>
+          </p:sp>
+        </mc:Fallback>
+      </mc:AlternateContent>
+      <mc:AlternateContent xmlns:mc="http://schemas.openxmlformats.org/markup-compatibility/2006">
+        <mc:Choice xmlns:a14="http://schemas.microsoft.com/office/drawing/2010/main" Requires="a14">
+          <p:sp>
+            <p:nvSpPr>
+              <p:cNvPr id="12" name="Textfeld 11">
+                <a:extLst>
+                  <a:ext uri="{FF2B5EF4-FFF2-40B4-BE49-F238E27FC236}">
+                    <a16:creationId xmlns:a16="http://schemas.microsoft.com/office/drawing/2014/main" id="{E0A4D80C-0CD3-D1A1-888F-FBAD079D89C6}"/>
+                  </a:ext>
+                </a:extLst>
+              </p:cNvPr>
+              <p:cNvSpPr txBox="1"/>
+              <p:nvPr/>
+            </p:nvSpPr>
+            <p:spPr>
+              <a:xfrm>
+                <a:off x="8173292" y="1441062"/>
+                <a:ext cx="309828" cy="307777"/>
+              </a:xfrm>
+              <a:prstGeom prst="rect">
+                <a:avLst/>
+              </a:prstGeom>
+              <a:noFill/>
+            </p:spPr>
+            <p:txBody>
+              <a:bodyPr wrap="none" lIns="0" tIns="0" rIns="0" bIns="0" rtlCol="0">
+                <a:spAutoFit/>
+              </a:bodyPr>
+              <a:lstStyle/>
+              <a:p>
+                <a14:m>
+                  <m:oMathPara xmlns:m="http://schemas.openxmlformats.org/officeDocument/2006/math">
+                    <m:oMathParaPr>
+                      <m:jc m:val="centerGroup"/>
+                    </m:oMathParaPr>
+                    <m:oMath xmlns:m="http://schemas.openxmlformats.org/officeDocument/2006/math">
+                      <m:sSub>
+                        <m:sSubPr>
+                          <m:ctrlPr>
+                            <a:rPr lang="de-DE" sz="2000" b="0" i="1" smtClean="0">
+                              <a:latin typeface="Cambria Math" panose="02040503050406030204" pitchFamily="18" charset="0"/>
+                            </a:rPr>
+                          </m:ctrlPr>
+                        </m:sSubPr>
+                        <m:e>
+                          <m:r>
+                            <a:rPr lang="de-DE" sz="2000" b="0" i="1" smtClean="0">
+                              <a:latin typeface="Cambria Math" panose="02040503050406030204" pitchFamily="18" charset="0"/>
+                            </a:rPr>
+                            <m:t>𝐶</m:t>
+                          </m:r>
+                        </m:e>
+                        <m:sub>
+                          <m:r>
+                            <a:rPr lang="de-DE" sz="2000" b="0" i="1" smtClean="0">
+                              <a:latin typeface="Cambria Math" panose="02040503050406030204" pitchFamily="18" charset="0"/>
+                            </a:rPr>
+                            <m:t>0</m:t>
+                          </m:r>
+                        </m:sub>
+                      </m:sSub>
+                    </m:oMath>
+                  </m:oMathPara>
+                </a14:m>
+                <a:endParaRPr lang="de-DE" sz="2000" b="0" dirty="0"/>
+              </a:p>
+            </p:txBody>
+          </p:sp>
+        </mc:Choice>
+        <mc:Fallback>
+          <p:sp>
+            <p:nvSpPr>
+              <p:cNvPr id="12" name="Textfeld 11">
+                <a:extLst>
+                  <a:ext uri="{FF2B5EF4-FFF2-40B4-BE49-F238E27FC236}">
+                    <a16:creationId xmlns:a16="http://schemas.microsoft.com/office/drawing/2014/main" id="{E0A4D80C-0CD3-D1A1-888F-FBAD079D89C6}"/>
+                  </a:ext>
+                </a:extLst>
+              </p:cNvPr>
+              <p:cNvSpPr txBox="1">
+                <a:spLocks noRot="1" noChangeAspect="1" noMove="1" noResize="1" noEditPoints="1" noAdjustHandles="1" noChangeArrowheads="1" noChangeShapeType="1" noTextEdit="1"/>
+              </p:cNvSpPr>
+              <p:nvPr/>
+            </p:nvSpPr>
+            <p:spPr>
+              <a:xfrm>
+                <a:off x="8173292" y="1441062"/>
+                <a:ext cx="309828" cy="307777"/>
+              </a:xfrm>
+              <a:prstGeom prst="rect">
+                <a:avLst/>
+              </a:prstGeom>
+              <a:blipFill>
+                <a:blip r:embed="rId8"/>
+                <a:stretch>
+                  <a:fillRect l="-19608" r="-9804" b="-15686"/>
+                </a:stretch>
+              </a:blipFill>
+            </p:spPr>
+            <p:txBody>
+              <a:bodyPr/>
+              <a:lstStyle/>
+              <a:p>
+                <a:r>
+                  <a:rPr lang="de-DE">
+                    <a:noFill/>
+                  </a:rPr>
+                  <a:t> </a:t>
+                </a:r>
+              </a:p>
+            </p:txBody>
+          </p:sp>
+        </mc:Fallback>
+      </mc:AlternateContent>
+      <mc:AlternateContent xmlns:mc="http://schemas.openxmlformats.org/markup-compatibility/2006">
+        <mc:Choice xmlns:a14="http://schemas.microsoft.com/office/drawing/2010/main" Requires="a14">
+          <p:sp>
+            <p:nvSpPr>
+              <p:cNvPr id="13" name="Textfeld 12">
+                <a:extLst>
+                  <a:ext uri="{FF2B5EF4-FFF2-40B4-BE49-F238E27FC236}">
+                    <a16:creationId xmlns:a16="http://schemas.microsoft.com/office/drawing/2014/main" id="{7967F876-D1AF-2828-ABF4-B95B625508AD}"/>
+                  </a:ext>
+                </a:extLst>
+              </p:cNvPr>
+              <p:cNvSpPr txBox="1"/>
+              <p:nvPr/>
+            </p:nvSpPr>
+            <p:spPr>
+              <a:xfrm>
+                <a:off x="3765884" y="4995030"/>
+                <a:ext cx="329577" cy="307777"/>
+              </a:xfrm>
+              <a:prstGeom prst="rect">
+                <a:avLst/>
+              </a:prstGeom>
+              <a:noFill/>
+            </p:spPr>
+            <p:txBody>
+              <a:bodyPr wrap="none" lIns="0" tIns="0" rIns="0" bIns="0" rtlCol="0">
+                <a:spAutoFit/>
+              </a:bodyPr>
+              <a:lstStyle/>
+              <a:p>
+                <a14:m>
+                  <m:oMathPara xmlns:m="http://schemas.openxmlformats.org/officeDocument/2006/math">
+                    <m:oMathParaPr>
+                      <m:jc m:val="centerGroup"/>
+                    </m:oMathParaPr>
+                    <m:oMath xmlns:m="http://schemas.openxmlformats.org/officeDocument/2006/math">
+                      <m:sSub>
+                        <m:sSubPr>
+                          <m:ctrlPr>
+                            <a:rPr lang="de-DE" sz="2000" b="0" i="1" smtClean="0">
+                              <a:latin typeface="Cambria Math" panose="02040503050406030204" pitchFamily="18" charset="0"/>
+                            </a:rPr>
+                          </m:ctrlPr>
+                        </m:sSubPr>
+                        <m:e>
+                          <m:r>
+                            <a:rPr lang="de-DE" sz="2000" b="0" i="1" smtClean="0">
+                              <a:latin typeface="Cambria Math" panose="02040503050406030204" pitchFamily="18" charset="0"/>
+                            </a:rPr>
+                            <m:t>𝐵</m:t>
+                          </m:r>
+                        </m:e>
+                        <m:sub>
+                          <m:r>
+                            <a:rPr lang="de-DE" sz="2000" b="0" i="1" smtClean="0">
+                              <a:latin typeface="Cambria Math" panose="02040503050406030204" pitchFamily="18" charset="0"/>
+                            </a:rPr>
+                            <m:t>0</m:t>
+                          </m:r>
+                        </m:sub>
+                      </m:sSub>
+                    </m:oMath>
+                  </m:oMathPara>
+                </a14:m>
+                <a:endParaRPr lang="de-DE" sz="2000" b="0" dirty="0"/>
+              </a:p>
+            </p:txBody>
+          </p:sp>
+        </mc:Choice>
+        <mc:Fallback>
+          <p:sp>
+            <p:nvSpPr>
+              <p:cNvPr id="13" name="Textfeld 12">
+                <a:extLst>
+                  <a:ext uri="{FF2B5EF4-FFF2-40B4-BE49-F238E27FC236}">
+                    <a16:creationId xmlns:a16="http://schemas.microsoft.com/office/drawing/2014/main" id="{7967F876-D1AF-2828-ABF4-B95B625508AD}"/>
+                  </a:ext>
+                </a:extLst>
+              </p:cNvPr>
+              <p:cNvSpPr txBox="1">
+                <a:spLocks noRot="1" noChangeAspect="1" noMove="1" noResize="1" noEditPoints="1" noAdjustHandles="1" noChangeArrowheads="1" noChangeShapeType="1" noTextEdit="1"/>
+              </p:cNvSpPr>
+              <p:nvPr/>
+            </p:nvSpPr>
+            <p:spPr>
+              <a:xfrm>
+                <a:off x="3765884" y="4995030"/>
+                <a:ext cx="329577" cy="307777"/>
+              </a:xfrm>
+              <a:prstGeom prst="rect">
+                <a:avLst/>
+              </a:prstGeom>
+              <a:blipFill>
+                <a:blip r:embed="rId9"/>
+                <a:stretch>
+                  <a:fillRect l="-20370" r="-7407" b="-15686"/>
+                </a:stretch>
+              </a:blipFill>
+            </p:spPr>
+            <p:txBody>
+              <a:bodyPr/>
+              <a:lstStyle/>
+              <a:p>
+                <a:r>
+                  <a:rPr lang="de-DE">
+                    <a:noFill/>
+                  </a:rPr>
+                  <a:t> </a:t>
+                </a:r>
+              </a:p>
+            </p:txBody>
+          </p:sp>
+        </mc:Fallback>
+      </mc:AlternateContent>
+      <mc:AlternateContent xmlns:mc="http://schemas.openxmlformats.org/markup-compatibility/2006">
+        <mc:Choice xmlns:a14="http://schemas.microsoft.com/office/drawing/2010/main" Requires="a14">
+          <p:sp>
+            <p:nvSpPr>
+              <p:cNvPr id="14" name="Textfeld 13">
+                <a:extLst>
+                  <a:ext uri="{FF2B5EF4-FFF2-40B4-BE49-F238E27FC236}">
+                    <a16:creationId xmlns:a16="http://schemas.microsoft.com/office/drawing/2014/main" id="{A56C1F53-16DC-1627-2001-0246642BA588}"/>
+                  </a:ext>
+                </a:extLst>
+              </p:cNvPr>
+              <p:cNvSpPr txBox="1"/>
+              <p:nvPr/>
+            </p:nvSpPr>
+            <p:spPr>
+              <a:xfrm>
+                <a:off x="8179388" y="4995030"/>
+                <a:ext cx="335476" cy="307777"/>
+              </a:xfrm>
+              <a:prstGeom prst="rect">
+                <a:avLst/>
+              </a:prstGeom>
+              <a:noFill/>
+            </p:spPr>
+            <p:txBody>
+              <a:bodyPr wrap="none" lIns="0" tIns="0" rIns="0" bIns="0" rtlCol="0">
+                <a:spAutoFit/>
+              </a:bodyPr>
+              <a:lstStyle/>
+              <a:p>
+                <a14:m>
+                  <m:oMathPara xmlns:m="http://schemas.openxmlformats.org/officeDocument/2006/math">
+                    <m:oMathParaPr>
+                      <m:jc m:val="centerGroup"/>
+                    </m:oMathParaPr>
+                    <m:oMath xmlns:m="http://schemas.openxmlformats.org/officeDocument/2006/math">
+                      <m:sSub>
+                        <m:sSubPr>
+                          <m:ctrlPr>
+                            <a:rPr lang="de-DE" sz="2000" b="0" i="1" smtClean="0">
+                              <a:latin typeface="Cambria Math" panose="02040503050406030204" pitchFamily="18" charset="0"/>
+                            </a:rPr>
+                          </m:ctrlPr>
+                        </m:sSubPr>
+                        <m:e>
+                          <m:r>
+                            <a:rPr lang="de-DE" sz="2000" b="0" i="1" smtClean="0">
+                              <a:latin typeface="Cambria Math" panose="02040503050406030204" pitchFamily="18" charset="0"/>
+                            </a:rPr>
+                            <m:t>𝐷</m:t>
+                          </m:r>
+                        </m:e>
+                        <m:sub>
+                          <m:r>
+                            <a:rPr lang="de-DE" sz="2000" b="0" i="1" smtClean="0">
+                              <a:latin typeface="Cambria Math" panose="02040503050406030204" pitchFamily="18" charset="0"/>
+                            </a:rPr>
+                            <m:t>0</m:t>
+                          </m:r>
+                        </m:sub>
+                      </m:sSub>
+                    </m:oMath>
+                  </m:oMathPara>
+                </a14:m>
+                <a:endParaRPr lang="de-DE" sz="2000" b="0" dirty="0"/>
+              </a:p>
+            </p:txBody>
+          </p:sp>
+        </mc:Choice>
+        <mc:Fallback>
+          <p:sp>
+            <p:nvSpPr>
+              <p:cNvPr id="14" name="Textfeld 13">
+                <a:extLst>
+                  <a:ext uri="{FF2B5EF4-FFF2-40B4-BE49-F238E27FC236}">
+                    <a16:creationId xmlns:a16="http://schemas.microsoft.com/office/drawing/2014/main" id="{A56C1F53-16DC-1627-2001-0246642BA588}"/>
+                  </a:ext>
+                </a:extLst>
+              </p:cNvPr>
+              <p:cNvSpPr txBox="1">
+                <a:spLocks noRot="1" noChangeAspect="1" noMove="1" noResize="1" noEditPoints="1" noAdjustHandles="1" noChangeArrowheads="1" noChangeShapeType="1" noTextEdit="1"/>
+              </p:cNvSpPr>
+              <p:nvPr/>
+            </p:nvSpPr>
+            <p:spPr>
+              <a:xfrm>
+                <a:off x="8179388" y="4995030"/>
+                <a:ext cx="335476" cy="307777"/>
+              </a:xfrm>
+              <a:prstGeom prst="rect">
+                <a:avLst/>
+              </a:prstGeom>
+              <a:blipFill>
+                <a:blip r:embed="rId10"/>
+                <a:stretch>
+                  <a:fillRect l="-18182" r="-9091" b="-15686"/>
+                </a:stretch>
+              </a:blipFill>
+            </p:spPr>
+            <p:txBody>
+              <a:bodyPr/>
+              <a:lstStyle/>
+              <a:p>
+                <a:r>
+                  <a:rPr lang="de-DE">
+                    <a:noFill/>
+                  </a:rPr>
+                  <a:t> </a:t>
+                </a:r>
+              </a:p>
+            </p:txBody>
+          </p:sp>
+        </mc:Fallback>
+      </mc:AlternateContent>
+      <p:sp>
+        <p:nvSpPr>
+          <p:cNvPr id="15" name="Textfeld 14">
+            <a:extLst>
+              <a:ext uri="{FF2B5EF4-FFF2-40B4-BE49-F238E27FC236}">
+                <a16:creationId xmlns:a16="http://schemas.microsoft.com/office/drawing/2014/main" id="{E99E6143-2EF6-0938-4E96-C44DA7CA93E8}"/>
+              </a:ext>
+            </a:extLst>
+          </p:cNvPr>
+          <p:cNvSpPr txBox="1"/>
+          <p:nvPr/>
+        </p:nvSpPr>
+        <p:spPr>
+          <a:xfrm>
+            <a:off x="11074817" y="3234295"/>
+            <a:ext cx="419987" cy="307777"/>
+          </a:xfrm>
+          <a:prstGeom prst="rect">
+            <a:avLst/>
+          </a:prstGeom>
+          <a:noFill/>
+        </p:spPr>
+        <p:txBody>
+          <a:bodyPr wrap="none" lIns="0" tIns="0" rIns="0" bIns="0" rtlCol="0">
+            <a:spAutoFit/>
+          </a:bodyPr>
+          <a:lstStyle/>
+          <a:p>
+            <a:r>
+              <a:rPr lang="de-DE" sz="2000" b="0" dirty="0"/>
+              <a:t>end</a:t>
+            </a:r>
+          </a:p>
+        </p:txBody>
+      </p:sp>
+    </p:spTree>
+    <p:extLst>
+      <p:ext uri="{BB962C8B-B14F-4D97-AF65-F5344CB8AC3E}">
+        <p14:creationId xmlns:p14="http://schemas.microsoft.com/office/powerpoint/2010/main" val="2357226206"/>
+      </p:ext>
+    </p:extLst>
+  </p:cSld>
+  <p:clrMapOvr>
+    <a:masterClrMapping/>
+  </p:clrMapOvr>
+</p:sld>
+</file>
+
+<file path=ppt/slides/slide7.xml><?xml version="1.0" encoding="utf-8"?>
+<p:sld xmlns:a="http://schemas.openxmlformats.org/drawingml/2006/main" xmlns:r="http://schemas.openxmlformats.org/officeDocument/2006/relationships" xmlns:p="http://schemas.openxmlformats.org/presentationml/2006/main">
+  <p:cSld>
+    <p:spTree>
+      <p:nvGrpSpPr>
+        <p:cNvPr id="1" name=""/>
+        <p:cNvGrpSpPr/>
+        <p:nvPr/>
+      </p:nvGrpSpPr>
+      <p:grpSpPr>
+        <a:xfrm>
+          <a:off x="0" y="0"/>
+          <a:ext cx="0" cy="0"/>
+          <a:chOff x="0" y="0"/>
+          <a:chExt cx="0" cy="0"/>
+        </a:xfrm>
+      </p:grpSpPr>
       <p:sp>
         <p:nvSpPr>
           <p:cNvPr id="4" name="Textfeld 3">
@@ -6963,6 +11897,3420 @@
     <p:extLst>
       <p:ext uri="{BB962C8B-B14F-4D97-AF65-F5344CB8AC3E}">
         <p14:creationId xmlns:p14="http://schemas.microsoft.com/office/powerpoint/2010/main" val="1020500277"/>
+      </p:ext>
+    </p:extLst>
+  </p:cSld>
+  <p:clrMapOvr>
+    <a:masterClrMapping/>
+  </p:clrMapOvr>
+</p:sld>
+</file>
+
+<file path=ppt/slides/slide8.xml><?xml version="1.0" encoding="utf-8"?>
+<p:sld xmlns:a="http://schemas.openxmlformats.org/drawingml/2006/main" xmlns:r="http://schemas.openxmlformats.org/officeDocument/2006/relationships" xmlns:p="http://schemas.openxmlformats.org/presentationml/2006/main">
+  <p:cSld>
+    <p:spTree>
+      <p:nvGrpSpPr>
+        <p:cNvPr id="1" name=""/>
+        <p:cNvGrpSpPr/>
+        <p:nvPr/>
+      </p:nvGrpSpPr>
+      <p:grpSpPr>
+        <a:xfrm>
+          <a:off x="0" y="0"/>
+          <a:ext cx="0" cy="0"/>
+          <a:chOff x="0" y="0"/>
+          <a:chExt cx="0" cy="0"/>
+        </a:xfrm>
+      </p:grpSpPr>
+      <p:sp>
+        <p:nvSpPr>
+          <p:cNvPr id="4" name="Ellipse 3">
+            <a:extLst>
+              <a:ext uri="{FF2B5EF4-FFF2-40B4-BE49-F238E27FC236}">
+                <a16:creationId xmlns:a16="http://schemas.microsoft.com/office/drawing/2014/main" id="{72479C9A-5C79-76EC-19F0-DDB64DCF6EC0}"/>
+              </a:ext>
+            </a:extLst>
+          </p:cNvPr>
+          <p:cNvSpPr/>
+          <p:nvPr/>
+        </p:nvSpPr>
+        <p:spPr>
+          <a:xfrm>
+            <a:off x="3483779" y="1870741"/>
+            <a:ext cx="587828" cy="587828"/>
+          </a:xfrm>
+          <a:prstGeom prst="ellipse">
+            <a:avLst/>
+          </a:prstGeom>
+          <a:solidFill>
+            <a:srgbClr val="00B0F0"/>
+          </a:solidFill>
+          <a:ln w="38100">
+            <a:solidFill>
+              <a:schemeClr val="tx1"/>
+            </a:solidFill>
+          </a:ln>
+        </p:spPr>
+        <p:style>
+          <a:lnRef idx="2">
+            <a:schemeClr val="accent1">
+              <a:shade val="50000"/>
+            </a:schemeClr>
+          </a:lnRef>
+          <a:fillRef idx="1">
+            <a:schemeClr val="accent1"/>
+          </a:fillRef>
+          <a:effectRef idx="0">
+            <a:schemeClr val="accent1"/>
+          </a:effectRef>
+          <a:fontRef idx="minor">
+            <a:schemeClr val="lt1"/>
+          </a:fontRef>
+        </p:style>
+        <p:txBody>
+          <a:bodyPr rtlCol="0" anchor="ctr"/>
+          <a:lstStyle/>
+          <a:p>
+            <a:pPr algn="ctr"/>
+            <a:endParaRPr lang="de-DE" dirty="0">
+              <a:solidFill>
+                <a:schemeClr val="tx1"/>
+              </a:solidFill>
+            </a:endParaRPr>
+          </a:p>
+        </p:txBody>
+      </p:sp>
+      <p:sp>
+        <p:nvSpPr>
+          <p:cNvPr id="5" name="Ellipse 4">
+            <a:extLst>
+              <a:ext uri="{FF2B5EF4-FFF2-40B4-BE49-F238E27FC236}">
+                <a16:creationId xmlns:a16="http://schemas.microsoft.com/office/drawing/2014/main" id="{2B9FF4D3-0255-F2A2-E7CC-8F0592B641A3}"/>
+              </a:ext>
+            </a:extLst>
+          </p:cNvPr>
+          <p:cNvSpPr/>
+          <p:nvPr/>
+        </p:nvSpPr>
+        <p:spPr>
+          <a:xfrm>
+            <a:off x="3483779" y="2643235"/>
+            <a:ext cx="587828" cy="587828"/>
+          </a:xfrm>
+          <a:prstGeom prst="ellipse">
+            <a:avLst/>
+          </a:prstGeom>
+          <a:solidFill>
+            <a:srgbClr val="00B0F0"/>
+          </a:solidFill>
+          <a:ln w="38100">
+            <a:solidFill>
+              <a:schemeClr val="tx1"/>
+            </a:solidFill>
+          </a:ln>
+        </p:spPr>
+        <p:style>
+          <a:lnRef idx="2">
+            <a:schemeClr val="accent1">
+              <a:shade val="50000"/>
+            </a:schemeClr>
+          </a:lnRef>
+          <a:fillRef idx="1">
+            <a:schemeClr val="accent1"/>
+          </a:fillRef>
+          <a:effectRef idx="0">
+            <a:schemeClr val="accent1"/>
+          </a:effectRef>
+          <a:fontRef idx="minor">
+            <a:schemeClr val="lt1"/>
+          </a:fontRef>
+        </p:style>
+        <p:txBody>
+          <a:bodyPr rtlCol="0" anchor="ctr"/>
+          <a:lstStyle/>
+          <a:p>
+            <a:pPr algn="ctr"/>
+            <a:endParaRPr lang="de-DE" dirty="0">
+              <a:solidFill>
+                <a:schemeClr val="tx1"/>
+              </a:solidFill>
+            </a:endParaRPr>
+          </a:p>
+        </p:txBody>
+      </p:sp>
+      <p:sp>
+        <p:nvSpPr>
+          <p:cNvPr id="6" name="Ellipse 5">
+            <a:extLst>
+              <a:ext uri="{FF2B5EF4-FFF2-40B4-BE49-F238E27FC236}">
+                <a16:creationId xmlns:a16="http://schemas.microsoft.com/office/drawing/2014/main" id="{85F957F7-9BAD-A3B7-911C-09F5B18B730B}"/>
+              </a:ext>
+            </a:extLst>
+          </p:cNvPr>
+          <p:cNvSpPr/>
+          <p:nvPr/>
+        </p:nvSpPr>
+        <p:spPr>
+          <a:xfrm>
+            <a:off x="5150817" y="1356467"/>
+            <a:ext cx="587828" cy="587828"/>
+          </a:xfrm>
+          <a:prstGeom prst="ellipse">
+            <a:avLst/>
+          </a:prstGeom>
+          <a:solidFill>
+            <a:srgbClr val="C00000"/>
+          </a:solidFill>
+          <a:ln w="38100">
+            <a:solidFill>
+              <a:schemeClr val="tx1"/>
+            </a:solidFill>
+          </a:ln>
+        </p:spPr>
+        <p:style>
+          <a:lnRef idx="2">
+            <a:schemeClr val="accent1">
+              <a:shade val="50000"/>
+            </a:schemeClr>
+          </a:lnRef>
+          <a:fillRef idx="1">
+            <a:schemeClr val="accent1"/>
+          </a:fillRef>
+          <a:effectRef idx="0">
+            <a:schemeClr val="accent1"/>
+          </a:effectRef>
+          <a:fontRef idx="minor">
+            <a:schemeClr val="lt1"/>
+          </a:fontRef>
+        </p:style>
+        <p:txBody>
+          <a:bodyPr rtlCol="0" anchor="ctr"/>
+          <a:lstStyle/>
+          <a:p>
+            <a:pPr algn="ctr"/>
+            <a:endParaRPr lang="de-DE" dirty="0">
+              <a:solidFill>
+                <a:schemeClr val="tx1"/>
+              </a:solidFill>
+            </a:endParaRPr>
+          </a:p>
+        </p:txBody>
+      </p:sp>
+      <p:sp>
+        <p:nvSpPr>
+          <p:cNvPr id="7" name="Ellipse 6">
+            <a:extLst>
+              <a:ext uri="{FF2B5EF4-FFF2-40B4-BE49-F238E27FC236}">
+                <a16:creationId xmlns:a16="http://schemas.microsoft.com/office/drawing/2014/main" id="{4BF4307A-8371-0511-3538-455E0247E898}"/>
+              </a:ext>
+            </a:extLst>
+          </p:cNvPr>
+          <p:cNvSpPr/>
+          <p:nvPr/>
+        </p:nvSpPr>
+        <p:spPr>
+          <a:xfrm>
+            <a:off x="5155493" y="2251742"/>
+            <a:ext cx="587828" cy="587828"/>
+          </a:xfrm>
+          <a:prstGeom prst="ellipse">
+            <a:avLst/>
+          </a:prstGeom>
+          <a:solidFill>
+            <a:srgbClr val="C00000"/>
+          </a:solidFill>
+          <a:ln w="38100">
+            <a:solidFill>
+              <a:schemeClr val="tx1"/>
+            </a:solidFill>
+          </a:ln>
+        </p:spPr>
+        <p:style>
+          <a:lnRef idx="2">
+            <a:schemeClr val="accent1">
+              <a:shade val="50000"/>
+            </a:schemeClr>
+          </a:lnRef>
+          <a:fillRef idx="1">
+            <a:schemeClr val="accent1"/>
+          </a:fillRef>
+          <a:effectRef idx="0">
+            <a:schemeClr val="accent1"/>
+          </a:effectRef>
+          <a:fontRef idx="minor">
+            <a:schemeClr val="lt1"/>
+          </a:fontRef>
+        </p:style>
+        <p:txBody>
+          <a:bodyPr rtlCol="0" anchor="ctr"/>
+          <a:lstStyle/>
+          <a:p>
+            <a:pPr algn="ctr"/>
+            <a:endParaRPr lang="de-DE" dirty="0">
+              <a:solidFill>
+                <a:schemeClr val="tx1"/>
+              </a:solidFill>
+            </a:endParaRPr>
+          </a:p>
+        </p:txBody>
+      </p:sp>
+      <p:sp>
+        <p:nvSpPr>
+          <p:cNvPr id="8" name="Ellipse 7">
+            <a:extLst>
+              <a:ext uri="{FF2B5EF4-FFF2-40B4-BE49-F238E27FC236}">
+                <a16:creationId xmlns:a16="http://schemas.microsoft.com/office/drawing/2014/main" id="{FF1C3ADA-FA4D-50A3-8280-AC101C95F318}"/>
+              </a:ext>
+            </a:extLst>
+          </p:cNvPr>
+          <p:cNvSpPr/>
+          <p:nvPr/>
+        </p:nvSpPr>
+        <p:spPr>
+          <a:xfrm>
+            <a:off x="5160169" y="3132308"/>
+            <a:ext cx="587828" cy="587828"/>
+          </a:xfrm>
+          <a:prstGeom prst="ellipse">
+            <a:avLst/>
+          </a:prstGeom>
+          <a:solidFill>
+            <a:srgbClr val="C00000"/>
+          </a:solidFill>
+          <a:ln w="38100">
+            <a:solidFill>
+              <a:schemeClr val="tx1"/>
+            </a:solidFill>
+          </a:ln>
+        </p:spPr>
+        <p:style>
+          <a:lnRef idx="2">
+            <a:schemeClr val="accent1">
+              <a:shade val="50000"/>
+            </a:schemeClr>
+          </a:lnRef>
+          <a:fillRef idx="1">
+            <a:schemeClr val="accent1"/>
+          </a:fillRef>
+          <a:effectRef idx="0">
+            <a:schemeClr val="accent1"/>
+          </a:effectRef>
+          <a:fontRef idx="minor">
+            <a:schemeClr val="lt1"/>
+          </a:fontRef>
+        </p:style>
+        <p:txBody>
+          <a:bodyPr rtlCol="0" anchor="ctr"/>
+          <a:lstStyle/>
+          <a:p>
+            <a:pPr algn="ctr"/>
+            <a:endParaRPr lang="de-DE" dirty="0">
+              <a:solidFill>
+                <a:schemeClr val="tx1"/>
+              </a:solidFill>
+            </a:endParaRPr>
+          </a:p>
+        </p:txBody>
+      </p:sp>
+      <p:sp>
+        <p:nvSpPr>
+          <p:cNvPr id="9" name="Ellipse 8">
+            <a:extLst>
+              <a:ext uri="{FF2B5EF4-FFF2-40B4-BE49-F238E27FC236}">
+                <a16:creationId xmlns:a16="http://schemas.microsoft.com/office/drawing/2014/main" id="{1B8FFFD4-1D2F-E1CD-0828-3A0A75A3BA92}"/>
+              </a:ext>
+            </a:extLst>
+          </p:cNvPr>
+          <p:cNvSpPr/>
+          <p:nvPr/>
+        </p:nvSpPr>
+        <p:spPr>
+          <a:xfrm>
+            <a:off x="6905005" y="1879621"/>
+            <a:ext cx="587828" cy="587828"/>
+          </a:xfrm>
+          <a:prstGeom prst="ellipse">
+            <a:avLst/>
+          </a:prstGeom>
+          <a:solidFill>
+            <a:srgbClr val="00B050"/>
+          </a:solidFill>
+          <a:ln w="38100">
+            <a:solidFill>
+              <a:schemeClr val="tx1"/>
+            </a:solidFill>
+          </a:ln>
+        </p:spPr>
+        <p:style>
+          <a:lnRef idx="2">
+            <a:schemeClr val="accent1">
+              <a:shade val="50000"/>
+            </a:schemeClr>
+          </a:lnRef>
+          <a:fillRef idx="1">
+            <a:schemeClr val="accent1"/>
+          </a:fillRef>
+          <a:effectRef idx="0">
+            <a:schemeClr val="accent1"/>
+          </a:effectRef>
+          <a:fontRef idx="minor">
+            <a:schemeClr val="lt1"/>
+          </a:fontRef>
+        </p:style>
+        <p:txBody>
+          <a:bodyPr rtlCol="0" anchor="ctr"/>
+          <a:lstStyle/>
+          <a:p>
+            <a:pPr algn="ctr"/>
+            <a:endParaRPr lang="de-DE" dirty="0">
+              <a:solidFill>
+                <a:schemeClr val="tx1"/>
+              </a:solidFill>
+            </a:endParaRPr>
+          </a:p>
+        </p:txBody>
+      </p:sp>
+      <p:sp>
+        <p:nvSpPr>
+          <p:cNvPr id="10" name="Ellipse 9">
+            <a:extLst>
+              <a:ext uri="{FF2B5EF4-FFF2-40B4-BE49-F238E27FC236}">
+                <a16:creationId xmlns:a16="http://schemas.microsoft.com/office/drawing/2014/main" id="{4BF9C326-DC96-6395-3017-812B932E6521}"/>
+              </a:ext>
+            </a:extLst>
+          </p:cNvPr>
+          <p:cNvSpPr/>
+          <p:nvPr/>
+        </p:nvSpPr>
+        <p:spPr>
+          <a:xfrm>
+            <a:off x="6905005" y="3422367"/>
+            <a:ext cx="587828" cy="587828"/>
+          </a:xfrm>
+          <a:prstGeom prst="ellipse">
+            <a:avLst/>
+          </a:prstGeom>
+          <a:solidFill>
+            <a:srgbClr val="00B050"/>
+          </a:solidFill>
+          <a:ln w="38100">
+            <a:solidFill>
+              <a:schemeClr val="tx1"/>
+            </a:solidFill>
+          </a:ln>
+        </p:spPr>
+        <p:style>
+          <a:lnRef idx="2">
+            <a:schemeClr val="accent1">
+              <a:shade val="50000"/>
+            </a:schemeClr>
+          </a:lnRef>
+          <a:fillRef idx="1">
+            <a:schemeClr val="accent1"/>
+          </a:fillRef>
+          <a:effectRef idx="0">
+            <a:schemeClr val="accent1"/>
+          </a:effectRef>
+          <a:fontRef idx="minor">
+            <a:schemeClr val="lt1"/>
+          </a:fontRef>
+        </p:style>
+        <p:txBody>
+          <a:bodyPr rtlCol="0" anchor="ctr"/>
+          <a:lstStyle/>
+          <a:p>
+            <a:pPr algn="ctr"/>
+            <a:endParaRPr lang="de-DE" dirty="0">
+              <a:solidFill>
+                <a:schemeClr val="tx1"/>
+              </a:solidFill>
+            </a:endParaRPr>
+          </a:p>
+        </p:txBody>
+      </p:sp>
+      <p:cxnSp>
+        <p:nvCxnSpPr>
+          <p:cNvPr id="11" name="Gerader Verbinder 10">
+            <a:extLst>
+              <a:ext uri="{FF2B5EF4-FFF2-40B4-BE49-F238E27FC236}">
+                <a16:creationId xmlns:a16="http://schemas.microsoft.com/office/drawing/2014/main" id="{27C33748-A027-DEDE-7C6B-47CD0181B2F0}"/>
+              </a:ext>
+            </a:extLst>
+          </p:cNvPr>
+          <p:cNvCxnSpPr>
+            <a:cxnSpLocks/>
+            <a:stCxn id="4" idx="6"/>
+            <a:endCxn id="6" idx="2"/>
+          </p:cNvCxnSpPr>
+          <p:nvPr/>
+        </p:nvCxnSpPr>
+        <p:spPr>
+          <a:xfrm flipV="1">
+            <a:off x="4071607" y="1650381"/>
+            <a:ext cx="1079210" cy="514274"/>
+          </a:xfrm>
+          <a:prstGeom prst="line">
+            <a:avLst/>
+          </a:prstGeom>
+          <a:ln>
+            <a:headEnd type="none" w="med" len="med"/>
+            <a:tailEnd type="none" w="med" len="med"/>
+          </a:ln>
+        </p:spPr>
+        <p:style>
+          <a:lnRef idx="2">
+            <a:schemeClr val="dk1"/>
+          </a:lnRef>
+          <a:fillRef idx="0">
+            <a:schemeClr val="dk1"/>
+          </a:fillRef>
+          <a:effectRef idx="1">
+            <a:schemeClr val="dk1"/>
+          </a:effectRef>
+          <a:fontRef idx="minor">
+            <a:schemeClr val="tx1"/>
+          </a:fontRef>
+        </p:style>
+      </p:cxnSp>
+      <p:cxnSp>
+        <p:nvCxnSpPr>
+          <p:cNvPr id="12" name="Gerader Verbinder 11">
+            <a:extLst>
+              <a:ext uri="{FF2B5EF4-FFF2-40B4-BE49-F238E27FC236}">
+                <a16:creationId xmlns:a16="http://schemas.microsoft.com/office/drawing/2014/main" id="{CB466966-166F-6F6A-4C82-CFEAC15F1CF5}"/>
+              </a:ext>
+            </a:extLst>
+          </p:cNvPr>
+          <p:cNvCxnSpPr>
+            <a:cxnSpLocks/>
+            <a:stCxn id="4" idx="6"/>
+            <a:endCxn id="7" idx="2"/>
+          </p:cNvCxnSpPr>
+          <p:nvPr/>
+        </p:nvCxnSpPr>
+        <p:spPr>
+          <a:xfrm>
+            <a:off x="4071607" y="2164655"/>
+            <a:ext cx="1083886" cy="381001"/>
+          </a:xfrm>
+          <a:prstGeom prst="line">
+            <a:avLst/>
+          </a:prstGeom>
+          <a:ln>
+            <a:headEnd type="none" w="med" len="med"/>
+            <a:tailEnd type="none" w="med" len="med"/>
+          </a:ln>
+        </p:spPr>
+        <p:style>
+          <a:lnRef idx="2">
+            <a:schemeClr val="dk1"/>
+          </a:lnRef>
+          <a:fillRef idx="0">
+            <a:schemeClr val="dk1"/>
+          </a:fillRef>
+          <a:effectRef idx="1">
+            <a:schemeClr val="dk1"/>
+          </a:effectRef>
+          <a:fontRef idx="minor">
+            <a:schemeClr val="tx1"/>
+          </a:fontRef>
+        </p:style>
+      </p:cxnSp>
+      <p:cxnSp>
+        <p:nvCxnSpPr>
+          <p:cNvPr id="13" name="Gerader Verbinder 12">
+            <a:extLst>
+              <a:ext uri="{FF2B5EF4-FFF2-40B4-BE49-F238E27FC236}">
+                <a16:creationId xmlns:a16="http://schemas.microsoft.com/office/drawing/2014/main" id="{0B7294B5-80F9-A6E5-272A-F4B9509BE62F}"/>
+              </a:ext>
+            </a:extLst>
+          </p:cNvPr>
+          <p:cNvCxnSpPr>
+            <a:cxnSpLocks/>
+            <a:endCxn id="6" idx="2"/>
+          </p:cNvCxnSpPr>
+          <p:nvPr/>
+        </p:nvCxnSpPr>
+        <p:spPr>
+          <a:xfrm flipV="1">
+            <a:off x="4064792" y="1650381"/>
+            <a:ext cx="1086025" cy="1298701"/>
+          </a:xfrm>
+          <a:prstGeom prst="line">
+            <a:avLst/>
+          </a:prstGeom>
+          <a:ln>
+            <a:headEnd type="none" w="med" len="med"/>
+            <a:tailEnd type="none" w="med" len="med"/>
+          </a:ln>
+        </p:spPr>
+        <p:style>
+          <a:lnRef idx="2">
+            <a:schemeClr val="dk1"/>
+          </a:lnRef>
+          <a:fillRef idx="0">
+            <a:schemeClr val="dk1"/>
+          </a:fillRef>
+          <a:effectRef idx="1">
+            <a:schemeClr val="dk1"/>
+          </a:effectRef>
+          <a:fontRef idx="minor">
+            <a:schemeClr val="tx1"/>
+          </a:fontRef>
+        </p:style>
+      </p:cxnSp>
+      <p:cxnSp>
+        <p:nvCxnSpPr>
+          <p:cNvPr id="14" name="Gerader Verbinder 13">
+            <a:extLst>
+              <a:ext uri="{FF2B5EF4-FFF2-40B4-BE49-F238E27FC236}">
+                <a16:creationId xmlns:a16="http://schemas.microsoft.com/office/drawing/2014/main" id="{AC946016-249A-2262-F794-D44D75740BB5}"/>
+              </a:ext>
+            </a:extLst>
+          </p:cNvPr>
+          <p:cNvCxnSpPr>
+            <a:cxnSpLocks/>
+            <a:stCxn id="4" idx="6"/>
+            <a:endCxn id="8" idx="2"/>
+          </p:cNvCxnSpPr>
+          <p:nvPr/>
+        </p:nvCxnSpPr>
+        <p:spPr>
+          <a:xfrm>
+            <a:off x="4071607" y="2164655"/>
+            <a:ext cx="1088562" cy="1261567"/>
+          </a:xfrm>
+          <a:prstGeom prst="line">
+            <a:avLst/>
+          </a:prstGeom>
+          <a:ln>
+            <a:headEnd type="none" w="med" len="med"/>
+            <a:tailEnd type="none" w="med" len="med"/>
+          </a:ln>
+        </p:spPr>
+        <p:style>
+          <a:lnRef idx="2">
+            <a:schemeClr val="dk1"/>
+          </a:lnRef>
+          <a:fillRef idx="0">
+            <a:schemeClr val="dk1"/>
+          </a:fillRef>
+          <a:effectRef idx="1">
+            <a:schemeClr val="dk1"/>
+          </a:effectRef>
+          <a:fontRef idx="minor">
+            <a:schemeClr val="tx1"/>
+          </a:fontRef>
+        </p:style>
+      </p:cxnSp>
+      <p:cxnSp>
+        <p:nvCxnSpPr>
+          <p:cNvPr id="15" name="Gerader Verbinder 14">
+            <a:extLst>
+              <a:ext uri="{FF2B5EF4-FFF2-40B4-BE49-F238E27FC236}">
+                <a16:creationId xmlns:a16="http://schemas.microsoft.com/office/drawing/2014/main" id="{946155A4-CCAC-20C2-6097-7885477C6112}"/>
+              </a:ext>
+            </a:extLst>
+          </p:cNvPr>
+          <p:cNvCxnSpPr>
+            <a:cxnSpLocks/>
+            <a:stCxn id="5" idx="6"/>
+            <a:endCxn id="7" idx="2"/>
+          </p:cNvCxnSpPr>
+          <p:nvPr/>
+        </p:nvCxnSpPr>
+        <p:spPr>
+          <a:xfrm flipV="1">
+            <a:off x="4071607" y="2545656"/>
+            <a:ext cx="1083886" cy="391493"/>
+          </a:xfrm>
+          <a:prstGeom prst="line">
+            <a:avLst/>
+          </a:prstGeom>
+          <a:ln>
+            <a:headEnd type="none" w="med" len="med"/>
+            <a:tailEnd type="none" w="med" len="med"/>
+          </a:ln>
+        </p:spPr>
+        <p:style>
+          <a:lnRef idx="2">
+            <a:schemeClr val="dk1"/>
+          </a:lnRef>
+          <a:fillRef idx="0">
+            <a:schemeClr val="dk1"/>
+          </a:fillRef>
+          <a:effectRef idx="1">
+            <a:schemeClr val="dk1"/>
+          </a:effectRef>
+          <a:fontRef idx="minor">
+            <a:schemeClr val="tx1"/>
+          </a:fontRef>
+        </p:style>
+      </p:cxnSp>
+      <p:cxnSp>
+        <p:nvCxnSpPr>
+          <p:cNvPr id="16" name="Gerader Verbinder 15">
+            <a:extLst>
+              <a:ext uri="{FF2B5EF4-FFF2-40B4-BE49-F238E27FC236}">
+                <a16:creationId xmlns:a16="http://schemas.microsoft.com/office/drawing/2014/main" id="{D63032AF-9EF8-54CB-CBDD-C327F3BCA915}"/>
+              </a:ext>
+            </a:extLst>
+          </p:cNvPr>
+          <p:cNvCxnSpPr>
+            <a:cxnSpLocks/>
+            <a:stCxn id="5" idx="6"/>
+            <a:endCxn id="8" idx="2"/>
+          </p:cNvCxnSpPr>
+          <p:nvPr/>
+        </p:nvCxnSpPr>
+        <p:spPr>
+          <a:xfrm>
+            <a:off x="4071607" y="2937149"/>
+            <a:ext cx="1088562" cy="489073"/>
+          </a:xfrm>
+          <a:prstGeom prst="line">
+            <a:avLst/>
+          </a:prstGeom>
+          <a:ln>
+            <a:headEnd type="none" w="med" len="med"/>
+            <a:tailEnd type="none" w="med" len="med"/>
+          </a:ln>
+        </p:spPr>
+        <p:style>
+          <a:lnRef idx="2">
+            <a:schemeClr val="dk1"/>
+          </a:lnRef>
+          <a:fillRef idx="0">
+            <a:schemeClr val="dk1"/>
+          </a:fillRef>
+          <a:effectRef idx="1">
+            <a:schemeClr val="dk1"/>
+          </a:effectRef>
+          <a:fontRef idx="minor">
+            <a:schemeClr val="tx1"/>
+          </a:fontRef>
+        </p:style>
+      </p:cxnSp>
+      <p:cxnSp>
+        <p:nvCxnSpPr>
+          <p:cNvPr id="17" name="Gerader Verbinder 16">
+            <a:extLst>
+              <a:ext uri="{FF2B5EF4-FFF2-40B4-BE49-F238E27FC236}">
+                <a16:creationId xmlns:a16="http://schemas.microsoft.com/office/drawing/2014/main" id="{1D146C56-DCC6-1C45-C26A-03ADBBCC3B53}"/>
+              </a:ext>
+            </a:extLst>
+          </p:cNvPr>
+          <p:cNvCxnSpPr>
+            <a:cxnSpLocks/>
+            <a:stCxn id="6" idx="6"/>
+            <a:endCxn id="9" idx="2"/>
+          </p:cNvCxnSpPr>
+          <p:nvPr/>
+        </p:nvCxnSpPr>
+        <p:spPr>
+          <a:xfrm>
+            <a:off x="5738645" y="1650381"/>
+            <a:ext cx="1166360" cy="523154"/>
+          </a:xfrm>
+          <a:prstGeom prst="line">
+            <a:avLst/>
+          </a:prstGeom>
+          <a:ln>
+            <a:headEnd type="none" w="med" len="med"/>
+            <a:tailEnd type="none" w="med" len="med"/>
+          </a:ln>
+        </p:spPr>
+        <p:style>
+          <a:lnRef idx="2">
+            <a:schemeClr val="dk1"/>
+          </a:lnRef>
+          <a:fillRef idx="0">
+            <a:schemeClr val="dk1"/>
+          </a:fillRef>
+          <a:effectRef idx="1">
+            <a:schemeClr val="dk1"/>
+          </a:effectRef>
+          <a:fontRef idx="minor">
+            <a:schemeClr val="tx1"/>
+          </a:fontRef>
+        </p:style>
+      </p:cxnSp>
+      <p:cxnSp>
+        <p:nvCxnSpPr>
+          <p:cNvPr id="18" name="Gerader Verbinder 17">
+            <a:extLst>
+              <a:ext uri="{FF2B5EF4-FFF2-40B4-BE49-F238E27FC236}">
+                <a16:creationId xmlns:a16="http://schemas.microsoft.com/office/drawing/2014/main" id="{CFDA6236-A9AC-B509-845D-F7C2B9409B6F}"/>
+              </a:ext>
+            </a:extLst>
+          </p:cNvPr>
+          <p:cNvCxnSpPr>
+            <a:cxnSpLocks/>
+            <a:stCxn id="6" idx="6"/>
+            <a:endCxn id="10" idx="2"/>
+          </p:cNvCxnSpPr>
+          <p:nvPr/>
+        </p:nvCxnSpPr>
+        <p:spPr>
+          <a:xfrm>
+            <a:off x="5738645" y="1650381"/>
+            <a:ext cx="1166360" cy="2065900"/>
+          </a:xfrm>
+          <a:prstGeom prst="line">
+            <a:avLst/>
+          </a:prstGeom>
+          <a:ln>
+            <a:headEnd type="none" w="med" len="med"/>
+            <a:tailEnd type="none" w="med" len="med"/>
+          </a:ln>
+        </p:spPr>
+        <p:style>
+          <a:lnRef idx="2">
+            <a:schemeClr val="dk1"/>
+          </a:lnRef>
+          <a:fillRef idx="0">
+            <a:schemeClr val="dk1"/>
+          </a:fillRef>
+          <a:effectRef idx="1">
+            <a:schemeClr val="dk1"/>
+          </a:effectRef>
+          <a:fontRef idx="minor">
+            <a:schemeClr val="tx1"/>
+          </a:fontRef>
+        </p:style>
+      </p:cxnSp>
+      <p:cxnSp>
+        <p:nvCxnSpPr>
+          <p:cNvPr id="19" name="Gerader Verbinder 18">
+            <a:extLst>
+              <a:ext uri="{FF2B5EF4-FFF2-40B4-BE49-F238E27FC236}">
+                <a16:creationId xmlns:a16="http://schemas.microsoft.com/office/drawing/2014/main" id="{2E16F21A-D10D-AA11-A4C0-90806FC21D5E}"/>
+              </a:ext>
+            </a:extLst>
+          </p:cNvPr>
+          <p:cNvCxnSpPr>
+            <a:cxnSpLocks/>
+            <a:stCxn id="7" idx="6"/>
+            <a:endCxn id="9" idx="2"/>
+          </p:cNvCxnSpPr>
+          <p:nvPr/>
+        </p:nvCxnSpPr>
+        <p:spPr>
+          <a:xfrm flipV="1">
+            <a:off x="5743321" y="2173535"/>
+            <a:ext cx="1161684" cy="372121"/>
+          </a:xfrm>
+          <a:prstGeom prst="line">
+            <a:avLst/>
+          </a:prstGeom>
+          <a:ln>
+            <a:headEnd type="none" w="med" len="med"/>
+            <a:tailEnd type="none" w="med" len="med"/>
+          </a:ln>
+        </p:spPr>
+        <p:style>
+          <a:lnRef idx="2">
+            <a:schemeClr val="dk1"/>
+          </a:lnRef>
+          <a:fillRef idx="0">
+            <a:schemeClr val="dk1"/>
+          </a:fillRef>
+          <a:effectRef idx="1">
+            <a:schemeClr val="dk1"/>
+          </a:effectRef>
+          <a:fontRef idx="minor">
+            <a:schemeClr val="tx1"/>
+          </a:fontRef>
+        </p:style>
+      </p:cxnSp>
+      <p:cxnSp>
+        <p:nvCxnSpPr>
+          <p:cNvPr id="20" name="Gerader Verbinder 19">
+            <a:extLst>
+              <a:ext uri="{FF2B5EF4-FFF2-40B4-BE49-F238E27FC236}">
+                <a16:creationId xmlns:a16="http://schemas.microsoft.com/office/drawing/2014/main" id="{4447CABB-1375-E757-A2B9-1D902FE43220}"/>
+              </a:ext>
+            </a:extLst>
+          </p:cNvPr>
+          <p:cNvCxnSpPr>
+            <a:cxnSpLocks/>
+            <a:stCxn id="7" idx="6"/>
+            <a:endCxn id="10" idx="2"/>
+          </p:cNvCxnSpPr>
+          <p:nvPr/>
+        </p:nvCxnSpPr>
+        <p:spPr>
+          <a:xfrm>
+            <a:off x="5743321" y="2545656"/>
+            <a:ext cx="1161684" cy="1170625"/>
+          </a:xfrm>
+          <a:prstGeom prst="line">
+            <a:avLst/>
+          </a:prstGeom>
+          <a:ln>
+            <a:headEnd type="none" w="med" len="med"/>
+            <a:tailEnd type="none" w="med" len="med"/>
+          </a:ln>
+        </p:spPr>
+        <p:style>
+          <a:lnRef idx="2">
+            <a:schemeClr val="dk1"/>
+          </a:lnRef>
+          <a:fillRef idx="0">
+            <a:schemeClr val="dk1"/>
+          </a:fillRef>
+          <a:effectRef idx="1">
+            <a:schemeClr val="dk1"/>
+          </a:effectRef>
+          <a:fontRef idx="minor">
+            <a:schemeClr val="tx1"/>
+          </a:fontRef>
+        </p:style>
+      </p:cxnSp>
+      <p:cxnSp>
+        <p:nvCxnSpPr>
+          <p:cNvPr id="21" name="Gerader Verbinder 20">
+            <a:extLst>
+              <a:ext uri="{FF2B5EF4-FFF2-40B4-BE49-F238E27FC236}">
+                <a16:creationId xmlns:a16="http://schemas.microsoft.com/office/drawing/2014/main" id="{F2785A10-D5A4-F549-DAD2-9BEA4B2D6CA4}"/>
+              </a:ext>
+            </a:extLst>
+          </p:cNvPr>
+          <p:cNvCxnSpPr>
+            <a:cxnSpLocks/>
+            <a:stCxn id="8" idx="6"/>
+            <a:endCxn id="9" idx="2"/>
+          </p:cNvCxnSpPr>
+          <p:nvPr/>
+        </p:nvCxnSpPr>
+        <p:spPr>
+          <a:xfrm flipV="1">
+            <a:off x="5747997" y="2173535"/>
+            <a:ext cx="1157008" cy="1252687"/>
+          </a:xfrm>
+          <a:prstGeom prst="line">
+            <a:avLst/>
+          </a:prstGeom>
+          <a:ln>
+            <a:headEnd type="none" w="med" len="med"/>
+            <a:tailEnd type="none" w="med" len="med"/>
+          </a:ln>
+        </p:spPr>
+        <p:style>
+          <a:lnRef idx="2">
+            <a:schemeClr val="dk1"/>
+          </a:lnRef>
+          <a:fillRef idx="0">
+            <a:schemeClr val="dk1"/>
+          </a:fillRef>
+          <a:effectRef idx="1">
+            <a:schemeClr val="dk1"/>
+          </a:effectRef>
+          <a:fontRef idx="minor">
+            <a:schemeClr val="tx1"/>
+          </a:fontRef>
+        </p:style>
+      </p:cxnSp>
+      <p:cxnSp>
+        <p:nvCxnSpPr>
+          <p:cNvPr id="22" name="Gerader Verbinder 21">
+            <a:extLst>
+              <a:ext uri="{FF2B5EF4-FFF2-40B4-BE49-F238E27FC236}">
+                <a16:creationId xmlns:a16="http://schemas.microsoft.com/office/drawing/2014/main" id="{29C92846-A2A6-755D-8679-78ABA6437049}"/>
+              </a:ext>
+            </a:extLst>
+          </p:cNvPr>
+          <p:cNvCxnSpPr>
+            <a:cxnSpLocks/>
+            <a:stCxn id="8" idx="6"/>
+            <a:endCxn id="10" idx="2"/>
+          </p:cNvCxnSpPr>
+          <p:nvPr/>
+        </p:nvCxnSpPr>
+        <p:spPr>
+          <a:xfrm>
+            <a:off x="5747997" y="3426222"/>
+            <a:ext cx="1157008" cy="290059"/>
+          </a:xfrm>
+          <a:prstGeom prst="line">
+            <a:avLst/>
+          </a:prstGeom>
+          <a:ln>
+            <a:headEnd type="none" w="med" len="med"/>
+            <a:tailEnd type="none" w="med" len="med"/>
+          </a:ln>
+        </p:spPr>
+        <p:style>
+          <a:lnRef idx="2">
+            <a:schemeClr val="dk1"/>
+          </a:lnRef>
+          <a:fillRef idx="0">
+            <a:schemeClr val="dk1"/>
+          </a:fillRef>
+          <a:effectRef idx="1">
+            <a:schemeClr val="dk1"/>
+          </a:effectRef>
+          <a:fontRef idx="minor">
+            <a:schemeClr val="tx1"/>
+          </a:fontRef>
+        </p:style>
+      </p:cxnSp>
+      <p:sp>
+        <p:nvSpPr>
+          <p:cNvPr id="23" name="Textfeld 22">
+            <a:extLst>
+              <a:ext uri="{FF2B5EF4-FFF2-40B4-BE49-F238E27FC236}">
+                <a16:creationId xmlns:a16="http://schemas.microsoft.com/office/drawing/2014/main" id="{2BA7E819-6B2D-4744-FDAB-1D40F7F221DF}"/>
+              </a:ext>
+            </a:extLst>
+          </p:cNvPr>
+          <p:cNvSpPr txBox="1"/>
+          <p:nvPr/>
+        </p:nvSpPr>
+        <p:spPr>
+          <a:xfrm>
+            <a:off x="3417057" y="737865"/>
+            <a:ext cx="708828" cy="369332"/>
+          </a:xfrm>
+          <a:prstGeom prst="rect">
+            <a:avLst/>
+          </a:prstGeom>
+          <a:noFill/>
+        </p:spPr>
+        <p:txBody>
+          <a:bodyPr wrap="square">
+            <a:spAutoFit/>
+          </a:bodyPr>
+          <a:lstStyle/>
+          <a:p>
+            <a:r>
+              <a:rPr lang="de-DE" dirty="0">
+                <a:latin typeface="Arial" panose="020B0604020202020204" pitchFamily="34" charset="0"/>
+              </a:rPr>
+              <a:t>Input</a:t>
+            </a:r>
+            <a:endParaRPr lang="de-DE" dirty="0"/>
+          </a:p>
+        </p:txBody>
+      </p:sp>
+      <p:sp>
+        <p:nvSpPr>
+          <p:cNvPr id="24" name="Textfeld 23">
+            <a:extLst>
+              <a:ext uri="{FF2B5EF4-FFF2-40B4-BE49-F238E27FC236}">
+                <a16:creationId xmlns:a16="http://schemas.microsoft.com/office/drawing/2014/main" id="{758DF282-F0AA-6168-91F8-DAE787F6BAAD}"/>
+              </a:ext>
+            </a:extLst>
+          </p:cNvPr>
+          <p:cNvSpPr txBox="1"/>
+          <p:nvPr/>
+        </p:nvSpPr>
+        <p:spPr>
+          <a:xfrm>
+            <a:off x="6744349" y="737865"/>
+            <a:ext cx="909140" cy="369332"/>
+          </a:xfrm>
+          <a:prstGeom prst="rect">
+            <a:avLst/>
+          </a:prstGeom>
+          <a:noFill/>
+        </p:spPr>
+        <p:txBody>
+          <a:bodyPr wrap="square">
+            <a:spAutoFit/>
+          </a:bodyPr>
+          <a:lstStyle/>
+          <a:p>
+            <a:r>
+              <a:rPr lang="de-DE" dirty="0">
+                <a:latin typeface="Arial" panose="020B0604020202020204" pitchFamily="34" charset="0"/>
+              </a:rPr>
+              <a:t>Output</a:t>
+            </a:r>
+            <a:endParaRPr lang="de-DE" dirty="0"/>
+          </a:p>
+        </p:txBody>
+      </p:sp>
+      <p:sp>
+        <p:nvSpPr>
+          <p:cNvPr id="25" name="Textfeld 24">
+            <a:extLst>
+              <a:ext uri="{FF2B5EF4-FFF2-40B4-BE49-F238E27FC236}">
+                <a16:creationId xmlns:a16="http://schemas.microsoft.com/office/drawing/2014/main" id="{A4C27EA7-CCE7-EEB0-65A4-BDD843E9E5DD}"/>
+              </a:ext>
+            </a:extLst>
+          </p:cNvPr>
+          <p:cNvSpPr txBox="1"/>
+          <p:nvPr/>
+        </p:nvSpPr>
+        <p:spPr>
+          <a:xfrm>
+            <a:off x="5027514" y="737865"/>
+            <a:ext cx="909139" cy="369332"/>
+          </a:xfrm>
+          <a:prstGeom prst="rect">
+            <a:avLst/>
+          </a:prstGeom>
+          <a:noFill/>
+        </p:spPr>
+        <p:txBody>
+          <a:bodyPr wrap="square">
+            <a:spAutoFit/>
+          </a:bodyPr>
+          <a:lstStyle/>
+          <a:p>
+            <a:r>
+              <a:rPr lang="de-DE" dirty="0">
+                <a:latin typeface="Arial" panose="020B0604020202020204" pitchFamily="34" charset="0"/>
+              </a:rPr>
+              <a:t>Hidden</a:t>
+            </a:r>
+            <a:endParaRPr lang="de-DE" dirty="0"/>
+          </a:p>
+        </p:txBody>
+      </p:sp>
+      <p:sp>
+        <p:nvSpPr>
+          <p:cNvPr id="26" name="Ellipse 25">
+            <a:extLst>
+              <a:ext uri="{FF2B5EF4-FFF2-40B4-BE49-F238E27FC236}">
+                <a16:creationId xmlns:a16="http://schemas.microsoft.com/office/drawing/2014/main" id="{691CDB5A-81C0-762E-F552-079E964690A1}"/>
+              </a:ext>
+            </a:extLst>
+          </p:cNvPr>
+          <p:cNvSpPr/>
+          <p:nvPr/>
+        </p:nvSpPr>
+        <p:spPr>
+          <a:xfrm>
+            <a:off x="3487922" y="3429000"/>
+            <a:ext cx="587828" cy="587828"/>
+          </a:xfrm>
+          <a:prstGeom prst="ellipse">
+            <a:avLst/>
+          </a:prstGeom>
+          <a:solidFill>
+            <a:srgbClr val="00B0F0"/>
+          </a:solidFill>
+          <a:ln w="38100">
+            <a:solidFill>
+              <a:schemeClr val="tx1"/>
+            </a:solidFill>
+          </a:ln>
+        </p:spPr>
+        <p:style>
+          <a:lnRef idx="2">
+            <a:schemeClr val="accent1">
+              <a:shade val="50000"/>
+            </a:schemeClr>
+          </a:lnRef>
+          <a:fillRef idx="1">
+            <a:schemeClr val="accent1"/>
+          </a:fillRef>
+          <a:effectRef idx="0">
+            <a:schemeClr val="accent1"/>
+          </a:effectRef>
+          <a:fontRef idx="minor">
+            <a:schemeClr val="lt1"/>
+          </a:fontRef>
+        </p:style>
+        <p:txBody>
+          <a:bodyPr rtlCol="0" anchor="ctr"/>
+          <a:lstStyle/>
+          <a:p>
+            <a:pPr algn="ctr"/>
+            <a:endParaRPr lang="de-DE" dirty="0">
+              <a:solidFill>
+                <a:schemeClr val="tx1"/>
+              </a:solidFill>
+            </a:endParaRPr>
+          </a:p>
+        </p:txBody>
+      </p:sp>
+      <p:cxnSp>
+        <p:nvCxnSpPr>
+          <p:cNvPr id="27" name="Gerader Verbinder 26">
+            <a:extLst>
+              <a:ext uri="{FF2B5EF4-FFF2-40B4-BE49-F238E27FC236}">
+                <a16:creationId xmlns:a16="http://schemas.microsoft.com/office/drawing/2014/main" id="{DD649EF7-57F2-27F1-DD5A-3F55753A3414}"/>
+              </a:ext>
+            </a:extLst>
+          </p:cNvPr>
+          <p:cNvCxnSpPr>
+            <a:cxnSpLocks/>
+            <a:stCxn id="26" idx="6"/>
+            <a:endCxn id="8" idx="2"/>
+          </p:cNvCxnSpPr>
+          <p:nvPr/>
+        </p:nvCxnSpPr>
+        <p:spPr>
+          <a:xfrm flipV="1">
+            <a:off x="4075750" y="3426222"/>
+            <a:ext cx="1084419" cy="296692"/>
+          </a:xfrm>
+          <a:prstGeom prst="line">
+            <a:avLst/>
+          </a:prstGeom>
+          <a:ln>
+            <a:headEnd type="none" w="med" len="med"/>
+            <a:tailEnd type="none" w="med" len="med"/>
+          </a:ln>
+        </p:spPr>
+        <p:style>
+          <a:lnRef idx="2">
+            <a:schemeClr val="dk1"/>
+          </a:lnRef>
+          <a:fillRef idx="0">
+            <a:schemeClr val="dk1"/>
+          </a:fillRef>
+          <a:effectRef idx="1">
+            <a:schemeClr val="dk1"/>
+          </a:effectRef>
+          <a:fontRef idx="minor">
+            <a:schemeClr val="tx1"/>
+          </a:fontRef>
+        </p:style>
+      </p:cxnSp>
+      <p:cxnSp>
+        <p:nvCxnSpPr>
+          <p:cNvPr id="28" name="Gerader Verbinder 27">
+            <a:extLst>
+              <a:ext uri="{FF2B5EF4-FFF2-40B4-BE49-F238E27FC236}">
+                <a16:creationId xmlns:a16="http://schemas.microsoft.com/office/drawing/2014/main" id="{13250420-CD36-C3AC-4BF2-BF53F82D15B5}"/>
+              </a:ext>
+            </a:extLst>
+          </p:cNvPr>
+          <p:cNvCxnSpPr>
+            <a:cxnSpLocks/>
+            <a:stCxn id="26" idx="6"/>
+            <a:endCxn id="60" idx="2"/>
+          </p:cNvCxnSpPr>
+          <p:nvPr/>
+        </p:nvCxnSpPr>
+        <p:spPr>
+          <a:xfrm>
+            <a:off x="4075750" y="3722914"/>
+            <a:ext cx="1088964" cy="581195"/>
+          </a:xfrm>
+          <a:prstGeom prst="line">
+            <a:avLst/>
+          </a:prstGeom>
+          <a:ln>
+            <a:headEnd type="none" w="med" len="med"/>
+            <a:tailEnd type="none" w="med" len="med"/>
+          </a:ln>
+        </p:spPr>
+        <p:style>
+          <a:lnRef idx="2">
+            <a:schemeClr val="dk1"/>
+          </a:lnRef>
+          <a:fillRef idx="0">
+            <a:schemeClr val="dk1"/>
+          </a:fillRef>
+          <a:effectRef idx="1">
+            <a:schemeClr val="dk1"/>
+          </a:effectRef>
+          <a:fontRef idx="minor">
+            <a:schemeClr val="tx1"/>
+          </a:fontRef>
+        </p:style>
+      </p:cxnSp>
+      <p:sp>
+        <p:nvSpPr>
+          <p:cNvPr id="60" name="Ellipse 59">
+            <a:extLst>
+              <a:ext uri="{FF2B5EF4-FFF2-40B4-BE49-F238E27FC236}">
+                <a16:creationId xmlns:a16="http://schemas.microsoft.com/office/drawing/2014/main" id="{40EE0C68-2154-91BB-599D-6003B5958C12}"/>
+              </a:ext>
+            </a:extLst>
+          </p:cNvPr>
+          <p:cNvSpPr/>
+          <p:nvPr/>
+        </p:nvSpPr>
+        <p:spPr>
+          <a:xfrm>
+            <a:off x="5164714" y="4010195"/>
+            <a:ext cx="587828" cy="587828"/>
+          </a:xfrm>
+          <a:prstGeom prst="ellipse">
+            <a:avLst/>
+          </a:prstGeom>
+          <a:solidFill>
+            <a:srgbClr val="C00000"/>
+          </a:solidFill>
+          <a:ln w="38100">
+            <a:solidFill>
+              <a:schemeClr val="tx1"/>
+            </a:solidFill>
+          </a:ln>
+        </p:spPr>
+        <p:style>
+          <a:lnRef idx="2">
+            <a:schemeClr val="accent1">
+              <a:shade val="50000"/>
+            </a:schemeClr>
+          </a:lnRef>
+          <a:fillRef idx="1">
+            <a:schemeClr val="accent1"/>
+          </a:fillRef>
+          <a:effectRef idx="0">
+            <a:schemeClr val="accent1"/>
+          </a:effectRef>
+          <a:fontRef idx="minor">
+            <a:schemeClr val="lt1"/>
+          </a:fontRef>
+        </p:style>
+        <p:txBody>
+          <a:bodyPr rtlCol="0" anchor="ctr"/>
+          <a:lstStyle/>
+          <a:p>
+            <a:pPr algn="ctr"/>
+            <a:endParaRPr lang="de-DE" dirty="0">
+              <a:solidFill>
+                <a:schemeClr val="tx1"/>
+              </a:solidFill>
+            </a:endParaRPr>
+          </a:p>
+        </p:txBody>
+      </p:sp>
+      <p:cxnSp>
+        <p:nvCxnSpPr>
+          <p:cNvPr id="63" name="Gerader Verbinder 62">
+            <a:extLst>
+              <a:ext uri="{FF2B5EF4-FFF2-40B4-BE49-F238E27FC236}">
+                <a16:creationId xmlns:a16="http://schemas.microsoft.com/office/drawing/2014/main" id="{A51B9411-36F0-04A2-535A-5290D27A6A21}"/>
+              </a:ext>
+            </a:extLst>
+          </p:cNvPr>
+          <p:cNvCxnSpPr>
+            <a:cxnSpLocks/>
+            <a:stCxn id="4" idx="6"/>
+            <a:endCxn id="60" idx="2"/>
+          </p:cNvCxnSpPr>
+          <p:nvPr/>
+        </p:nvCxnSpPr>
+        <p:spPr>
+          <a:xfrm>
+            <a:off x="4071607" y="2164655"/>
+            <a:ext cx="1093107" cy="2139454"/>
+          </a:xfrm>
+          <a:prstGeom prst="line">
+            <a:avLst/>
+          </a:prstGeom>
+          <a:ln>
+            <a:headEnd type="none" w="med" len="med"/>
+            <a:tailEnd type="none" w="med" len="med"/>
+          </a:ln>
+        </p:spPr>
+        <p:style>
+          <a:lnRef idx="2">
+            <a:schemeClr val="dk1"/>
+          </a:lnRef>
+          <a:fillRef idx="0">
+            <a:schemeClr val="dk1"/>
+          </a:fillRef>
+          <a:effectRef idx="1">
+            <a:schemeClr val="dk1"/>
+          </a:effectRef>
+          <a:fontRef idx="minor">
+            <a:schemeClr val="tx1"/>
+          </a:fontRef>
+        </p:style>
+      </p:cxnSp>
+      <p:cxnSp>
+        <p:nvCxnSpPr>
+          <p:cNvPr id="66" name="Gerader Verbinder 65">
+            <a:extLst>
+              <a:ext uri="{FF2B5EF4-FFF2-40B4-BE49-F238E27FC236}">
+                <a16:creationId xmlns:a16="http://schemas.microsoft.com/office/drawing/2014/main" id="{CA925BDD-5D0D-D95C-8E36-2E5C70FB7187}"/>
+              </a:ext>
+            </a:extLst>
+          </p:cNvPr>
+          <p:cNvCxnSpPr>
+            <a:cxnSpLocks/>
+            <a:stCxn id="5" idx="6"/>
+            <a:endCxn id="60" idx="2"/>
+          </p:cNvCxnSpPr>
+          <p:nvPr/>
+        </p:nvCxnSpPr>
+        <p:spPr>
+          <a:xfrm>
+            <a:off x="4071607" y="2937149"/>
+            <a:ext cx="1093107" cy="1366960"/>
+          </a:xfrm>
+          <a:prstGeom prst="line">
+            <a:avLst/>
+          </a:prstGeom>
+          <a:ln>
+            <a:headEnd type="none" w="med" len="med"/>
+            <a:tailEnd type="none" w="med" len="med"/>
+          </a:ln>
+        </p:spPr>
+        <p:style>
+          <a:lnRef idx="2">
+            <a:schemeClr val="dk1"/>
+          </a:lnRef>
+          <a:fillRef idx="0">
+            <a:schemeClr val="dk1"/>
+          </a:fillRef>
+          <a:effectRef idx="1">
+            <a:schemeClr val="dk1"/>
+          </a:effectRef>
+          <a:fontRef idx="minor">
+            <a:schemeClr val="tx1"/>
+          </a:fontRef>
+        </p:style>
+      </p:cxnSp>
+      <p:cxnSp>
+        <p:nvCxnSpPr>
+          <p:cNvPr id="69" name="Gerader Verbinder 68">
+            <a:extLst>
+              <a:ext uri="{FF2B5EF4-FFF2-40B4-BE49-F238E27FC236}">
+                <a16:creationId xmlns:a16="http://schemas.microsoft.com/office/drawing/2014/main" id="{B716EB7C-23F1-32E9-6185-55154C37070F}"/>
+              </a:ext>
+            </a:extLst>
+          </p:cNvPr>
+          <p:cNvCxnSpPr>
+            <a:cxnSpLocks/>
+            <a:stCxn id="26" idx="6"/>
+            <a:endCxn id="7" idx="2"/>
+          </p:cNvCxnSpPr>
+          <p:nvPr/>
+        </p:nvCxnSpPr>
+        <p:spPr>
+          <a:xfrm flipV="1">
+            <a:off x="4075750" y="2545656"/>
+            <a:ext cx="1079743" cy="1177258"/>
+          </a:xfrm>
+          <a:prstGeom prst="line">
+            <a:avLst/>
+          </a:prstGeom>
+          <a:ln>
+            <a:headEnd type="none" w="med" len="med"/>
+            <a:tailEnd type="none" w="med" len="med"/>
+          </a:ln>
+        </p:spPr>
+        <p:style>
+          <a:lnRef idx="2">
+            <a:schemeClr val="dk1"/>
+          </a:lnRef>
+          <a:fillRef idx="0">
+            <a:schemeClr val="dk1"/>
+          </a:fillRef>
+          <a:effectRef idx="1">
+            <a:schemeClr val="dk1"/>
+          </a:effectRef>
+          <a:fontRef idx="minor">
+            <a:schemeClr val="tx1"/>
+          </a:fontRef>
+        </p:style>
+      </p:cxnSp>
+      <p:cxnSp>
+        <p:nvCxnSpPr>
+          <p:cNvPr id="72" name="Gerader Verbinder 71">
+            <a:extLst>
+              <a:ext uri="{FF2B5EF4-FFF2-40B4-BE49-F238E27FC236}">
+                <a16:creationId xmlns:a16="http://schemas.microsoft.com/office/drawing/2014/main" id="{79C89593-F802-39F7-8A30-4D063AFEC5C4}"/>
+              </a:ext>
+            </a:extLst>
+          </p:cNvPr>
+          <p:cNvCxnSpPr>
+            <a:cxnSpLocks/>
+            <a:stCxn id="26" idx="6"/>
+            <a:endCxn id="6" idx="2"/>
+          </p:cNvCxnSpPr>
+          <p:nvPr/>
+        </p:nvCxnSpPr>
+        <p:spPr>
+          <a:xfrm flipV="1">
+            <a:off x="4075750" y="1650381"/>
+            <a:ext cx="1075067" cy="2072533"/>
+          </a:xfrm>
+          <a:prstGeom prst="line">
+            <a:avLst/>
+          </a:prstGeom>
+          <a:ln>
+            <a:headEnd type="none" w="med" len="med"/>
+            <a:tailEnd type="none" w="med" len="med"/>
+          </a:ln>
+        </p:spPr>
+        <p:style>
+          <a:lnRef idx="2">
+            <a:schemeClr val="dk1"/>
+          </a:lnRef>
+          <a:fillRef idx="0">
+            <a:schemeClr val="dk1"/>
+          </a:fillRef>
+          <a:effectRef idx="1">
+            <a:schemeClr val="dk1"/>
+          </a:effectRef>
+          <a:fontRef idx="minor">
+            <a:schemeClr val="tx1"/>
+          </a:fontRef>
+        </p:style>
+      </p:cxnSp>
+      <p:cxnSp>
+        <p:nvCxnSpPr>
+          <p:cNvPr id="77" name="Gerader Verbinder 76">
+            <a:extLst>
+              <a:ext uri="{FF2B5EF4-FFF2-40B4-BE49-F238E27FC236}">
+                <a16:creationId xmlns:a16="http://schemas.microsoft.com/office/drawing/2014/main" id="{34483950-B97E-C475-EAE1-E04E9D2C7701}"/>
+              </a:ext>
+            </a:extLst>
+          </p:cNvPr>
+          <p:cNvCxnSpPr>
+            <a:cxnSpLocks/>
+            <a:stCxn id="60" idx="6"/>
+            <a:endCxn id="10" idx="2"/>
+          </p:cNvCxnSpPr>
+          <p:nvPr/>
+        </p:nvCxnSpPr>
+        <p:spPr>
+          <a:xfrm flipV="1">
+            <a:off x="5752542" y="3716281"/>
+            <a:ext cx="1152463" cy="587828"/>
+          </a:xfrm>
+          <a:prstGeom prst="line">
+            <a:avLst/>
+          </a:prstGeom>
+          <a:ln>
+            <a:headEnd type="none" w="med" len="med"/>
+            <a:tailEnd type="none" w="med" len="med"/>
+          </a:ln>
+        </p:spPr>
+        <p:style>
+          <a:lnRef idx="2">
+            <a:schemeClr val="dk1"/>
+          </a:lnRef>
+          <a:fillRef idx="0">
+            <a:schemeClr val="dk1"/>
+          </a:fillRef>
+          <a:effectRef idx="1">
+            <a:schemeClr val="dk1"/>
+          </a:effectRef>
+          <a:fontRef idx="minor">
+            <a:schemeClr val="tx1"/>
+          </a:fontRef>
+        </p:style>
+      </p:cxnSp>
+      <p:cxnSp>
+        <p:nvCxnSpPr>
+          <p:cNvPr id="80" name="Gerader Verbinder 79">
+            <a:extLst>
+              <a:ext uri="{FF2B5EF4-FFF2-40B4-BE49-F238E27FC236}">
+                <a16:creationId xmlns:a16="http://schemas.microsoft.com/office/drawing/2014/main" id="{4D25E87D-88A3-BDC7-53E8-C02A6B587A18}"/>
+              </a:ext>
+            </a:extLst>
+          </p:cNvPr>
+          <p:cNvCxnSpPr>
+            <a:cxnSpLocks/>
+            <a:stCxn id="60" idx="6"/>
+            <a:endCxn id="9" idx="2"/>
+          </p:cNvCxnSpPr>
+          <p:nvPr/>
+        </p:nvCxnSpPr>
+        <p:spPr>
+          <a:xfrm flipV="1">
+            <a:off x="5752542" y="2173535"/>
+            <a:ext cx="1152463" cy="2130574"/>
+          </a:xfrm>
+          <a:prstGeom prst="line">
+            <a:avLst/>
+          </a:prstGeom>
+          <a:ln>
+            <a:headEnd type="none" w="med" len="med"/>
+            <a:tailEnd type="none" w="med" len="med"/>
+          </a:ln>
+        </p:spPr>
+        <p:style>
+          <a:lnRef idx="2">
+            <a:schemeClr val="dk1"/>
+          </a:lnRef>
+          <a:fillRef idx="0">
+            <a:schemeClr val="dk1"/>
+          </a:fillRef>
+          <a:effectRef idx="1">
+            <a:schemeClr val="dk1"/>
+          </a:effectRef>
+          <a:fontRef idx="minor">
+            <a:schemeClr val="tx1"/>
+          </a:fontRef>
+        </p:style>
+      </p:cxnSp>
+      <p:sp>
+        <p:nvSpPr>
+          <p:cNvPr id="125" name="Ellipse 124">
+            <a:extLst>
+              <a:ext uri="{FF2B5EF4-FFF2-40B4-BE49-F238E27FC236}">
+                <a16:creationId xmlns:a16="http://schemas.microsoft.com/office/drawing/2014/main" id="{376D16DD-4E63-6C39-27E3-FEFE3A2E1BC2}"/>
+              </a:ext>
+            </a:extLst>
+          </p:cNvPr>
+          <p:cNvSpPr/>
+          <p:nvPr/>
+        </p:nvSpPr>
+        <p:spPr>
+          <a:xfrm>
+            <a:off x="6895784" y="2655450"/>
+            <a:ext cx="587828" cy="587828"/>
+          </a:xfrm>
+          <a:prstGeom prst="ellipse">
+            <a:avLst/>
+          </a:prstGeom>
+          <a:solidFill>
+            <a:srgbClr val="00B050"/>
+          </a:solidFill>
+          <a:ln w="38100">
+            <a:solidFill>
+              <a:schemeClr val="tx1"/>
+            </a:solidFill>
+          </a:ln>
+        </p:spPr>
+        <p:style>
+          <a:lnRef idx="2">
+            <a:schemeClr val="accent1">
+              <a:shade val="50000"/>
+            </a:schemeClr>
+          </a:lnRef>
+          <a:fillRef idx="1">
+            <a:schemeClr val="accent1"/>
+          </a:fillRef>
+          <a:effectRef idx="0">
+            <a:schemeClr val="accent1"/>
+          </a:effectRef>
+          <a:fontRef idx="minor">
+            <a:schemeClr val="lt1"/>
+          </a:fontRef>
+        </p:style>
+        <p:txBody>
+          <a:bodyPr rtlCol="0" anchor="ctr"/>
+          <a:lstStyle/>
+          <a:p>
+            <a:pPr algn="ctr"/>
+            <a:endParaRPr lang="de-DE" dirty="0">
+              <a:solidFill>
+                <a:schemeClr val="tx1"/>
+              </a:solidFill>
+            </a:endParaRPr>
+          </a:p>
+        </p:txBody>
+      </p:sp>
+      <p:cxnSp>
+        <p:nvCxnSpPr>
+          <p:cNvPr id="126" name="Gerader Verbinder 125">
+            <a:extLst>
+              <a:ext uri="{FF2B5EF4-FFF2-40B4-BE49-F238E27FC236}">
+                <a16:creationId xmlns:a16="http://schemas.microsoft.com/office/drawing/2014/main" id="{61B8621E-0013-C707-375E-2C98B2A53A86}"/>
+              </a:ext>
+            </a:extLst>
+          </p:cNvPr>
+          <p:cNvCxnSpPr>
+            <a:cxnSpLocks/>
+            <a:stCxn id="6" idx="6"/>
+            <a:endCxn id="125" idx="2"/>
+          </p:cNvCxnSpPr>
+          <p:nvPr/>
+        </p:nvCxnSpPr>
+        <p:spPr>
+          <a:xfrm>
+            <a:off x="5738645" y="1650381"/>
+            <a:ext cx="1157139" cy="1298983"/>
+          </a:xfrm>
+          <a:prstGeom prst="line">
+            <a:avLst/>
+          </a:prstGeom>
+          <a:ln>
+            <a:headEnd type="none" w="med" len="med"/>
+            <a:tailEnd type="none" w="med" len="med"/>
+          </a:ln>
+        </p:spPr>
+        <p:style>
+          <a:lnRef idx="2">
+            <a:schemeClr val="dk1"/>
+          </a:lnRef>
+          <a:fillRef idx="0">
+            <a:schemeClr val="dk1"/>
+          </a:fillRef>
+          <a:effectRef idx="1">
+            <a:schemeClr val="dk1"/>
+          </a:effectRef>
+          <a:fontRef idx="minor">
+            <a:schemeClr val="tx1"/>
+          </a:fontRef>
+        </p:style>
+      </p:cxnSp>
+      <p:cxnSp>
+        <p:nvCxnSpPr>
+          <p:cNvPr id="127" name="Gerader Verbinder 126">
+            <a:extLst>
+              <a:ext uri="{FF2B5EF4-FFF2-40B4-BE49-F238E27FC236}">
+                <a16:creationId xmlns:a16="http://schemas.microsoft.com/office/drawing/2014/main" id="{4C5F9595-255D-0BD6-B6EA-B16F457A2A3F}"/>
+              </a:ext>
+            </a:extLst>
+          </p:cNvPr>
+          <p:cNvCxnSpPr>
+            <a:cxnSpLocks/>
+            <a:stCxn id="7" idx="6"/>
+            <a:endCxn id="125" idx="2"/>
+          </p:cNvCxnSpPr>
+          <p:nvPr/>
+        </p:nvCxnSpPr>
+        <p:spPr>
+          <a:xfrm>
+            <a:off x="5743321" y="2545656"/>
+            <a:ext cx="1152463" cy="403708"/>
+          </a:xfrm>
+          <a:prstGeom prst="line">
+            <a:avLst/>
+          </a:prstGeom>
+          <a:ln>
+            <a:headEnd type="none" w="med" len="med"/>
+            <a:tailEnd type="none" w="med" len="med"/>
+          </a:ln>
+        </p:spPr>
+        <p:style>
+          <a:lnRef idx="2">
+            <a:schemeClr val="dk1"/>
+          </a:lnRef>
+          <a:fillRef idx="0">
+            <a:schemeClr val="dk1"/>
+          </a:fillRef>
+          <a:effectRef idx="1">
+            <a:schemeClr val="dk1"/>
+          </a:effectRef>
+          <a:fontRef idx="minor">
+            <a:schemeClr val="tx1"/>
+          </a:fontRef>
+        </p:style>
+      </p:cxnSp>
+      <p:cxnSp>
+        <p:nvCxnSpPr>
+          <p:cNvPr id="128" name="Gerader Verbinder 127">
+            <a:extLst>
+              <a:ext uri="{FF2B5EF4-FFF2-40B4-BE49-F238E27FC236}">
+                <a16:creationId xmlns:a16="http://schemas.microsoft.com/office/drawing/2014/main" id="{2228C1B7-5371-73C3-82BD-BEE63C9B183A}"/>
+              </a:ext>
+            </a:extLst>
+          </p:cNvPr>
+          <p:cNvCxnSpPr>
+            <a:cxnSpLocks/>
+            <a:stCxn id="8" idx="6"/>
+            <a:endCxn id="125" idx="2"/>
+          </p:cNvCxnSpPr>
+          <p:nvPr/>
+        </p:nvCxnSpPr>
+        <p:spPr>
+          <a:xfrm flipV="1">
+            <a:off x="5747997" y="2949364"/>
+            <a:ext cx="1147787" cy="476858"/>
+          </a:xfrm>
+          <a:prstGeom prst="line">
+            <a:avLst/>
+          </a:prstGeom>
+          <a:ln>
+            <a:headEnd type="none" w="med" len="med"/>
+            <a:tailEnd type="none" w="med" len="med"/>
+          </a:ln>
+        </p:spPr>
+        <p:style>
+          <a:lnRef idx="2">
+            <a:schemeClr val="dk1"/>
+          </a:lnRef>
+          <a:fillRef idx="0">
+            <a:schemeClr val="dk1"/>
+          </a:fillRef>
+          <a:effectRef idx="1">
+            <a:schemeClr val="dk1"/>
+          </a:effectRef>
+          <a:fontRef idx="minor">
+            <a:schemeClr val="tx1"/>
+          </a:fontRef>
+        </p:style>
+      </p:cxnSp>
+      <p:cxnSp>
+        <p:nvCxnSpPr>
+          <p:cNvPr id="129" name="Gerader Verbinder 128">
+            <a:extLst>
+              <a:ext uri="{FF2B5EF4-FFF2-40B4-BE49-F238E27FC236}">
+                <a16:creationId xmlns:a16="http://schemas.microsoft.com/office/drawing/2014/main" id="{D7CC8E24-74AB-B604-78BA-EF154E7D4602}"/>
+              </a:ext>
+            </a:extLst>
+          </p:cNvPr>
+          <p:cNvCxnSpPr>
+            <a:cxnSpLocks/>
+            <a:stCxn id="60" idx="6"/>
+            <a:endCxn id="125" idx="2"/>
+          </p:cNvCxnSpPr>
+          <p:nvPr/>
+        </p:nvCxnSpPr>
+        <p:spPr>
+          <a:xfrm flipV="1">
+            <a:off x="5752542" y="2949364"/>
+            <a:ext cx="1143242" cy="1354745"/>
+          </a:xfrm>
+          <a:prstGeom prst="line">
+            <a:avLst/>
+          </a:prstGeom>
+          <a:ln>
+            <a:headEnd type="none" w="med" len="med"/>
+            <a:tailEnd type="none" w="med" len="med"/>
+          </a:ln>
+        </p:spPr>
+        <p:style>
+          <a:lnRef idx="2">
+            <a:schemeClr val="dk1"/>
+          </a:lnRef>
+          <a:fillRef idx="0">
+            <a:schemeClr val="dk1"/>
+          </a:fillRef>
+          <a:effectRef idx="1">
+            <a:schemeClr val="dk1"/>
+          </a:effectRef>
+          <a:fontRef idx="minor">
+            <a:schemeClr val="tx1"/>
+          </a:fontRef>
+        </p:style>
+      </p:cxnSp>
+    </p:spTree>
+    <p:extLst>
+      <p:ext uri="{BB962C8B-B14F-4D97-AF65-F5344CB8AC3E}">
+        <p14:creationId xmlns:p14="http://schemas.microsoft.com/office/powerpoint/2010/main" val="698652424"/>
+      </p:ext>
+    </p:extLst>
+  </p:cSld>
+  <p:clrMapOvr>
+    <a:masterClrMapping/>
+  </p:clrMapOvr>
+</p:sld>
+</file>
+
+<file path=ppt/slides/slide9.xml><?xml version="1.0" encoding="utf-8"?>
+<p:sld xmlns:a="http://schemas.openxmlformats.org/drawingml/2006/main" xmlns:r="http://schemas.openxmlformats.org/officeDocument/2006/relationships" xmlns:p="http://schemas.openxmlformats.org/presentationml/2006/main">
+  <p:cSld>
+    <p:spTree>
+      <p:nvGrpSpPr>
+        <p:cNvPr id="1" name="">
+          <a:extLst>
+            <a:ext uri="{FF2B5EF4-FFF2-40B4-BE49-F238E27FC236}">
+              <a16:creationId xmlns:a16="http://schemas.microsoft.com/office/drawing/2014/main" id="{B7B5312B-BBE1-10F8-E978-3DD6DBF738C5}"/>
+            </a:ext>
+          </a:extLst>
+        </p:cNvPr>
+        <p:cNvGrpSpPr/>
+        <p:nvPr/>
+      </p:nvGrpSpPr>
+      <p:grpSpPr>
+        <a:xfrm>
+          <a:off x="0" y="0"/>
+          <a:ext cx="0" cy="0"/>
+          <a:chOff x="0" y="0"/>
+          <a:chExt cx="0" cy="0"/>
+        </a:xfrm>
+      </p:grpSpPr>
+      <p:sp>
+        <p:nvSpPr>
+          <p:cNvPr id="65" name="Ellipse 64">
+            <a:extLst>
+              <a:ext uri="{FF2B5EF4-FFF2-40B4-BE49-F238E27FC236}">
+                <a16:creationId xmlns:a16="http://schemas.microsoft.com/office/drawing/2014/main" id="{E40C0E71-A83E-9009-535D-DBDB73CFD931}"/>
+              </a:ext>
+            </a:extLst>
+          </p:cNvPr>
+          <p:cNvSpPr/>
+          <p:nvPr/>
+        </p:nvSpPr>
+        <p:spPr>
+          <a:xfrm>
+            <a:off x="2186492" y="1636457"/>
+            <a:ext cx="816542" cy="816542"/>
+          </a:xfrm>
+          <a:prstGeom prst="ellipse">
+            <a:avLst/>
+          </a:prstGeom>
+          <a:solidFill>
+            <a:srgbClr val="00B0F0"/>
+          </a:solidFill>
+          <a:ln w="38100">
+            <a:solidFill>
+              <a:schemeClr val="tx1"/>
+            </a:solidFill>
+          </a:ln>
+        </p:spPr>
+        <p:style>
+          <a:lnRef idx="2">
+            <a:schemeClr val="accent1">
+              <a:shade val="50000"/>
+            </a:schemeClr>
+          </a:lnRef>
+          <a:fillRef idx="1">
+            <a:schemeClr val="accent1"/>
+          </a:fillRef>
+          <a:effectRef idx="0">
+            <a:schemeClr val="accent1"/>
+          </a:effectRef>
+          <a:fontRef idx="minor">
+            <a:schemeClr val="lt1"/>
+          </a:fontRef>
+        </p:style>
+        <p:txBody>
+          <a:bodyPr rtlCol="0" anchor="ctr"/>
+          <a:lstStyle/>
+          <a:p>
+            <a:pPr algn="ctr"/>
+            <a:r>
+              <a:rPr lang="el-GR" sz="4800" dirty="0">
+                <a:solidFill>
+                  <a:schemeClr val="tx1"/>
+                </a:solidFill>
+                <a:latin typeface="Cambria Math" panose="02040503050406030204" pitchFamily="18" charset="0"/>
+                <a:ea typeface="Cambria Math" panose="02040503050406030204" pitchFamily="18" charset="0"/>
+              </a:rPr>
+              <a:t>Σ</a:t>
+            </a:r>
+            <a:endParaRPr lang="de-DE" sz="4800" dirty="0">
+              <a:solidFill>
+                <a:schemeClr val="tx1"/>
+              </a:solidFill>
+              <a:latin typeface="Cambria Math" panose="02040503050406030204" pitchFamily="18" charset="0"/>
+              <a:ea typeface="Cambria Math" panose="02040503050406030204" pitchFamily="18" charset="0"/>
+            </a:endParaRPr>
+          </a:p>
+        </p:txBody>
+      </p:sp>
+      <p:sp>
+        <p:nvSpPr>
+          <p:cNvPr id="67" name="Ellipse 66">
+            <a:extLst>
+              <a:ext uri="{FF2B5EF4-FFF2-40B4-BE49-F238E27FC236}">
+                <a16:creationId xmlns:a16="http://schemas.microsoft.com/office/drawing/2014/main" id="{A596D83C-76AA-B29F-5967-D9FF8F7F23D1}"/>
+              </a:ext>
+            </a:extLst>
+          </p:cNvPr>
+          <p:cNvSpPr/>
+          <p:nvPr/>
+        </p:nvSpPr>
+        <p:spPr>
+          <a:xfrm>
+            <a:off x="4345043" y="1650283"/>
+            <a:ext cx="816542" cy="816542"/>
+          </a:xfrm>
+          <a:prstGeom prst="ellipse">
+            <a:avLst/>
+          </a:prstGeom>
+          <a:solidFill>
+            <a:srgbClr val="00B0F0"/>
+          </a:solidFill>
+          <a:ln w="38100">
+            <a:solidFill>
+              <a:schemeClr val="tx1"/>
+            </a:solidFill>
+          </a:ln>
+        </p:spPr>
+        <p:style>
+          <a:lnRef idx="2">
+            <a:schemeClr val="accent1">
+              <a:shade val="50000"/>
+            </a:schemeClr>
+          </a:lnRef>
+          <a:fillRef idx="1">
+            <a:schemeClr val="accent1"/>
+          </a:fillRef>
+          <a:effectRef idx="0">
+            <a:schemeClr val="accent1"/>
+          </a:effectRef>
+          <a:fontRef idx="minor">
+            <a:schemeClr val="lt1"/>
+          </a:fontRef>
+        </p:style>
+        <p:txBody>
+          <a:bodyPr rtlCol="0" anchor="ctr"/>
+          <a:lstStyle/>
+          <a:p>
+            <a:pPr algn="ctr"/>
+            <a:endParaRPr lang="de-DE" sz="4400" dirty="0">
+              <a:solidFill>
+                <a:schemeClr val="tx1"/>
+              </a:solidFill>
+            </a:endParaRPr>
+          </a:p>
+        </p:txBody>
+      </p:sp>
+      <p:sp>
+        <p:nvSpPr>
+          <p:cNvPr id="68" name="Ellipse 67">
+            <a:extLst>
+              <a:ext uri="{FF2B5EF4-FFF2-40B4-BE49-F238E27FC236}">
+                <a16:creationId xmlns:a16="http://schemas.microsoft.com/office/drawing/2014/main" id="{3205FB16-D0B9-5193-2FE0-191EA09054F7}"/>
+              </a:ext>
+            </a:extLst>
+          </p:cNvPr>
+          <p:cNvSpPr/>
+          <p:nvPr/>
+        </p:nvSpPr>
+        <p:spPr>
+          <a:xfrm>
+            <a:off x="508471" y="822117"/>
+            <a:ext cx="378784" cy="378784"/>
+          </a:xfrm>
+          <a:prstGeom prst="ellipse">
+            <a:avLst/>
+          </a:prstGeom>
+          <a:solidFill>
+            <a:schemeClr val="bg1"/>
+          </a:solidFill>
+          <a:ln w="38100">
+            <a:solidFill>
+              <a:schemeClr val="tx1"/>
+            </a:solidFill>
+          </a:ln>
+        </p:spPr>
+        <p:style>
+          <a:lnRef idx="2">
+            <a:schemeClr val="accent1">
+              <a:shade val="50000"/>
+            </a:schemeClr>
+          </a:lnRef>
+          <a:fillRef idx="1">
+            <a:schemeClr val="accent1"/>
+          </a:fillRef>
+          <a:effectRef idx="0">
+            <a:schemeClr val="accent1"/>
+          </a:effectRef>
+          <a:fontRef idx="minor">
+            <a:schemeClr val="lt1"/>
+          </a:fontRef>
+        </p:style>
+        <p:txBody>
+          <a:bodyPr rtlCol="0" anchor="ctr"/>
+          <a:lstStyle/>
+          <a:p>
+            <a:pPr algn="ctr"/>
+            <a:endParaRPr lang="de-DE" dirty="0">
+              <a:solidFill>
+                <a:schemeClr val="tx1"/>
+              </a:solidFill>
+            </a:endParaRPr>
+          </a:p>
+        </p:txBody>
+      </p:sp>
+      <p:sp>
+        <p:nvSpPr>
+          <p:cNvPr id="70" name="Ellipse 69">
+            <a:extLst>
+              <a:ext uri="{FF2B5EF4-FFF2-40B4-BE49-F238E27FC236}">
+                <a16:creationId xmlns:a16="http://schemas.microsoft.com/office/drawing/2014/main" id="{CB6B09D1-2143-7203-80CB-4A7AB173DF6D}"/>
+              </a:ext>
+            </a:extLst>
+          </p:cNvPr>
+          <p:cNvSpPr/>
+          <p:nvPr/>
+        </p:nvSpPr>
+        <p:spPr>
+          <a:xfrm>
+            <a:off x="521171" y="1834716"/>
+            <a:ext cx="378784" cy="378784"/>
+          </a:xfrm>
+          <a:prstGeom prst="ellipse">
+            <a:avLst/>
+          </a:prstGeom>
+          <a:solidFill>
+            <a:schemeClr val="bg1"/>
+          </a:solidFill>
+          <a:ln w="38100">
+            <a:solidFill>
+              <a:schemeClr val="tx1"/>
+            </a:solidFill>
+          </a:ln>
+        </p:spPr>
+        <p:style>
+          <a:lnRef idx="2">
+            <a:schemeClr val="accent1">
+              <a:shade val="50000"/>
+            </a:schemeClr>
+          </a:lnRef>
+          <a:fillRef idx="1">
+            <a:schemeClr val="accent1"/>
+          </a:fillRef>
+          <a:effectRef idx="0">
+            <a:schemeClr val="accent1"/>
+          </a:effectRef>
+          <a:fontRef idx="minor">
+            <a:schemeClr val="lt1"/>
+          </a:fontRef>
+        </p:style>
+        <p:txBody>
+          <a:bodyPr rtlCol="0" anchor="ctr"/>
+          <a:lstStyle/>
+          <a:p>
+            <a:pPr algn="ctr"/>
+            <a:endParaRPr lang="de-DE" dirty="0">
+              <a:solidFill>
+                <a:schemeClr val="tx1"/>
+              </a:solidFill>
+            </a:endParaRPr>
+          </a:p>
+        </p:txBody>
+      </p:sp>
+      <mc:AlternateContent xmlns:mc="http://schemas.openxmlformats.org/markup-compatibility/2006">
+        <mc:Choice xmlns:a14="http://schemas.microsoft.com/office/drawing/2010/main" Requires="a14">
+          <p:sp>
+            <p:nvSpPr>
+              <p:cNvPr id="71" name="Textfeld 70">
+                <a:extLst>
+                  <a:ext uri="{FF2B5EF4-FFF2-40B4-BE49-F238E27FC236}">
+                    <a16:creationId xmlns:a16="http://schemas.microsoft.com/office/drawing/2014/main" id="{BF74EC93-5B88-1554-7F11-52D9797AD9E1}"/>
+                  </a:ext>
+                </a:extLst>
+              </p:cNvPr>
+              <p:cNvSpPr txBox="1"/>
+              <p:nvPr/>
+            </p:nvSpPr>
+            <p:spPr>
+              <a:xfrm>
+                <a:off x="507363" y="1802966"/>
+                <a:ext cx="342900" cy="369332"/>
+              </a:xfrm>
+              <a:prstGeom prst="rect">
+                <a:avLst/>
+              </a:prstGeom>
+              <a:noFill/>
+            </p:spPr>
+            <p:txBody>
+              <a:bodyPr wrap="square">
+                <a:spAutoFit/>
+              </a:bodyPr>
+              <a:lstStyle/>
+              <a:p>
+                <a:pPr/>
+                <a14:m>
+                  <m:oMathPara xmlns:m="http://schemas.openxmlformats.org/officeDocument/2006/math">
+                    <m:oMathParaPr>
+                      <m:jc m:val="centerGroup"/>
+                    </m:oMathParaPr>
+                    <m:oMath xmlns:m="http://schemas.openxmlformats.org/officeDocument/2006/math">
+                      <m:sSub>
+                        <m:sSubPr>
+                          <m:ctrlPr>
+                            <a:rPr lang="de-DE" b="0" i="1" smtClean="0">
+                              <a:solidFill>
+                                <a:schemeClr val="tx1"/>
+                              </a:solidFill>
+                              <a:latin typeface="Cambria Math" panose="02040503050406030204" pitchFamily="18" charset="0"/>
+                            </a:rPr>
+                          </m:ctrlPr>
+                        </m:sSubPr>
+                        <m:e>
+                          <m:r>
+                            <a:rPr lang="de-DE" b="0" i="1" smtClean="0">
+                              <a:solidFill>
+                                <a:schemeClr val="tx1"/>
+                              </a:solidFill>
+                              <a:latin typeface="Cambria Math" panose="02040503050406030204" pitchFamily="18" charset="0"/>
+                            </a:rPr>
+                            <m:t>𝑥</m:t>
+                          </m:r>
+                        </m:e>
+                        <m:sub>
+                          <m:r>
+                            <a:rPr lang="de-DE" b="0" i="1" smtClean="0">
+                              <a:solidFill>
+                                <a:schemeClr val="tx1"/>
+                              </a:solidFill>
+                              <a:latin typeface="Cambria Math" panose="02040503050406030204" pitchFamily="18" charset="0"/>
+                            </a:rPr>
+                            <m:t>𝑛</m:t>
+                          </m:r>
+                        </m:sub>
+                      </m:sSub>
+                    </m:oMath>
+                  </m:oMathPara>
+                </a14:m>
+                <a:endParaRPr lang="de-DE" dirty="0"/>
+              </a:p>
+            </p:txBody>
+          </p:sp>
+        </mc:Choice>
+        <mc:Fallback>
+          <p:sp>
+            <p:nvSpPr>
+              <p:cNvPr id="71" name="Textfeld 70">
+                <a:extLst>
+                  <a:ext uri="{FF2B5EF4-FFF2-40B4-BE49-F238E27FC236}">
+                    <a16:creationId xmlns:a16="http://schemas.microsoft.com/office/drawing/2014/main" id="{BF74EC93-5B88-1554-7F11-52D9797AD9E1}"/>
+                  </a:ext>
+                </a:extLst>
+              </p:cNvPr>
+              <p:cNvSpPr txBox="1">
+                <a:spLocks noRot="1" noChangeAspect="1" noMove="1" noResize="1" noEditPoints="1" noAdjustHandles="1" noChangeArrowheads="1" noChangeShapeType="1" noTextEdit="1"/>
+              </p:cNvSpPr>
+              <p:nvPr/>
+            </p:nvSpPr>
+            <p:spPr>
+              <a:xfrm>
+                <a:off x="507363" y="1802966"/>
+                <a:ext cx="342900" cy="369332"/>
+              </a:xfrm>
+              <a:prstGeom prst="rect">
+                <a:avLst/>
+              </a:prstGeom>
+              <a:blipFill>
+                <a:blip r:embed="rId2"/>
+                <a:stretch>
+                  <a:fillRect r="-8929"/>
+                </a:stretch>
+              </a:blipFill>
+            </p:spPr>
+            <p:txBody>
+              <a:bodyPr/>
+              <a:lstStyle/>
+              <a:p>
+                <a:r>
+                  <a:rPr lang="de-DE">
+                    <a:noFill/>
+                  </a:rPr>
+                  <a:t> </a:t>
+                </a:r>
+              </a:p>
+            </p:txBody>
+          </p:sp>
+        </mc:Fallback>
+      </mc:AlternateContent>
+      <p:sp>
+        <p:nvSpPr>
+          <p:cNvPr id="73" name="Ellipse 72">
+            <a:extLst>
+              <a:ext uri="{FF2B5EF4-FFF2-40B4-BE49-F238E27FC236}">
+                <a16:creationId xmlns:a16="http://schemas.microsoft.com/office/drawing/2014/main" id="{DA7BC48A-E314-3B07-1BC9-9FD91007C75F}"/>
+              </a:ext>
+            </a:extLst>
+          </p:cNvPr>
+          <p:cNvSpPr/>
+          <p:nvPr/>
+        </p:nvSpPr>
+        <p:spPr>
+          <a:xfrm>
+            <a:off x="521171" y="2846156"/>
+            <a:ext cx="378784" cy="378784"/>
+          </a:xfrm>
+          <a:prstGeom prst="ellipse">
+            <a:avLst/>
+          </a:prstGeom>
+          <a:solidFill>
+            <a:schemeClr val="bg1"/>
+          </a:solidFill>
+          <a:ln w="38100">
+            <a:solidFill>
+              <a:schemeClr val="tx1"/>
+            </a:solidFill>
+          </a:ln>
+        </p:spPr>
+        <p:style>
+          <a:lnRef idx="2">
+            <a:schemeClr val="accent1">
+              <a:shade val="50000"/>
+            </a:schemeClr>
+          </a:lnRef>
+          <a:fillRef idx="1">
+            <a:schemeClr val="accent1"/>
+          </a:fillRef>
+          <a:effectRef idx="0">
+            <a:schemeClr val="accent1"/>
+          </a:effectRef>
+          <a:fontRef idx="minor">
+            <a:schemeClr val="lt1"/>
+          </a:fontRef>
+        </p:style>
+        <p:txBody>
+          <a:bodyPr rtlCol="0" anchor="ctr"/>
+          <a:lstStyle/>
+          <a:p>
+            <a:pPr algn="ctr"/>
+            <a:endParaRPr lang="de-DE" dirty="0">
+              <a:solidFill>
+                <a:schemeClr val="tx1"/>
+              </a:solidFill>
+            </a:endParaRPr>
+          </a:p>
+        </p:txBody>
+      </p:sp>
+      <mc:AlternateContent xmlns:mc="http://schemas.openxmlformats.org/markup-compatibility/2006">
+        <mc:Choice xmlns:a14="http://schemas.microsoft.com/office/drawing/2010/main" Requires="a14">
+          <p:sp>
+            <p:nvSpPr>
+              <p:cNvPr id="74" name="Textfeld 73">
+                <a:extLst>
+                  <a:ext uri="{FF2B5EF4-FFF2-40B4-BE49-F238E27FC236}">
+                    <a16:creationId xmlns:a16="http://schemas.microsoft.com/office/drawing/2014/main" id="{9E759D1E-8B1E-129F-5E7A-E24AE0BD547F}"/>
+                  </a:ext>
+                </a:extLst>
+              </p:cNvPr>
+              <p:cNvSpPr txBox="1"/>
+              <p:nvPr/>
+            </p:nvSpPr>
+            <p:spPr>
+              <a:xfrm>
+                <a:off x="4548631" y="1602374"/>
+                <a:ext cx="553123" cy="830997"/>
+              </a:xfrm>
+              <a:prstGeom prst="rect">
+                <a:avLst/>
+              </a:prstGeom>
+              <a:noFill/>
+            </p:spPr>
+            <p:txBody>
+              <a:bodyPr wrap="square">
+                <a:spAutoFit/>
+              </a:bodyPr>
+              <a:lstStyle/>
+              <a:p>
+                <a:pPr algn="ctr"/>
+                <a14:m>
+                  <m:oMathPara xmlns:m="http://schemas.openxmlformats.org/officeDocument/2006/math">
+                    <m:oMathParaPr>
+                      <m:jc m:val="centerGroup"/>
+                    </m:oMathParaPr>
+                    <m:oMath xmlns:m="http://schemas.openxmlformats.org/officeDocument/2006/math">
+                      <m:r>
+                        <m:rPr>
+                          <m:sty m:val="p"/>
+                        </m:rPr>
+                        <a:rPr lang="el-GR" sz="4800" i="1" smtClean="0">
+                          <a:solidFill>
+                            <a:schemeClr val="tx1"/>
+                          </a:solidFill>
+                          <a:latin typeface="Cambria Math" panose="02040503050406030204" pitchFamily="18" charset="0"/>
+                        </a:rPr>
+                        <m:t>σ</m:t>
+                      </m:r>
+                    </m:oMath>
+                  </m:oMathPara>
+                </a14:m>
+                <a:endParaRPr lang="de-DE" sz="4800" dirty="0">
+                  <a:solidFill>
+                    <a:schemeClr val="tx1"/>
+                  </a:solidFill>
+                </a:endParaRPr>
+              </a:p>
+            </p:txBody>
+          </p:sp>
+        </mc:Choice>
+        <mc:Fallback>
+          <p:sp>
+            <p:nvSpPr>
+              <p:cNvPr id="74" name="Textfeld 73">
+                <a:extLst>
+                  <a:ext uri="{FF2B5EF4-FFF2-40B4-BE49-F238E27FC236}">
+                    <a16:creationId xmlns:a16="http://schemas.microsoft.com/office/drawing/2014/main" id="{9E759D1E-8B1E-129F-5E7A-E24AE0BD547F}"/>
+                  </a:ext>
+                </a:extLst>
+              </p:cNvPr>
+              <p:cNvSpPr txBox="1">
+                <a:spLocks noRot="1" noChangeAspect="1" noMove="1" noResize="1" noEditPoints="1" noAdjustHandles="1" noChangeArrowheads="1" noChangeShapeType="1" noTextEdit="1"/>
+              </p:cNvSpPr>
+              <p:nvPr/>
+            </p:nvSpPr>
+            <p:spPr>
+              <a:xfrm>
+                <a:off x="4548631" y="1602374"/>
+                <a:ext cx="553123" cy="830997"/>
+              </a:xfrm>
+              <a:prstGeom prst="rect">
+                <a:avLst/>
+              </a:prstGeom>
+              <a:blipFill>
+                <a:blip r:embed="rId3"/>
+                <a:stretch>
+                  <a:fillRect/>
+                </a:stretch>
+              </a:blipFill>
+            </p:spPr>
+            <p:txBody>
+              <a:bodyPr/>
+              <a:lstStyle/>
+              <a:p>
+                <a:r>
+                  <a:rPr lang="de-DE">
+                    <a:noFill/>
+                  </a:rPr>
+                  <a:t> </a:t>
+                </a:r>
+              </a:p>
+            </p:txBody>
+          </p:sp>
+        </mc:Fallback>
+      </mc:AlternateContent>
+      <mc:AlternateContent xmlns:mc="http://schemas.openxmlformats.org/markup-compatibility/2006">
+        <mc:Choice xmlns:a14="http://schemas.microsoft.com/office/drawing/2010/main" Requires="a14">
+          <p:sp>
+            <p:nvSpPr>
+              <p:cNvPr id="75" name="Textfeld 74">
+                <a:extLst>
+                  <a:ext uri="{FF2B5EF4-FFF2-40B4-BE49-F238E27FC236}">
+                    <a16:creationId xmlns:a16="http://schemas.microsoft.com/office/drawing/2014/main" id="{7CEEA638-FADD-5824-71BB-ECE95B46BD64}"/>
+                  </a:ext>
+                </a:extLst>
+              </p:cNvPr>
+              <p:cNvSpPr txBox="1"/>
+              <p:nvPr/>
+            </p:nvSpPr>
+            <p:spPr>
+              <a:xfrm>
+                <a:off x="511173" y="802232"/>
+                <a:ext cx="342900" cy="369332"/>
+              </a:xfrm>
+              <a:prstGeom prst="rect">
+                <a:avLst/>
+              </a:prstGeom>
+              <a:noFill/>
+            </p:spPr>
+            <p:txBody>
+              <a:bodyPr wrap="square">
+                <a:spAutoFit/>
+              </a:bodyPr>
+              <a:lstStyle/>
+              <a:p>
+                <a:pPr/>
+                <a14:m>
+                  <m:oMathPara xmlns:m="http://schemas.openxmlformats.org/officeDocument/2006/math">
+                    <m:oMathParaPr>
+                      <m:jc m:val="centerGroup"/>
+                    </m:oMathParaPr>
+                    <m:oMath xmlns:m="http://schemas.openxmlformats.org/officeDocument/2006/math">
+                      <m:sSub>
+                        <m:sSubPr>
+                          <m:ctrlPr>
+                            <a:rPr lang="de-DE" b="0" i="1" smtClean="0">
+                              <a:solidFill>
+                                <a:schemeClr val="tx1"/>
+                              </a:solidFill>
+                              <a:latin typeface="Cambria Math" panose="02040503050406030204" pitchFamily="18" charset="0"/>
+                            </a:rPr>
+                          </m:ctrlPr>
+                        </m:sSubPr>
+                        <m:e>
+                          <m:r>
+                            <a:rPr lang="de-DE" b="0" i="1" smtClean="0">
+                              <a:solidFill>
+                                <a:schemeClr val="tx1"/>
+                              </a:solidFill>
+                              <a:latin typeface="Cambria Math" panose="02040503050406030204" pitchFamily="18" charset="0"/>
+                            </a:rPr>
+                            <m:t>𝑥</m:t>
+                          </m:r>
+                        </m:e>
+                        <m:sub>
+                          <m:r>
+                            <a:rPr lang="de-DE" b="0" i="1" smtClean="0">
+                              <a:solidFill>
+                                <a:schemeClr val="tx1"/>
+                              </a:solidFill>
+                              <a:latin typeface="Cambria Math" panose="02040503050406030204" pitchFamily="18" charset="0"/>
+                            </a:rPr>
+                            <m:t>1</m:t>
+                          </m:r>
+                        </m:sub>
+                      </m:sSub>
+                    </m:oMath>
+                  </m:oMathPara>
+                </a14:m>
+                <a:endParaRPr lang="de-DE" dirty="0"/>
+              </a:p>
+            </p:txBody>
+          </p:sp>
+        </mc:Choice>
+        <mc:Fallback>
+          <p:sp>
+            <p:nvSpPr>
+              <p:cNvPr id="75" name="Textfeld 74">
+                <a:extLst>
+                  <a:ext uri="{FF2B5EF4-FFF2-40B4-BE49-F238E27FC236}">
+                    <a16:creationId xmlns:a16="http://schemas.microsoft.com/office/drawing/2014/main" id="{7CEEA638-FADD-5824-71BB-ECE95B46BD64}"/>
+                  </a:ext>
+                </a:extLst>
+              </p:cNvPr>
+              <p:cNvSpPr txBox="1">
+                <a:spLocks noRot="1" noChangeAspect="1" noMove="1" noResize="1" noEditPoints="1" noAdjustHandles="1" noChangeArrowheads="1" noChangeShapeType="1" noTextEdit="1"/>
+              </p:cNvSpPr>
+              <p:nvPr/>
+            </p:nvSpPr>
+            <p:spPr>
+              <a:xfrm>
+                <a:off x="511173" y="802232"/>
+                <a:ext cx="342900" cy="369332"/>
+              </a:xfrm>
+              <a:prstGeom prst="rect">
+                <a:avLst/>
+              </a:prstGeom>
+              <a:blipFill>
+                <a:blip r:embed="rId4"/>
+                <a:stretch>
+                  <a:fillRect r="-5357"/>
+                </a:stretch>
+              </a:blipFill>
+            </p:spPr>
+            <p:txBody>
+              <a:bodyPr/>
+              <a:lstStyle/>
+              <a:p>
+                <a:r>
+                  <a:rPr lang="de-DE">
+                    <a:noFill/>
+                  </a:rPr>
+                  <a:t> </a:t>
+                </a:r>
+              </a:p>
+            </p:txBody>
+          </p:sp>
+        </mc:Fallback>
+      </mc:AlternateContent>
+      <mc:AlternateContent xmlns:mc="http://schemas.openxmlformats.org/markup-compatibility/2006">
+        <mc:Choice xmlns:a14="http://schemas.microsoft.com/office/drawing/2010/main" Requires="a14">
+          <p:sp>
+            <p:nvSpPr>
+              <p:cNvPr id="76" name="Textfeld 75">
+                <a:extLst>
+                  <a:ext uri="{FF2B5EF4-FFF2-40B4-BE49-F238E27FC236}">
+                    <a16:creationId xmlns:a16="http://schemas.microsoft.com/office/drawing/2014/main" id="{9B78EEE8-95E3-CF23-63B0-15EBB15BA493}"/>
+                  </a:ext>
+                </a:extLst>
+              </p:cNvPr>
+              <p:cNvSpPr txBox="1"/>
+              <p:nvPr/>
+            </p:nvSpPr>
+            <p:spPr>
+              <a:xfrm>
+                <a:off x="540518" y="2855254"/>
+                <a:ext cx="342900" cy="369332"/>
+              </a:xfrm>
+              <a:prstGeom prst="rect">
+                <a:avLst/>
+              </a:prstGeom>
+              <a:noFill/>
+            </p:spPr>
+            <p:txBody>
+              <a:bodyPr wrap="square">
+                <a:spAutoFit/>
+              </a:bodyPr>
+              <a:lstStyle/>
+              <a:p>
+                <a:pPr/>
+                <a14:m>
+                  <m:oMathPara xmlns:m="http://schemas.openxmlformats.org/officeDocument/2006/math">
+                    <m:oMathParaPr>
+                      <m:jc m:val="centerGroup"/>
+                    </m:oMathParaPr>
+                    <m:oMath xmlns:m="http://schemas.openxmlformats.org/officeDocument/2006/math">
+                      <m:r>
+                        <a:rPr lang="de-DE" b="0" i="1" smtClean="0">
+                          <a:solidFill>
+                            <a:schemeClr val="tx1"/>
+                          </a:solidFill>
+                          <a:latin typeface="Cambria Math" panose="02040503050406030204" pitchFamily="18" charset="0"/>
+                        </a:rPr>
+                        <m:t>𝑏</m:t>
+                      </m:r>
+                    </m:oMath>
+                  </m:oMathPara>
+                </a14:m>
+                <a:endParaRPr lang="de-DE" dirty="0"/>
+              </a:p>
+            </p:txBody>
+          </p:sp>
+        </mc:Choice>
+        <mc:Fallback>
+          <p:sp>
+            <p:nvSpPr>
+              <p:cNvPr id="76" name="Textfeld 75">
+                <a:extLst>
+                  <a:ext uri="{FF2B5EF4-FFF2-40B4-BE49-F238E27FC236}">
+                    <a16:creationId xmlns:a16="http://schemas.microsoft.com/office/drawing/2014/main" id="{9B78EEE8-95E3-CF23-63B0-15EBB15BA493}"/>
+                  </a:ext>
+                </a:extLst>
+              </p:cNvPr>
+              <p:cNvSpPr txBox="1">
+                <a:spLocks noRot="1" noChangeAspect="1" noMove="1" noResize="1" noEditPoints="1" noAdjustHandles="1" noChangeArrowheads="1" noChangeShapeType="1" noTextEdit="1"/>
+              </p:cNvSpPr>
+              <p:nvPr/>
+            </p:nvSpPr>
+            <p:spPr>
+              <a:xfrm>
+                <a:off x="540518" y="2855254"/>
+                <a:ext cx="342900" cy="369332"/>
+              </a:xfrm>
+              <a:prstGeom prst="rect">
+                <a:avLst/>
+              </a:prstGeom>
+              <a:blipFill>
+                <a:blip r:embed="rId5"/>
+                <a:stretch>
+                  <a:fillRect/>
+                </a:stretch>
+              </a:blipFill>
+            </p:spPr>
+            <p:txBody>
+              <a:bodyPr/>
+              <a:lstStyle/>
+              <a:p>
+                <a:r>
+                  <a:rPr lang="de-DE">
+                    <a:noFill/>
+                  </a:rPr>
+                  <a:t> </a:t>
+                </a:r>
+              </a:p>
+            </p:txBody>
+          </p:sp>
+        </mc:Fallback>
+      </mc:AlternateContent>
+      <mc:AlternateContent xmlns:mc="http://schemas.openxmlformats.org/markup-compatibility/2006">
+        <mc:Choice xmlns:a14="http://schemas.microsoft.com/office/drawing/2010/main" Requires="a14">
+          <p:sp>
+            <p:nvSpPr>
+              <p:cNvPr id="78" name="Textfeld 77">
+                <a:extLst>
+                  <a:ext uri="{FF2B5EF4-FFF2-40B4-BE49-F238E27FC236}">
+                    <a16:creationId xmlns:a16="http://schemas.microsoft.com/office/drawing/2014/main" id="{71F34E18-1FCE-10CA-9B2E-322A5446E3C4}"/>
+                  </a:ext>
+                </a:extLst>
+              </p:cNvPr>
+              <p:cNvSpPr txBox="1"/>
+              <p:nvPr/>
+            </p:nvSpPr>
+            <p:spPr>
+              <a:xfrm>
+                <a:off x="1317153" y="976366"/>
+                <a:ext cx="342900" cy="369332"/>
+              </a:xfrm>
+              <a:prstGeom prst="rect">
+                <a:avLst/>
+              </a:prstGeom>
+              <a:noFill/>
+            </p:spPr>
+            <p:txBody>
+              <a:bodyPr wrap="square">
+                <a:spAutoFit/>
+              </a:bodyPr>
+              <a:lstStyle/>
+              <a:p>
+                <a:pPr/>
+                <a14:m>
+                  <m:oMathPara xmlns:m="http://schemas.openxmlformats.org/officeDocument/2006/math">
+                    <m:oMathParaPr>
+                      <m:jc m:val="centerGroup"/>
+                    </m:oMathParaPr>
+                    <m:oMath xmlns:m="http://schemas.openxmlformats.org/officeDocument/2006/math">
+                      <m:sSub>
+                        <m:sSubPr>
+                          <m:ctrlPr>
+                            <a:rPr lang="de-DE" b="0" i="1" smtClean="0">
+                              <a:solidFill>
+                                <a:schemeClr val="tx1"/>
+                              </a:solidFill>
+                              <a:latin typeface="Cambria Math" panose="02040503050406030204" pitchFamily="18" charset="0"/>
+                            </a:rPr>
+                          </m:ctrlPr>
+                        </m:sSubPr>
+                        <m:e>
+                          <m:r>
+                            <a:rPr lang="de-DE" b="0" i="1" smtClean="0">
+                              <a:solidFill>
+                                <a:schemeClr val="tx1"/>
+                              </a:solidFill>
+                              <a:latin typeface="Cambria Math" panose="02040503050406030204" pitchFamily="18" charset="0"/>
+                            </a:rPr>
+                            <m:t>𝑤</m:t>
+                          </m:r>
+                        </m:e>
+                        <m:sub>
+                          <m:r>
+                            <a:rPr lang="de-DE" b="0" i="1" smtClean="0">
+                              <a:solidFill>
+                                <a:schemeClr val="tx1"/>
+                              </a:solidFill>
+                              <a:latin typeface="Cambria Math" panose="02040503050406030204" pitchFamily="18" charset="0"/>
+                            </a:rPr>
+                            <m:t>1</m:t>
+                          </m:r>
+                        </m:sub>
+                      </m:sSub>
+                    </m:oMath>
+                  </m:oMathPara>
+                </a14:m>
+                <a:endParaRPr lang="de-DE" dirty="0"/>
+              </a:p>
+            </p:txBody>
+          </p:sp>
+        </mc:Choice>
+        <mc:Fallback>
+          <p:sp>
+            <p:nvSpPr>
+              <p:cNvPr id="78" name="Textfeld 77">
+                <a:extLst>
+                  <a:ext uri="{FF2B5EF4-FFF2-40B4-BE49-F238E27FC236}">
+                    <a16:creationId xmlns:a16="http://schemas.microsoft.com/office/drawing/2014/main" id="{71F34E18-1FCE-10CA-9B2E-322A5446E3C4}"/>
+                  </a:ext>
+                </a:extLst>
+              </p:cNvPr>
+              <p:cNvSpPr txBox="1">
+                <a:spLocks noRot="1" noChangeAspect="1" noMove="1" noResize="1" noEditPoints="1" noAdjustHandles="1" noChangeArrowheads="1" noChangeShapeType="1" noTextEdit="1"/>
+              </p:cNvSpPr>
+              <p:nvPr/>
+            </p:nvSpPr>
+            <p:spPr>
+              <a:xfrm>
+                <a:off x="1317153" y="976366"/>
+                <a:ext cx="342900" cy="369332"/>
+              </a:xfrm>
+              <a:prstGeom prst="rect">
+                <a:avLst/>
+              </a:prstGeom>
+              <a:blipFill>
+                <a:blip r:embed="rId6"/>
+                <a:stretch>
+                  <a:fillRect r="-19643"/>
+                </a:stretch>
+              </a:blipFill>
+            </p:spPr>
+            <p:txBody>
+              <a:bodyPr/>
+              <a:lstStyle/>
+              <a:p>
+                <a:r>
+                  <a:rPr lang="de-DE">
+                    <a:noFill/>
+                  </a:rPr>
+                  <a:t> </a:t>
+                </a:r>
+              </a:p>
+            </p:txBody>
+          </p:sp>
+        </mc:Fallback>
+      </mc:AlternateContent>
+      <mc:AlternateContent xmlns:mc="http://schemas.openxmlformats.org/markup-compatibility/2006">
+        <mc:Choice xmlns:a14="http://schemas.microsoft.com/office/drawing/2010/main" Requires="a14">
+          <p:sp>
+            <p:nvSpPr>
+              <p:cNvPr id="79" name="Textfeld 78">
+                <a:extLst>
+                  <a:ext uri="{FF2B5EF4-FFF2-40B4-BE49-F238E27FC236}">
+                    <a16:creationId xmlns:a16="http://schemas.microsoft.com/office/drawing/2014/main" id="{F61A0183-50A2-E81F-3492-9EC3156FB2B9}"/>
+                  </a:ext>
+                </a:extLst>
+              </p:cNvPr>
+              <p:cNvSpPr txBox="1"/>
+              <p:nvPr/>
+            </p:nvSpPr>
+            <p:spPr>
+              <a:xfrm>
+                <a:off x="1317153" y="1636457"/>
+                <a:ext cx="342900" cy="369332"/>
+              </a:xfrm>
+              <a:prstGeom prst="rect">
+                <a:avLst/>
+              </a:prstGeom>
+              <a:noFill/>
+            </p:spPr>
+            <p:txBody>
+              <a:bodyPr wrap="square">
+                <a:spAutoFit/>
+              </a:bodyPr>
+              <a:lstStyle/>
+              <a:p>
+                <a:pPr/>
+                <a14:m>
+                  <m:oMathPara xmlns:m="http://schemas.openxmlformats.org/officeDocument/2006/math">
+                    <m:oMathParaPr>
+                      <m:jc m:val="centerGroup"/>
+                    </m:oMathParaPr>
+                    <m:oMath xmlns:m="http://schemas.openxmlformats.org/officeDocument/2006/math">
+                      <m:sSub>
+                        <m:sSubPr>
+                          <m:ctrlPr>
+                            <a:rPr lang="de-DE" b="0" i="1" smtClean="0">
+                              <a:solidFill>
+                                <a:schemeClr val="tx1"/>
+                              </a:solidFill>
+                              <a:latin typeface="Cambria Math" panose="02040503050406030204" pitchFamily="18" charset="0"/>
+                            </a:rPr>
+                          </m:ctrlPr>
+                        </m:sSubPr>
+                        <m:e>
+                          <m:r>
+                            <a:rPr lang="de-DE" b="0" i="1" smtClean="0">
+                              <a:solidFill>
+                                <a:schemeClr val="tx1"/>
+                              </a:solidFill>
+                              <a:latin typeface="Cambria Math" panose="02040503050406030204" pitchFamily="18" charset="0"/>
+                            </a:rPr>
+                            <m:t>𝑤</m:t>
+                          </m:r>
+                        </m:e>
+                        <m:sub>
+                          <m:r>
+                            <a:rPr lang="de-DE" b="0" i="1" smtClean="0">
+                              <a:solidFill>
+                                <a:schemeClr val="tx1"/>
+                              </a:solidFill>
+                              <a:latin typeface="Cambria Math" panose="02040503050406030204" pitchFamily="18" charset="0"/>
+                            </a:rPr>
+                            <m:t>𝑛</m:t>
+                          </m:r>
+                        </m:sub>
+                      </m:sSub>
+                    </m:oMath>
+                  </m:oMathPara>
+                </a14:m>
+                <a:endParaRPr lang="de-DE" dirty="0"/>
+              </a:p>
+            </p:txBody>
+          </p:sp>
+        </mc:Choice>
+        <mc:Fallback>
+          <p:sp>
+            <p:nvSpPr>
+              <p:cNvPr id="79" name="Textfeld 78">
+                <a:extLst>
+                  <a:ext uri="{FF2B5EF4-FFF2-40B4-BE49-F238E27FC236}">
+                    <a16:creationId xmlns:a16="http://schemas.microsoft.com/office/drawing/2014/main" id="{F61A0183-50A2-E81F-3492-9EC3156FB2B9}"/>
+                  </a:ext>
+                </a:extLst>
+              </p:cNvPr>
+              <p:cNvSpPr txBox="1">
+                <a:spLocks noRot="1" noChangeAspect="1" noMove="1" noResize="1" noEditPoints="1" noAdjustHandles="1" noChangeArrowheads="1" noChangeShapeType="1" noTextEdit="1"/>
+              </p:cNvSpPr>
+              <p:nvPr/>
+            </p:nvSpPr>
+            <p:spPr>
+              <a:xfrm>
+                <a:off x="1317153" y="1636457"/>
+                <a:ext cx="342900" cy="369332"/>
+              </a:xfrm>
+              <a:prstGeom prst="rect">
+                <a:avLst/>
+              </a:prstGeom>
+              <a:blipFill>
+                <a:blip r:embed="rId7"/>
+                <a:stretch>
+                  <a:fillRect r="-19643"/>
+                </a:stretch>
+              </a:blipFill>
+            </p:spPr>
+            <p:txBody>
+              <a:bodyPr/>
+              <a:lstStyle/>
+              <a:p>
+                <a:r>
+                  <a:rPr lang="de-DE">
+                    <a:noFill/>
+                  </a:rPr>
+                  <a:t> </a:t>
+                </a:r>
+              </a:p>
+            </p:txBody>
+          </p:sp>
+        </mc:Fallback>
+      </mc:AlternateContent>
+      <p:sp>
+        <p:nvSpPr>
+          <p:cNvPr id="81" name="Ellipse 80">
+            <a:extLst>
+              <a:ext uri="{FF2B5EF4-FFF2-40B4-BE49-F238E27FC236}">
+                <a16:creationId xmlns:a16="http://schemas.microsoft.com/office/drawing/2014/main" id="{88A1A96F-BA24-623E-B959-44AACA63C692}"/>
+              </a:ext>
+            </a:extLst>
+          </p:cNvPr>
+          <p:cNvSpPr/>
+          <p:nvPr/>
+        </p:nvSpPr>
+        <p:spPr>
+          <a:xfrm>
+            <a:off x="6707182" y="1869162"/>
+            <a:ext cx="378784" cy="378784"/>
+          </a:xfrm>
+          <a:prstGeom prst="ellipse">
+            <a:avLst/>
+          </a:prstGeom>
+          <a:solidFill>
+            <a:schemeClr val="bg1"/>
+          </a:solidFill>
+          <a:ln w="38100">
+            <a:solidFill>
+              <a:schemeClr val="tx1"/>
+            </a:solidFill>
+          </a:ln>
+        </p:spPr>
+        <p:style>
+          <a:lnRef idx="2">
+            <a:schemeClr val="accent1">
+              <a:shade val="50000"/>
+            </a:schemeClr>
+          </a:lnRef>
+          <a:fillRef idx="1">
+            <a:schemeClr val="accent1"/>
+          </a:fillRef>
+          <a:effectRef idx="0">
+            <a:schemeClr val="accent1"/>
+          </a:effectRef>
+          <a:fontRef idx="minor">
+            <a:schemeClr val="lt1"/>
+          </a:fontRef>
+        </p:style>
+        <p:txBody>
+          <a:bodyPr rtlCol="0" anchor="ctr"/>
+          <a:lstStyle/>
+          <a:p>
+            <a:pPr algn="ctr"/>
+            <a:endParaRPr lang="de-DE" dirty="0">
+              <a:solidFill>
+                <a:schemeClr val="tx1"/>
+              </a:solidFill>
+            </a:endParaRPr>
+          </a:p>
+        </p:txBody>
+      </p:sp>
+      <p:sp>
+        <p:nvSpPr>
+          <p:cNvPr id="82" name="Textfeld 81">
+            <a:extLst>
+              <a:ext uri="{FF2B5EF4-FFF2-40B4-BE49-F238E27FC236}">
+                <a16:creationId xmlns:a16="http://schemas.microsoft.com/office/drawing/2014/main" id="{7FFFC26C-07F4-6F2F-554D-4DF357EE308A}"/>
+              </a:ext>
+            </a:extLst>
+          </p:cNvPr>
+          <p:cNvSpPr txBox="1"/>
+          <p:nvPr/>
+        </p:nvSpPr>
+        <p:spPr>
+          <a:xfrm>
+            <a:off x="356149" y="243304"/>
+            <a:ext cx="708828" cy="369332"/>
+          </a:xfrm>
+          <a:prstGeom prst="rect">
+            <a:avLst/>
+          </a:prstGeom>
+          <a:noFill/>
+        </p:spPr>
+        <p:txBody>
+          <a:bodyPr wrap="square">
+            <a:spAutoFit/>
+          </a:bodyPr>
+          <a:lstStyle/>
+          <a:p>
+            <a:r>
+              <a:rPr lang="de-DE" dirty="0">
+                <a:latin typeface="Arial" panose="020B0604020202020204" pitchFamily="34" charset="0"/>
+              </a:rPr>
+              <a:t>Input</a:t>
+            </a:r>
+            <a:endParaRPr lang="de-DE" dirty="0"/>
+          </a:p>
+        </p:txBody>
+      </p:sp>
+      <p:sp>
+        <p:nvSpPr>
+          <p:cNvPr id="83" name="Textfeld 82">
+            <a:extLst>
+              <a:ext uri="{FF2B5EF4-FFF2-40B4-BE49-F238E27FC236}">
+                <a16:creationId xmlns:a16="http://schemas.microsoft.com/office/drawing/2014/main" id="{B687136B-02D6-0043-7FF6-89CD495A94AB}"/>
+              </a:ext>
+            </a:extLst>
+          </p:cNvPr>
+          <p:cNvSpPr txBox="1"/>
+          <p:nvPr/>
+        </p:nvSpPr>
+        <p:spPr>
+          <a:xfrm>
+            <a:off x="1706385" y="238115"/>
+            <a:ext cx="1776756" cy="369332"/>
+          </a:xfrm>
+          <a:prstGeom prst="rect">
+            <a:avLst/>
+          </a:prstGeom>
+          <a:noFill/>
+        </p:spPr>
+        <p:txBody>
+          <a:bodyPr wrap="square">
+            <a:spAutoFit/>
+          </a:bodyPr>
+          <a:lstStyle/>
+          <a:p>
+            <a:r>
+              <a:rPr lang="de-DE" dirty="0">
+                <a:latin typeface="Arial" panose="020B0604020202020204" pitchFamily="34" charset="0"/>
+              </a:rPr>
+              <a:t>Weighted Sum</a:t>
+            </a:r>
+            <a:endParaRPr lang="de-DE" dirty="0"/>
+          </a:p>
+        </p:txBody>
+      </p:sp>
+      <p:sp>
+        <p:nvSpPr>
+          <p:cNvPr id="84" name="Textfeld 83">
+            <a:extLst>
+              <a:ext uri="{FF2B5EF4-FFF2-40B4-BE49-F238E27FC236}">
+                <a16:creationId xmlns:a16="http://schemas.microsoft.com/office/drawing/2014/main" id="{051C57AF-BD7D-C39A-453E-2DF72A4C12BD}"/>
+              </a:ext>
+            </a:extLst>
+          </p:cNvPr>
+          <p:cNvSpPr txBox="1"/>
+          <p:nvPr/>
+        </p:nvSpPr>
+        <p:spPr>
+          <a:xfrm>
+            <a:off x="4199130" y="150181"/>
+            <a:ext cx="1252123" cy="646331"/>
+          </a:xfrm>
+          <a:prstGeom prst="rect">
+            <a:avLst/>
+          </a:prstGeom>
+          <a:noFill/>
+        </p:spPr>
+        <p:txBody>
+          <a:bodyPr wrap="square">
+            <a:spAutoFit/>
+          </a:bodyPr>
+          <a:lstStyle/>
+          <a:p>
+            <a:r>
+              <a:rPr lang="de-DE" dirty="0">
+                <a:latin typeface="Arial" panose="020B0604020202020204" pitchFamily="34" charset="0"/>
+              </a:rPr>
+              <a:t>Activation Function</a:t>
+            </a:r>
+            <a:endParaRPr lang="de-DE" dirty="0"/>
+          </a:p>
+        </p:txBody>
+      </p:sp>
+      <p:sp>
+        <p:nvSpPr>
+          <p:cNvPr id="85" name="Textfeld 84">
+            <a:extLst>
+              <a:ext uri="{FF2B5EF4-FFF2-40B4-BE49-F238E27FC236}">
+                <a16:creationId xmlns:a16="http://schemas.microsoft.com/office/drawing/2014/main" id="{7A6A1507-7F72-E9E5-B73A-88CC65F65447}"/>
+              </a:ext>
+            </a:extLst>
+          </p:cNvPr>
+          <p:cNvSpPr txBox="1"/>
+          <p:nvPr/>
+        </p:nvSpPr>
+        <p:spPr>
+          <a:xfrm>
+            <a:off x="6442004" y="243304"/>
+            <a:ext cx="909140" cy="369332"/>
+          </a:xfrm>
+          <a:prstGeom prst="rect">
+            <a:avLst/>
+          </a:prstGeom>
+          <a:noFill/>
+        </p:spPr>
+        <p:txBody>
+          <a:bodyPr wrap="square">
+            <a:spAutoFit/>
+          </a:bodyPr>
+          <a:lstStyle/>
+          <a:p>
+            <a:r>
+              <a:rPr lang="de-DE" dirty="0">
+                <a:latin typeface="Arial" panose="020B0604020202020204" pitchFamily="34" charset="0"/>
+              </a:rPr>
+              <a:t>Output</a:t>
+            </a:r>
+            <a:endParaRPr lang="de-DE" dirty="0"/>
+          </a:p>
+        </p:txBody>
+      </p:sp>
+      <p:sp>
+        <p:nvSpPr>
+          <p:cNvPr id="86" name="Ellipse 85">
+            <a:extLst>
+              <a:ext uri="{FF2B5EF4-FFF2-40B4-BE49-F238E27FC236}">
+                <a16:creationId xmlns:a16="http://schemas.microsoft.com/office/drawing/2014/main" id="{22A989B6-FB9C-39DC-E033-89B9F90F85CD}"/>
+              </a:ext>
+            </a:extLst>
+          </p:cNvPr>
+          <p:cNvSpPr/>
+          <p:nvPr/>
+        </p:nvSpPr>
+        <p:spPr>
+          <a:xfrm>
+            <a:off x="1910009" y="1246373"/>
+            <a:ext cx="3574810" cy="1665952"/>
+          </a:xfrm>
+          <a:prstGeom prst="ellipse">
+            <a:avLst/>
+          </a:prstGeom>
+          <a:noFill/>
+          <a:ln w="38100">
+            <a:solidFill>
+              <a:schemeClr val="tx1"/>
+            </a:solidFill>
+            <a:prstDash val="dash"/>
+          </a:ln>
+        </p:spPr>
+        <p:style>
+          <a:lnRef idx="2">
+            <a:schemeClr val="accent1">
+              <a:shade val="50000"/>
+            </a:schemeClr>
+          </a:lnRef>
+          <a:fillRef idx="1">
+            <a:schemeClr val="accent1"/>
+          </a:fillRef>
+          <a:effectRef idx="0">
+            <a:schemeClr val="accent1"/>
+          </a:effectRef>
+          <a:fontRef idx="minor">
+            <a:schemeClr val="lt1"/>
+          </a:fontRef>
+        </p:style>
+        <p:txBody>
+          <a:bodyPr rtlCol="0" anchor="ctr"/>
+          <a:lstStyle/>
+          <a:p>
+            <a:pPr algn="ctr"/>
+            <a:endParaRPr lang="de-DE"/>
+          </a:p>
+        </p:txBody>
+      </p:sp>
+      <p:sp>
+        <p:nvSpPr>
+          <p:cNvPr id="87" name="Textfeld 86">
+            <a:extLst>
+              <a:ext uri="{FF2B5EF4-FFF2-40B4-BE49-F238E27FC236}">
+                <a16:creationId xmlns:a16="http://schemas.microsoft.com/office/drawing/2014/main" id="{111AF807-3335-3EA1-A29B-0FF82057727F}"/>
+              </a:ext>
+            </a:extLst>
+          </p:cNvPr>
+          <p:cNvSpPr txBox="1"/>
+          <p:nvPr/>
+        </p:nvSpPr>
+        <p:spPr>
+          <a:xfrm>
+            <a:off x="577340" y="1436040"/>
+            <a:ext cx="216641" cy="369332"/>
+          </a:xfrm>
+          <a:prstGeom prst="rect">
+            <a:avLst/>
+          </a:prstGeom>
+          <a:noFill/>
+        </p:spPr>
+        <p:txBody>
+          <a:bodyPr wrap="square" rtlCol="0">
+            <a:spAutoFit/>
+          </a:bodyPr>
+          <a:lstStyle/>
+          <a:p>
+            <a:r>
+              <a:rPr lang="de-DE" dirty="0"/>
+              <a:t>.</a:t>
+            </a:r>
+          </a:p>
+        </p:txBody>
+      </p:sp>
+      <p:sp>
+        <p:nvSpPr>
+          <p:cNvPr id="88" name="Textfeld 87">
+            <a:extLst>
+              <a:ext uri="{FF2B5EF4-FFF2-40B4-BE49-F238E27FC236}">
+                <a16:creationId xmlns:a16="http://schemas.microsoft.com/office/drawing/2014/main" id="{8ED14EC4-C05F-E874-F2C4-0FEDBBDAA0FE}"/>
+              </a:ext>
+            </a:extLst>
+          </p:cNvPr>
+          <p:cNvSpPr txBox="1"/>
+          <p:nvPr/>
+        </p:nvSpPr>
+        <p:spPr>
+          <a:xfrm>
+            <a:off x="574302" y="1260633"/>
+            <a:ext cx="216641" cy="369332"/>
+          </a:xfrm>
+          <a:prstGeom prst="rect">
+            <a:avLst/>
+          </a:prstGeom>
+          <a:noFill/>
+        </p:spPr>
+        <p:txBody>
+          <a:bodyPr wrap="square" rtlCol="0">
+            <a:spAutoFit/>
+          </a:bodyPr>
+          <a:lstStyle/>
+          <a:p>
+            <a:r>
+              <a:rPr lang="de-DE" dirty="0"/>
+              <a:t>.</a:t>
+            </a:r>
+          </a:p>
+        </p:txBody>
+      </p:sp>
+      <p:sp>
+        <p:nvSpPr>
+          <p:cNvPr id="89" name="Textfeld 88">
+            <a:extLst>
+              <a:ext uri="{FF2B5EF4-FFF2-40B4-BE49-F238E27FC236}">
+                <a16:creationId xmlns:a16="http://schemas.microsoft.com/office/drawing/2014/main" id="{18F3716A-56E9-4D87-04C3-0F079EA7EE19}"/>
+              </a:ext>
+            </a:extLst>
+          </p:cNvPr>
+          <p:cNvSpPr txBox="1"/>
+          <p:nvPr/>
+        </p:nvSpPr>
+        <p:spPr>
+          <a:xfrm>
+            <a:off x="567749" y="1108370"/>
+            <a:ext cx="216641" cy="369332"/>
+          </a:xfrm>
+          <a:prstGeom prst="rect">
+            <a:avLst/>
+          </a:prstGeom>
+          <a:noFill/>
+        </p:spPr>
+        <p:txBody>
+          <a:bodyPr wrap="square" rtlCol="0">
+            <a:spAutoFit/>
+          </a:bodyPr>
+          <a:lstStyle/>
+          <a:p>
+            <a:r>
+              <a:rPr lang="de-DE" dirty="0"/>
+              <a:t>.</a:t>
+            </a:r>
+          </a:p>
+        </p:txBody>
+      </p:sp>
+      <p:cxnSp>
+        <p:nvCxnSpPr>
+          <p:cNvPr id="90" name="Gerade Verbindung mit Pfeil 89">
+            <a:extLst>
+              <a:ext uri="{FF2B5EF4-FFF2-40B4-BE49-F238E27FC236}">
+                <a16:creationId xmlns:a16="http://schemas.microsoft.com/office/drawing/2014/main" id="{559ACB1D-D3F3-07D8-E5E1-B35B013E22AA}"/>
+              </a:ext>
+            </a:extLst>
+          </p:cNvPr>
+          <p:cNvCxnSpPr>
+            <a:endCxn id="65" idx="1"/>
+          </p:cNvCxnSpPr>
+          <p:nvPr/>
+        </p:nvCxnSpPr>
+        <p:spPr>
+          <a:xfrm>
+            <a:off x="844483" y="1161032"/>
+            <a:ext cx="1461589" cy="595005"/>
+          </a:xfrm>
+          <a:prstGeom prst="straightConnector1">
+            <a:avLst/>
+          </a:prstGeom>
+          <a:ln w="38100">
+            <a:solidFill>
+              <a:schemeClr val="tx1"/>
+            </a:solidFill>
+            <a:tailEnd type="triangle"/>
+          </a:ln>
+        </p:spPr>
+        <p:style>
+          <a:lnRef idx="1">
+            <a:schemeClr val="accent1"/>
+          </a:lnRef>
+          <a:fillRef idx="0">
+            <a:schemeClr val="accent1"/>
+          </a:fillRef>
+          <a:effectRef idx="0">
+            <a:schemeClr val="accent1"/>
+          </a:effectRef>
+          <a:fontRef idx="minor">
+            <a:schemeClr val="tx1"/>
+          </a:fontRef>
+        </p:style>
+      </p:cxnSp>
+      <p:cxnSp>
+        <p:nvCxnSpPr>
+          <p:cNvPr id="91" name="Gerade Verbindung mit Pfeil 90">
+            <a:extLst>
+              <a:ext uri="{FF2B5EF4-FFF2-40B4-BE49-F238E27FC236}">
+                <a16:creationId xmlns:a16="http://schemas.microsoft.com/office/drawing/2014/main" id="{337EB8B3-449E-C6C6-5040-02419AC8E5C9}"/>
+              </a:ext>
+            </a:extLst>
+          </p:cNvPr>
+          <p:cNvCxnSpPr>
+            <a:cxnSpLocks/>
+            <a:stCxn id="70" idx="6"/>
+            <a:endCxn id="65" idx="2"/>
+          </p:cNvCxnSpPr>
+          <p:nvPr/>
+        </p:nvCxnSpPr>
+        <p:spPr>
+          <a:xfrm>
+            <a:off x="899955" y="2024108"/>
+            <a:ext cx="1286537" cy="20620"/>
+          </a:xfrm>
+          <a:prstGeom prst="straightConnector1">
+            <a:avLst/>
+          </a:prstGeom>
+          <a:ln w="38100">
+            <a:solidFill>
+              <a:schemeClr val="tx1"/>
+            </a:solidFill>
+            <a:tailEnd type="triangle"/>
+          </a:ln>
+        </p:spPr>
+        <p:style>
+          <a:lnRef idx="1">
+            <a:schemeClr val="accent1"/>
+          </a:lnRef>
+          <a:fillRef idx="0">
+            <a:schemeClr val="accent1"/>
+          </a:fillRef>
+          <a:effectRef idx="0">
+            <a:schemeClr val="accent1"/>
+          </a:effectRef>
+          <a:fontRef idx="minor">
+            <a:schemeClr val="tx1"/>
+          </a:fontRef>
+        </p:style>
+      </p:cxnSp>
+      <p:cxnSp>
+        <p:nvCxnSpPr>
+          <p:cNvPr id="92" name="Gerade Verbindung mit Pfeil 91">
+            <a:extLst>
+              <a:ext uri="{FF2B5EF4-FFF2-40B4-BE49-F238E27FC236}">
+                <a16:creationId xmlns:a16="http://schemas.microsoft.com/office/drawing/2014/main" id="{4FED6F10-F8EA-24F7-4B9C-206976CD1F52}"/>
+              </a:ext>
+            </a:extLst>
+          </p:cNvPr>
+          <p:cNvCxnSpPr>
+            <a:cxnSpLocks/>
+            <a:stCxn id="73" idx="7"/>
+            <a:endCxn id="65" idx="3"/>
+          </p:cNvCxnSpPr>
+          <p:nvPr/>
+        </p:nvCxnSpPr>
+        <p:spPr>
+          <a:xfrm flipV="1">
+            <a:off x="844483" y="2333419"/>
+            <a:ext cx="1461589" cy="568209"/>
+          </a:xfrm>
+          <a:prstGeom prst="straightConnector1">
+            <a:avLst/>
+          </a:prstGeom>
+          <a:ln w="38100">
+            <a:solidFill>
+              <a:schemeClr val="tx1"/>
+            </a:solidFill>
+            <a:tailEnd type="triangle"/>
+          </a:ln>
+        </p:spPr>
+        <p:style>
+          <a:lnRef idx="1">
+            <a:schemeClr val="accent1"/>
+          </a:lnRef>
+          <a:fillRef idx="0">
+            <a:schemeClr val="accent1"/>
+          </a:fillRef>
+          <a:effectRef idx="0">
+            <a:schemeClr val="accent1"/>
+          </a:effectRef>
+          <a:fontRef idx="minor">
+            <a:schemeClr val="tx1"/>
+          </a:fontRef>
+        </p:style>
+      </p:cxnSp>
+      <p:cxnSp>
+        <p:nvCxnSpPr>
+          <p:cNvPr id="93" name="Gerade Verbindung mit Pfeil 92">
+            <a:extLst>
+              <a:ext uri="{FF2B5EF4-FFF2-40B4-BE49-F238E27FC236}">
+                <a16:creationId xmlns:a16="http://schemas.microsoft.com/office/drawing/2014/main" id="{AF222D43-8971-808F-9369-996C7A4DA20D}"/>
+              </a:ext>
+            </a:extLst>
+          </p:cNvPr>
+          <p:cNvCxnSpPr>
+            <a:cxnSpLocks/>
+            <a:stCxn id="65" idx="6"/>
+            <a:endCxn id="67" idx="2"/>
+          </p:cNvCxnSpPr>
+          <p:nvPr/>
+        </p:nvCxnSpPr>
+        <p:spPr>
+          <a:xfrm>
+            <a:off x="3003034" y="2044728"/>
+            <a:ext cx="1342009" cy="13826"/>
+          </a:xfrm>
+          <a:prstGeom prst="straightConnector1">
+            <a:avLst/>
+          </a:prstGeom>
+          <a:ln w="38100">
+            <a:solidFill>
+              <a:schemeClr val="tx1"/>
+            </a:solidFill>
+            <a:tailEnd type="triangle"/>
+          </a:ln>
+        </p:spPr>
+        <p:style>
+          <a:lnRef idx="1">
+            <a:schemeClr val="accent1"/>
+          </a:lnRef>
+          <a:fillRef idx="0">
+            <a:schemeClr val="accent1"/>
+          </a:fillRef>
+          <a:effectRef idx="0">
+            <a:schemeClr val="accent1"/>
+          </a:effectRef>
+          <a:fontRef idx="minor">
+            <a:schemeClr val="tx1"/>
+          </a:fontRef>
+        </p:style>
+      </p:cxnSp>
+      <p:cxnSp>
+        <p:nvCxnSpPr>
+          <p:cNvPr id="94" name="Gerade Verbindung mit Pfeil 93">
+            <a:extLst>
+              <a:ext uri="{FF2B5EF4-FFF2-40B4-BE49-F238E27FC236}">
+                <a16:creationId xmlns:a16="http://schemas.microsoft.com/office/drawing/2014/main" id="{1165B593-A0B0-A351-5051-CEF2513C0AAB}"/>
+              </a:ext>
+            </a:extLst>
+          </p:cNvPr>
+          <p:cNvCxnSpPr>
+            <a:cxnSpLocks/>
+            <a:stCxn id="67" idx="6"/>
+            <a:endCxn id="81" idx="2"/>
+          </p:cNvCxnSpPr>
+          <p:nvPr/>
+        </p:nvCxnSpPr>
+        <p:spPr>
+          <a:xfrm>
+            <a:off x="5161585" y="2058554"/>
+            <a:ext cx="1545597" cy="0"/>
+          </a:xfrm>
+          <a:prstGeom prst="straightConnector1">
+            <a:avLst/>
+          </a:prstGeom>
+          <a:ln w="38100">
+            <a:solidFill>
+              <a:schemeClr val="tx1"/>
+            </a:solidFill>
+            <a:tailEnd type="triangle"/>
+          </a:ln>
+        </p:spPr>
+        <p:style>
+          <a:lnRef idx="1">
+            <a:schemeClr val="accent1"/>
+          </a:lnRef>
+          <a:fillRef idx="0">
+            <a:schemeClr val="accent1"/>
+          </a:fillRef>
+          <a:effectRef idx="0">
+            <a:schemeClr val="accent1"/>
+          </a:effectRef>
+          <a:fontRef idx="minor">
+            <a:schemeClr val="tx1"/>
+          </a:fontRef>
+        </p:style>
+      </p:cxnSp>
+    </p:spTree>
+    <p:extLst>
+      <p:ext uri="{BB962C8B-B14F-4D97-AF65-F5344CB8AC3E}">
+        <p14:creationId xmlns:p14="http://schemas.microsoft.com/office/powerpoint/2010/main" val="3659868760"/>
       </p:ext>
     </p:extLst>
   </p:cSld>
